--- a/ImagensDissertacao.pptx
+++ b/ImagensDissertacao.pptx
@@ -3550,7 +3550,7 @@
         <p:spPr>
           <a:xfrm>
             <a:off x="9485376" y="1270866"/>
-            <a:ext cx="2706624" cy="2031325"/>
+            <a:ext cx="2401824" cy="2031325"/>
           </a:xfrm>
           <a:prstGeom prst="rect">
             <a:avLst/>

--- a/ImagensDissertacao.pptx
+++ b/ImagensDissertacao.pptx
@@ -6,6 +6,7 @@
   </p:sldMasterIdLst>
   <p:sldIdLst>
     <p:sldId id="256" r:id="rId2"/>
+    <p:sldId id="257" r:id="rId3"/>
   </p:sldIdLst>
   <p:sldSz cx="12192000" cy="6858000"/>
   <p:notesSz cx="6858000" cy="9144000"/>
@@ -104,6 +105,11 @@
       </a:defRPr>
     </a:lvl9pPr>
   </p:defaultTextStyle>
+  <p:extLst>
+    <p:ext uri="{EFAFB233-063F-42B5-8137-9DF3F51BA10A}">
+      <p15:sldGuideLst xmlns:p15="http://schemas.microsoft.com/office/powerpoint/2012/main"/>
+    </p:ext>
+  </p:extLst>
 </p:presentation>
 </file>
 
@@ -256,7 +262,7 @@
           <a:p>
             <a:fld id="{19E35882-C838-C948-BBA9-9D3816F7E8A7}" type="datetimeFigureOut">
               <a:rPr lang="pt-PT" smtClean="0"/>
-              <a:t>18/11/21</a:t>
+              <a:t>03/12/21</a:t>
             </a:fld>
             <a:endParaRPr lang="pt-PT"/>
           </a:p>
@@ -456,7 +462,7 @@
           <a:p>
             <a:fld id="{19E35882-C838-C948-BBA9-9D3816F7E8A7}" type="datetimeFigureOut">
               <a:rPr lang="pt-PT" smtClean="0"/>
-              <a:t>18/11/21</a:t>
+              <a:t>03/12/21</a:t>
             </a:fld>
             <a:endParaRPr lang="pt-PT"/>
           </a:p>
@@ -666,7 +672,7 @@
           <a:p>
             <a:fld id="{19E35882-C838-C948-BBA9-9D3816F7E8A7}" type="datetimeFigureOut">
               <a:rPr lang="pt-PT" smtClean="0"/>
-              <a:t>18/11/21</a:t>
+              <a:t>03/12/21</a:t>
             </a:fld>
             <a:endParaRPr lang="pt-PT"/>
           </a:p>
@@ -866,7 +872,7 @@
           <a:p>
             <a:fld id="{19E35882-C838-C948-BBA9-9D3816F7E8A7}" type="datetimeFigureOut">
               <a:rPr lang="pt-PT" smtClean="0"/>
-              <a:t>18/11/21</a:t>
+              <a:t>03/12/21</a:t>
             </a:fld>
             <a:endParaRPr lang="pt-PT"/>
           </a:p>
@@ -1142,7 +1148,7 @@
           <a:p>
             <a:fld id="{19E35882-C838-C948-BBA9-9D3816F7E8A7}" type="datetimeFigureOut">
               <a:rPr lang="pt-PT" smtClean="0"/>
-              <a:t>18/11/21</a:t>
+              <a:t>03/12/21</a:t>
             </a:fld>
             <a:endParaRPr lang="pt-PT"/>
           </a:p>
@@ -1410,7 +1416,7 @@
           <a:p>
             <a:fld id="{19E35882-C838-C948-BBA9-9D3816F7E8A7}" type="datetimeFigureOut">
               <a:rPr lang="pt-PT" smtClean="0"/>
-              <a:t>18/11/21</a:t>
+              <a:t>03/12/21</a:t>
             </a:fld>
             <a:endParaRPr lang="pt-PT"/>
           </a:p>
@@ -1825,7 +1831,7 @@
           <a:p>
             <a:fld id="{19E35882-C838-C948-BBA9-9D3816F7E8A7}" type="datetimeFigureOut">
               <a:rPr lang="pt-PT" smtClean="0"/>
-              <a:t>18/11/21</a:t>
+              <a:t>03/12/21</a:t>
             </a:fld>
             <a:endParaRPr lang="pt-PT"/>
           </a:p>
@@ -1967,7 +1973,7 @@
           <a:p>
             <a:fld id="{19E35882-C838-C948-BBA9-9D3816F7E8A7}" type="datetimeFigureOut">
               <a:rPr lang="pt-PT" smtClean="0"/>
-              <a:t>18/11/21</a:t>
+              <a:t>03/12/21</a:t>
             </a:fld>
             <a:endParaRPr lang="pt-PT"/>
           </a:p>
@@ -2080,7 +2086,7 @@
           <a:p>
             <a:fld id="{19E35882-C838-C948-BBA9-9D3816F7E8A7}" type="datetimeFigureOut">
               <a:rPr lang="pt-PT" smtClean="0"/>
-              <a:t>18/11/21</a:t>
+              <a:t>03/12/21</a:t>
             </a:fld>
             <a:endParaRPr lang="pt-PT"/>
           </a:p>
@@ -2393,7 +2399,7 @@
           <a:p>
             <a:fld id="{19E35882-C838-C948-BBA9-9D3816F7E8A7}" type="datetimeFigureOut">
               <a:rPr lang="pt-PT" smtClean="0"/>
-              <a:t>18/11/21</a:t>
+              <a:t>03/12/21</a:t>
             </a:fld>
             <a:endParaRPr lang="pt-PT"/>
           </a:p>
@@ -2682,7 +2688,7 @@
           <a:p>
             <a:fld id="{19E35882-C838-C948-BBA9-9D3816F7E8A7}" type="datetimeFigureOut">
               <a:rPr lang="pt-PT" smtClean="0"/>
-              <a:t>18/11/21</a:t>
+              <a:t>03/12/21</a:t>
             </a:fld>
             <a:endParaRPr lang="pt-PT"/>
           </a:p>
@@ -2925,7 +2931,7 @@
           <a:p>
             <a:fld id="{19E35882-C838-C948-BBA9-9D3816F7E8A7}" type="datetimeFigureOut">
               <a:rPr lang="pt-PT" smtClean="0"/>
-              <a:t>18/11/21</a:t>
+              <a:t>03/12/21</a:t>
             </a:fld>
             <a:endParaRPr lang="pt-PT"/>
           </a:p>
@@ -4025,6 +4031,257 @@
 </p:sld>
 </file>
 
+<file path=ppt/slides/slide2.xml><?xml version="1.0" encoding="utf-8"?>
+<p:sld xmlns:a="http://schemas.openxmlformats.org/drawingml/2006/main" xmlns:r="http://schemas.openxmlformats.org/officeDocument/2006/relationships" xmlns:p="http://schemas.openxmlformats.org/presentationml/2006/main">
+  <p:cSld>
+    <p:spTree>
+      <p:nvGrpSpPr>
+        <p:cNvPr id="1" name=""/>
+        <p:cNvGrpSpPr/>
+        <p:nvPr/>
+      </p:nvGrpSpPr>
+      <p:grpSpPr>
+        <a:xfrm>
+          <a:off x="0" y="0"/>
+          <a:ext cx="0" cy="0"/>
+          <a:chOff x="0" y="0"/>
+          <a:chExt cx="0" cy="0"/>
+        </a:xfrm>
+      </p:grpSpPr>
+      <p:pic>
+        <p:nvPicPr>
+          <p:cNvPr id="5" name="Picture 4" descr="Chart, bar chart&#10;&#10;Description automatically generated">
+            <a:extLst>
+              <a:ext uri="{FF2B5EF4-FFF2-40B4-BE49-F238E27FC236}">
+                <a16:creationId xmlns:a16="http://schemas.microsoft.com/office/drawing/2014/main" id="{95D75F35-FD5C-5445-AF1A-6BB3345AF363}"/>
+              </a:ext>
+            </a:extLst>
+          </p:cNvPr>
+          <p:cNvPicPr>
+            <a:picLocks noChangeAspect="1"/>
+          </p:cNvPicPr>
+          <p:nvPr/>
+        </p:nvPicPr>
+        <p:blipFill>
+          <a:blip r:embed="rId2"/>
+          <a:stretch>
+            <a:fillRect/>
+          </a:stretch>
+        </p:blipFill>
+        <p:spPr>
+          <a:xfrm>
+            <a:off x="482600" y="372266"/>
+            <a:ext cx="8020812" cy="4898717"/>
+          </a:xfrm>
+          <a:prstGeom prst="rect">
+            <a:avLst/>
+          </a:prstGeom>
+        </p:spPr>
+      </p:pic>
+      <p:sp>
+        <p:nvSpPr>
+          <p:cNvPr id="6" name="TextBox 5">
+            <a:extLst>
+              <a:ext uri="{FF2B5EF4-FFF2-40B4-BE49-F238E27FC236}">
+                <a16:creationId xmlns:a16="http://schemas.microsoft.com/office/drawing/2014/main" id="{93948B57-C411-6A4B-9C96-CEE51F58BD3E}"/>
+              </a:ext>
+            </a:extLst>
+          </p:cNvPr>
+          <p:cNvSpPr txBox="1"/>
+          <p:nvPr/>
+        </p:nvSpPr>
+        <p:spPr>
+          <a:xfrm>
+            <a:off x="6337300" y="3429000"/>
+            <a:ext cx="1295400" cy="369332"/>
+          </a:xfrm>
+          <a:prstGeom prst="rect">
+            <a:avLst/>
+          </a:prstGeom>
+          <a:noFill/>
+        </p:spPr>
+        <p:txBody>
+          <a:bodyPr wrap="square" rtlCol="0">
+            <a:spAutoFit/>
+          </a:bodyPr>
+          <a:lstStyle/>
+          <a:p>
+            <a:r>
+              <a:rPr lang="pt-PT" dirty="0"/>
+              <a:t>98</a:t>
+            </a:r>
+          </a:p>
+        </p:txBody>
+      </p:sp>
+      <p:sp>
+        <p:nvSpPr>
+          <p:cNvPr id="7" name="TextBox 6">
+            <a:extLst>
+              <a:ext uri="{FF2B5EF4-FFF2-40B4-BE49-F238E27FC236}">
+                <a16:creationId xmlns:a16="http://schemas.microsoft.com/office/drawing/2014/main" id="{93F06531-8755-0A43-9C77-7B9789221E50}"/>
+              </a:ext>
+            </a:extLst>
+          </p:cNvPr>
+          <p:cNvSpPr txBox="1"/>
+          <p:nvPr/>
+        </p:nvSpPr>
+        <p:spPr>
+          <a:xfrm>
+            <a:off x="2501900" y="482600"/>
+            <a:ext cx="1295400" cy="369332"/>
+          </a:xfrm>
+          <a:prstGeom prst="rect">
+            <a:avLst/>
+          </a:prstGeom>
+          <a:noFill/>
+        </p:spPr>
+        <p:txBody>
+          <a:bodyPr wrap="square" rtlCol="0">
+            <a:spAutoFit/>
+          </a:bodyPr>
+          <a:lstStyle/>
+          <a:p>
+            <a:r>
+              <a:rPr lang="pt-PT" dirty="0"/>
+              <a:t>338</a:t>
+            </a:r>
+          </a:p>
+        </p:txBody>
+      </p:sp>
+      <p:sp>
+        <p:nvSpPr>
+          <p:cNvPr id="8" name="TextBox 7">
+            <a:extLst>
+              <a:ext uri="{FF2B5EF4-FFF2-40B4-BE49-F238E27FC236}">
+                <a16:creationId xmlns:a16="http://schemas.microsoft.com/office/drawing/2014/main" id="{A6D04F70-03C1-9E47-B2A8-2A308B100B93}"/>
+              </a:ext>
+            </a:extLst>
+          </p:cNvPr>
+          <p:cNvSpPr txBox="1"/>
+          <p:nvPr/>
+        </p:nvSpPr>
+        <p:spPr>
+          <a:xfrm>
+            <a:off x="2686050" y="4953966"/>
+            <a:ext cx="927100" cy="253916"/>
+          </a:xfrm>
+          <a:prstGeom prst="rect">
+            <a:avLst/>
+          </a:prstGeom>
+          <a:solidFill>
+            <a:schemeClr val="bg1"/>
+          </a:solidFill>
+        </p:spPr>
+        <p:txBody>
+          <a:bodyPr wrap="square" rtlCol="0">
+            <a:spAutoFit/>
+          </a:bodyPr>
+          <a:lstStyle/>
+          <a:p>
+            <a:r>
+              <a:rPr lang="pt-PT" sz="1050" dirty="0">
+                <a:latin typeface="News Gothic MT" panose="020B0503020103020203" pitchFamily="34" charset="0"/>
+              </a:rPr>
+              <a:t>Não</a:t>
+            </a:r>
+          </a:p>
+        </p:txBody>
+      </p:sp>
+      <p:sp>
+        <p:nvSpPr>
+          <p:cNvPr id="10" name="TextBox 9">
+            <a:extLst>
+              <a:ext uri="{FF2B5EF4-FFF2-40B4-BE49-F238E27FC236}">
+                <a16:creationId xmlns:a16="http://schemas.microsoft.com/office/drawing/2014/main" id="{218D55BA-4E7B-2F42-B14A-47593BE0EBAF}"/>
+              </a:ext>
+            </a:extLst>
+          </p:cNvPr>
+          <p:cNvSpPr txBox="1"/>
+          <p:nvPr/>
+        </p:nvSpPr>
+        <p:spPr>
+          <a:xfrm>
+            <a:off x="6426200" y="4953966"/>
+            <a:ext cx="927100" cy="253916"/>
+          </a:xfrm>
+          <a:prstGeom prst="rect">
+            <a:avLst/>
+          </a:prstGeom>
+          <a:solidFill>
+            <a:schemeClr val="bg1"/>
+          </a:solidFill>
+        </p:spPr>
+        <p:txBody>
+          <a:bodyPr wrap="square" rtlCol="0">
+            <a:spAutoFit/>
+          </a:bodyPr>
+          <a:lstStyle/>
+          <a:p>
+            <a:r>
+              <a:rPr lang="pt-PT" sz="1050" dirty="0">
+                <a:latin typeface="News Gothic MT" panose="020B0503020103020203" pitchFamily="34" charset="0"/>
+              </a:rPr>
+              <a:t>Sim</a:t>
+            </a:r>
+          </a:p>
+        </p:txBody>
+      </p:sp>
+      <p:sp>
+        <p:nvSpPr>
+          <p:cNvPr id="11" name="TextBox 10">
+            <a:extLst>
+              <a:ext uri="{FF2B5EF4-FFF2-40B4-BE49-F238E27FC236}">
+                <a16:creationId xmlns:a16="http://schemas.microsoft.com/office/drawing/2014/main" id="{7973A47E-F772-F542-A223-5BCE54FA99CB}"/>
+              </a:ext>
+            </a:extLst>
+          </p:cNvPr>
+          <p:cNvSpPr txBox="1"/>
+          <p:nvPr/>
+        </p:nvSpPr>
+        <p:spPr>
+          <a:xfrm>
+            <a:off x="1079500" y="113268"/>
+            <a:ext cx="7423912" cy="369332"/>
+          </a:xfrm>
+          <a:prstGeom prst="rect">
+            <a:avLst/>
+          </a:prstGeom>
+          <a:noFill/>
+        </p:spPr>
+        <p:txBody>
+          <a:bodyPr wrap="square" rtlCol="0">
+            <a:spAutoFit/>
+          </a:bodyPr>
+          <a:lstStyle/>
+          <a:p>
+            <a:r>
+              <a:rPr lang="pt-PT" dirty="0"/>
+              <a:t>Gráfico de barras com a contagem de entradas relativas à variável ‘</a:t>
+            </a:r>
+            <a:r>
+              <a:rPr lang="pt-PT" i="1" dirty="0"/>
+              <a:t>Delirium</a:t>
+            </a:r>
+            <a:r>
+              <a:rPr lang="pt-PT" dirty="0"/>
+              <a:t>’ </a:t>
+            </a:r>
+          </a:p>
+        </p:txBody>
+      </p:sp>
+    </p:spTree>
+    <p:extLst>
+      <p:ext uri="{BB962C8B-B14F-4D97-AF65-F5344CB8AC3E}">
+        <p14:creationId xmlns:p14="http://schemas.microsoft.com/office/powerpoint/2010/main" val="4256741315"/>
+      </p:ext>
+    </p:extLst>
+  </p:cSld>
+  <p:clrMapOvr>
+    <a:masterClrMapping/>
+  </p:clrMapOvr>
+</p:sld>
+</file>
+
 <file path=ppt/theme/theme1.xml><?xml version="1.0" encoding="utf-8"?>
 <a:theme xmlns:a="http://schemas.openxmlformats.org/drawingml/2006/main" name="Office Theme">
   <a:themeElements>

--- a/ImagensDissertacao.pptx
+++ b/ImagensDissertacao.pptx
@@ -6,7 +6,12 @@
   </p:sldMasterIdLst>
   <p:sldIdLst>
     <p:sldId id="256" r:id="rId2"/>
-    <p:sldId id="257" r:id="rId3"/>
+    <p:sldId id="262" r:id="rId3"/>
+    <p:sldId id="257" r:id="rId4"/>
+    <p:sldId id="260" r:id="rId5"/>
+    <p:sldId id="261" r:id="rId6"/>
+    <p:sldId id="258" r:id="rId7"/>
+    <p:sldId id="259" r:id="rId8"/>
   </p:sldIdLst>
   <p:sldSz cx="12192000" cy="6858000"/>
   <p:notesSz cx="6858000" cy="9144000"/>
@@ -262,7 +267,7 @@
           <a:p>
             <a:fld id="{19E35882-C838-C948-BBA9-9D3816F7E8A7}" type="datetimeFigureOut">
               <a:rPr lang="pt-PT" smtClean="0"/>
-              <a:t>03/12/21</a:t>
+              <a:t>05/12/21</a:t>
             </a:fld>
             <a:endParaRPr lang="pt-PT"/>
           </a:p>
@@ -462,7 +467,7 @@
           <a:p>
             <a:fld id="{19E35882-C838-C948-BBA9-9D3816F7E8A7}" type="datetimeFigureOut">
               <a:rPr lang="pt-PT" smtClean="0"/>
-              <a:t>03/12/21</a:t>
+              <a:t>05/12/21</a:t>
             </a:fld>
             <a:endParaRPr lang="pt-PT"/>
           </a:p>
@@ -672,7 +677,7 @@
           <a:p>
             <a:fld id="{19E35882-C838-C948-BBA9-9D3816F7E8A7}" type="datetimeFigureOut">
               <a:rPr lang="pt-PT" smtClean="0"/>
-              <a:t>03/12/21</a:t>
+              <a:t>05/12/21</a:t>
             </a:fld>
             <a:endParaRPr lang="pt-PT"/>
           </a:p>
@@ -872,7 +877,7 @@
           <a:p>
             <a:fld id="{19E35882-C838-C948-BBA9-9D3816F7E8A7}" type="datetimeFigureOut">
               <a:rPr lang="pt-PT" smtClean="0"/>
-              <a:t>03/12/21</a:t>
+              <a:t>05/12/21</a:t>
             </a:fld>
             <a:endParaRPr lang="pt-PT"/>
           </a:p>
@@ -1148,7 +1153,7 @@
           <a:p>
             <a:fld id="{19E35882-C838-C948-BBA9-9D3816F7E8A7}" type="datetimeFigureOut">
               <a:rPr lang="pt-PT" smtClean="0"/>
-              <a:t>03/12/21</a:t>
+              <a:t>05/12/21</a:t>
             </a:fld>
             <a:endParaRPr lang="pt-PT"/>
           </a:p>
@@ -1416,7 +1421,7 @@
           <a:p>
             <a:fld id="{19E35882-C838-C948-BBA9-9D3816F7E8A7}" type="datetimeFigureOut">
               <a:rPr lang="pt-PT" smtClean="0"/>
-              <a:t>03/12/21</a:t>
+              <a:t>05/12/21</a:t>
             </a:fld>
             <a:endParaRPr lang="pt-PT"/>
           </a:p>
@@ -1831,7 +1836,7 @@
           <a:p>
             <a:fld id="{19E35882-C838-C948-BBA9-9D3816F7E8A7}" type="datetimeFigureOut">
               <a:rPr lang="pt-PT" smtClean="0"/>
-              <a:t>03/12/21</a:t>
+              <a:t>05/12/21</a:t>
             </a:fld>
             <a:endParaRPr lang="pt-PT"/>
           </a:p>
@@ -1973,7 +1978,7 @@
           <a:p>
             <a:fld id="{19E35882-C838-C948-BBA9-9D3816F7E8A7}" type="datetimeFigureOut">
               <a:rPr lang="pt-PT" smtClean="0"/>
-              <a:t>03/12/21</a:t>
+              <a:t>05/12/21</a:t>
             </a:fld>
             <a:endParaRPr lang="pt-PT"/>
           </a:p>
@@ -2086,7 +2091,7 @@
           <a:p>
             <a:fld id="{19E35882-C838-C948-BBA9-9D3816F7E8A7}" type="datetimeFigureOut">
               <a:rPr lang="pt-PT" smtClean="0"/>
-              <a:t>03/12/21</a:t>
+              <a:t>05/12/21</a:t>
             </a:fld>
             <a:endParaRPr lang="pt-PT"/>
           </a:p>
@@ -2399,7 +2404,7 @@
           <a:p>
             <a:fld id="{19E35882-C838-C948-BBA9-9D3816F7E8A7}" type="datetimeFigureOut">
               <a:rPr lang="pt-PT" smtClean="0"/>
-              <a:t>03/12/21</a:t>
+              <a:t>05/12/21</a:t>
             </a:fld>
             <a:endParaRPr lang="pt-PT"/>
           </a:p>
@@ -2688,7 +2693,7 @@
           <a:p>
             <a:fld id="{19E35882-C838-C948-BBA9-9D3816F7E8A7}" type="datetimeFigureOut">
               <a:rPr lang="pt-PT" smtClean="0"/>
-              <a:t>03/12/21</a:t>
+              <a:t>05/12/21</a:t>
             </a:fld>
             <a:endParaRPr lang="pt-PT"/>
           </a:p>
@@ -2931,7 +2936,7 @@
           <a:p>
             <a:fld id="{19E35882-C838-C948-BBA9-9D3816F7E8A7}" type="datetimeFigureOut">
               <a:rPr lang="pt-PT" smtClean="0"/>
-              <a:t>03/12/21</a:t>
+              <a:t>05/12/21</a:t>
             </a:fld>
             <a:endParaRPr lang="pt-PT"/>
           </a:p>
@@ -4050,10 +4055,10 @@
       </p:grpSpPr>
       <p:pic>
         <p:nvPicPr>
-          <p:cNvPr id="5" name="Picture 4" descr="Chart, bar chart&#10;&#10;Description automatically generated">
-            <a:extLst>
-              <a:ext uri="{FF2B5EF4-FFF2-40B4-BE49-F238E27FC236}">
-                <a16:creationId xmlns:a16="http://schemas.microsoft.com/office/drawing/2014/main" id="{95D75F35-FD5C-5445-AF1A-6BB3345AF363}"/>
+          <p:cNvPr id="3" name="Picture 2" descr="Chart&#10;&#10;Description automatically generated">
+            <a:extLst>
+              <a:ext uri="{FF2B5EF4-FFF2-40B4-BE49-F238E27FC236}">
+                <a16:creationId xmlns:a16="http://schemas.microsoft.com/office/drawing/2014/main" id="{92601CBA-47DA-5041-8779-A00958F04A8D}"/>
               </a:ext>
             </a:extLst>
           </p:cNvPr>
@@ -4070,8 +4075,8 @@
         </p:blipFill>
         <p:spPr>
           <a:xfrm>
-            <a:off x="482600" y="372266"/>
-            <a:ext cx="8020812" cy="4898717"/>
+            <a:off x="2024088" y="622156"/>
+            <a:ext cx="7438423" cy="5454177"/>
           </a:xfrm>
           <a:prstGeom prst="rect">
             <a:avLst/>
@@ -4083,7 +4088,7 @@
           <p:cNvPr id="6" name="TextBox 5">
             <a:extLst>
               <a:ext uri="{FF2B5EF4-FFF2-40B4-BE49-F238E27FC236}">
-                <a16:creationId xmlns:a16="http://schemas.microsoft.com/office/drawing/2014/main" id="{93948B57-C411-6A4B-9C96-CEE51F58BD3E}"/>
+                <a16:creationId xmlns:a16="http://schemas.microsoft.com/office/drawing/2014/main" id="{F2FDA720-CB8D-C949-ADEF-D3BE4F07CC21}"/>
               </a:ext>
             </a:extLst>
           </p:cNvPr>
@@ -4091,9 +4096,9 @@
           <p:nvPr/>
         </p:nvSpPr>
         <p:spPr>
-          <a:xfrm>
-            <a:off x="6337300" y="3429000"/>
-            <a:ext cx="1295400" cy="369332"/>
+          <a:xfrm rot="16200000" flipH="1">
+            <a:off x="450335" y="3148303"/>
+            <a:ext cx="2793999" cy="307777"/>
           </a:xfrm>
           <a:prstGeom prst="rect">
             <a:avLst/>
@@ -4107,8 +4112,10 @@
           <a:lstStyle/>
           <a:p>
             <a:r>
-              <a:rPr lang="pt-PT" dirty="0"/>
-              <a:t>98</a:t>
+              <a:rPr lang="pt-PT" sz="1400" b="1" dirty="0">
+                <a:latin typeface="News Gothic MT" panose="020B0503020103020203" pitchFamily="34" charset="0"/>
+              </a:rPr>
+              <a:t>Número de Variáveis</a:t>
             </a:r>
           </a:p>
         </p:txBody>
@@ -4118,7 +4125,7 @@
           <p:cNvPr id="7" name="TextBox 6">
             <a:extLst>
               <a:ext uri="{FF2B5EF4-FFF2-40B4-BE49-F238E27FC236}">
-                <a16:creationId xmlns:a16="http://schemas.microsoft.com/office/drawing/2014/main" id="{93F06531-8755-0A43-9C77-7B9789221E50}"/>
+                <a16:creationId xmlns:a16="http://schemas.microsoft.com/office/drawing/2014/main" id="{F51CF378-A48C-6346-B3B1-6A814C31D041}"/>
               </a:ext>
             </a:extLst>
           </p:cNvPr>
@@ -4126,9 +4133,9 @@
           <p:nvPr/>
         </p:nvSpPr>
         <p:spPr>
-          <a:xfrm>
-            <a:off x="2501900" y="482600"/>
-            <a:ext cx="1295400" cy="369332"/>
+          <a:xfrm flipH="1">
+            <a:off x="5650224" y="6076333"/>
+            <a:ext cx="2793999" cy="292388"/>
           </a:xfrm>
           <a:prstGeom prst="rect">
             <a:avLst/>
@@ -4142,8 +4149,10 @@
           <a:lstStyle/>
           <a:p>
             <a:r>
-              <a:rPr lang="pt-PT" dirty="0"/>
-              <a:t>338</a:t>
+              <a:rPr lang="pt-PT" sz="1300" b="1" dirty="0">
+                <a:latin typeface="News Gothic MT" panose="020B0503020103020203" pitchFamily="34" charset="0"/>
+              </a:rPr>
+              <a:t>Limiar </a:t>
             </a:r>
           </a:p>
         </p:txBody>
@@ -4153,7 +4162,7 @@
           <p:cNvPr id="8" name="TextBox 7">
             <a:extLst>
               <a:ext uri="{FF2B5EF4-FFF2-40B4-BE49-F238E27FC236}">
-                <a16:creationId xmlns:a16="http://schemas.microsoft.com/office/drawing/2014/main" id="{A6D04F70-03C1-9E47-B2A8-2A308B100B93}"/>
+                <a16:creationId xmlns:a16="http://schemas.microsoft.com/office/drawing/2014/main" id="{66B15BC5-B61F-F648-9F82-903DF9784B96}"/>
               </a:ext>
             </a:extLst>
           </p:cNvPr>
@@ -4161,8 +4170,702 @@
           <p:nvPr/>
         </p:nvSpPr>
         <p:spPr>
+          <a:xfrm flipH="1">
+            <a:off x="2404532" y="254086"/>
+            <a:ext cx="6958924" cy="323165"/>
+          </a:xfrm>
+          <a:prstGeom prst="rect">
+            <a:avLst/>
+          </a:prstGeom>
+          <a:noFill/>
+        </p:spPr>
+        <p:txBody>
+          <a:bodyPr wrap="square" rtlCol="0">
+            <a:spAutoFit/>
+          </a:bodyPr>
+          <a:lstStyle/>
+          <a:p>
+            <a:r>
+              <a:rPr lang="pt-PT" sz="1500" b="1" dirty="0">
+                <a:latin typeface="News Gothic MT" panose="020B0503020103020203" pitchFamily="34" charset="0"/>
+              </a:rPr>
+              <a:t>Variação do limiar em relação ao número de características selecionadas </a:t>
+            </a:r>
+          </a:p>
+        </p:txBody>
+      </p:sp>
+      <p:sp>
+        <p:nvSpPr>
+          <p:cNvPr id="10" name="Oval 9">
+            <a:extLst>
+              <a:ext uri="{FF2B5EF4-FFF2-40B4-BE49-F238E27FC236}">
+                <a16:creationId xmlns:a16="http://schemas.microsoft.com/office/drawing/2014/main" id="{46DD6774-01D1-3145-8A69-A044719BD82D}"/>
+              </a:ext>
+            </a:extLst>
+          </p:cNvPr>
+          <p:cNvSpPr/>
+          <p:nvPr/>
+        </p:nvSpPr>
+        <p:spPr>
           <a:xfrm>
-            <a:off x="2686050" y="4953966"/>
+            <a:off x="5399851" y="5521015"/>
+            <a:ext cx="109728" cy="109727"/>
+          </a:xfrm>
+          <a:prstGeom prst="ellipse">
+            <a:avLst/>
+          </a:prstGeom>
+          <a:solidFill>
+            <a:srgbClr val="FF0000"/>
+          </a:solidFill>
+          <a:ln>
+            <a:noFill/>
+          </a:ln>
+        </p:spPr>
+        <p:style>
+          <a:lnRef idx="2">
+            <a:schemeClr val="accent1">
+              <a:shade val="50000"/>
+            </a:schemeClr>
+          </a:lnRef>
+          <a:fillRef idx="1">
+            <a:schemeClr val="accent1"/>
+          </a:fillRef>
+          <a:effectRef idx="0">
+            <a:schemeClr val="accent1"/>
+          </a:effectRef>
+          <a:fontRef idx="minor">
+            <a:schemeClr val="lt1"/>
+          </a:fontRef>
+        </p:style>
+        <p:txBody>
+          <a:bodyPr rtlCol="0" anchor="ctr"/>
+          <a:lstStyle/>
+          <a:p>
+            <a:pPr algn="ctr"/>
+            <a:endParaRPr lang="pt-PT" dirty="0"/>
+          </a:p>
+        </p:txBody>
+      </p:sp>
+      <p:sp>
+        <p:nvSpPr>
+          <p:cNvPr id="11" name="TextBox 10">
+            <a:extLst>
+              <a:ext uri="{FF2B5EF4-FFF2-40B4-BE49-F238E27FC236}">
+                <a16:creationId xmlns:a16="http://schemas.microsoft.com/office/drawing/2014/main" id="{74DACFA6-F2E9-2C43-817E-6D1C08C11B29}"/>
+              </a:ext>
+            </a:extLst>
+          </p:cNvPr>
+          <p:cNvSpPr txBox="1"/>
+          <p:nvPr/>
+        </p:nvSpPr>
+        <p:spPr>
+          <a:xfrm>
+            <a:off x="9399301" y="913382"/>
+            <a:ext cx="2620554" cy="3139321"/>
+          </a:xfrm>
+          <a:prstGeom prst="rect">
+            <a:avLst/>
+          </a:prstGeom>
+          <a:noFill/>
+        </p:spPr>
+        <p:txBody>
+          <a:bodyPr wrap="square" rtlCol="0">
+            <a:spAutoFit/>
+          </a:bodyPr>
+          <a:lstStyle/>
+          <a:p>
+            <a:pPr algn="just"/>
+            <a:r>
+              <a:rPr lang="pt-PT" sz="1400" b="1" dirty="0">
+                <a:latin typeface="News Gothic MT" panose="020B0503020103020203" pitchFamily="34" charset="0"/>
+              </a:rPr>
+              <a:t>Variáveis selecionadas (limiar 0.06): </a:t>
+            </a:r>
+          </a:p>
+          <a:p>
+            <a:pPr algn="just"/>
+            <a:r>
+              <a:rPr lang="pt-PT" sz="1200" dirty="0">
+                <a:latin typeface="News Gothic MT" panose="020B0503020103020203" pitchFamily="34" charset="0"/>
+              </a:rPr>
+              <a:t>'Casa' 'Inter-Hospitalar' 'Intra-Hospitalar’; '</a:t>
+            </a:r>
+            <a:r>
+              <a:rPr lang="pt-PT" sz="1200" dirty="0" err="1">
+                <a:latin typeface="News Gothic MT" panose="020B0503020103020203" pitchFamily="34" charset="0"/>
+              </a:rPr>
+              <a:t>GrupoDiagn_Cardiovascular</a:t>
+            </a:r>
+            <a:r>
+              <a:rPr lang="pt-PT" sz="1200" dirty="0">
+                <a:latin typeface="News Gothic MT" panose="020B0503020103020203" pitchFamily="34" charset="0"/>
+              </a:rPr>
+              <a:t>’; '</a:t>
+            </a:r>
+            <a:r>
+              <a:rPr lang="pt-PT" sz="1200" dirty="0" err="1">
+                <a:latin typeface="News Gothic MT" panose="020B0503020103020203" pitchFamily="34" charset="0"/>
+              </a:rPr>
+              <a:t>GrupoDiagn_Gastrointestinal</a:t>
+            </a:r>
+            <a:r>
+              <a:rPr lang="pt-PT" sz="1200" dirty="0">
+                <a:latin typeface="News Gothic MT" panose="020B0503020103020203" pitchFamily="34" charset="0"/>
+              </a:rPr>
+              <a:t>' '</a:t>
+            </a:r>
+            <a:r>
+              <a:rPr lang="pt-PT" sz="1200" dirty="0" err="1">
+                <a:latin typeface="News Gothic MT" panose="020B0503020103020203" pitchFamily="34" charset="0"/>
+              </a:rPr>
+              <a:t>GrupoDiagn_Geniturinario</a:t>
+            </a:r>
+            <a:r>
+              <a:rPr lang="pt-PT" sz="1200" dirty="0">
+                <a:latin typeface="News Gothic MT" panose="020B0503020103020203" pitchFamily="34" charset="0"/>
+              </a:rPr>
+              <a:t>’; '</a:t>
+            </a:r>
+            <a:r>
+              <a:rPr lang="pt-PT" sz="1200" dirty="0" err="1">
+                <a:latin typeface="News Gothic MT" panose="020B0503020103020203" pitchFamily="34" charset="0"/>
+              </a:rPr>
+              <a:t>GrupoDiagn_Neurologico</a:t>
+            </a:r>
+            <a:r>
+              <a:rPr lang="pt-PT" sz="1200" dirty="0">
+                <a:latin typeface="News Gothic MT" panose="020B0503020103020203" pitchFamily="34" charset="0"/>
+              </a:rPr>
+              <a:t>; '</a:t>
+            </a:r>
+            <a:r>
+              <a:rPr lang="pt-PT" sz="1200" dirty="0" err="1">
+                <a:latin typeface="News Gothic MT" panose="020B0503020103020203" pitchFamily="34" charset="0"/>
+              </a:rPr>
+              <a:t>GrupoDiagn_Outro</a:t>
+            </a:r>
+            <a:r>
+              <a:rPr lang="pt-PT" sz="1200" dirty="0">
+                <a:latin typeface="News Gothic MT" panose="020B0503020103020203" pitchFamily="34" charset="0"/>
+              </a:rPr>
+              <a:t>’; '</a:t>
+            </a:r>
+            <a:r>
+              <a:rPr lang="pt-PT" sz="1200" dirty="0" err="1">
+                <a:latin typeface="News Gothic MT" panose="020B0503020103020203" pitchFamily="34" charset="0"/>
+              </a:rPr>
+              <a:t>GrupoDiagn_Respiratorio</a:t>
+            </a:r>
+            <a:r>
+              <a:rPr lang="pt-PT" sz="1200" dirty="0">
+                <a:latin typeface="News Gothic MT" panose="020B0503020103020203" pitchFamily="34" charset="0"/>
+              </a:rPr>
+              <a:t>’; '</a:t>
+            </a:r>
+            <a:r>
+              <a:rPr lang="pt-PT" sz="1200" dirty="0" err="1">
+                <a:latin typeface="News Gothic MT" panose="020B0503020103020203" pitchFamily="34" charset="0"/>
+              </a:rPr>
+              <a:t>Local_SU</a:t>
+            </a:r>
+            <a:r>
+              <a:rPr lang="pt-PT" sz="1200" dirty="0">
+                <a:latin typeface="News Gothic MT" panose="020B0503020103020203" pitchFamily="34" charset="0"/>
+              </a:rPr>
+              <a:t>’; '</a:t>
+            </a:r>
+            <a:r>
+              <a:rPr lang="pt-PT" sz="1200" dirty="0" err="1">
+                <a:latin typeface="News Gothic MT" panose="020B0503020103020203" pitchFamily="34" charset="0"/>
+              </a:rPr>
+              <a:t>Genero</a:t>
+            </a:r>
+            <a:r>
+              <a:rPr lang="pt-PT" sz="1200" dirty="0">
+                <a:latin typeface="News Gothic MT" panose="020B0503020103020203" pitchFamily="34" charset="0"/>
+              </a:rPr>
+              <a:t>’; '</a:t>
+            </a:r>
+            <a:r>
+              <a:rPr lang="pt-PT" sz="1200" dirty="0" err="1">
+                <a:latin typeface="News Gothic MT" panose="020B0503020103020203" pitchFamily="34" charset="0"/>
+              </a:rPr>
+              <a:t>Antidislipidemicos</a:t>
+            </a:r>
+            <a:r>
+              <a:rPr lang="pt-PT" sz="1200" dirty="0">
+                <a:latin typeface="News Gothic MT" panose="020B0503020103020203" pitchFamily="34" charset="0"/>
+              </a:rPr>
+              <a:t>' 'Antidepressores’; 'Anti-hipertensores’; '</a:t>
+            </a:r>
+            <a:r>
+              <a:rPr lang="pt-PT" sz="1200" dirty="0" err="1">
+                <a:latin typeface="News Gothic MT" panose="020B0503020103020203" pitchFamily="34" charset="0"/>
+              </a:rPr>
+              <a:t>Ansioliticos</a:t>
+            </a:r>
+            <a:r>
+              <a:rPr lang="pt-PT" sz="1200" dirty="0">
+                <a:latin typeface="News Gothic MT" panose="020B0503020103020203" pitchFamily="34" charset="0"/>
+              </a:rPr>
+              <a:t>' 'Anticoagulantes’; '</a:t>
+            </a:r>
+            <a:r>
+              <a:rPr lang="pt-PT" sz="1200" dirty="0" err="1">
+                <a:latin typeface="News Gothic MT" panose="020B0503020103020203" pitchFamily="34" charset="0"/>
+              </a:rPr>
+              <a:t>Digitalicos</a:t>
+            </a:r>
+            <a:r>
+              <a:rPr lang="pt-PT" sz="1200" dirty="0">
+                <a:latin typeface="News Gothic MT" panose="020B0503020103020203" pitchFamily="34" charset="0"/>
+              </a:rPr>
+              <a:t>'</a:t>
+            </a:r>
+          </a:p>
+          <a:p>
+            <a:pPr algn="just"/>
+            <a:endParaRPr lang="pt-PT" sz="1400" dirty="0">
+              <a:latin typeface="News Gothic MT" panose="020B0503020103020203" pitchFamily="34" charset="0"/>
+            </a:endParaRPr>
+          </a:p>
+        </p:txBody>
+      </p:sp>
+      <p:cxnSp>
+        <p:nvCxnSpPr>
+          <p:cNvPr id="14" name="Straight Connector 13">
+            <a:extLst>
+              <a:ext uri="{FF2B5EF4-FFF2-40B4-BE49-F238E27FC236}">
+                <a16:creationId xmlns:a16="http://schemas.microsoft.com/office/drawing/2014/main" id="{21A5BD1D-7456-364F-9E8D-6FB31F19E2B2}"/>
+              </a:ext>
+            </a:extLst>
+          </p:cNvPr>
+          <p:cNvCxnSpPr>
+            <a:cxnSpLocks/>
+          </p:cNvCxnSpPr>
+          <p:nvPr/>
+        </p:nvCxnSpPr>
+        <p:spPr>
+          <a:xfrm>
+            <a:off x="2459396" y="3597393"/>
+            <a:ext cx="881333" cy="0"/>
+          </a:xfrm>
+          <a:prstGeom prst="line">
+            <a:avLst/>
+          </a:prstGeom>
+          <a:ln w="9525" cap="flat" cmpd="sng" algn="ctr">
+            <a:solidFill>
+              <a:schemeClr val="dk1"/>
+            </a:solidFill>
+            <a:prstDash val="dash"/>
+            <a:round/>
+            <a:headEnd type="none" w="med" len="med"/>
+            <a:tailEnd type="none" w="med" len="med"/>
+          </a:ln>
+        </p:spPr>
+        <p:style>
+          <a:lnRef idx="0">
+            <a:scrgbClr r="0" g="0" b="0"/>
+          </a:lnRef>
+          <a:fillRef idx="0">
+            <a:scrgbClr r="0" g="0" b="0"/>
+          </a:fillRef>
+          <a:effectRef idx="0">
+            <a:scrgbClr r="0" g="0" b="0"/>
+          </a:effectRef>
+          <a:fontRef idx="minor">
+            <a:schemeClr val="tx1"/>
+          </a:fontRef>
+        </p:style>
+      </p:cxnSp>
+      <p:cxnSp>
+        <p:nvCxnSpPr>
+          <p:cNvPr id="15" name="Straight Connector 14">
+            <a:extLst>
+              <a:ext uri="{FF2B5EF4-FFF2-40B4-BE49-F238E27FC236}">
+                <a16:creationId xmlns:a16="http://schemas.microsoft.com/office/drawing/2014/main" id="{9898BED1-3651-7248-BB36-79C2630A7B34}"/>
+              </a:ext>
+            </a:extLst>
+          </p:cNvPr>
+          <p:cNvCxnSpPr>
+            <a:cxnSpLocks/>
+          </p:cNvCxnSpPr>
+          <p:nvPr/>
+        </p:nvCxnSpPr>
+        <p:spPr>
+          <a:xfrm flipV="1">
+            <a:off x="3314190" y="3630980"/>
+            <a:ext cx="38795" cy="2263034"/>
+          </a:xfrm>
+          <a:prstGeom prst="line">
+            <a:avLst/>
+          </a:prstGeom>
+          <a:ln w="9525" cap="flat" cmpd="sng" algn="ctr">
+            <a:solidFill>
+              <a:schemeClr val="dk1"/>
+            </a:solidFill>
+            <a:prstDash val="dash"/>
+            <a:round/>
+            <a:headEnd type="none" w="med" len="med"/>
+            <a:tailEnd type="none" w="med" len="med"/>
+          </a:ln>
+        </p:spPr>
+        <p:style>
+          <a:lnRef idx="0">
+            <a:scrgbClr r="0" g="0" b="0"/>
+          </a:lnRef>
+          <a:fillRef idx="0">
+            <a:scrgbClr r="0" g="0" b="0"/>
+          </a:fillRef>
+          <a:effectRef idx="0">
+            <a:scrgbClr r="0" g="0" b="0"/>
+          </a:effectRef>
+          <a:fontRef idx="minor">
+            <a:schemeClr val="tx1"/>
+          </a:fontRef>
+        </p:style>
+      </p:cxnSp>
+      <p:sp>
+        <p:nvSpPr>
+          <p:cNvPr id="9" name="Oval 8">
+            <a:extLst>
+              <a:ext uri="{FF2B5EF4-FFF2-40B4-BE49-F238E27FC236}">
+                <a16:creationId xmlns:a16="http://schemas.microsoft.com/office/drawing/2014/main" id="{2A2E2313-C78C-5A4C-B3A4-DC7895A27633}"/>
+              </a:ext>
+            </a:extLst>
+          </p:cNvPr>
+          <p:cNvSpPr/>
+          <p:nvPr/>
+        </p:nvSpPr>
+        <p:spPr>
+          <a:xfrm>
+            <a:off x="3316731" y="3521253"/>
+            <a:ext cx="109728" cy="109727"/>
+          </a:xfrm>
+          <a:prstGeom prst="ellipse">
+            <a:avLst/>
+          </a:prstGeom>
+          <a:solidFill>
+            <a:srgbClr val="FF0000"/>
+          </a:solidFill>
+          <a:ln>
+            <a:noFill/>
+          </a:ln>
+        </p:spPr>
+        <p:style>
+          <a:lnRef idx="2">
+            <a:schemeClr val="accent1">
+              <a:shade val="50000"/>
+            </a:schemeClr>
+          </a:lnRef>
+          <a:fillRef idx="1">
+            <a:schemeClr val="accent1"/>
+          </a:fillRef>
+          <a:effectRef idx="0">
+            <a:schemeClr val="accent1"/>
+          </a:effectRef>
+          <a:fontRef idx="minor">
+            <a:schemeClr val="lt1"/>
+          </a:fontRef>
+        </p:style>
+        <p:txBody>
+          <a:bodyPr rtlCol="0" anchor="ctr"/>
+          <a:lstStyle/>
+          <a:p>
+            <a:pPr algn="ctr"/>
+            <a:endParaRPr lang="pt-PT" dirty="0"/>
+          </a:p>
+        </p:txBody>
+      </p:sp>
+      <p:cxnSp>
+        <p:nvCxnSpPr>
+          <p:cNvPr id="21" name="Straight Connector 20">
+            <a:extLst>
+              <a:ext uri="{FF2B5EF4-FFF2-40B4-BE49-F238E27FC236}">
+                <a16:creationId xmlns:a16="http://schemas.microsoft.com/office/drawing/2014/main" id="{CF83F072-257A-7844-B02E-A638E31638E2}"/>
+              </a:ext>
+            </a:extLst>
+          </p:cNvPr>
+          <p:cNvCxnSpPr>
+            <a:cxnSpLocks/>
+          </p:cNvCxnSpPr>
+          <p:nvPr/>
+        </p:nvCxnSpPr>
+        <p:spPr>
+          <a:xfrm>
+            <a:off x="2414625" y="5536294"/>
+            <a:ext cx="3009510" cy="23247"/>
+          </a:xfrm>
+          <a:prstGeom prst="line">
+            <a:avLst/>
+          </a:prstGeom>
+          <a:ln w="9525" cap="flat" cmpd="sng" algn="ctr">
+            <a:solidFill>
+              <a:schemeClr val="dk1"/>
+            </a:solidFill>
+            <a:prstDash val="dash"/>
+            <a:round/>
+            <a:headEnd type="none" w="med" len="med"/>
+            <a:tailEnd type="none" w="med" len="med"/>
+          </a:ln>
+        </p:spPr>
+        <p:style>
+          <a:lnRef idx="0">
+            <a:scrgbClr r="0" g="0" b="0"/>
+          </a:lnRef>
+          <a:fillRef idx="0">
+            <a:scrgbClr r="0" g="0" b="0"/>
+          </a:fillRef>
+          <a:effectRef idx="0">
+            <a:scrgbClr r="0" g="0" b="0"/>
+          </a:effectRef>
+          <a:fontRef idx="minor">
+            <a:schemeClr val="tx1"/>
+          </a:fontRef>
+        </p:style>
+      </p:cxnSp>
+      <p:cxnSp>
+        <p:nvCxnSpPr>
+          <p:cNvPr id="24" name="Straight Connector 23">
+            <a:extLst>
+              <a:ext uri="{FF2B5EF4-FFF2-40B4-BE49-F238E27FC236}">
+                <a16:creationId xmlns:a16="http://schemas.microsoft.com/office/drawing/2014/main" id="{A4BED50D-D35B-EA42-BC88-BE6293B4B487}"/>
+              </a:ext>
+            </a:extLst>
+          </p:cNvPr>
+          <p:cNvCxnSpPr>
+            <a:cxnSpLocks/>
+            <a:stCxn id="35" idx="0"/>
+            <a:endCxn id="10" idx="4"/>
+          </p:cNvCxnSpPr>
+          <p:nvPr/>
+        </p:nvCxnSpPr>
+        <p:spPr>
+          <a:xfrm flipV="1">
+            <a:off x="5451729" y="5630742"/>
+            <a:ext cx="2986" cy="237525"/>
+          </a:xfrm>
+          <a:prstGeom prst="line">
+            <a:avLst/>
+          </a:prstGeom>
+          <a:ln w="9525" cap="flat" cmpd="sng" algn="ctr">
+            <a:solidFill>
+              <a:schemeClr val="dk1"/>
+            </a:solidFill>
+            <a:prstDash val="dash"/>
+            <a:round/>
+            <a:headEnd type="none" w="med" len="med"/>
+            <a:tailEnd type="none" w="med" len="med"/>
+          </a:ln>
+        </p:spPr>
+        <p:style>
+          <a:lnRef idx="0">
+            <a:scrgbClr r="0" g="0" b="0"/>
+          </a:lnRef>
+          <a:fillRef idx="0">
+            <a:scrgbClr r="0" g="0" b="0"/>
+          </a:fillRef>
+          <a:effectRef idx="0">
+            <a:scrgbClr r="0" g="0" b="0"/>
+          </a:effectRef>
+          <a:fontRef idx="minor">
+            <a:schemeClr val="tx1"/>
+          </a:fontRef>
+        </p:style>
+      </p:cxnSp>
+      <p:sp>
+        <p:nvSpPr>
+          <p:cNvPr id="28" name="TextBox 27">
+            <a:extLst>
+              <a:ext uri="{FF2B5EF4-FFF2-40B4-BE49-F238E27FC236}">
+                <a16:creationId xmlns:a16="http://schemas.microsoft.com/office/drawing/2014/main" id="{CCAA8B89-92F1-B646-923E-5E8FA2230929}"/>
+              </a:ext>
+            </a:extLst>
+          </p:cNvPr>
+          <p:cNvSpPr txBox="1"/>
+          <p:nvPr/>
+        </p:nvSpPr>
+        <p:spPr>
+          <a:xfrm>
+            <a:off x="2133026" y="3458893"/>
+            <a:ext cx="596463" cy="276999"/>
+          </a:xfrm>
+          <a:prstGeom prst="rect">
+            <a:avLst/>
+          </a:prstGeom>
+          <a:noFill/>
+        </p:spPr>
+        <p:txBody>
+          <a:bodyPr wrap="square" rtlCol="0">
+            <a:spAutoFit/>
+          </a:bodyPr>
+          <a:lstStyle/>
+          <a:p>
+            <a:r>
+              <a:rPr lang="pt-PT" sz="1200" b="1" dirty="0">
+                <a:latin typeface="+mj-lt"/>
+              </a:rPr>
+              <a:t>17</a:t>
+            </a:r>
+          </a:p>
+        </p:txBody>
+      </p:sp>
+      <p:sp>
+        <p:nvSpPr>
+          <p:cNvPr id="33" name="TextBox 32">
+            <a:extLst>
+              <a:ext uri="{FF2B5EF4-FFF2-40B4-BE49-F238E27FC236}">
+                <a16:creationId xmlns:a16="http://schemas.microsoft.com/office/drawing/2014/main" id="{EA9B2BDA-183E-B041-9368-E47962BF3BC3}"/>
+              </a:ext>
+            </a:extLst>
+          </p:cNvPr>
+          <p:cNvSpPr txBox="1"/>
+          <p:nvPr/>
+        </p:nvSpPr>
+        <p:spPr>
+          <a:xfrm>
+            <a:off x="3128228" y="5840306"/>
+            <a:ext cx="596463" cy="276999"/>
+          </a:xfrm>
+          <a:prstGeom prst="rect">
+            <a:avLst/>
+          </a:prstGeom>
+          <a:noFill/>
+        </p:spPr>
+        <p:txBody>
+          <a:bodyPr wrap="square" rtlCol="0">
+            <a:spAutoFit/>
+          </a:bodyPr>
+          <a:lstStyle/>
+          <a:p>
+            <a:r>
+              <a:rPr lang="pt-PT" sz="1200" b="1" dirty="0">
+                <a:latin typeface="+mj-lt"/>
+              </a:rPr>
+              <a:t>0.06</a:t>
+            </a:r>
+          </a:p>
+        </p:txBody>
+      </p:sp>
+      <p:sp>
+        <p:nvSpPr>
+          <p:cNvPr id="34" name="TextBox 33">
+            <a:extLst>
+              <a:ext uri="{FF2B5EF4-FFF2-40B4-BE49-F238E27FC236}">
+                <a16:creationId xmlns:a16="http://schemas.microsoft.com/office/drawing/2014/main" id="{ABCA9F50-76EC-EE43-9EF5-C2483C13B12E}"/>
+              </a:ext>
+            </a:extLst>
+          </p:cNvPr>
+          <p:cNvSpPr txBox="1"/>
+          <p:nvPr/>
+        </p:nvSpPr>
+        <p:spPr>
+          <a:xfrm>
+            <a:off x="2189998" y="5409417"/>
+            <a:ext cx="596463" cy="276999"/>
+          </a:xfrm>
+          <a:prstGeom prst="rect">
+            <a:avLst/>
+          </a:prstGeom>
+          <a:noFill/>
+        </p:spPr>
+        <p:txBody>
+          <a:bodyPr wrap="square" rtlCol="0">
+            <a:spAutoFit/>
+          </a:bodyPr>
+          <a:lstStyle/>
+          <a:p>
+            <a:r>
+              <a:rPr lang="pt-PT" sz="1200" b="1" dirty="0">
+                <a:latin typeface="+mj-lt"/>
+              </a:rPr>
+              <a:t>1</a:t>
+            </a:r>
+          </a:p>
+        </p:txBody>
+      </p:sp>
+      <p:sp>
+        <p:nvSpPr>
+          <p:cNvPr id="35" name="TextBox 34">
+            <a:extLst>
+              <a:ext uri="{FF2B5EF4-FFF2-40B4-BE49-F238E27FC236}">
+                <a16:creationId xmlns:a16="http://schemas.microsoft.com/office/drawing/2014/main" id="{4D14B6D1-785B-154D-AE71-C08989192526}"/>
+              </a:ext>
+            </a:extLst>
+          </p:cNvPr>
+          <p:cNvSpPr txBox="1"/>
+          <p:nvPr/>
+        </p:nvSpPr>
+        <p:spPr>
+          <a:xfrm>
+            <a:off x="5153497" y="5868267"/>
+            <a:ext cx="596463" cy="276999"/>
+          </a:xfrm>
+          <a:prstGeom prst="rect">
+            <a:avLst/>
+          </a:prstGeom>
+          <a:noFill/>
+        </p:spPr>
+        <p:txBody>
+          <a:bodyPr wrap="square" rtlCol="0">
+            <a:spAutoFit/>
+          </a:bodyPr>
+          <a:lstStyle/>
+          <a:p>
+            <a:r>
+              <a:rPr lang="pt-PT" sz="1200" b="1" dirty="0">
+                <a:latin typeface="+mj-lt"/>
+              </a:rPr>
+              <a:t>0.25</a:t>
+            </a:r>
+          </a:p>
+        </p:txBody>
+      </p:sp>
+    </p:spTree>
+    <p:extLst>
+      <p:ext uri="{BB962C8B-B14F-4D97-AF65-F5344CB8AC3E}">
+        <p14:creationId xmlns:p14="http://schemas.microsoft.com/office/powerpoint/2010/main" val="3740858651"/>
+      </p:ext>
+    </p:extLst>
+  </p:cSld>
+  <p:clrMapOvr>
+    <a:masterClrMapping/>
+  </p:clrMapOvr>
+</p:sld>
+</file>
+
+<file path=ppt/slides/slide3.xml><?xml version="1.0" encoding="utf-8"?>
+<p:sld xmlns:a="http://schemas.openxmlformats.org/drawingml/2006/main" xmlns:r="http://schemas.openxmlformats.org/officeDocument/2006/relationships" xmlns:p="http://schemas.openxmlformats.org/presentationml/2006/main">
+  <p:cSld>
+    <p:spTree>
+      <p:nvGrpSpPr>
+        <p:cNvPr id="1" name=""/>
+        <p:cNvGrpSpPr/>
+        <p:nvPr/>
+      </p:nvGrpSpPr>
+      <p:grpSpPr>
+        <a:xfrm>
+          <a:off x="0" y="0"/>
+          <a:ext cx="0" cy="0"/>
+          <a:chOff x="0" y="0"/>
+          <a:chExt cx="0" cy="0"/>
+        </a:xfrm>
+      </p:grpSpPr>
+      <p:sp>
+        <p:nvSpPr>
+          <p:cNvPr id="10" name="TextBox 9">
+            <a:extLst>
+              <a:ext uri="{FF2B5EF4-FFF2-40B4-BE49-F238E27FC236}">
+                <a16:creationId xmlns:a16="http://schemas.microsoft.com/office/drawing/2014/main" id="{218D55BA-4E7B-2F42-B14A-47593BE0EBAF}"/>
+              </a:ext>
+            </a:extLst>
+          </p:cNvPr>
+          <p:cNvSpPr txBox="1"/>
+          <p:nvPr/>
+        </p:nvSpPr>
+        <p:spPr>
+          <a:xfrm>
+            <a:off x="6426200" y="4953966"/>
             <a:ext cx="927100" cy="253916"/>
           </a:xfrm>
           <a:prstGeom prst="rect">
@@ -4182,17 +4885,17 @@
               <a:rPr lang="pt-PT" sz="1050" dirty="0">
                 <a:latin typeface="News Gothic MT" panose="020B0503020103020203" pitchFamily="34" charset="0"/>
               </a:rPr>
-              <a:t>Não</a:t>
-            </a:r>
-          </a:p>
-        </p:txBody>
-      </p:sp>
-      <p:sp>
-        <p:nvSpPr>
-          <p:cNvPr id="10" name="TextBox 9">
-            <a:extLst>
-              <a:ext uri="{FF2B5EF4-FFF2-40B4-BE49-F238E27FC236}">
-                <a16:creationId xmlns:a16="http://schemas.microsoft.com/office/drawing/2014/main" id="{218D55BA-4E7B-2F42-B14A-47593BE0EBAF}"/>
+              <a:t>Sim</a:t>
+            </a:r>
+          </a:p>
+        </p:txBody>
+      </p:sp>
+      <p:sp>
+        <p:nvSpPr>
+          <p:cNvPr id="11" name="TextBox 10">
+            <a:extLst>
+              <a:ext uri="{FF2B5EF4-FFF2-40B4-BE49-F238E27FC236}">
+                <a16:creationId xmlns:a16="http://schemas.microsoft.com/office/drawing/2014/main" id="{7973A47E-F772-F542-A223-5BCE54FA99CB}"/>
               </a:ext>
             </a:extLst>
           </p:cNvPr>
@@ -4201,16 +4904,4945 @@
         </p:nvSpPr>
         <p:spPr>
           <a:xfrm>
-            <a:off x="6426200" y="4953966"/>
-            <a:ext cx="927100" cy="253916"/>
+            <a:off x="834397" y="1668001"/>
+            <a:ext cx="2588284" cy="415498"/>
+          </a:xfrm>
+          <a:prstGeom prst="rect">
+            <a:avLst/>
+          </a:prstGeom>
+          <a:noFill/>
+        </p:spPr>
+        <p:txBody>
+          <a:bodyPr wrap="square" rtlCol="0">
+            <a:spAutoFit/>
+          </a:bodyPr>
+          <a:lstStyle/>
+          <a:p>
+            <a:r>
+              <a:rPr lang="pt-PT" sz="1050" dirty="0">
+                <a:latin typeface="NewsGotT" pitchFamily="2" charset="0"/>
+              </a:rPr>
+              <a:t>Contagem de categorias da variável ‘Delirium’, antes da divisão dos dados </a:t>
+            </a:r>
+          </a:p>
+        </p:txBody>
+      </p:sp>
+      <p:pic>
+        <p:nvPicPr>
+          <p:cNvPr id="3" name="Picture 2" descr="Chart, bar chart&#10;&#10;Description automatically generated">
+            <a:extLst>
+              <a:ext uri="{FF2B5EF4-FFF2-40B4-BE49-F238E27FC236}">
+                <a16:creationId xmlns:a16="http://schemas.microsoft.com/office/drawing/2014/main" id="{C6E55740-74F1-E444-9E66-7E15E27E8F7C}"/>
+              </a:ext>
+            </a:extLst>
+          </p:cNvPr>
+          <p:cNvPicPr>
+            <a:picLocks noChangeAspect="1"/>
+          </p:cNvPicPr>
+          <p:nvPr/>
+        </p:nvPicPr>
+        <p:blipFill>
+          <a:blip r:embed="rId2"/>
+          <a:stretch>
+            <a:fillRect/>
+          </a:stretch>
+        </p:blipFill>
+        <p:spPr>
+          <a:xfrm>
+            <a:off x="195033" y="2097292"/>
+            <a:ext cx="3440037" cy="2616508"/>
+          </a:xfrm>
+          <a:prstGeom prst="rect">
+            <a:avLst/>
+          </a:prstGeom>
+        </p:spPr>
+      </p:pic>
+      <p:pic>
+        <p:nvPicPr>
+          <p:cNvPr id="9" name="Picture 8" descr="Chart, bar chart&#10;&#10;Description automatically generated">
+            <a:extLst>
+              <a:ext uri="{FF2B5EF4-FFF2-40B4-BE49-F238E27FC236}">
+                <a16:creationId xmlns:a16="http://schemas.microsoft.com/office/drawing/2014/main" id="{3F617FD1-777B-BD47-93BD-ACBE2D81A2B6}"/>
+              </a:ext>
+            </a:extLst>
+          </p:cNvPr>
+          <p:cNvPicPr>
+            <a:picLocks noChangeAspect="1"/>
+          </p:cNvPicPr>
+          <p:nvPr/>
+        </p:nvPicPr>
+        <p:blipFill>
+          <a:blip r:embed="rId3"/>
+          <a:stretch>
+            <a:fillRect/>
+          </a:stretch>
+        </p:blipFill>
+        <p:spPr>
+          <a:xfrm>
+            <a:off x="4574414" y="946162"/>
+            <a:ext cx="2685276" cy="2076770"/>
+          </a:xfrm>
+          <a:prstGeom prst="rect">
+            <a:avLst/>
+          </a:prstGeom>
+        </p:spPr>
+      </p:pic>
+      <p:pic>
+        <p:nvPicPr>
+          <p:cNvPr id="13" name="Picture 12" descr="Chart, bar chart&#10;&#10;Description automatically generated">
+            <a:extLst>
+              <a:ext uri="{FF2B5EF4-FFF2-40B4-BE49-F238E27FC236}">
+                <a16:creationId xmlns:a16="http://schemas.microsoft.com/office/drawing/2014/main" id="{B9C283C5-7B66-554C-BF2C-8D8B2DA5E574}"/>
+              </a:ext>
+            </a:extLst>
+          </p:cNvPr>
+          <p:cNvPicPr>
+            <a:picLocks noChangeAspect="1"/>
+          </p:cNvPicPr>
+          <p:nvPr/>
+        </p:nvPicPr>
+        <p:blipFill>
+          <a:blip r:embed="rId4"/>
+          <a:stretch>
+            <a:fillRect/>
+          </a:stretch>
+        </p:blipFill>
+        <p:spPr>
+          <a:xfrm>
+            <a:off x="4574415" y="3634839"/>
+            <a:ext cx="2685276" cy="2157922"/>
+          </a:xfrm>
+          <a:prstGeom prst="rect">
+            <a:avLst/>
+          </a:prstGeom>
+        </p:spPr>
+      </p:pic>
+      <p:pic>
+        <p:nvPicPr>
+          <p:cNvPr id="15" name="Picture 14" descr="Chart, bar chart&#10;&#10;Description automatically generated">
+            <a:extLst>
+              <a:ext uri="{FF2B5EF4-FFF2-40B4-BE49-F238E27FC236}">
+                <a16:creationId xmlns:a16="http://schemas.microsoft.com/office/drawing/2014/main" id="{34B48F4E-B285-C84A-B241-1DB0D5C8F6ED}"/>
+              </a:ext>
+            </a:extLst>
+          </p:cNvPr>
+          <p:cNvPicPr>
+            <a:picLocks noChangeAspect="1"/>
+          </p:cNvPicPr>
+          <p:nvPr/>
+        </p:nvPicPr>
+        <p:blipFill>
+          <a:blip r:embed="rId5"/>
+          <a:stretch>
+            <a:fillRect/>
+          </a:stretch>
+        </p:blipFill>
+        <p:spPr>
+          <a:xfrm>
+            <a:off x="8122426" y="978145"/>
+            <a:ext cx="2605251" cy="2012803"/>
+          </a:xfrm>
+          <a:prstGeom prst="rect">
+            <a:avLst/>
+          </a:prstGeom>
+        </p:spPr>
+      </p:pic>
+      <p:cxnSp>
+        <p:nvCxnSpPr>
+          <p:cNvPr id="19" name="Elbow Connector 18">
+            <a:extLst>
+              <a:ext uri="{FF2B5EF4-FFF2-40B4-BE49-F238E27FC236}">
+                <a16:creationId xmlns:a16="http://schemas.microsoft.com/office/drawing/2014/main" id="{D43B7974-ABB1-BD4B-831D-BF9DD00D767E}"/>
+              </a:ext>
+            </a:extLst>
+          </p:cNvPr>
+          <p:cNvCxnSpPr>
+            <a:cxnSpLocks/>
+            <a:stCxn id="3" idx="3"/>
+            <a:endCxn id="13" idx="1"/>
+          </p:cNvCxnSpPr>
+          <p:nvPr/>
+        </p:nvCxnSpPr>
+        <p:spPr>
+          <a:xfrm>
+            <a:off x="3635070" y="3405546"/>
+            <a:ext cx="939345" cy="1308254"/>
+          </a:xfrm>
+          <a:prstGeom prst="bentConnector3">
+            <a:avLst>
+              <a:gd name="adj1" fmla="val 10792"/>
+            </a:avLst>
+          </a:prstGeom>
+          <a:ln w="12700">
+            <a:solidFill>
+              <a:schemeClr val="tx1"/>
+            </a:solidFill>
+            <a:tailEnd type="triangle"/>
+          </a:ln>
+        </p:spPr>
+        <p:style>
+          <a:lnRef idx="1">
+            <a:schemeClr val="accent1"/>
+          </a:lnRef>
+          <a:fillRef idx="0">
+            <a:schemeClr val="accent1"/>
+          </a:fillRef>
+          <a:effectRef idx="0">
+            <a:schemeClr val="accent1"/>
+          </a:effectRef>
+          <a:fontRef idx="minor">
+            <a:schemeClr val="tx1"/>
+          </a:fontRef>
+        </p:style>
+      </p:cxnSp>
+      <p:cxnSp>
+        <p:nvCxnSpPr>
+          <p:cNvPr id="22" name="Elbow Connector 21">
+            <a:extLst>
+              <a:ext uri="{FF2B5EF4-FFF2-40B4-BE49-F238E27FC236}">
+                <a16:creationId xmlns:a16="http://schemas.microsoft.com/office/drawing/2014/main" id="{CDA14A84-25AD-C747-9905-01B787F7B0DA}"/>
+              </a:ext>
+            </a:extLst>
+          </p:cNvPr>
+          <p:cNvCxnSpPr>
+            <a:cxnSpLocks/>
+            <a:stCxn id="3" idx="3"/>
+            <a:endCxn id="9" idx="1"/>
+          </p:cNvCxnSpPr>
+          <p:nvPr/>
+        </p:nvCxnSpPr>
+        <p:spPr>
+          <a:xfrm flipV="1">
+            <a:off x="3635070" y="1984547"/>
+            <a:ext cx="939344" cy="1420999"/>
+          </a:xfrm>
+          <a:prstGeom prst="bentConnector3">
+            <a:avLst>
+              <a:gd name="adj1" fmla="val 10792"/>
+            </a:avLst>
+          </a:prstGeom>
+          <a:ln w="12700">
+            <a:tailEnd type="triangle"/>
+          </a:ln>
+        </p:spPr>
+        <p:style>
+          <a:lnRef idx="1">
+            <a:schemeClr val="dk1"/>
+          </a:lnRef>
+          <a:fillRef idx="0">
+            <a:schemeClr val="dk1"/>
+          </a:fillRef>
+          <a:effectRef idx="0">
+            <a:schemeClr val="dk1"/>
+          </a:effectRef>
+          <a:fontRef idx="minor">
+            <a:schemeClr val="tx1"/>
+          </a:fontRef>
+        </p:style>
+      </p:cxnSp>
+      <p:sp>
+        <p:nvSpPr>
+          <p:cNvPr id="32" name="TextBox 31">
+            <a:extLst>
+              <a:ext uri="{FF2B5EF4-FFF2-40B4-BE49-F238E27FC236}">
+                <a16:creationId xmlns:a16="http://schemas.microsoft.com/office/drawing/2014/main" id="{A8D37EE0-91A5-214A-999D-339FE06F4DF8}"/>
+              </a:ext>
+            </a:extLst>
+          </p:cNvPr>
+          <p:cNvSpPr txBox="1"/>
+          <p:nvPr/>
+        </p:nvSpPr>
+        <p:spPr>
+          <a:xfrm>
+            <a:off x="3766415" y="1984546"/>
+            <a:ext cx="899057" cy="400110"/>
+          </a:xfrm>
+          <a:prstGeom prst="rect">
+            <a:avLst/>
+          </a:prstGeom>
+          <a:noFill/>
+        </p:spPr>
+        <p:txBody>
+          <a:bodyPr wrap="square" rtlCol="0">
+            <a:spAutoFit/>
+          </a:bodyPr>
+          <a:lstStyle/>
+          <a:p>
+            <a:r>
+              <a:rPr lang="pt-PT" sz="1000" dirty="0">
+                <a:latin typeface="NewsGotT" pitchFamily="2" charset="0"/>
+              </a:rPr>
+              <a:t>Dados de treino (64%)</a:t>
+            </a:r>
+          </a:p>
+        </p:txBody>
+      </p:sp>
+      <p:sp>
+        <p:nvSpPr>
+          <p:cNvPr id="33" name="TextBox 32">
+            <a:extLst>
+              <a:ext uri="{FF2B5EF4-FFF2-40B4-BE49-F238E27FC236}">
+                <a16:creationId xmlns:a16="http://schemas.microsoft.com/office/drawing/2014/main" id="{FA1AD181-6973-DF4C-811E-8F6449D1560D}"/>
+              </a:ext>
+            </a:extLst>
+          </p:cNvPr>
+          <p:cNvSpPr txBox="1"/>
+          <p:nvPr/>
+        </p:nvSpPr>
+        <p:spPr>
+          <a:xfrm>
+            <a:off x="3772364" y="4331186"/>
+            <a:ext cx="828720" cy="400110"/>
+          </a:xfrm>
+          <a:prstGeom prst="rect">
+            <a:avLst/>
+          </a:prstGeom>
+          <a:noFill/>
+        </p:spPr>
+        <p:txBody>
+          <a:bodyPr wrap="square" rtlCol="0">
+            <a:spAutoFit/>
+          </a:bodyPr>
+          <a:lstStyle/>
+          <a:p>
+            <a:r>
+              <a:rPr lang="pt-PT" sz="1000" dirty="0">
+                <a:latin typeface="NewsGotT" pitchFamily="2" charset="0"/>
+              </a:rPr>
+              <a:t>Dados de teste (36%)</a:t>
+            </a:r>
+          </a:p>
+        </p:txBody>
+      </p:sp>
+      <p:cxnSp>
+        <p:nvCxnSpPr>
+          <p:cNvPr id="38" name="Straight Arrow Connector 37">
+            <a:extLst>
+              <a:ext uri="{FF2B5EF4-FFF2-40B4-BE49-F238E27FC236}">
+                <a16:creationId xmlns:a16="http://schemas.microsoft.com/office/drawing/2014/main" id="{172CECB7-6DD9-6C4E-80B7-203AD96F407F}"/>
+              </a:ext>
+            </a:extLst>
+          </p:cNvPr>
+          <p:cNvCxnSpPr>
+            <a:cxnSpLocks/>
+            <a:stCxn id="9" idx="3"/>
+            <a:endCxn id="15" idx="1"/>
+          </p:cNvCxnSpPr>
+          <p:nvPr/>
+        </p:nvCxnSpPr>
+        <p:spPr>
+          <a:xfrm>
+            <a:off x="7259690" y="1984547"/>
+            <a:ext cx="862736" cy="0"/>
+          </a:xfrm>
+          <a:prstGeom prst="straightConnector1">
+            <a:avLst/>
+          </a:prstGeom>
+          <a:ln w="12700">
+            <a:solidFill>
+              <a:schemeClr val="tx1"/>
+            </a:solidFill>
+            <a:tailEnd type="triangle"/>
+          </a:ln>
+        </p:spPr>
+        <p:style>
+          <a:lnRef idx="1">
+            <a:schemeClr val="accent1"/>
+          </a:lnRef>
+          <a:fillRef idx="0">
+            <a:schemeClr val="accent1"/>
+          </a:fillRef>
+          <a:effectRef idx="0">
+            <a:schemeClr val="accent1"/>
+          </a:effectRef>
+          <a:fontRef idx="minor">
+            <a:schemeClr val="tx1"/>
+          </a:fontRef>
+        </p:style>
+      </p:cxnSp>
+      <p:sp>
+        <p:nvSpPr>
+          <p:cNvPr id="40" name="TextBox 39">
+            <a:extLst>
+              <a:ext uri="{FF2B5EF4-FFF2-40B4-BE49-F238E27FC236}">
+                <a16:creationId xmlns:a16="http://schemas.microsoft.com/office/drawing/2014/main" id="{442449FB-0D95-3B48-B70F-F16F0A979567}"/>
+              </a:ext>
+            </a:extLst>
+          </p:cNvPr>
+          <p:cNvSpPr txBox="1"/>
+          <p:nvPr/>
+        </p:nvSpPr>
+        <p:spPr>
+          <a:xfrm>
+            <a:off x="7259690" y="1605716"/>
+            <a:ext cx="1206470" cy="415498"/>
+          </a:xfrm>
+          <a:prstGeom prst="rect">
+            <a:avLst/>
+          </a:prstGeom>
+          <a:noFill/>
+        </p:spPr>
+        <p:txBody>
+          <a:bodyPr wrap="square" rtlCol="0">
+            <a:spAutoFit/>
+          </a:bodyPr>
+          <a:lstStyle/>
+          <a:p>
+            <a:r>
+              <a:rPr lang="pt-PT" sz="1000" dirty="0">
+                <a:latin typeface="NewsGotT" pitchFamily="2" charset="0"/>
+              </a:rPr>
+              <a:t>Dados após </a:t>
+            </a:r>
+            <a:r>
+              <a:rPr lang="pt-PT" sz="1000" i="1" dirty="0" err="1">
+                <a:latin typeface="NewsGotT" pitchFamily="2" charset="0"/>
+              </a:rPr>
+              <a:t>Oversampling</a:t>
+            </a:r>
+            <a:r>
+              <a:rPr lang="pt-PT" sz="1000" i="1" dirty="0">
+                <a:latin typeface="NewsGotT" pitchFamily="2" charset="0"/>
+              </a:rPr>
+              <a:t>() </a:t>
+            </a:r>
+          </a:p>
+        </p:txBody>
+      </p:sp>
+      <p:sp>
+        <p:nvSpPr>
+          <p:cNvPr id="60" name="TextBox 59">
+            <a:extLst>
+              <a:ext uri="{FF2B5EF4-FFF2-40B4-BE49-F238E27FC236}">
+                <a16:creationId xmlns:a16="http://schemas.microsoft.com/office/drawing/2014/main" id="{EFD378F2-20A1-7244-8861-5257299AB87E}"/>
+              </a:ext>
+            </a:extLst>
+          </p:cNvPr>
+          <p:cNvSpPr txBox="1"/>
+          <p:nvPr/>
+        </p:nvSpPr>
+        <p:spPr>
+          <a:xfrm>
+            <a:off x="5062019" y="572081"/>
+            <a:ext cx="2364496" cy="369332"/>
+          </a:xfrm>
+          <a:prstGeom prst="rect">
+            <a:avLst/>
+          </a:prstGeom>
+          <a:noFill/>
+        </p:spPr>
+        <p:txBody>
+          <a:bodyPr wrap="square" rtlCol="0">
+            <a:spAutoFit/>
+          </a:bodyPr>
+          <a:lstStyle/>
+          <a:p>
+            <a:r>
+              <a:rPr lang="pt-PT" sz="900" dirty="0">
+                <a:latin typeface="NewsGotT" pitchFamily="2" charset="0"/>
+              </a:rPr>
+              <a:t>Contagem de categorias da variável ‘Delirium’, após divisão dos dados, para treino </a:t>
+            </a:r>
+          </a:p>
+        </p:txBody>
+      </p:sp>
+      <p:sp>
+        <p:nvSpPr>
+          <p:cNvPr id="62" name="TextBox 61">
+            <a:extLst>
+              <a:ext uri="{FF2B5EF4-FFF2-40B4-BE49-F238E27FC236}">
+                <a16:creationId xmlns:a16="http://schemas.microsoft.com/office/drawing/2014/main" id="{D48013C3-FC9C-344A-8B73-06F5D96E4F73}"/>
+              </a:ext>
+            </a:extLst>
+          </p:cNvPr>
+          <p:cNvSpPr txBox="1"/>
+          <p:nvPr/>
+        </p:nvSpPr>
+        <p:spPr>
+          <a:xfrm>
+            <a:off x="4932884" y="3253139"/>
+            <a:ext cx="2370003" cy="369332"/>
+          </a:xfrm>
+          <a:prstGeom prst="rect">
+            <a:avLst/>
+          </a:prstGeom>
+          <a:noFill/>
+        </p:spPr>
+        <p:txBody>
+          <a:bodyPr wrap="square" rtlCol="0">
+            <a:spAutoFit/>
+          </a:bodyPr>
+          <a:lstStyle/>
+          <a:p>
+            <a:r>
+              <a:rPr lang="pt-PT" sz="900" dirty="0">
+                <a:latin typeface="NewsGotT" pitchFamily="2" charset="0"/>
+              </a:rPr>
+              <a:t>Contagem de categorias da variável ‘Delirium’, após divisão dos dados, para teste</a:t>
+            </a:r>
+          </a:p>
+        </p:txBody>
+      </p:sp>
+      <p:sp>
+        <p:nvSpPr>
+          <p:cNvPr id="63" name="TextBox 62">
+            <a:extLst>
+              <a:ext uri="{FF2B5EF4-FFF2-40B4-BE49-F238E27FC236}">
+                <a16:creationId xmlns:a16="http://schemas.microsoft.com/office/drawing/2014/main" id="{E4A9CFAF-63EE-4842-B9FC-4DA02E3CF072}"/>
+              </a:ext>
+            </a:extLst>
+          </p:cNvPr>
+          <p:cNvSpPr txBox="1"/>
+          <p:nvPr/>
+        </p:nvSpPr>
+        <p:spPr>
+          <a:xfrm>
+            <a:off x="8649217" y="520819"/>
+            <a:ext cx="2605251" cy="415498"/>
+          </a:xfrm>
+          <a:prstGeom prst="rect">
+            <a:avLst/>
+          </a:prstGeom>
+          <a:noFill/>
+        </p:spPr>
+        <p:txBody>
+          <a:bodyPr wrap="square" rtlCol="0">
+            <a:spAutoFit/>
+          </a:bodyPr>
+          <a:lstStyle/>
+          <a:p>
+            <a:r>
+              <a:rPr lang="pt-PT" sz="1000" dirty="0">
+                <a:latin typeface="NewsGotT" pitchFamily="2" charset="0"/>
+              </a:rPr>
+              <a:t>Contagem de categorias da variável ‘Delirium’, após a criação de novas observações </a:t>
+            </a:r>
+          </a:p>
+        </p:txBody>
+      </p:sp>
+      <p:sp>
+        <p:nvSpPr>
+          <p:cNvPr id="66" name="TextBox 65">
+            <a:extLst>
+              <a:ext uri="{FF2B5EF4-FFF2-40B4-BE49-F238E27FC236}">
+                <a16:creationId xmlns:a16="http://schemas.microsoft.com/office/drawing/2014/main" id="{9B7B4423-072E-5F4F-B871-D24B2A22E4BB}"/>
+              </a:ext>
+            </a:extLst>
+          </p:cNvPr>
+          <p:cNvSpPr txBox="1"/>
+          <p:nvPr/>
+        </p:nvSpPr>
+        <p:spPr>
+          <a:xfrm>
+            <a:off x="402757" y="1730707"/>
+            <a:ext cx="431639" cy="307777"/>
+          </a:xfrm>
+          <a:prstGeom prst="rect">
+            <a:avLst/>
+          </a:prstGeom>
+          <a:noFill/>
+        </p:spPr>
+        <p:txBody>
+          <a:bodyPr wrap="square" rtlCol="0">
+            <a:spAutoFit/>
+          </a:bodyPr>
+          <a:lstStyle/>
+          <a:p>
+            <a:r>
+              <a:rPr lang="pt-PT" sz="1400" b="1" dirty="0">
+                <a:latin typeface="NewsGotT" pitchFamily="2" charset="0"/>
+              </a:rPr>
+              <a:t>(A)</a:t>
+            </a:r>
+          </a:p>
+        </p:txBody>
+      </p:sp>
+      <p:sp>
+        <p:nvSpPr>
+          <p:cNvPr id="68" name="TextBox 67">
+            <a:extLst>
+              <a:ext uri="{FF2B5EF4-FFF2-40B4-BE49-F238E27FC236}">
+                <a16:creationId xmlns:a16="http://schemas.microsoft.com/office/drawing/2014/main" id="{C29FB131-69FC-E64D-8FA1-B0E932167E0A}"/>
+              </a:ext>
+            </a:extLst>
+          </p:cNvPr>
+          <p:cNvSpPr txBox="1"/>
+          <p:nvPr/>
+        </p:nvSpPr>
+        <p:spPr>
+          <a:xfrm>
+            <a:off x="4665472" y="638385"/>
+            <a:ext cx="396547" cy="307777"/>
+          </a:xfrm>
+          <a:prstGeom prst="rect">
+            <a:avLst/>
+          </a:prstGeom>
+          <a:noFill/>
+        </p:spPr>
+        <p:txBody>
+          <a:bodyPr wrap="square" rtlCol="0">
+            <a:spAutoFit/>
+          </a:bodyPr>
+          <a:lstStyle/>
+          <a:p>
+            <a:r>
+              <a:rPr lang="pt-PT" sz="1400" b="1" dirty="0">
+                <a:latin typeface="NewsGotT" pitchFamily="2" charset="0"/>
+              </a:rPr>
+              <a:t>(B)</a:t>
+            </a:r>
+          </a:p>
+        </p:txBody>
+      </p:sp>
+      <p:sp>
+        <p:nvSpPr>
+          <p:cNvPr id="69" name="TextBox 68">
+            <a:extLst>
+              <a:ext uri="{FF2B5EF4-FFF2-40B4-BE49-F238E27FC236}">
+                <a16:creationId xmlns:a16="http://schemas.microsoft.com/office/drawing/2014/main" id="{97621D27-9B26-0B44-A196-4633C4BD5F1A}"/>
+              </a:ext>
+            </a:extLst>
+          </p:cNvPr>
+          <p:cNvSpPr txBox="1"/>
+          <p:nvPr/>
+        </p:nvSpPr>
+        <p:spPr>
+          <a:xfrm>
+            <a:off x="4574414" y="3266473"/>
+            <a:ext cx="500092" cy="307777"/>
+          </a:xfrm>
+          <a:prstGeom prst="rect">
+            <a:avLst/>
+          </a:prstGeom>
+          <a:noFill/>
+        </p:spPr>
+        <p:txBody>
+          <a:bodyPr wrap="square" rtlCol="0">
+            <a:spAutoFit/>
+          </a:bodyPr>
+          <a:lstStyle/>
+          <a:p>
+            <a:r>
+              <a:rPr lang="pt-PT" sz="1400" b="1" dirty="0">
+                <a:latin typeface="NewsGotT" pitchFamily="2" charset="0"/>
+              </a:rPr>
+              <a:t>(C)</a:t>
+            </a:r>
+          </a:p>
+        </p:txBody>
+      </p:sp>
+      <p:sp>
+        <p:nvSpPr>
+          <p:cNvPr id="70" name="TextBox 69">
+            <a:extLst>
+              <a:ext uri="{FF2B5EF4-FFF2-40B4-BE49-F238E27FC236}">
+                <a16:creationId xmlns:a16="http://schemas.microsoft.com/office/drawing/2014/main" id="{158CB100-06C1-4049-9956-4E689726274F}"/>
+              </a:ext>
+            </a:extLst>
+          </p:cNvPr>
+          <p:cNvSpPr txBox="1"/>
+          <p:nvPr/>
+        </p:nvSpPr>
+        <p:spPr>
+          <a:xfrm>
+            <a:off x="8304944" y="587664"/>
+            <a:ext cx="418195" cy="307777"/>
+          </a:xfrm>
+          <a:prstGeom prst="rect">
+            <a:avLst/>
+          </a:prstGeom>
+          <a:noFill/>
+        </p:spPr>
+        <p:txBody>
+          <a:bodyPr wrap="square" rtlCol="0">
+            <a:spAutoFit/>
+          </a:bodyPr>
+          <a:lstStyle/>
+          <a:p>
+            <a:r>
+              <a:rPr lang="pt-PT" sz="1400" b="1" dirty="0">
+                <a:latin typeface="NewsGotT" pitchFamily="2" charset="0"/>
+              </a:rPr>
+              <a:t>(D)</a:t>
+            </a:r>
+          </a:p>
+        </p:txBody>
+      </p:sp>
+    </p:spTree>
+    <p:extLst>
+      <p:ext uri="{BB962C8B-B14F-4D97-AF65-F5344CB8AC3E}">
+        <p14:creationId xmlns:p14="http://schemas.microsoft.com/office/powerpoint/2010/main" val="4256741315"/>
+      </p:ext>
+    </p:extLst>
+  </p:cSld>
+  <p:clrMapOvr>
+    <a:masterClrMapping/>
+  </p:clrMapOvr>
+</p:sld>
+</file>
+
+<file path=ppt/slides/slide4.xml><?xml version="1.0" encoding="utf-8"?>
+<p:sld xmlns:a="http://schemas.openxmlformats.org/drawingml/2006/main" xmlns:r="http://schemas.openxmlformats.org/officeDocument/2006/relationships" xmlns:p="http://schemas.openxmlformats.org/presentationml/2006/main">
+  <p:cSld>
+    <p:spTree>
+      <p:nvGrpSpPr>
+        <p:cNvPr id="1" name=""/>
+        <p:cNvGrpSpPr/>
+        <p:nvPr/>
+      </p:nvGrpSpPr>
+      <p:grpSpPr>
+        <a:xfrm>
+          <a:off x="0" y="0"/>
+          <a:ext cx="0" cy="0"/>
+          <a:chOff x="0" y="0"/>
+          <a:chExt cx="0" cy="0"/>
+        </a:xfrm>
+      </p:grpSpPr>
+      <p:cxnSp>
+        <p:nvCxnSpPr>
+          <p:cNvPr id="19" name="Elbow Connector 18">
+            <a:extLst>
+              <a:ext uri="{FF2B5EF4-FFF2-40B4-BE49-F238E27FC236}">
+                <a16:creationId xmlns:a16="http://schemas.microsoft.com/office/drawing/2014/main" id="{D43B7974-ABB1-BD4B-831D-BF9DD00D767E}"/>
+              </a:ext>
+            </a:extLst>
+          </p:cNvPr>
+          <p:cNvCxnSpPr>
+            <a:cxnSpLocks/>
+            <a:stCxn id="4" idx="3"/>
+            <a:endCxn id="17" idx="1"/>
+          </p:cNvCxnSpPr>
+          <p:nvPr/>
+        </p:nvCxnSpPr>
+        <p:spPr>
+          <a:xfrm>
+            <a:off x="3442700" y="3420361"/>
+            <a:ext cx="1212123" cy="1580327"/>
+          </a:xfrm>
+          <a:prstGeom prst="bentConnector3">
+            <a:avLst>
+              <a:gd name="adj1" fmla="val 9085"/>
+            </a:avLst>
+          </a:prstGeom>
+          <a:ln w="12700">
+            <a:solidFill>
+              <a:schemeClr val="tx1"/>
+            </a:solidFill>
+            <a:tailEnd type="triangle"/>
+          </a:ln>
+        </p:spPr>
+        <p:style>
+          <a:lnRef idx="1">
+            <a:schemeClr val="accent1"/>
+          </a:lnRef>
+          <a:fillRef idx="0">
+            <a:schemeClr val="accent1"/>
+          </a:fillRef>
+          <a:effectRef idx="0">
+            <a:schemeClr val="accent1"/>
+          </a:effectRef>
+          <a:fontRef idx="minor">
+            <a:schemeClr val="tx1"/>
+          </a:fontRef>
+        </p:style>
+      </p:cxnSp>
+      <p:cxnSp>
+        <p:nvCxnSpPr>
+          <p:cNvPr id="22" name="Elbow Connector 21">
+            <a:extLst>
+              <a:ext uri="{FF2B5EF4-FFF2-40B4-BE49-F238E27FC236}">
+                <a16:creationId xmlns:a16="http://schemas.microsoft.com/office/drawing/2014/main" id="{CDA14A84-25AD-C747-9905-01B787F7B0DA}"/>
+              </a:ext>
+            </a:extLst>
+          </p:cNvPr>
+          <p:cNvCxnSpPr>
+            <a:cxnSpLocks/>
+            <a:stCxn id="4" idx="3"/>
+            <a:endCxn id="8" idx="1"/>
+          </p:cNvCxnSpPr>
+          <p:nvPr/>
+        </p:nvCxnSpPr>
+        <p:spPr>
+          <a:xfrm flipV="1">
+            <a:off x="3442700" y="1644295"/>
+            <a:ext cx="996726" cy="1776066"/>
+          </a:xfrm>
+          <a:prstGeom prst="bentConnector3">
+            <a:avLst>
+              <a:gd name="adj1" fmla="val 11127"/>
+            </a:avLst>
+          </a:prstGeom>
+          <a:ln w="12700">
+            <a:tailEnd type="triangle"/>
+          </a:ln>
+        </p:spPr>
+        <p:style>
+          <a:lnRef idx="1">
+            <a:schemeClr val="dk1"/>
+          </a:lnRef>
+          <a:fillRef idx="0">
+            <a:schemeClr val="dk1"/>
+          </a:fillRef>
+          <a:effectRef idx="0">
+            <a:schemeClr val="dk1"/>
+          </a:effectRef>
+          <a:fontRef idx="minor">
+            <a:schemeClr val="tx1"/>
+          </a:fontRef>
+        </p:style>
+      </p:cxnSp>
+      <p:sp>
+        <p:nvSpPr>
+          <p:cNvPr id="32" name="TextBox 31">
+            <a:extLst>
+              <a:ext uri="{FF2B5EF4-FFF2-40B4-BE49-F238E27FC236}">
+                <a16:creationId xmlns:a16="http://schemas.microsoft.com/office/drawing/2014/main" id="{A8D37EE0-91A5-214A-999D-339FE06F4DF8}"/>
+              </a:ext>
+            </a:extLst>
+          </p:cNvPr>
+          <p:cNvSpPr txBox="1"/>
+          <p:nvPr/>
+        </p:nvSpPr>
+        <p:spPr>
+          <a:xfrm>
+            <a:off x="3539665" y="1697828"/>
+            <a:ext cx="899057" cy="400110"/>
+          </a:xfrm>
+          <a:prstGeom prst="rect">
+            <a:avLst/>
+          </a:prstGeom>
+          <a:noFill/>
+        </p:spPr>
+        <p:txBody>
+          <a:bodyPr wrap="square" rtlCol="0">
+            <a:spAutoFit/>
+          </a:bodyPr>
+          <a:lstStyle/>
+          <a:p>
+            <a:r>
+              <a:rPr lang="pt-PT" sz="1000" dirty="0">
+                <a:latin typeface="NewsGotT" pitchFamily="2" charset="0"/>
+              </a:rPr>
+              <a:t>Dados de treino (64%)</a:t>
+            </a:r>
+          </a:p>
+        </p:txBody>
+      </p:sp>
+      <p:sp>
+        <p:nvSpPr>
+          <p:cNvPr id="33" name="TextBox 32">
+            <a:extLst>
+              <a:ext uri="{FF2B5EF4-FFF2-40B4-BE49-F238E27FC236}">
+                <a16:creationId xmlns:a16="http://schemas.microsoft.com/office/drawing/2014/main" id="{FA1AD181-6973-DF4C-811E-8F6449D1560D}"/>
+              </a:ext>
+            </a:extLst>
+          </p:cNvPr>
+          <p:cNvSpPr txBox="1"/>
+          <p:nvPr/>
+        </p:nvSpPr>
+        <p:spPr>
+          <a:xfrm>
+            <a:off x="3772364" y="4331186"/>
+            <a:ext cx="828720" cy="400110"/>
+          </a:xfrm>
+          <a:prstGeom prst="rect">
+            <a:avLst/>
+          </a:prstGeom>
+          <a:noFill/>
+        </p:spPr>
+        <p:txBody>
+          <a:bodyPr wrap="square" rtlCol="0">
+            <a:spAutoFit/>
+          </a:bodyPr>
+          <a:lstStyle/>
+          <a:p>
+            <a:r>
+              <a:rPr lang="pt-PT" sz="1000" dirty="0">
+                <a:latin typeface="NewsGotT" pitchFamily="2" charset="0"/>
+              </a:rPr>
+              <a:t>Dados de teste (36%)</a:t>
+            </a:r>
+          </a:p>
+        </p:txBody>
+      </p:sp>
+      <p:cxnSp>
+        <p:nvCxnSpPr>
+          <p:cNvPr id="38" name="Straight Arrow Connector 37">
+            <a:extLst>
+              <a:ext uri="{FF2B5EF4-FFF2-40B4-BE49-F238E27FC236}">
+                <a16:creationId xmlns:a16="http://schemas.microsoft.com/office/drawing/2014/main" id="{172CECB7-6DD9-6C4E-80B7-203AD96F407F}"/>
+              </a:ext>
+            </a:extLst>
+          </p:cNvPr>
+          <p:cNvCxnSpPr>
+            <a:cxnSpLocks/>
+            <a:stCxn id="8" idx="3"/>
+            <a:endCxn id="27" idx="1"/>
+          </p:cNvCxnSpPr>
+          <p:nvPr/>
+        </p:nvCxnSpPr>
+        <p:spPr>
+          <a:xfrm flipV="1">
+            <a:off x="7752573" y="1644294"/>
+            <a:ext cx="743242" cy="1"/>
+          </a:xfrm>
+          <a:prstGeom prst="straightConnector1">
+            <a:avLst/>
+          </a:prstGeom>
+          <a:ln w="12700">
+            <a:solidFill>
+              <a:schemeClr val="tx1"/>
+            </a:solidFill>
+            <a:tailEnd type="triangle"/>
+          </a:ln>
+        </p:spPr>
+        <p:style>
+          <a:lnRef idx="1">
+            <a:schemeClr val="accent1"/>
+          </a:lnRef>
+          <a:fillRef idx="0">
+            <a:schemeClr val="accent1"/>
+          </a:fillRef>
+          <a:effectRef idx="0">
+            <a:schemeClr val="accent1"/>
+          </a:effectRef>
+          <a:fontRef idx="minor">
+            <a:schemeClr val="tx1"/>
+          </a:fontRef>
+        </p:style>
+      </p:cxnSp>
+      <p:sp>
+        <p:nvSpPr>
+          <p:cNvPr id="40" name="TextBox 39">
+            <a:extLst>
+              <a:ext uri="{FF2B5EF4-FFF2-40B4-BE49-F238E27FC236}">
+                <a16:creationId xmlns:a16="http://schemas.microsoft.com/office/drawing/2014/main" id="{442449FB-0D95-3B48-B70F-F16F0A979567}"/>
+              </a:ext>
+            </a:extLst>
+          </p:cNvPr>
+          <p:cNvSpPr txBox="1"/>
+          <p:nvPr/>
+        </p:nvSpPr>
+        <p:spPr>
+          <a:xfrm>
+            <a:off x="7711251" y="1621104"/>
+            <a:ext cx="1206470" cy="400110"/>
+          </a:xfrm>
+          <a:prstGeom prst="rect">
+            <a:avLst/>
+          </a:prstGeom>
+          <a:noFill/>
+        </p:spPr>
+        <p:txBody>
+          <a:bodyPr wrap="square" rtlCol="0">
+            <a:spAutoFit/>
+          </a:bodyPr>
+          <a:lstStyle/>
+          <a:p>
+            <a:r>
+              <a:rPr lang="pt-PT" sz="1000" dirty="0">
+                <a:latin typeface="NewsGotT" pitchFamily="2" charset="0"/>
+              </a:rPr>
+              <a:t>Dados após </a:t>
+            </a:r>
+            <a:r>
+              <a:rPr lang="pt-PT" sz="1000" i="1" dirty="0">
+                <a:latin typeface="NewsGotT" pitchFamily="2" charset="0"/>
+              </a:rPr>
+              <a:t>ADASYN() </a:t>
+            </a:r>
+          </a:p>
+        </p:txBody>
+      </p:sp>
+      <p:sp>
+        <p:nvSpPr>
+          <p:cNvPr id="66" name="TextBox 65">
+            <a:extLst>
+              <a:ext uri="{FF2B5EF4-FFF2-40B4-BE49-F238E27FC236}">
+                <a16:creationId xmlns:a16="http://schemas.microsoft.com/office/drawing/2014/main" id="{9B7B4423-072E-5F4F-B871-D24B2A22E4BB}"/>
+              </a:ext>
+            </a:extLst>
+          </p:cNvPr>
+          <p:cNvSpPr txBox="1"/>
+          <p:nvPr/>
+        </p:nvSpPr>
+        <p:spPr>
+          <a:xfrm>
+            <a:off x="189342" y="1713437"/>
+            <a:ext cx="431639" cy="307777"/>
+          </a:xfrm>
+          <a:prstGeom prst="rect">
+            <a:avLst/>
+          </a:prstGeom>
+          <a:noFill/>
+        </p:spPr>
+        <p:txBody>
+          <a:bodyPr wrap="square" rtlCol="0">
+            <a:spAutoFit/>
+          </a:bodyPr>
+          <a:lstStyle/>
+          <a:p>
+            <a:r>
+              <a:rPr lang="pt-PT" sz="1400" b="1" dirty="0">
+                <a:latin typeface="NewsGotT" pitchFamily="2" charset="0"/>
+              </a:rPr>
+              <a:t>(A)</a:t>
+            </a:r>
+          </a:p>
+        </p:txBody>
+      </p:sp>
+      <p:sp>
+        <p:nvSpPr>
+          <p:cNvPr id="68" name="TextBox 67">
+            <a:extLst>
+              <a:ext uri="{FF2B5EF4-FFF2-40B4-BE49-F238E27FC236}">
+                <a16:creationId xmlns:a16="http://schemas.microsoft.com/office/drawing/2014/main" id="{C29FB131-69FC-E64D-8FA1-B0E932167E0A}"/>
+              </a:ext>
+            </a:extLst>
+          </p:cNvPr>
+          <p:cNvSpPr txBox="1"/>
+          <p:nvPr/>
+        </p:nvSpPr>
+        <p:spPr>
+          <a:xfrm>
+            <a:off x="4542480" y="40887"/>
+            <a:ext cx="418195" cy="307777"/>
+          </a:xfrm>
+          <a:prstGeom prst="rect">
+            <a:avLst/>
+          </a:prstGeom>
+          <a:noFill/>
+        </p:spPr>
+        <p:txBody>
+          <a:bodyPr wrap="square" rtlCol="0">
+            <a:spAutoFit/>
+          </a:bodyPr>
+          <a:lstStyle/>
+          <a:p>
+            <a:r>
+              <a:rPr lang="pt-PT" sz="1400" b="1" dirty="0">
+                <a:latin typeface="NewsGotT" pitchFamily="2" charset="0"/>
+              </a:rPr>
+              <a:t>(B)</a:t>
+            </a:r>
+          </a:p>
+        </p:txBody>
+      </p:sp>
+      <p:sp>
+        <p:nvSpPr>
+          <p:cNvPr id="69" name="TextBox 68">
+            <a:extLst>
+              <a:ext uri="{FF2B5EF4-FFF2-40B4-BE49-F238E27FC236}">
+                <a16:creationId xmlns:a16="http://schemas.microsoft.com/office/drawing/2014/main" id="{97621D27-9B26-0B44-A196-4633C4BD5F1A}"/>
+              </a:ext>
+            </a:extLst>
+          </p:cNvPr>
+          <p:cNvSpPr txBox="1"/>
+          <p:nvPr/>
+        </p:nvSpPr>
+        <p:spPr>
+          <a:xfrm>
+            <a:off x="4574414" y="3266473"/>
+            <a:ext cx="500092" cy="307777"/>
+          </a:xfrm>
+          <a:prstGeom prst="rect">
+            <a:avLst/>
+          </a:prstGeom>
+          <a:noFill/>
+        </p:spPr>
+        <p:txBody>
+          <a:bodyPr wrap="square" rtlCol="0">
+            <a:spAutoFit/>
+          </a:bodyPr>
+          <a:lstStyle/>
+          <a:p>
+            <a:r>
+              <a:rPr lang="pt-PT" sz="1400" b="1" dirty="0">
+                <a:latin typeface="NewsGotT" pitchFamily="2" charset="0"/>
+              </a:rPr>
+              <a:t>(C)</a:t>
+            </a:r>
+          </a:p>
+        </p:txBody>
+      </p:sp>
+      <p:sp>
+        <p:nvSpPr>
+          <p:cNvPr id="70" name="TextBox 69">
+            <a:extLst>
+              <a:ext uri="{FF2B5EF4-FFF2-40B4-BE49-F238E27FC236}">
+                <a16:creationId xmlns:a16="http://schemas.microsoft.com/office/drawing/2014/main" id="{158CB100-06C1-4049-9956-4E689726274F}"/>
+              </a:ext>
+            </a:extLst>
+          </p:cNvPr>
+          <p:cNvSpPr txBox="1"/>
+          <p:nvPr/>
+        </p:nvSpPr>
+        <p:spPr>
+          <a:xfrm>
+            <a:off x="8202805" y="87065"/>
+            <a:ext cx="418195" cy="307777"/>
+          </a:xfrm>
+          <a:prstGeom prst="rect">
+            <a:avLst/>
+          </a:prstGeom>
+          <a:noFill/>
+        </p:spPr>
+        <p:txBody>
+          <a:bodyPr wrap="square" rtlCol="0">
+            <a:spAutoFit/>
+          </a:bodyPr>
+          <a:lstStyle/>
+          <a:p>
+            <a:r>
+              <a:rPr lang="pt-PT" sz="1400" b="1" dirty="0">
+                <a:latin typeface="NewsGotT" pitchFamily="2" charset="0"/>
+              </a:rPr>
+              <a:t>(D)</a:t>
+            </a:r>
+          </a:p>
+        </p:txBody>
+      </p:sp>
+      <p:pic>
+        <p:nvPicPr>
+          <p:cNvPr id="4" name="Picture 3" descr="Chart, bar chart&#10;&#10;Description automatically generated">
+            <a:extLst>
+              <a:ext uri="{FF2B5EF4-FFF2-40B4-BE49-F238E27FC236}">
+                <a16:creationId xmlns:a16="http://schemas.microsoft.com/office/drawing/2014/main" id="{2394BAC9-1DDA-F645-BD37-1EEA4A1E241E}"/>
+              </a:ext>
+            </a:extLst>
+          </p:cNvPr>
+          <p:cNvPicPr>
+            <a:picLocks noChangeAspect="1"/>
+          </p:cNvPicPr>
+          <p:nvPr/>
+        </p:nvPicPr>
+        <p:blipFill>
+          <a:blip r:embed="rId2"/>
+          <a:stretch>
+            <a:fillRect/>
+          </a:stretch>
+        </p:blipFill>
+        <p:spPr>
+          <a:xfrm>
+            <a:off x="23642" y="2036876"/>
+            <a:ext cx="3419058" cy="2766969"/>
+          </a:xfrm>
+          <a:prstGeom prst="rect">
+            <a:avLst/>
+          </a:prstGeom>
+        </p:spPr>
+      </p:pic>
+      <p:pic>
+        <p:nvPicPr>
+          <p:cNvPr id="8" name="Picture 7" descr="Chart, bar chart&#10;&#10;Description automatically generated">
+            <a:extLst>
+              <a:ext uri="{FF2B5EF4-FFF2-40B4-BE49-F238E27FC236}">
+                <a16:creationId xmlns:a16="http://schemas.microsoft.com/office/drawing/2014/main" id="{14BA5E65-8422-074D-9216-269E2F21ABAA}"/>
+              </a:ext>
+            </a:extLst>
+          </p:cNvPr>
+          <p:cNvPicPr>
+            <a:picLocks noChangeAspect="1"/>
+          </p:cNvPicPr>
+          <p:nvPr/>
+        </p:nvPicPr>
+        <p:blipFill>
+          <a:blip r:embed="rId3"/>
+          <a:stretch>
+            <a:fillRect/>
+          </a:stretch>
+        </p:blipFill>
+        <p:spPr>
+          <a:xfrm>
+            <a:off x="4439426" y="301530"/>
+            <a:ext cx="3313147" cy="2685529"/>
+          </a:xfrm>
+          <a:prstGeom prst="rect">
+            <a:avLst/>
+          </a:prstGeom>
+        </p:spPr>
+      </p:pic>
+      <p:pic>
+        <p:nvPicPr>
+          <p:cNvPr id="17" name="Picture 16" descr="Chart, bar chart&#10;&#10;Description automatically generated">
+            <a:extLst>
+              <a:ext uri="{FF2B5EF4-FFF2-40B4-BE49-F238E27FC236}">
+                <a16:creationId xmlns:a16="http://schemas.microsoft.com/office/drawing/2014/main" id="{078A64ED-D24D-754B-92EA-DF8B80733D98}"/>
+              </a:ext>
+            </a:extLst>
+          </p:cNvPr>
+          <p:cNvPicPr>
+            <a:picLocks noChangeAspect="1"/>
+          </p:cNvPicPr>
+          <p:nvPr/>
+        </p:nvPicPr>
+        <p:blipFill>
+          <a:blip r:embed="rId4"/>
+          <a:stretch>
+            <a:fillRect/>
+          </a:stretch>
+        </p:blipFill>
+        <p:spPr>
+          <a:xfrm>
+            <a:off x="4654823" y="3664902"/>
+            <a:ext cx="3285482" cy="2671572"/>
+          </a:xfrm>
+          <a:prstGeom prst="rect">
+            <a:avLst/>
+          </a:prstGeom>
+        </p:spPr>
+      </p:pic>
+      <p:pic>
+        <p:nvPicPr>
+          <p:cNvPr id="27" name="Picture 26" descr="Chart, bar chart&#10;&#10;Description automatically generated">
+            <a:extLst>
+              <a:ext uri="{FF2B5EF4-FFF2-40B4-BE49-F238E27FC236}">
+                <a16:creationId xmlns:a16="http://schemas.microsoft.com/office/drawing/2014/main" id="{0997F82B-F2DE-F346-A356-7F94B679825C}"/>
+              </a:ext>
+            </a:extLst>
+          </p:cNvPr>
+          <p:cNvPicPr>
+            <a:picLocks noChangeAspect="1"/>
+          </p:cNvPicPr>
+          <p:nvPr/>
+        </p:nvPicPr>
+        <p:blipFill>
+          <a:blip r:embed="rId5"/>
+          <a:stretch>
+            <a:fillRect/>
+          </a:stretch>
+        </p:blipFill>
+        <p:spPr>
+          <a:xfrm>
+            <a:off x="8495815" y="278440"/>
+            <a:ext cx="3672543" cy="2731707"/>
+          </a:xfrm>
+          <a:prstGeom prst="rect">
+            <a:avLst/>
+          </a:prstGeom>
+        </p:spPr>
+      </p:pic>
+    </p:spTree>
+    <p:extLst>
+      <p:ext uri="{BB962C8B-B14F-4D97-AF65-F5344CB8AC3E}">
+        <p14:creationId xmlns:p14="http://schemas.microsoft.com/office/powerpoint/2010/main" val="885294340"/>
+      </p:ext>
+    </p:extLst>
+  </p:cSld>
+  <p:clrMapOvr>
+    <a:masterClrMapping/>
+  </p:clrMapOvr>
+</p:sld>
+</file>
+
+<file path=ppt/slides/slide5.xml><?xml version="1.0" encoding="utf-8"?>
+<p:sld xmlns:a="http://schemas.openxmlformats.org/drawingml/2006/main" xmlns:r="http://schemas.openxmlformats.org/officeDocument/2006/relationships" xmlns:p="http://schemas.openxmlformats.org/presentationml/2006/main">
+  <p:cSld>
+    <p:spTree>
+      <p:nvGrpSpPr>
+        <p:cNvPr id="1" name=""/>
+        <p:cNvGrpSpPr/>
+        <p:nvPr/>
+      </p:nvGrpSpPr>
+      <p:grpSpPr>
+        <a:xfrm>
+          <a:off x="0" y="0"/>
+          <a:ext cx="0" cy="0"/>
+          <a:chOff x="0" y="0"/>
+          <a:chExt cx="0" cy="0"/>
+        </a:xfrm>
+      </p:grpSpPr>
+      <p:cxnSp>
+        <p:nvCxnSpPr>
+          <p:cNvPr id="19" name="Elbow Connector 18">
+            <a:extLst>
+              <a:ext uri="{FF2B5EF4-FFF2-40B4-BE49-F238E27FC236}">
+                <a16:creationId xmlns:a16="http://schemas.microsoft.com/office/drawing/2014/main" id="{D43B7974-ABB1-BD4B-831D-BF9DD00D767E}"/>
+              </a:ext>
+            </a:extLst>
+          </p:cNvPr>
+          <p:cNvCxnSpPr>
+            <a:cxnSpLocks/>
+            <a:stCxn id="4" idx="3"/>
+            <a:endCxn id="37" idx="1"/>
+          </p:cNvCxnSpPr>
+          <p:nvPr/>
+        </p:nvCxnSpPr>
+        <p:spPr>
+          <a:xfrm>
+            <a:off x="3442700" y="3420361"/>
+            <a:ext cx="4994967" cy="1229598"/>
+          </a:xfrm>
+          <a:prstGeom prst="bentConnector3">
+            <a:avLst>
+              <a:gd name="adj1" fmla="val 2838"/>
+            </a:avLst>
+          </a:prstGeom>
+          <a:ln w="12700">
+            <a:solidFill>
+              <a:schemeClr val="tx1"/>
+            </a:solidFill>
+            <a:tailEnd type="triangle"/>
+          </a:ln>
+        </p:spPr>
+        <p:style>
+          <a:lnRef idx="1">
+            <a:schemeClr val="accent1"/>
+          </a:lnRef>
+          <a:fillRef idx="0">
+            <a:schemeClr val="accent1"/>
+          </a:fillRef>
+          <a:effectRef idx="0">
+            <a:schemeClr val="accent1"/>
+          </a:effectRef>
+          <a:fontRef idx="minor">
+            <a:schemeClr val="tx1"/>
+          </a:fontRef>
+        </p:style>
+      </p:cxnSp>
+      <p:cxnSp>
+        <p:nvCxnSpPr>
+          <p:cNvPr id="22" name="Elbow Connector 21">
+            <a:extLst>
+              <a:ext uri="{FF2B5EF4-FFF2-40B4-BE49-F238E27FC236}">
+                <a16:creationId xmlns:a16="http://schemas.microsoft.com/office/drawing/2014/main" id="{CDA14A84-25AD-C747-9905-01B787F7B0DA}"/>
+              </a:ext>
+            </a:extLst>
+          </p:cNvPr>
+          <p:cNvCxnSpPr>
+            <a:cxnSpLocks/>
+            <a:stCxn id="4" idx="3"/>
+            <a:endCxn id="14" idx="1"/>
+          </p:cNvCxnSpPr>
+          <p:nvPr/>
+        </p:nvCxnSpPr>
+        <p:spPr>
+          <a:xfrm flipV="1">
+            <a:off x="3442700" y="1671087"/>
+            <a:ext cx="1083514" cy="1749274"/>
+          </a:xfrm>
+          <a:prstGeom prst="bentConnector3">
+            <a:avLst>
+              <a:gd name="adj1" fmla="val 12811"/>
+            </a:avLst>
+          </a:prstGeom>
+          <a:ln w="12700">
+            <a:tailEnd type="triangle"/>
+          </a:ln>
+        </p:spPr>
+        <p:style>
+          <a:lnRef idx="1">
+            <a:schemeClr val="dk1"/>
+          </a:lnRef>
+          <a:fillRef idx="0">
+            <a:schemeClr val="dk1"/>
+          </a:fillRef>
+          <a:effectRef idx="0">
+            <a:schemeClr val="dk1"/>
+          </a:effectRef>
+          <a:fontRef idx="minor">
+            <a:schemeClr val="tx1"/>
+          </a:fontRef>
+        </p:style>
+      </p:cxnSp>
+      <p:sp>
+        <p:nvSpPr>
+          <p:cNvPr id="32" name="TextBox 31">
+            <a:extLst>
+              <a:ext uri="{FF2B5EF4-FFF2-40B4-BE49-F238E27FC236}">
+                <a16:creationId xmlns:a16="http://schemas.microsoft.com/office/drawing/2014/main" id="{A8D37EE0-91A5-214A-999D-339FE06F4DF8}"/>
+              </a:ext>
+            </a:extLst>
+          </p:cNvPr>
+          <p:cNvSpPr txBox="1"/>
+          <p:nvPr/>
+        </p:nvSpPr>
+        <p:spPr>
+          <a:xfrm>
+            <a:off x="3539665" y="1697828"/>
+            <a:ext cx="899057" cy="415498"/>
+          </a:xfrm>
+          <a:prstGeom prst="rect">
+            <a:avLst/>
+          </a:prstGeom>
+          <a:noFill/>
+        </p:spPr>
+        <p:txBody>
+          <a:bodyPr wrap="square" rtlCol="0">
+            <a:spAutoFit/>
+          </a:bodyPr>
+          <a:lstStyle/>
+          <a:p>
+            <a:r>
+              <a:rPr lang="pt-PT" sz="1050" dirty="0">
+                <a:latin typeface="NewsGotT" pitchFamily="2" charset="0"/>
+              </a:rPr>
+              <a:t>Dados de treino (64%)</a:t>
+            </a:r>
+          </a:p>
+        </p:txBody>
+      </p:sp>
+      <p:sp>
+        <p:nvSpPr>
+          <p:cNvPr id="33" name="TextBox 32">
+            <a:extLst>
+              <a:ext uri="{FF2B5EF4-FFF2-40B4-BE49-F238E27FC236}">
+                <a16:creationId xmlns:a16="http://schemas.microsoft.com/office/drawing/2014/main" id="{FA1AD181-6973-DF4C-811E-8F6449D1560D}"/>
+              </a:ext>
+            </a:extLst>
+          </p:cNvPr>
+          <p:cNvSpPr txBox="1"/>
+          <p:nvPr/>
+        </p:nvSpPr>
+        <p:spPr>
+          <a:xfrm>
+            <a:off x="3600710" y="4249849"/>
+            <a:ext cx="828720" cy="415498"/>
+          </a:xfrm>
+          <a:prstGeom prst="rect">
+            <a:avLst/>
+          </a:prstGeom>
+          <a:noFill/>
+        </p:spPr>
+        <p:txBody>
+          <a:bodyPr wrap="square" rtlCol="0">
+            <a:spAutoFit/>
+          </a:bodyPr>
+          <a:lstStyle/>
+          <a:p>
+            <a:r>
+              <a:rPr lang="pt-PT" sz="1050" dirty="0">
+                <a:latin typeface="NewsGotT" pitchFamily="2" charset="0"/>
+              </a:rPr>
+              <a:t>Dados de teste (36%)</a:t>
+            </a:r>
+          </a:p>
+        </p:txBody>
+      </p:sp>
+      <p:cxnSp>
+        <p:nvCxnSpPr>
+          <p:cNvPr id="38" name="Straight Arrow Connector 37">
+            <a:extLst>
+              <a:ext uri="{FF2B5EF4-FFF2-40B4-BE49-F238E27FC236}">
+                <a16:creationId xmlns:a16="http://schemas.microsoft.com/office/drawing/2014/main" id="{172CECB7-6DD9-6C4E-80B7-203AD96F407F}"/>
+              </a:ext>
+            </a:extLst>
+          </p:cNvPr>
+          <p:cNvCxnSpPr>
+            <a:cxnSpLocks/>
+            <a:stCxn id="14" idx="3"/>
+            <a:endCxn id="3" idx="1"/>
+          </p:cNvCxnSpPr>
+          <p:nvPr/>
+        </p:nvCxnSpPr>
+        <p:spPr>
+          <a:xfrm>
+            <a:off x="7811696" y="1671087"/>
+            <a:ext cx="600206" cy="8219"/>
+          </a:xfrm>
+          <a:prstGeom prst="straightConnector1">
+            <a:avLst/>
+          </a:prstGeom>
+          <a:ln w="12700">
+            <a:solidFill>
+              <a:schemeClr val="tx1"/>
+            </a:solidFill>
+            <a:tailEnd type="triangle"/>
+          </a:ln>
+        </p:spPr>
+        <p:style>
+          <a:lnRef idx="1">
+            <a:schemeClr val="accent1"/>
+          </a:lnRef>
+          <a:fillRef idx="0">
+            <a:schemeClr val="accent1"/>
+          </a:fillRef>
+          <a:effectRef idx="0">
+            <a:schemeClr val="accent1"/>
+          </a:effectRef>
+          <a:fontRef idx="minor">
+            <a:schemeClr val="tx1"/>
+          </a:fontRef>
+        </p:style>
+      </p:cxnSp>
+      <p:sp>
+        <p:nvSpPr>
+          <p:cNvPr id="40" name="TextBox 39">
+            <a:extLst>
+              <a:ext uri="{FF2B5EF4-FFF2-40B4-BE49-F238E27FC236}">
+                <a16:creationId xmlns:a16="http://schemas.microsoft.com/office/drawing/2014/main" id="{442449FB-0D95-3B48-B70F-F16F0A979567}"/>
+              </a:ext>
+            </a:extLst>
+          </p:cNvPr>
+          <p:cNvSpPr txBox="1"/>
+          <p:nvPr/>
+        </p:nvSpPr>
+        <p:spPr>
+          <a:xfrm>
+            <a:off x="7789590" y="1638046"/>
+            <a:ext cx="781522" cy="415498"/>
+          </a:xfrm>
+          <a:prstGeom prst="rect">
+            <a:avLst/>
+          </a:prstGeom>
+          <a:noFill/>
+        </p:spPr>
+        <p:txBody>
+          <a:bodyPr wrap="square" rtlCol="0">
+            <a:spAutoFit/>
+          </a:bodyPr>
+          <a:lstStyle/>
+          <a:p>
+            <a:r>
+              <a:rPr lang="pt-PT" sz="1050" dirty="0">
+                <a:latin typeface="NewsGotT" pitchFamily="2" charset="0"/>
+              </a:rPr>
+              <a:t>Após</a:t>
+            </a:r>
+          </a:p>
+          <a:p>
+            <a:r>
+              <a:rPr lang="pt-PT" sz="1050" dirty="0">
+                <a:latin typeface="NewsGotT" pitchFamily="2" charset="0"/>
+              </a:rPr>
+              <a:t> </a:t>
+            </a:r>
+            <a:r>
+              <a:rPr lang="pt-PT" sz="1050" i="1" dirty="0">
+                <a:latin typeface="NewsGotT" pitchFamily="2" charset="0"/>
+              </a:rPr>
+              <a:t>ADASYN() </a:t>
+            </a:r>
+          </a:p>
+        </p:txBody>
+      </p:sp>
+      <p:sp>
+        <p:nvSpPr>
+          <p:cNvPr id="66" name="TextBox 65">
+            <a:extLst>
+              <a:ext uri="{FF2B5EF4-FFF2-40B4-BE49-F238E27FC236}">
+                <a16:creationId xmlns:a16="http://schemas.microsoft.com/office/drawing/2014/main" id="{9B7B4423-072E-5F4F-B871-D24B2A22E4BB}"/>
+              </a:ext>
+            </a:extLst>
+          </p:cNvPr>
+          <p:cNvSpPr txBox="1"/>
+          <p:nvPr/>
+        </p:nvSpPr>
+        <p:spPr>
+          <a:xfrm>
+            <a:off x="189342" y="1713437"/>
+            <a:ext cx="431639" cy="307777"/>
+          </a:xfrm>
+          <a:prstGeom prst="rect">
+            <a:avLst/>
+          </a:prstGeom>
+          <a:noFill/>
+        </p:spPr>
+        <p:txBody>
+          <a:bodyPr wrap="square" rtlCol="0">
+            <a:spAutoFit/>
+          </a:bodyPr>
+          <a:lstStyle/>
+          <a:p>
+            <a:r>
+              <a:rPr lang="pt-PT" sz="1400" b="1" dirty="0">
+                <a:latin typeface="NewsGotT" pitchFamily="2" charset="0"/>
+              </a:rPr>
+              <a:t>(A)</a:t>
+            </a:r>
+          </a:p>
+        </p:txBody>
+      </p:sp>
+      <p:sp>
+        <p:nvSpPr>
+          <p:cNvPr id="68" name="TextBox 67">
+            <a:extLst>
+              <a:ext uri="{FF2B5EF4-FFF2-40B4-BE49-F238E27FC236}">
+                <a16:creationId xmlns:a16="http://schemas.microsoft.com/office/drawing/2014/main" id="{C29FB131-69FC-E64D-8FA1-B0E932167E0A}"/>
+              </a:ext>
+            </a:extLst>
+          </p:cNvPr>
+          <p:cNvSpPr txBox="1"/>
+          <p:nvPr/>
+        </p:nvSpPr>
+        <p:spPr>
+          <a:xfrm>
+            <a:off x="4542480" y="40887"/>
+            <a:ext cx="418195" cy="307777"/>
+          </a:xfrm>
+          <a:prstGeom prst="rect">
+            <a:avLst/>
+          </a:prstGeom>
+          <a:noFill/>
+        </p:spPr>
+        <p:txBody>
+          <a:bodyPr wrap="square" rtlCol="0">
+            <a:spAutoFit/>
+          </a:bodyPr>
+          <a:lstStyle/>
+          <a:p>
+            <a:r>
+              <a:rPr lang="pt-PT" sz="1400" b="1" dirty="0">
+                <a:latin typeface="NewsGotT" pitchFamily="2" charset="0"/>
+              </a:rPr>
+              <a:t>(B)</a:t>
+            </a:r>
+          </a:p>
+        </p:txBody>
+      </p:sp>
+      <p:sp>
+        <p:nvSpPr>
+          <p:cNvPr id="70" name="TextBox 69">
+            <a:extLst>
+              <a:ext uri="{FF2B5EF4-FFF2-40B4-BE49-F238E27FC236}">
+                <a16:creationId xmlns:a16="http://schemas.microsoft.com/office/drawing/2014/main" id="{158CB100-06C1-4049-9956-4E689726274F}"/>
+              </a:ext>
+            </a:extLst>
+          </p:cNvPr>
+          <p:cNvSpPr txBox="1"/>
+          <p:nvPr/>
+        </p:nvSpPr>
+        <p:spPr>
+          <a:xfrm>
+            <a:off x="8202805" y="87065"/>
+            <a:ext cx="418195" cy="307777"/>
+          </a:xfrm>
+          <a:prstGeom prst="rect">
+            <a:avLst/>
+          </a:prstGeom>
+          <a:noFill/>
+        </p:spPr>
+        <p:txBody>
+          <a:bodyPr wrap="square" rtlCol="0">
+            <a:spAutoFit/>
+          </a:bodyPr>
+          <a:lstStyle/>
+          <a:p>
+            <a:r>
+              <a:rPr lang="pt-PT" sz="1400" b="1" dirty="0">
+                <a:latin typeface="NewsGotT" pitchFamily="2" charset="0"/>
+              </a:rPr>
+              <a:t>(D)</a:t>
+            </a:r>
+          </a:p>
+        </p:txBody>
+      </p:sp>
+      <p:pic>
+        <p:nvPicPr>
+          <p:cNvPr id="4" name="Picture 3" descr="Chart, bar chart&#10;&#10;Description automatically generated">
+            <a:extLst>
+              <a:ext uri="{FF2B5EF4-FFF2-40B4-BE49-F238E27FC236}">
+                <a16:creationId xmlns:a16="http://schemas.microsoft.com/office/drawing/2014/main" id="{2394BAC9-1DDA-F645-BD37-1EEA4A1E241E}"/>
+              </a:ext>
+            </a:extLst>
+          </p:cNvPr>
+          <p:cNvPicPr>
+            <a:picLocks noChangeAspect="1"/>
+          </p:cNvPicPr>
+          <p:nvPr/>
+        </p:nvPicPr>
+        <p:blipFill>
+          <a:blip r:embed="rId2"/>
+          <a:stretch>
+            <a:fillRect/>
+          </a:stretch>
+        </p:blipFill>
+        <p:spPr>
+          <a:xfrm>
+            <a:off x="23642" y="2036876"/>
+            <a:ext cx="3419058" cy="2766969"/>
+          </a:xfrm>
+          <a:prstGeom prst="rect">
+            <a:avLst/>
+          </a:prstGeom>
+        </p:spPr>
+      </p:pic>
+      <p:pic>
+        <p:nvPicPr>
+          <p:cNvPr id="3" name="Picture 2" descr="Chart, bar chart&#10;&#10;Description automatically generated">
+            <a:extLst>
+              <a:ext uri="{FF2B5EF4-FFF2-40B4-BE49-F238E27FC236}">
+                <a16:creationId xmlns:a16="http://schemas.microsoft.com/office/drawing/2014/main" id="{33CFA871-11B6-9447-B8C0-4F34B952D3B7}"/>
+              </a:ext>
+            </a:extLst>
+          </p:cNvPr>
+          <p:cNvPicPr>
+            <a:picLocks noChangeAspect="1"/>
+          </p:cNvPicPr>
+          <p:nvPr/>
+        </p:nvPicPr>
+        <p:blipFill>
+          <a:blip r:embed="rId3"/>
+          <a:stretch>
+            <a:fillRect/>
+          </a:stretch>
+        </p:blipFill>
+        <p:spPr>
+          <a:xfrm>
+            <a:off x="8411902" y="344258"/>
+            <a:ext cx="3571580" cy="2670096"/>
+          </a:xfrm>
+          <a:prstGeom prst="rect">
+            <a:avLst/>
+          </a:prstGeom>
+        </p:spPr>
+      </p:pic>
+      <p:pic>
+        <p:nvPicPr>
+          <p:cNvPr id="14" name="Picture 13" descr="Chart, bar chart&#10;&#10;Description automatically generated">
+            <a:extLst>
+              <a:ext uri="{FF2B5EF4-FFF2-40B4-BE49-F238E27FC236}">
+                <a16:creationId xmlns:a16="http://schemas.microsoft.com/office/drawing/2014/main" id="{90190DF0-ABB7-CD4A-A208-1D15548927BA}"/>
+              </a:ext>
+            </a:extLst>
+          </p:cNvPr>
+          <p:cNvPicPr>
+            <a:picLocks noChangeAspect="1"/>
+          </p:cNvPicPr>
+          <p:nvPr/>
+        </p:nvPicPr>
+        <p:blipFill>
+          <a:blip r:embed="rId4"/>
+          <a:stretch>
+            <a:fillRect/>
+          </a:stretch>
+        </p:blipFill>
+        <p:spPr>
+          <a:xfrm>
+            <a:off x="4526214" y="327105"/>
+            <a:ext cx="3285482" cy="2687964"/>
+          </a:xfrm>
+          <a:prstGeom prst="rect">
+            <a:avLst/>
+          </a:prstGeom>
+        </p:spPr>
+      </p:pic>
+      <p:pic>
+        <p:nvPicPr>
+          <p:cNvPr id="37" name="Picture 36" descr="Chart, bar chart&#10;&#10;Description automatically generated">
+            <a:extLst>
+              <a:ext uri="{FF2B5EF4-FFF2-40B4-BE49-F238E27FC236}">
+                <a16:creationId xmlns:a16="http://schemas.microsoft.com/office/drawing/2014/main" id="{4EE43F98-75CD-BE42-B1BD-6968805AE94F}"/>
+              </a:ext>
+            </a:extLst>
+          </p:cNvPr>
+          <p:cNvPicPr>
+            <a:picLocks noChangeAspect="1"/>
+          </p:cNvPicPr>
+          <p:nvPr/>
+        </p:nvPicPr>
+        <p:blipFill>
+          <a:blip r:embed="rId5"/>
+          <a:stretch>
+            <a:fillRect/>
+          </a:stretch>
+        </p:blipFill>
+        <p:spPr>
+          <a:xfrm>
+            <a:off x="8437667" y="3266474"/>
+            <a:ext cx="3571580" cy="2766970"/>
+          </a:xfrm>
+          <a:prstGeom prst="rect">
+            <a:avLst/>
+          </a:prstGeom>
+        </p:spPr>
+      </p:pic>
+      <p:sp>
+        <p:nvSpPr>
+          <p:cNvPr id="69" name="TextBox 68">
+            <a:extLst>
+              <a:ext uri="{FF2B5EF4-FFF2-40B4-BE49-F238E27FC236}">
+                <a16:creationId xmlns:a16="http://schemas.microsoft.com/office/drawing/2014/main" id="{97621D27-9B26-0B44-A196-4633C4BD5F1A}"/>
+              </a:ext>
+            </a:extLst>
+          </p:cNvPr>
+          <p:cNvSpPr txBox="1"/>
+          <p:nvPr/>
+        </p:nvSpPr>
+        <p:spPr>
+          <a:xfrm>
+            <a:off x="8228569" y="3064632"/>
+            <a:ext cx="418195" cy="307777"/>
+          </a:xfrm>
+          <a:prstGeom prst="rect">
+            <a:avLst/>
+          </a:prstGeom>
+          <a:noFill/>
+        </p:spPr>
+        <p:txBody>
+          <a:bodyPr wrap="square" rtlCol="0">
+            <a:spAutoFit/>
+          </a:bodyPr>
+          <a:lstStyle/>
+          <a:p>
+            <a:r>
+              <a:rPr lang="pt-PT" sz="1400" b="1" dirty="0">
+                <a:latin typeface="NewsGotT" pitchFamily="2" charset="0"/>
+              </a:rPr>
+              <a:t>(C)</a:t>
+            </a:r>
+          </a:p>
+        </p:txBody>
+      </p:sp>
+    </p:spTree>
+    <p:extLst>
+      <p:ext uri="{BB962C8B-B14F-4D97-AF65-F5344CB8AC3E}">
+        <p14:creationId xmlns:p14="http://schemas.microsoft.com/office/powerpoint/2010/main" val="139655824"/>
+      </p:ext>
+    </p:extLst>
+  </p:cSld>
+  <p:clrMapOvr>
+    <a:masterClrMapping/>
+  </p:clrMapOvr>
+</p:sld>
+</file>
+
+<file path=ppt/slides/slide6.xml><?xml version="1.0" encoding="utf-8"?>
+<p:sld xmlns:a="http://schemas.openxmlformats.org/drawingml/2006/main" xmlns:r="http://schemas.openxmlformats.org/officeDocument/2006/relationships" xmlns:p="http://schemas.openxmlformats.org/presentationml/2006/main">
+  <p:cSld>
+    <p:spTree>
+      <p:nvGrpSpPr>
+        <p:cNvPr id="1" name=""/>
+        <p:cNvGrpSpPr/>
+        <p:nvPr/>
+      </p:nvGrpSpPr>
+      <p:grpSpPr>
+        <a:xfrm>
+          <a:off x="0" y="0"/>
+          <a:ext cx="0" cy="0"/>
+          <a:chOff x="0" y="0"/>
+          <a:chExt cx="0" cy="0"/>
+        </a:xfrm>
+      </p:grpSpPr>
+      <p:graphicFrame>
+        <p:nvGraphicFramePr>
+          <p:cNvPr id="4" name="Table 4">
+            <a:extLst>
+              <a:ext uri="{FF2B5EF4-FFF2-40B4-BE49-F238E27FC236}">
+                <a16:creationId xmlns:a16="http://schemas.microsoft.com/office/drawing/2014/main" id="{8D3776E9-81FF-3A43-B7A0-B10D65A37A3F}"/>
+              </a:ext>
+            </a:extLst>
+          </p:cNvPr>
+          <p:cNvGraphicFramePr>
+            <a:graphicFrameLocks noGrp="1"/>
+          </p:cNvGraphicFramePr>
+          <p:nvPr>
+            <p:ph idx="1"/>
+            <p:extLst>
+              <p:ext uri="{D42A27DB-BD31-4B8C-83A1-F6EECF244321}">
+                <p14:modId xmlns:p14="http://schemas.microsoft.com/office/powerpoint/2010/main" val="4142123046"/>
+              </p:ext>
+            </p:extLst>
+          </p:nvPr>
+        </p:nvGraphicFramePr>
+        <p:xfrm>
+          <a:off x="1498600" y="492125"/>
+          <a:ext cx="4419600" cy="3708400"/>
+        </p:xfrm>
+        <a:graphic>
+          <a:graphicData uri="http://schemas.openxmlformats.org/drawingml/2006/table">
+            <a:tbl>
+              <a:tblPr firstRow="1">
+                <a:tableStyleId>{2D5ABB26-0587-4C30-8999-92F81FD0307C}</a:tableStyleId>
+              </a:tblPr>
+              <a:tblGrid>
+                <a:gridCol w="1104900">
+                  <a:extLst>
+                    <a:ext uri="{9D8B030D-6E8A-4147-A177-3AD203B41FA5}">
+                      <a16:colId xmlns:a16="http://schemas.microsoft.com/office/drawing/2014/main" val="3438357804"/>
+                    </a:ext>
+                  </a:extLst>
+                </a:gridCol>
+                <a:gridCol w="558800">
+                  <a:extLst>
+                    <a:ext uri="{9D8B030D-6E8A-4147-A177-3AD203B41FA5}">
+                      <a16:colId xmlns:a16="http://schemas.microsoft.com/office/drawing/2014/main" val="3674526335"/>
+                    </a:ext>
+                  </a:extLst>
+                </a:gridCol>
+                <a:gridCol w="1155700">
+                  <a:extLst>
+                    <a:ext uri="{9D8B030D-6E8A-4147-A177-3AD203B41FA5}">
+                      <a16:colId xmlns:a16="http://schemas.microsoft.com/office/drawing/2014/main" val="808708615"/>
+                    </a:ext>
+                  </a:extLst>
+                </a:gridCol>
+                <a:gridCol w="1600200">
+                  <a:extLst>
+                    <a:ext uri="{9D8B030D-6E8A-4147-A177-3AD203B41FA5}">
+                      <a16:colId xmlns:a16="http://schemas.microsoft.com/office/drawing/2014/main" val="3605896138"/>
+                    </a:ext>
+                  </a:extLst>
+                </a:gridCol>
+              </a:tblGrid>
+              <a:tr h="370840">
+                <a:tc gridSpan="3">
+                  <a:txBody>
+                    <a:bodyPr/>
+                    <a:lstStyle/>
+                    <a:p>
+                      <a:pPr algn="ctr"/>
+                      <a:r>
+                        <a:rPr lang="pt-PT" dirty="0"/>
+                        <a:t>X</a:t>
+                      </a:r>
+                    </a:p>
+                  </a:txBody>
+                  <a:tcPr>
+                    <a:lnL w="12700" cap="flat" cmpd="sng" algn="ctr">
+                      <a:noFill/>
+                      <a:prstDash val="solid"/>
+                      <a:round/>
+                      <a:headEnd type="none" w="med" len="med"/>
+                      <a:tailEnd type="none" w="med" len="med"/>
+                    </a:lnL>
+                    <a:lnR w="12700" cap="flat" cmpd="sng" algn="ctr">
+                      <a:solidFill>
+                        <a:schemeClr val="tx1"/>
+                      </a:solidFill>
+                      <a:prstDash val="solid"/>
+                      <a:round/>
+                      <a:headEnd type="none" w="med" len="med"/>
+                      <a:tailEnd type="none" w="med" len="med"/>
+                    </a:lnR>
+                    <a:lnT w="12700" cap="flat" cmpd="sng" algn="ctr">
+                      <a:noFill/>
+                      <a:prstDash val="solid"/>
+                      <a:round/>
+                      <a:headEnd type="none" w="med" len="med"/>
+                      <a:tailEnd type="none" w="med" len="med"/>
+                    </a:lnT>
+                    <a:lnB w="12700" cap="flat" cmpd="sng" algn="ctr">
+                      <a:solidFill>
+                        <a:schemeClr val="tx1"/>
+                      </a:solidFill>
+                      <a:prstDash val="solid"/>
+                      <a:round/>
+                      <a:headEnd type="none" w="med" len="med"/>
+                      <a:tailEnd type="none" w="med" len="med"/>
+                    </a:lnB>
+                    <a:lnTlToBr w="12700" cmpd="sng">
+                      <a:noFill/>
+                      <a:prstDash val="solid"/>
+                    </a:lnTlToBr>
+                    <a:lnBlToTr w="12700" cmpd="sng">
+                      <a:noFill/>
+                      <a:prstDash val="solid"/>
+                    </a:lnBlToTr>
+                    <a:solidFill>
+                      <a:schemeClr val="accent2">
+                        <a:lumMod val="20000"/>
+                        <a:lumOff val="80000"/>
+                      </a:schemeClr>
+                    </a:solidFill>
+                  </a:tcPr>
+                </a:tc>
+                <a:tc hMerge="1">
+                  <a:txBody>
+                    <a:bodyPr/>
+                    <a:lstStyle/>
+                    <a:p>
+                      <a:endParaRPr lang="pt-PT" dirty="0"/>
+                    </a:p>
+                  </a:txBody>
+                  <a:tcPr/>
+                </a:tc>
+                <a:tc hMerge="1">
+                  <a:txBody>
+                    <a:bodyPr/>
+                    <a:lstStyle/>
+                    <a:p>
+                      <a:endParaRPr lang="pt-PT" dirty="0"/>
+                    </a:p>
+                  </a:txBody>
+                  <a:tcPr/>
+                </a:tc>
+                <a:tc>
+                  <a:txBody>
+                    <a:bodyPr/>
+                    <a:lstStyle/>
+                    <a:p>
+                      <a:pPr algn="ctr"/>
+                      <a:r>
+                        <a:rPr lang="pt-PT" dirty="0"/>
+                        <a:t>y</a:t>
+                      </a:r>
+                    </a:p>
+                  </a:txBody>
+                  <a:tcPr>
+                    <a:lnL w="12700" cap="flat" cmpd="sng" algn="ctr">
+                      <a:solidFill>
+                        <a:schemeClr val="tx1"/>
+                      </a:solidFill>
+                      <a:prstDash val="solid"/>
+                      <a:round/>
+                      <a:headEnd type="none" w="med" len="med"/>
+                      <a:tailEnd type="none" w="med" len="med"/>
+                    </a:lnL>
+                    <a:lnR w="12700" cap="flat" cmpd="sng" algn="ctr">
+                      <a:noFill/>
+                      <a:prstDash val="solid"/>
+                      <a:round/>
+                      <a:headEnd type="none" w="med" len="med"/>
+                      <a:tailEnd type="none" w="med" len="med"/>
+                    </a:lnR>
+                    <a:lnT w="12700" cap="flat" cmpd="sng" algn="ctr">
+                      <a:noFill/>
+                      <a:prstDash val="solid"/>
+                      <a:round/>
+                      <a:headEnd type="none" w="med" len="med"/>
+                      <a:tailEnd type="none" w="med" len="med"/>
+                    </a:lnT>
+                    <a:lnB w="12700" cap="flat" cmpd="sng" algn="ctr">
+                      <a:solidFill>
+                        <a:schemeClr val="tx1"/>
+                      </a:solidFill>
+                      <a:prstDash val="solid"/>
+                      <a:round/>
+                      <a:headEnd type="none" w="med" len="med"/>
+                      <a:tailEnd type="none" w="med" len="med"/>
+                    </a:lnB>
+                    <a:solidFill>
+                      <a:schemeClr val="accent2">
+                        <a:lumMod val="20000"/>
+                        <a:lumOff val="80000"/>
+                      </a:schemeClr>
+                    </a:solidFill>
+                  </a:tcPr>
+                </a:tc>
+                <a:extLst>
+                  <a:ext uri="{0D108BD9-81ED-4DB2-BD59-A6C34878D82A}">
+                    <a16:rowId xmlns:a16="http://schemas.microsoft.com/office/drawing/2014/main" val="38767646"/>
+                  </a:ext>
+                </a:extLst>
+              </a:tr>
+              <a:tr h="370840">
+                <a:tc>
+                  <a:txBody>
+                    <a:bodyPr/>
+                    <a:lstStyle/>
+                    <a:p>
+                      <a:pPr algn="ctr"/>
+                      <a:r>
+                        <a:rPr lang="pt-PT" dirty="0"/>
+                        <a:t>Idade</a:t>
+                      </a:r>
+                    </a:p>
+                  </a:txBody>
+                  <a:tcPr>
+                    <a:lnL w="12700" cap="flat" cmpd="sng" algn="ctr">
+                      <a:noFill/>
+                      <a:prstDash val="solid"/>
+                      <a:round/>
+                      <a:headEnd type="none" w="med" len="med"/>
+                      <a:tailEnd type="none" w="med" len="med"/>
+                    </a:lnL>
+                    <a:lnR w="12700" cap="flat" cmpd="sng" algn="ctr">
+                      <a:noFill/>
+                      <a:prstDash val="solid"/>
+                      <a:round/>
+                      <a:headEnd type="none" w="med" len="med"/>
+                      <a:tailEnd type="none" w="med" len="med"/>
+                    </a:lnR>
+                    <a:lnT w="12700" cap="flat" cmpd="sng" algn="ctr">
+                      <a:solidFill>
+                        <a:schemeClr val="tx1"/>
+                      </a:solidFill>
+                      <a:prstDash val="solid"/>
+                      <a:round/>
+                      <a:headEnd type="none" w="med" len="med"/>
+                      <a:tailEnd type="none" w="med" len="med"/>
+                    </a:lnT>
+                    <a:lnB w="12700" cap="flat" cmpd="sng" algn="ctr">
+                      <a:solidFill>
+                        <a:schemeClr val="tx1"/>
+                      </a:solidFill>
+                      <a:prstDash val="solid"/>
+                      <a:round/>
+                      <a:headEnd type="none" w="med" len="med"/>
+                      <a:tailEnd type="none" w="med" len="med"/>
+                    </a:lnB>
+                  </a:tcPr>
+                </a:tc>
+                <a:tc>
+                  <a:txBody>
+                    <a:bodyPr/>
+                    <a:lstStyle/>
+                    <a:p>
+                      <a:pPr algn="ctr"/>
+                      <a:r>
+                        <a:rPr lang="pt-PT" dirty="0"/>
+                        <a:t>...</a:t>
+                      </a:r>
+                    </a:p>
+                  </a:txBody>
+                  <a:tcPr>
+                    <a:lnL w="12700" cap="flat" cmpd="sng" algn="ctr">
+                      <a:noFill/>
+                      <a:prstDash val="solid"/>
+                      <a:round/>
+                      <a:headEnd type="none" w="med" len="med"/>
+                      <a:tailEnd type="none" w="med" len="med"/>
+                    </a:lnL>
+                    <a:lnR w="12700" cap="flat" cmpd="sng" algn="ctr">
+                      <a:noFill/>
+                      <a:prstDash val="solid"/>
+                      <a:round/>
+                      <a:headEnd type="none" w="med" len="med"/>
+                      <a:tailEnd type="none" w="med" len="med"/>
+                    </a:lnR>
+                    <a:lnT w="12700" cap="flat" cmpd="sng" algn="ctr">
+                      <a:solidFill>
+                        <a:schemeClr val="tx1"/>
+                      </a:solidFill>
+                      <a:prstDash val="solid"/>
+                      <a:round/>
+                      <a:headEnd type="none" w="med" len="med"/>
+                      <a:tailEnd type="none" w="med" len="med"/>
+                    </a:lnT>
+                    <a:lnB w="12700" cap="flat" cmpd="sng" algn="ctr">
+                      <a:solidFill>
+                        <a:schemeClr val="tx1"/>
+                      </a:solidFill>
+                      <a:prstDash val="solid"/>
+                      <a:round/>
+                      <a:headEnd type="none" w="med" len="med"/>
+                      <a:tailEnd type="none" w="med" len="med"/>
+                    </a:lnB>
+                  </a:tcPr>
+                </a:tc>
+                <a:tc>
+                  <a:txBody>
+                    <a:bodyPr/>
+                    <a:lstStyle/>
+                    <a:p>
+                      <a:pPr marL="0" marR="0" lvl="0" indent="0" algn="ctr" defTabSz="914400" rtl="0" eaLnBrk="1" fontAlgn="auto" latinLnBrk="0" hangingPunct="1">
+                        <a:lnSpc>
+                          <a:spcPct val="100000"/>
+                        </a:lnSpc>
+                        <a:spcBef>
+                          <a:spcPts val="0"/>
+                        </a:spcBef>
+                        <a:spcAft>
+                          <a:spcPts val="0"/>
+                        </a:spcAft>
+                        <a:buClrTx/>
+                        <a:buSzTx/>
+                        <a:buFontTx/>
+                        <a:buNone/>
+                        <a:tabLst/>
+                        <a:defRPr/>
+                      </a:pPr>
+                      <a:r>
+                        <a:rPr lang="en-GB" sz="1800" kern="1200" dirty="0" err="1">
+                          <a:solidFill>
+                            <a:schemeClr val="tx1"/>
+                          </a:solidFill>
+                          <a:effectLst/>
+                          <a:latin typeface="+mn-lt"/>
+                          <a:ea typeface="+mn-ea"/>
+                          <a:cs typeface="+mn-cs"/>
+                        </a:rPr>
+                        <a:t>Alcoolico</a:t>
+                      </a:r>
+                      <a:endParaRPr lang="en-GB" sz="1800" kern="1200" dirty="0">
+                        <a:solidFill>
+                          <a:schemeClr val="tx1"/>
+                        </a:solidFill>
+                        <a:effectLst/>
+                        <a:latin typeface="+mn-lt"/>
+                        <a:ea typeface="+mn-ea"/>
+                        <a:cs typeface="+mn-cs"/>
+                      </a:endParaRPr>
+                    </a:p>
+                  </a:txBody>
+                  <a:tcPr>
+                    <a:lnL w="12700" cap="flat" cmpd="sng" algn="ctr">
+                      <a:noFill/>
+                      <a:prstDash val="solid"/>
+                      <a:round/>
+                      <a:headEnd type="none" w="med" len="med"/>
+                      <a:tailEnd type="none" w="med" len="med"/>
+                    </a:lnL>
+                    <a:lnR w="12700" cap="flat" cmpd="sng" algn="ctr">
+                      <a:solidFill>
+                        <a:schemeClr val="tx1"/>
+                      </a:solidFill>
+                      <a:prstDash val="solid"/>
+                      <a:round/>
+                      <a:headEnd type="none" w="med" len="med"/>
+                      <a:tailEnd type="none" w="med" len="med"/>
+                    </a:lnR>
+                    <a:lnT w="12700" cap="flat" cmpd="sng" algn="ctr">
+                      <a:solidFill>
+                        <a:schemeClr val="tx1"/>
+                      </a:solidFill>
+                      <a:prstDash val="solid"/>
+                      <a:round/>
+                      <a:headEnd type="none" w="med" len="med"/>
+                      <a:tailEnd type="none" w="med" len="med"/>
+                    </a:lnT>
+                    <a:lnB w="12700" cap="flat" cmpd="sng" algn="ctr">
+                      <a:solidFill>
+                        <a:schemeClr val="tx1"/>
+                      </a:solidFill>
+                      <a:prstDash val="solid"/>
+                      <a:round/>
+                      <a:headEnd type="none" w="med" len="med"/>
+                      <a:tailEnd type="none" w="med" len="med"/>
+                    </a:lnB>
+                  </a:tcPr>
+                </a:tc>
+                <a:tc>
+                  <a:txBody>
+                    <a:bodyPr/>
+                    <a:lstStyle/>
+                    <a:p>
+                      <a:pPr algn="ctr"/>
+                      <a:r>
+                        <a:rPr lang="pt-PT" dirty="0"/>
+                        <a:t>Delirium</a:t>
+                      </a:r>
+                    </a:p>
+                  </a:txBody>
+                  <a:tcPr>
+                    <a:lnL w="12700" cap="flat" cmpd="sng" algn="ctr">
+                      <a:solidFill>
+                        <a:schemeClr val="tx1"/>
+                      </a:solidFill>
+                      <a:prstDash val="solid"/>
+                      <a:round/>
+                      <a:headEnd type="none" w="med" len="med"/>
+                      <a:tailEnd type="none" w="med" len="med"/>
+                    </a:lnL>
+                    <a:lnR w="12700" cap="flat" cmpd="sng" algn="ctr">
+                      <a:noFill/>
+                      <a:prstDash val="solid"/>
+                      <a:round/>
+                      <a:headEnd type="none" w="med" len="med"/>
+                      <a:tailEnd type="none" w="med" len="med"/>
+                    </a:lnR>
+                    <a:lnT w="12700" cap="flat" cmpd="sng" algn="ctr">
+                      <a:solidFill>
+                        <a:schemeClr val="tx1"/>
+                      </a:solidFill>
+                      <a:prstDash val="solid"/>
+                      <a:round/>
+                      <a:headEnd type="none" w="med" len="med"/>
+                      <a:tailEnd type="none" w="med" len="med"/>
+                    </a:lnT>
+                    <a:lnB w="12700" cap="flat" cmpd="sng" algn="ctr">
+                      <a:solidFill>
+                        <a:schemeClr val="tx1"/>
+                      </a:solidFill>
+                      <a:prstDash val="solid"/>
+                      <a:round/>
+                      <a:headEnd type="none" w="med" len="med"/>
+                      <a:tailEnd type="none" w="med" len="med"/>
+                    </a:lnB>
+                  </a:tcPr>
+                </a:tc>
+                <a:extLst>
+                  <a:ext uri="{0D108BD9-81ED-4DB2-BD59-A6C34878D82A}">
+                    <a16:rowId xmlns:a16="http://schemas.microsoft.com/office/drawing/2014/main" val="455000267"/>
+                  </a:ext>
+                </a:extLst>
+              </a:tr>
+              <a:tr h="370840">
+                <a:tc>
+                  <a:txBody>
+                    <a:bodyPr/>
+                    <a:lstStyle/>
+                    <a:p>
+                      <a:pPr algn="ctr"/>
+                      <a:r>
+                        <a:rPr lang="pt-PT" dirty="0"/>
+                        <a:t>23</a:t>
+                      </a:r>
+                    </a:p>
+                  </a:txBody>
+                  <a:tcPr>
+                    <a:lnL w="12700" cap="flat" cmpd="sng" algn="ctr">
+                      <a:noFill/>
+                      <a:prstDash val="solid"/>
+                      <a:round/>
+                      <a:headEnd type="none" w="med" len="med"/>
+                      <a:tailEnd type="none" w="med" len="med"/>
+                    </a:lnL>
+                    <a:lnR w="12700" cap="flat" cmpd="sng" algn="ctr">
+                      <a:noFill/>
+                      <a:prstDash val="solid"/>
+                      <a:round/>
+                      <a:headEnd type="none" w="med" len="med"/>
+                      <a:tailEnd type="none" w="med" len="med"/>
+                    </a:lnR>
+                    <a:lnT w="12700" cap="flat" cmpd="sng" algn="ctr">
+                      <a:solidFill>
+                        <a:schemeClr val="tx1"/>
+                      </a:solidFill>
+                      <a:prstDash val="solid"/>
+                      <a:round/>
+                      <a:headEnd type="none" w="med" len="med"/>
+                      <a:tailEnd type="none" w="med" len="med"/>
+                    </a:lnT>
+                    <a:lnB w="12700" cap="flat" cmpd="sng" algn="ctr">
+                      <a:solidFill>
+                        <a:schemeClr val="tx1"/>
+                      </a:solidFill>
+                      <a:prstDash val="solid"/>
+                      <a:round/>
+                      <a:headEnd type="none" w="med" len="med"/>
+                      <a:tailEnd type="none" w="med" len="med"/>
+                    </a:lnB>
+                  </a:tcPr>
+                </a:tc>
+                <a:tc>
+                  <a:txBody>
+                    <a:bodyPr/>
+                    <a:lstStyle/>
+                    <a:p>
+                      <a:pPr algn="ctr"/>
+                      <a:endParaRPr lang="pt-PT"/>
+                    </a:p>
+                  </a:txBody>
+                  <a:tcPr>
+                    <a:lnL w="12700" cap="flat" cmpd="sng" algn="ctr">
+                      <a:noFill/>
+                      <a:prstDash val="solid"/>
+                      <a:round/>
+                      <a:headEnd type="none" w="med" len="med"/>
+                      <a:tailEnd type="none" w="med" len="med"/>
+                    </a:lnL>
+                    <a:lnR w="12700" cap="flat" cmpd="sng" algn="ctr">
+                      <a:noFill/>
+                      <a:prstDash val="solid"/>
+                      <a:round/>
+                      <a:headEnd type="none" w="med" len="med"/>
+                      <a:tailEnd type="none" w="med" len="med"/>
+                    </a:lnR>
+                    <a:lnT w="12700" cap="flat" cmpd="sng" algn="ctr">
+                      <a:solidFill>
+                        <a:schemeClr val="tx1"/>
+                      </a:solidFill>
+                      <a:prstDash val="solid"/>
+                      <a:round/>
+                      <a:headEnd type="none" w="med" len="med"/>
+                      <a:tailEnd type="none" w="med" len="med"/>
+                    </a:lnT>
+                    <a:lnB w="12700" cap="flat" cmpd="sng" algn="ctr">
+                      <a:solidFill>
+                        <a:schemeClr val="tx1"/>
+                      </a:solidFill>
+                      <a:prstDash val="solid"/>
+                      <a:round/>
+                      <a:headEnd type="none" w="med" len="med"/>
+                      <a:tailEnd type="none" w="med" len="med"/>
+                    </a:lnB>
+                  </a:tcPr>
+                </a:tc>
+                <a:tc>
+                  <a:txBody>
+                    <a:bodyPr/>
+                    <a:lstStyle/>
+                    <a:p>
+                      <a:pPr algn="ctr"/>
+                      <a:r>
+                        <a:rPr lang="pt-PT" dirty="0"/>
+                        <a:t>0</a:t>
+                      </a:r>
+                    </a:p>
+                  </a:txBody>
+                  <a:tcPr>
+                    <a:lnL w="12700" cap="flat" cmpd="sng" algn="ctr">
+                      <a:noFill/>
+                      <a:prstDash val="solid"/>
+                      <a:round/>
+                      <a:headEnd type="none" w="med" len="med"/>
+                      <a:tailEnd type="none" w="med" len="med"/>
+                    </a:lnL>
+                    <a:lnR w="12700" cap="flat" cmpd="sng" algn="ctr">
+                      <a:solidFill>
+                        <a:schemeClr val="tx1"/>
+                      </a:solidFill>
+                      <a:prstDash val="solid"/>
+                      <a:round/>
+                      <a:headEnd type="none" w="med" len="med"/>
+                      <a:tailEnd type="none" w="med" len="med"/>
+                    </a:lnR>
+                    <a:lnT w="12700" cap="flat" cmpd="sng" algn="ctr">
+                      <a:solidFill>
+                        <a:schemeClr val="tx1"/>
+                      </a:solidFill>
+                      <a:prstDash val="solid"/>
+                      <a:round/>
+                      <a:headEnd type="none" w="med" len="med"/>
+                      <a:tailEnd type="none" w="med" len="med"/>
+                    </a:lnT>
+                    <a:lnB w="12700" cap="flat" cmpd="sng" algn="ctr">
+                      <a:solidFill>
+                        <a:schemeClr val="tx1"/>
+                      </a:solidFill>
+                      <a:prstDash val="solid"/>
+                      <a:round/>
+                      <a:headEnd type="none" w="med" len="med"/>
+                      <a:tailEnd type="none" w="med" len="med"/>
+                    </a:lnB>
+                  </a:tcPr>
+                </a:tc>
+                <a:tc>
+                  <a:txBody>
+                    <a:bodyPr/>
+                    <a:lstStyle/>
+                    <a:p>
+                      <a:pPr algn="ctr"/>
+                      <a:r>
+                        <a:rPr lang="pt-PT" dirty="0"/>
+                        <a:t>1</a:t>
+                      </a:r>
+                    </a:p>
+                  </a:txBody>
+                  <a:tcPr>
+                    <a:lnL w="12700" cap="flat" cmpd="sng" algn="ctr">
+                      <a:solidFill>
+                        <a:schemeClr val="tx1"/>
+                      </a:solidFill>
+                      <a:prstDash val="solid"/>
+                      <a:round/>
+                      <a:headEnd type="none" w="med" len="med"/>
+                      <a:tailEnd type="none" w="med" len="med"/>
+                    </a:lnL>
+                    <a:lnR w="12700" cap="flat" cmpd="sng" algn="ctr">
+                      <a:noFill/>
+                      <a:prstDash val="solid"/>
+                      <a:round/>
+                      <a:headEnd type="none" w="med" len="med"/>
+                      <a:tailEnd type="none" w="med" len="med"/>
+                    </a:lnR>
+                    <a:lnT w="12700" cap="flat" cmpd="sng" algn="ctr">
+                      <a:solidFill>
+                        <a:schemeClr val="tx1"/>
+                      </a:solidFill>
+                      <a:prstDash val="solid"/>
+                      <a:round/>
+                      <a:headEnd type="none" w="med" len="med"/>
+                      <a:tailEnd type="none" w="med" len="med"/>
+                    </a:lnT>
+                    <a:lnB w="12700" cap="flat" cmpd="sng" algn="ctr">
+                      <a:solidFill>
+                        <a:schemeClr val="tx1"/>
+                      </a:solidFill>
+                      <a:prstDash val="solid"/>
+                      <a:round/>
+                      <a:headEnd type="none" w="med" len="med"/>
+                      <a:tailEnd type="none" w="med" len="med"/>
+                    </a:lnB>
+                  </a:tcPr>
+                </a:tc>
+                <a:extLst>
+                  <a:ext uri="{0D108BD9-81ED-4DB2-BD59-A6C34878D82A}">
+                    <a16:rowId xmlns:a16="http://schemas.microsoft.com/office/drawing/2014/main" val="3047001698"/>
+                  </a:ext>
+                </a:extLst>
+              </a:tr>
+              <a:tr h="370840">
+                <a:tc>
+                  <a:txBody>
+                    <a:bodyPr/>
+                    <a:lstStyle/>
+                    <a:p>
+                      <a:pPr algn="ctr"/>
+                      <a:r>
+                        <a:rPr lang="pt-PT" dirty="0"/>
+                        <a:t>50</a:t>
+                      </a:r>
+                    </a:p>
+                  </a:txBody>
+                  <a:tcPr>
+                    <a:lnL w="12700" cap="flat" cmpd="sng" algn="ctr">
+                      <a:noFill/>
+                      <a:prstDash val="solid"/>
+                      <a:round/>
+                      <a:headEnd type="none" w="med" len="med"/>
+                      <a:tailEnd type="none" w="med" len="med"/>
+                    </a:lnL>
+                    <a:lnR w="12700" cap="flat" cmpd="sng" algn="ctr">
+                      <a:noFill/>
+                      <a:prstDash val="solid"/>
+                      <a:round/>
+                      <a:headEnd type="none" w="med" len="med"/>
+                      <a:tailEnd type="none" w="med" len="med"/>
+                    </a:lnR>
+                    <a:lnT w="12700" cap="flat" cmpd="sng" algn="ctr">
+                      <a:solidFill>
+                        <a:schemeClr val="tx1"/>
+                      </a:solidFill>
+                      <a:prstDash val="solid"/>
+                      <a:round/>
+                      <a:headEnd type="none" w="med" len="med"/>
+                      <a:tailEnd type="none" w="med" len="med"/>
+                    </a:lnT>
+                    <a:lnB w="12700" cap="flat" cmpd="sng" algn="ctr">
+                      <a:solidFill>
+                        <a:schemeClr val="tx1"/>
+                      </a:solidFill>
+                      <a:prstDash val="solid"/>
+                      <a:round/>
+                      <a:headEnd type="none" w="med" len="med"/>
+                      <a:tailEnd type="none" w="med" len="med"/>
+                    </a:lnB>
+                  </a:tcPr>
+                </a:tc>
+                <a:tc>
+                  <a:txBody>
+                    <a:bodyPr/>
+                    <a:lstStyle/>
+                    <a:p>
+                      <a:pPr algn="ctr"/>
+                      <a:endParaRPr lang="pt-PT"/>
+                    </a:p>
+                  </a:txBody>
+                  <a:tcPr>
+                    <a:lnL w="12700" cap="flat" cmpd="sng" algn="ctr">
+                      <a:noFill/>
+                      <a:prstDash val="solid"/>
+                      <a:round/>
+                      <a:headEnd type="none" w="med" len="med"/>
+                      <a:tailEnd type="none" w="med" len="med"/>
+                    </a:lnL>
+                    <a:lnR w="12700" cap="flat" cmpd="sng" algn="ctr">
+                      <a:noFill/>
+                      <a:prstDash val="solid"/>
+                      <a:round/>
+                      <a:headEnd type="none" w="med" len="med"/>
+                      <a:tailEnd type="none" w="med" len="med"/>
+                    </a:lnR>
+                    <a:lnT w="12700" cap="flat" cmpd="sng" algn="ctr">
+                      <a:solidFill>
+                        <a:schemeClr val="tx1"/>
+                      </a:solidFill>
+                      <a:prstDash val="solid"/>
+                      <a:round/>
+                      <a:headEnd type="none" w="med" len="med"/>
+                      <a:tailEnd type="none" w="med" len="med"/>
+                    </a:lnT>
+                    <a:lnB w="12700" cap="flat" cmpd="sng" algn="ctr">
+                      <a:solidFill>
+                        <a:schemeClr val="tx1"/>
+                      </a:solidFill>
+                      <a:prstDash val="solid"/>
+                      <a:round/>
+                      <a:headEnd type="none" w="med" len="med"/>
+                      <a:tailEnd type="none" w="med" len="med"/>
+                    </a:lnB>
+                  </a:tcPr>
+                </a:tc>
+                <a:tc>
+                  <a:txBody>
+                    <a:bodyPr/>
+                    <a:lstStyle/>
+                    <a:p>
+                      <a:pPr algn="ctr"/>
+                      <a:r>
+                        <a:rPr lang="pt-PT" dirty="0"/>
+                        <a:t>0</a:t>
+                      </a:r>
+                    </a:p>
+                  </a:txBody>
+                  <a:tcPr>
+                    <a:lnL w="12700" cap="flat" cmpd="sng" algn="ctr">
+                      <a:noFill/>
+                      <a:prstDash val="solid"/>
+                      <a:round/>
+                      <a:headEnd type="none" w="med" len="med"/>
+                      <a:tailEnd type="none" w="med" len="med"/>
+                    </a:lnL>
+                    <a:lnR w="12700" cap="flat" cmpd="sng" algn="ctr">
+                      <a:solidFill>
+                        <a:schemeClr val="tx1"/>
+                      </a:solidFill>
+                      <a:prstDash val="solid"/>
+                      <a:round/>
+                      <a:headEnd type="none" w="med" len="med"/>
+                      <a:tailEnd type="none" w="med" len="med"/>
+                    </a:lnR>
+                    <a:lnT w="12700" cap="flat" cmpd="sng" algn="ctr">
+                      <a:solidFill>
+                        <a:schemeClr val="tx1"/>
+                      </a:solidFill>
+                      <a:prstDash val="solid"/>
+                      <a:round/>
+                      <a:headEnd type="none" w="med" len="med"/>
+                      <a:tailEnd type="none" w="med" len="med"/>
+                    </a:lnT>
+                    <a:lnB w="12700" cap="flat" cmpd="sng" algn="ctr">
+                      <a:solidFill>
+                        <a:schemeClr val="tx1"/>
+                      </a:solidFill>
+                      <a:prstDash val="solid"/>
+                      <a:round/>
+                      <a:headEnd type="none" w="med" len="med"/>
+                      <a:tailEnd type="none" w="med" len="med"/>
+                    </a:lnB>
+                  </a:tcPr>
+                </a:tc>
+                <a:tc>
+                  <a:txBody>
+                    <a:bodyPr/>
+                    <a:lstStyle/>
+                    <a:p>
+                      <a:pPr algn="ctr"/>
+                      <a:r>
+                        <a:rPr lang="pt-PT" dirty="0"/>
+                        <a:t>0</a:t>
+                      </a:r>
+                    </a:p>
+                  </a:txBody>
+                  <a:tcPr>
+                    <a:lnL w="12700" cap="flat" cmpd="sng" algn="ctr">
+                      <a:solidFill>
+                        <a:schemeClr val="tx1"/>
+                      </a:solidFill>
+                      <a:prstDash val="solid"/>
+                      <a:round/>
+                      <a:headEnd type="none" w="med" len="med"/>
+                      <a:tailEnd type="none" w="med" len="med"/>
+                    </a:lnL>
+                    <a:lnR w="12700" cap="flat" cmpd="sng" algn="ctr">
+                      <a:noFill/>
+                      <a:prstDash val="solid"/>
+                      <a:round/>
+                      <a:headEnd type="none" w="med" len="med"/>
+                      <a:tailEnd type="none" w="med" len="med"/>
+                    </a:lnR>
+                    <a:lnT w="12700" cap="flat" cmpd="sng" algn="ctr">
+                      <a:solidFill>
+                        <a:schemeClr val="tx1"/>
+                      </a:solidFill>
+                      <a:prstDash val="solid"/>
+                      <a:round/>
+                      <a:headEnd type="none" w="med" len="med"/>
+                      <a:tailEnd type="none" w="med" len="med"/>
+                    </a:lnT>
+                    <a:lnB w="12700" cap="flat" cmpd="sng" algn="ctr">
+                      <a:solidFill>
+                        <a:schemeClr val="tx1"/>
+                      </a:solidFill>
+                      <a:prstDash val="solid"/>
+                      <a:round/>
+                      <a:headEnd type="none" w="med" len="med"/>
+                      <a:tailEnd type="none" w="med" len="med"/>
+                    </a:lnB>
+                  </a:tcPr>
+                </a:tc>
+                <a:extLst>
+                  <a:ext uri="{0D108BD9-81ED-4DB2-BD59-A6C34878D82A}">
+                    <a16:rowId xmlns:a16="http://schemas.microsoft.com/office/drawing/2014/main" val="3440360787"/>
+                  </a:ext>
+                </a:extLst>
+              </a:tr>
+              <a:tr h="370840">
+                <a:tc>
+                  <a:txBody>
+                    <a:bodyPr/>
+                    <a:lstStyle/>
+                    <a:p>
+                      <a:pPr algn="ctr"/>
+                      <a:r>
+                        <a:rPr lang="pt-PT" dirty="0"/>
+                        <a:t>35</a:t>
+                      </a:r>
+                    </a:p>
+                  </a:txBody>
+                  <a:tcPr>
+                    <a:lnL w="12700" cap="flat" cmpd="sng" algn="ctr">
+                      <a:noFill/>
+                      <a:prstDash val="solid"/>
+                      <a:round/>
+                      <a:headEnd type="none" w="med" len="med"/>
+                      <a:tailEnd type="none" w="med" len="med"/>
+                    </a:lnL>
+                    <a:lnR w="12700" cap="flat" cmpd="sng" algn="ctr">
+                      <a:noFill/>
+                      <a:prstDash val="solid"/>
+                      <a:round/>
+                      <a:headEnd type="none" w="med" len="med"/>
+                      <a:tailEnd type="none" w="med" len="med"/>
+                    </a:lnR>
+                    <a:lnT w="12700" cap="flat" cmpd="sng" algn="ctr">
+                      <a:solidFill>
+                        <a:schemeClr val="tx1"/>
+                      </a:solidFill>
+                      <a:prstDash val="solid"/>
+                      <a:round/>
+                      <a:headEnd type="none" w="med" len="med"/>
+                      <a:tailEnd type="none" w="med" len="med"/>
+                    </a:lnT>
+                    <a:lnB w="12700" cap="flat" cmpd="sng" algn="ctr">
+                      <a:solidFill>
+                        <a:schemeClr val="tx1"/>
+                      </a:solidFill>
+                      <a:prstDash val="solid"/>
+                      <a:round/>
+                      <a:headEnd type="none" w="med" len="med"/>
+                      <a:tailEnd type="none" w="med" len="med"/>
+                    </a:lnB>
+                  </a:tcPr>
+                </a:tc>
+                <a:tc>
+                  <a:txBody>
+                    <a:bodyPr/>
+                    <a:lstStyle/>
+                    <a:p>
+                      <a:pPr algn="ctr"/>
+                      <a:endParaRPr lang="pt-PT"/>
+                    </a:p>
+                  </a:txBody>
+                  <a:tcPr>
+                    <a:lnL w="12700" cap="flat" cmpd="sng" algn="ctr">
+                      <a:noFill/>
+                      <a:prstDash val="solid"/>
+                      <a:round/>
+                      <a:headEnd type="none" w="med" len="med"/>
+                      <a:tailEnd type="none" w="med" len="med"/>
+                    </a:lnL>
+                    <a:lnR w="12700" cap="flat" cmpd="sng" algn="ctr">
+                      <a:noFill/>
+                      <a:prstDash val="solid"/>
+                      <a:round/>
+                      <a:headEnd type="none" w="med" len="med"/>
+                      <a:tailEnd type="none" w="med" len="med"/>
+                    </a:lnR>
+                    <a:lnT w="12700" cap="flat" cmpd="sng" algn="ctr">
+                      <a:solidFill>
+                        <a:schemeClr val="tx1"/>
+                      </a:solidFill>
+                      <a:prstDash val="solid"/>
+                      <a:round/>
+                      <a:headEnd type="none" w="med" len="med"/>
+                      <a:tailEnd type="none" w="med" len="med"/>
+                    </a:lnT>
+                    <a:lnB w="12700" cap="flat" cmpd="sng" algn="ctr">
+                      <a:solidFill>
+                        <a:schemeClr val="tx1"/>
+                      </a:solidFill>
+                      <a:prstDash val="solid"/>
+                      <a:round/>
+                      <a:headEnd type="none" w="med" len="med"/>
+                      <a:tailEnd type="none" w="med" len="med"/>
+                    </a:lnB>
+                  </a:tcPr>
+                </a:tc>
+                <a:tc>
+                  <a:txBody>
+                    <a:bodyPr/>
+                    <a:lstStyle/>
+                    <a:p>
+                      <a:pPr algn="ctr"/>
+                      <a:r>
+                        <a:rPr lang="pt-PT" dirty="0"/>
+                        <a:t>0</a:t>
+                      </a:r>
+                    </a:p>
+                  </a:txBody>
+                  <a:tcPr>
+                    <a:lnL w="12700" cap="flat" cmpd="sng" algn="ctr">
+                      <a:noFill/>
+                      <a:prstDash val="solid"/>
+                      <a:round/>
+                      <a:headEnd type="none" w="med" len="med"/>
+                      <a:tailEnd type="none" w="med" len="med"/>
+                    </a:lnL>
+                    <a:lnR w="12700" cap="flat" cmpd="sng" algn="ctr">
+                      <a:solidFill>
+                        <a:schemeClr val="tx1"/>
+                      </a:solidFill>
+                      <a:prstDash val="solid"/>
+                      <a:round/>
+                      <a:headEnd type="none" w="med" len="med"/>
+                      <a:tailEnd type="none" w="med" len="med"/>
+                    </a:lnR>
+                    <a:lnT w="12700" cap="flat" cmpd="sng" algn="ctr">
+                      <a:solidFill>
+                        <a:schemeClr val="tx1"/>
+                      </a:solidFill>
+                      <a:prstDash val="solid"/>
+                      <a:round/>
+                      <a:headEnd type="none" w="med" len="med"/>
+                      <a:tailEnd type="none" w="med" len="med"/>
+                    </a:lnT>
+                    <a:lnB w="12700" cap="flat" cmpd="sng" algn="ctr">
+                      <a:solidFill>
+                        <a:schemeClr val="tx1"/>
+                      </a:solidFill>
+                      <a:prstDash val="solid"/>
+                      <a:round/>
+                      <a:headEnd type="none" w="med" len="med"/>
+                      <a:tailEnd type="none" w="med" len="med"/>
+                    </a:lnB>
+                  </a:tcPr>
+                </a:tc>
+                <a:tc>
+                  <a:txBody>
+                    <a:bodyPr/>
+                    <a:lstStyle/>
+                    <a:p>
+                      <a:pPr algn="ctr"/>
+                      <a:r>
+                        <a:rPr lang="pt-PT" dirty="0"/>
+                        <a:t>1</a:t>
+                      </a:r>
+                    </a:p>
+                  </a:txBody>
+                  <a:tcPr>
+                    <a:lnL w="12700" cap="flat" cmpd="sng" algn="ctr">
+                      <a:solidFill>
+                        <a:schemeClr val="tx1"/>
+                      </a:solidFill>
+                      <a:prstDash val="solid"/>
+                      <a:round/>
+                      <a:headEnd type="none" w="med" len="med"/>
+                      <a:tailEnd type="none" w="med" len="med"/>
+                    </a:lnL>
+                    <a:lnR w="12700" cap="flat" cmpd="sng" algn="ctr">
+                      <a:noFill/>
+                      <a:prstDash val="solid"/>
+                      <a:round/>
+                      <a:headEnd type="none" w="med" len="med"/>
+                      <a:tailEnd type="none" w="med" len="med"/>
+                    </a:lnR>
+                    <a:lnT w="12700" cap="flat" cmpd="sng" algn="ctr">
+                      <a:solidFill>
+                        <a:schemeClr val="tx1"/>
+                      </a:solidFill>
+                      <a:prstDash val="solid"/>
+                      <a:round/>
+                      <a:headEnd type="none" w="med" len="med"/>
+                      <a:tailEnd type="none" w="med" len="med"/>
+                    </a:lnT>
+                    <a:lnB w="12700" cap="flat" cmpd="sng" algn="ctr">
+                      <a:solidFill>
+                        <a:schemeClr val="tx1"/>
+                      </a:solidFill>
+                      <a:prstDash val="solid"/>
+                      <a:round/>
+                      <a:headEnd type="none" w="med" len="med"/>
+                      <a:tailEnd type="none" w="med" len="med"/>
+                    </a:lnB>
+                  </a:tcPr>
+                </a:tc>
+                <a:extLst>
+                  <a:ext uri="{0D108BD9-81ED-4DB2-BD59-A6C34878D82A}">
+                    <a16:rowId xmlns:a16="http://schemas.microsoft.com/office/drawing/2014/main" val="1953358328"/>
+                  </a:ext>
+                </a:extLst>
+              </a:tr>
+              <a:tr h="370840">
+                <a:tc>
+                  <a:txBody>
+                    <a:bodyPr/>
+                    <a:lstStyle/>
+                    <a:p>
+                      <a:pPr algn="ctr"/>
+                      <a:r>
+                        <a:rPr lang="pt-PT" dirty="0"/>
+                        <a:t>60</a:t>
+                      </a:r>
+                    </a:p>
+                  </a:txBody>
+                  <a:tcPr>
+                    <a:lnL w="12700" cap="flat" cmpd="sng" algn="ctr">
+                      <a:noFill/>
+                      <a:prstDash val="solid"/>
+                      <a:round/>
+                      <a:headEnd type="none" w="med" len="med"/>
+                      <a:tailEnd type="none" w="med" len="med"/>
+                    </a:lnL>
+                    <a:lnR w="12700" cap="flat" cmpd="sng" algn="ctr">
+                      <a:noFill/>
+                      <a:prstDash val="solid"/>
+                      <a:round/>
+                      <a:headEnd type="none" w="med" len="med"/>
+                      <a:tailEnd type="none" w="med" len="med"/>
+                    </a:lnR>
+                    <a:lnT w="12700" cap="flat" cmpd="sng" algn="ctr">
+                      <a:solidFill>
+                        <a:schemeClr val="tx1"/>
+                      </a:solidFill>
+                      <a:prstDash val="solid"/>
+                      <a:round/>
+                      <a:headEnd type="none" w="med" len="med"/>
+                      <a:tailEnd type="none" w="med" len="med"/>
+                    </a:lnT>
+                    <a:lnB w="12700" cap="flat" cmpd="sng" algn="ctr">
+                      <a:solidFill>
+                        <a:schemeClr val="tx1"/>
+                      </a:solidFill>
+                      <a:prstDash val="solid"/>
+                      <a:round/>
+                      <a:headEnd type="none" w="med" len="med"/>
+                      <a:tailEnd type="none" w="med" len="med"/>
+                    </a:lnB>
+                  </a:tcPr>
+                </a:tc>
+                <a:tc>
+                  <a:txBody>
+                    <a:bodyPr/>
+                    <a:lstStyle/>
+                    <a:p>
+                      <a:pPr algn="ctr"/>
+                      <a:endParaRPr lang="pt-PT"/>
+                    </a:p>
+                  </a:txBody>
+                  <a:tcPr>
+                    <a:lnL w="12700" cap="flat" cmpd="sng" algn="ctr">
+                      <a:noFill/>
+                      <a:prstDash val="solid"/>
+                      <a:round/>
+                      <a:headEnd type="none" w="med" len="med"/>
+                      <a:tailEnd type="none" w="med" len="med"/>
+                    </a:lnL>
+                    <a:lnR w="12700" cap="flat" cmpd="sng" algn="ctr">
+                      <a:noFill/>
+                      <a:prstDash val="solid"/>
+                      <a:round/>
+                      <a:headEnd type="none" w="med" len="med"/>
+                      <a:tailEnd type="none" w="med" len="med"/>
+                    </a:lnR>
+                    <a:lnT w="12700" cap="flat" cmpd="sng" algn="ctr">
+                      <a:solidFill>
+                        <a:schemeClr val="tx1"/>
+                      </a:solidFill>
+                      <a:prstDash val="solid"/>
+                      <a:round/>
+                      <a:headEnd type="none" w="med" len="med"/>
+                      <a:tailEnd type="none" w="med" len="med"/>
+                    </a:lnT>
+                    <a:lnB w="12700" cap="flat" cmpd="sng" algn="ctr">
+                      <a:solidFill>
+                        <a:schemeClr val="tx1"/>
+                      </a:solidFill>
+                      <a:prstDash val="solid"/>
+                      <a:round/>
+                      <a:headEnd type="none" w="med" len="med"/>
+                      <a:tailEnd type="none" w="med" len="med"/>
+                    </a:lnB>
+                  </a:tcPr>
+                </a:tc>
+                <a:tc>
+                  <a:txBody>
+                    <a:bodyPr/>
+                    <a:lstStyle/>
+                    <a:p>
+                      <a:pPr algn="ctr"/>
+                      <a:r>
+                        <a:rPr lang="pt-PT" dirty="0"/>
+                        <a:t>0</a:t>
+                      </a:r>
+                    </a:p>
+                  </a:txBody>
+                  <a:tcPr>
+                    <a:lnL w="12700" cap="flat" cmpd="sng" algn="ctr">
+                      <a:noFill/>
+                      <a:prstDash val="solid"/>
+                      <a:round/>
+                      <a:headEnd type="none" w="med" len="med"/>
+                      <a:tailEnd type="none" w="med" len="med"/>
+                    </a:lnL>
+                    <a:lnR w="12700" cap="flat" cmpd="sng" algn="ctr">
+                      <a:solidFill>
+                        <a:schemeClr val="tx1"/>
+                      </a:solidFill>
+                      <a:prstDash val="solid"/>
+                      <a:round/>
+                      <a:headEnd type="none" w="med" len="med"/>
+                      <a:tailEnd type="none" w="med" len="med"/>
+                    </a:lnR>
+                    <a:lnT w="12700" cap="flat" cmpd="sng" algn="ctr">
+                      <a:solidFill>
+                        <a:schemeClr val="tx1"/>
+                      </a:solidFill>
+                      <a:prstDash val="solid"/>
+                      <a:round/>
+                      <a:headEnd type="none" w="med" len="med"/>
+                      <a:tailEnd type="none" w="med" len="med"/>
+                    </a:lnT>
+                    <a:lnB w="12700" cap="flat" cmpd="sng" algn="ctr">
+                      <a:solidFill>
+                        <a:schemeClr val="tx1"/>
+                      </a:solidFill>
+                      <a:prstDash val="solid"/>
+                      <a:round/>
+                      <a:headEnd type="none" w="med" len="med"/>
+                      <a:tailEnd type="none" w="med" len="med"/>
+                    </a:lnB>
+                  </a:tcPr>
+                </a:tc>
+                <a:tc>
+                  <a:txBody>
+                    <a:bodyPr/>
+                    <a:lstStyle/>
+                    <a:p>
+                      <a:pPr algn="ctr"/>
+                      <a:r>
+                        <a:rPr lang="pt-PT" dirty="0"/>
+                        <a:t>0</a:t>
+                      </a:r>
+                    </a:p>
+                  </a:txBody>
+                  <a:tcPr>
+                    <a:lnL w="12700" cap="flat" cmpd="sng" algn="ctr">
+                      <a:solidFill>
+                        <a:schemeClr val="tx1"/>
+                      </a:solidFill>
+                      <a:prstDash val="solid"/>
+                      <a:round/>
+                      <a:headEnd type="none" w="med" len="med"/>
+                      <a:tailEnd type="none" w="med" len="med"/>
+                    </a:lnL>
+                    <a:lnR w="12700" cap="flat" cmpd="sng" algn="ctr">
+                      <a:noFill/>
+                      <a:prstDash val="solid"/>
+                      <a:round/>
+                      <a:headEnd type="none" w="med" len="med"/>
+                      <a:tailEnd type="none" w="med" len="med"/>
+                    </a:lnR>
+                    <a:lnT w="12700" cap="flat" cmpd="sng" algn="ctr">
+                      <a:solidFill>
+                        <a:schemeClr val="tx1"/>
+                      </a:solidFill>
+                      <a:prstDash val="solid"/>
+                      <a:round/>
+                      <a:headEnd type="none" w="med" len="med"/>
+                      <a:tailEnd type="none" w="med" len="med"/>
+                    </a:lnT>
+                    <a:lnB w="12700" cap="flat" cmpd="sng" algn="ctr">
+                      <a:solidFill>
+                        <a:schemeClr val="tx1"/>
+                      </a:solidFill>
+                      <a:prstDash val="solid"/>
+                      <a:round/>
+                      <a:headEnd type="none" w="med" len="med"/>
+                      <a:tailEnd type="none" w="med" len="med"/>
+                    </a:lnB>
+                  </a:tcPr>
+                </a:tc>
+                <a:extLst>
+                  <a:ext uri="{0D108BD9-81ED-4DB2-BD59-A6C34878D82A}">
+                    <a16:rowId xmlns:a16="http://schemas.microsoft.com/office/drawing/2014/main" val="313394277"/>
+                  </a:ext>
+                </a:extLst>
+              </a:tr>
+              <a:tr h="370840">
+                <a:tc>
+                  <a:txBody>
+                    <a:bodyPr/>
+                    <a:lstStyle/>
+                    <a:p>
+                      <a:pPr algn="ctr"/>
+                      <a:r>
+                        <a:rPr lang="pt-PT" dirty="0"/>
+                        <a:t>77</a:t>
+                      </a:r>
+                    </a:p>
+                  </a:txBody>
+                  <a:tcPr>
+                    <a:lnL w="12700" cap="flat" cmpd="sng" algn="ctr">
+                      <a:noFill/>
+                      <a:prstDash val="solid"/>
+                      <a:round/>
+                      <a:headEnd type="none" w="med" len="med"/>
+                      <a:tailEnd type="none" w="med" len="med"/>
+                    </a:lnL>
+                    <a:lnR w="12700" cap="flat" cmpd="sng" algn="ctr">
+                      <a:noFill/>
+                      <a:prstDash val="solid"/>
+                      <a:round/>
+                      <a:headEnd type="none" w="med" len="med"/>
+                      <a:tailEnd type="none" w="med" len="med"/>
+                    </a:lnR>
+                    <a:lnT w="12700" cap="flat" cmpd="sng" algn="ctr">
+                      <a:solidFill>
+                        <a:schemeClr val="tx1"/>
+                      </a:solidFill>
+                      <a:prstDash val="solid"/>
+                      <a:round/>
+                      <a:headEnd type="none" w="med" len="med"/>
+                      <a:tailEnd type="none" w="med" len="med"/>
+                    </a:lnT>
+                    <a:lnB w="12700" cap="flat" cmpd="sng" algn="ctr">
+                      <a:solidFill>
+                        <a:schemeClr val="tx1"/>
+                      </a:solidFill>
+                      <a:prstDash val="solid"/>
+                      <a:round/>
+                      <a:headEnd type="none" w="med" len="med"/>
+                      <a:tailEnd type="none" w="med" len="med"/>
+                    </a:lnB>
+                  </a:tcPr>
+                </a:tc>
+                <a:tc>
+                  <a:txBody>
+                    <a:bodyPr/>
+                    <a:lstStyle/>
+                    <a:p>
+                      <a:pPr algn="ctr"/>
+                      <a:endParaRPr lang="pt-PT"/>
+                    </a:p>
+                  </a:txBody>
+                  <a:tcPr>
+                    <a:lnL w="12700" cap="flat" cmpd="sng" algn="ctr">
+                      <a:noFill/>
+                      <a:prstDash val="solid"/>
+                      <a:round/>
+                      <a:headEnd type="none" w="med" len="med"/>
+                      <a:tailEnd type="none" w="med" len="med"/>
+                    </a:lnL>
+                    <a:lnR w="12700" cap="flat" cmpd="sng" algn="ctr">
+                      <a:noFill/>
+                      <a:prstDash val="solid"/>
+                      <a:round/>
+                      <a:headEnd type="none" w="med" len="med"/>
+                      <a:tailEnd type="none" w="med" len="med"/>
+                    </a:lnR>
+                    <a:lnT w="12700" cap="flat" cmpd="sng" algn="ctr">
+                      <a:solidFill>
+                        <a:schemeClr val="tx1"/>
+                      </a:solidFill>
+                      <a:prstDash val="solid"/>
+                      <a:round/>
+                      <a:headEnd type="none" w="med" len="med"/>
+                      <a:tailEnd type="none" w="med" len="med"/>
+                    </a:lnT>
+                    <a:lnB w="12700" cap="flat" cmpd="sng" algn="ctr">
+                      <a:solidFill>
+                        <a:schemeClr val="tx1"/>
+                      </a:solidFill>
+                      <a:prstDash val="solid"/>
+                      <a:round/>
+                      <a:headEnd type="none" w="med" len="med"/>
+                      <a:tailEnd type="none" w="med" len="med"/>
+                    </a:lnB>
+                  </a:tcPr>
+                </a:tc>
+                <a:tc>
+                  <a:txBody>
+                    <a:bodyPr/>
+                    <a:lstStyle/>
+                    <a:p>
+                      <a:pPr algn="ctr"/>
+                      <a:r>
+                        <a:rPr lang="pt-PT" dirty="0"/>
+                        <a:t>1</a:t>
+                      </a:r>
+                    </a:p>
+                  </a:txBody>
+                  <a:tcPr>
+                    <a:lnL w="12700" cap="flat" cmpd="sng" algn="ctr">
+                      <a:noFill/>
+                      <a:prstDash val="solid"/>
+                      <a:round/>
+                      <a:headEnd type="none" w="med" len="med"/>
+                      <a:tailEnd type="none" w="med" len="med"/>
+                    </a:lnL>
+                    <a:lnR w="12700" cap="flat" cmpd="sng" algn="ctr">
+                      <a:solidFill>
+                        <a:schemeClr val="tx1"/>
+                      </a:solidFill>
+                      <a:prstDash val="solid"/>
+                      <a:round/>
+                      <a:headEnd type="none" w="med" len="med"/>
+                      <a:tailEnd type="none" w="med" len="med"/>
+                    </a:lnR>
+                    <a:lnT w="12700" cap="flat" cmpd="sng" algn="ctr">
+                      <a:solidFill>
+                        <a:schemeClr val="tx1"/>
+                      </a:solidFill>
+                      <a:prstDash val="solid"/>
+                      <a:round/>
+                      <a:headEnd type="none" w="med" len="med"/>
+                      <a:tailEnd type="none" w="med" len="med"/>
+                    </a:lnT>
+                    <a:lnB w="12700" cap="flat" cmpd="sng" algn="ctr">
+                      <a:solidFill>
+                        <a:schemeClr val="tx1"/>
+                      </a:solidFill>
+                      <a:prstDash val="solid"/>
+                      <a:round/>
+                      <a:headEnd type="none" w="med" len="med"/>
+                      <a:tailEnd type="none" w="med" len="med"/>
+                    </a:lnB>
+                  </a:tcPr>
+                </a:tc>
+                <a:tc>
+                  <a:txBody>
+                    <a:bodyPr/>
+                    <a:lstStyle/>
+                    <a:p>
+                      <a:pPr algn="ctr"/>
+                      <a:r>
+                        <a:rPr lang="pt-PT" dirty="0"/>
+                        <a:t>1</a:t>
+                      </a:r>
+                    </a:p>
+                  </a:txBody>
+                  <a:tcPr>
+                    <a:lnL w="12700" cap="flat" cmpd="sng" algn="ctr">
+                      <a:solidFill>
+                        <a:schemeClr val="tx1"/>
+                      </a:solidFill>
+                      <a:prstDash val="solid"/>
+                      <a:round/>
+                      <a:headEnd type="none" w="med" len="med"/>
+                      <a:tailEnd type="none" w="med" len="med"/>
+                    </a:lnL>
+                    <a:lnR w="12700" cap="flat" cmpd="sng" algn="ctr">
+                      <a:noFill/>
+                      <a:prstDash val="solid"/>
+                      <a:round/>
+                      <a:headEnd type="none" w="med" len="med"/>
+                      <a:tailEnd type="none" w="med" len="med"/>
+                    </a:lnR>
+                    <a:lnT w="12700" cap="flat" cmpd="sng" algn="ctr">
+                      <a:solidFill>
+                        <a:schemeClr val="tx1"/>
+                      </a:solidFill>
+                      <a:prstDash val="solid"/>
+                      <a:round/>
+                      <a:headEnd type="none" w="med" len="med"/>
+                      <a:tailEnd type="none" w="med" len="med"/>
+                    </a:lnT>
+                    <a:lnB w="12700" cap="flat" cmpd="sng" algn="ctr">
+                      <a:solidFill>
+                        <a:schemeClr val="tx1"/>
+                      </a:solidFill>
+                      <a:prstDash val="solid"/>
+                      <a:round/>
+                      <a:headEnd type="none" w="med" len="med"/>
+                      <a:tailEnd type="none" w="med" len="med"/>
+                    </a:lnB>
+                  </a:tcPr>
+                </a:tc>
+                <a:extLst>
+                  <a:ext uri="{0D108BD9-81ED-4DB2-BD59-A6C34878D82A}">
+                    <a16:rowId xmlns:a16="http://schemas.microsoft.com/office/drawing/2014/main" val="1425774050"/>
+                  </a:ext>
+                </a:extLst>
+              </a:tr>
+              <a:tr h="370840">
+                <a:tc>
+                  <a:txBody>
+                    <a:bodyPr/>
+                    <a:lstStyle/>
+                    <a:p>
+                      <a:pPr algn="ctr"/>
+                      <a:r>
+                        <a:rPr lang="pt-PT" dirty="0"/>
+                        <a:t>55</a:t>
+                      </a:r>
+                    </a:p>
+                  </a:txBody>
+                  <a:tcPr>
+                    <a:lnL w="12700" cap="flat" cmpd="sng" algn="ctr">
+                      <a:noFill/>
+                      <a:prstDash val="solid"/>
+                      <a:round/>
+                      <a:headEnd type="none" w="med" len="med"/>
+                      <a:tailEnd type="none" w="med" len="med"/>
+                    </a:lnL>
+                    <a:lnR w="12700" cap="flat" cmpd="sng" algn="ctr">
+                      <a:noFill/>
+                      <a:prstDash val="solid"/>
+                      <a:round/>
+                      <a:headEnd type="none" w="med" len="med"/>
+                      <a:tailEnd type="none" w="med" len="med"/>
+                    </a:lnR>
+                    <a:lnT w="12700" cap="flat" cmpd="sng" algn="ctr">
+                      <a:solidFill>
+                        <a:schemeClr val="tx1"/>
+                      </a:solidFill>
+                      <a:prstDash val="solid"/>
+                      <a:round/>
+                      <a:headEnd type="none" w="med" len="med"/>
+                      <a:tailEnd type="none" w="med" len="med"/>
+                    </a:lnT>
+                    <a:lnB w="12700" cap="flat" cmpd="sng" algn="ctr">
+                      <a:solidFill>
+                        <a:schemeClr val="tx1"/>
+                      </a:solidFill>
+                      <a:prstDash val="solid"/>
+                      <a:round/>
+                      <a:headEnd type="none" w="med" len="med"/>
+                      <a:tailEnd type="none" w="med" len="med"/>
+                    </a:lnB>
+                  </a:tcPr>
+                </a:tc>
+                <a:tc>
+                  <a:txBody>
+                    <a:bodyPr/>
+                    <a:lstStyle/>
+                    <a:p>
+                      <a:pPr algn="ctr"/>
+                      <a:endParaRPr lang="pt-PT"/>
+                    </a:p>
+                  </a:txBody>
+                  <a:tcPr>
+                    <a:lnL w="12700" cap="flat" cmpd="sng" algn="ctr">
+                      <a:noFill/>
+                      <a:prstDash val="solid"/>
+                      <a:round/>
+                      <a:headEnd type="none" w="med" len="med"/>
+                      <a:tailEnd type="none" w="med" len="med"/>
+                    </a:lnL>
+                    <a:lnR w="12700" cap="flat" cmpd="sng" algn="ctr">
+                      <a:noFill/>
+                      <a:prstDash val="solid"/>
+                      <a:round/>
+                      <a:headEnd type="none" w="med" len="med"/>
+                      <a:tailEnd type="none" w="med" len="med"/>
+                    </a:lnR>
+                    <a:lnT w="12700" cap="flat" cmpd="sng" algn="ctr">
+                      <a:solidFill>
+                        <a:schemeClr val="tx1"/>
+                      </a:solidFill>
+                      <a:prstDash val="solid"/>
+                      <a:round/>
+                      <a:headEnd type="none" w="med" len="med"/>
+                      <a:tailEnd type="none" w="med" len="med"/>
+                    </a:lnT>
+                    <a:lnB w="12700" cap="flat" cmpd="sng" algn="ctr">
+                      <a:solidFill>
+                        <a:schemeClr val="tx1"/>
+                      </a:solidFill>
+                      <a:prstDash val="solid"/>
+                      <a:round/>
+                      <a:headEnd type="none" w="med" len="med"/>
+                      <a:tailEnd type="none" w="med" len="med"/>
+                    </a:lnB>
+                  </a:tcPr>
+                </a:tc>
+                <a:tc>
+                  <a:txBody>
+                    <a:bodyPr/>
+                    <a:lstStyle/>
+                    <a:p>
+                      <a:pPr algn="ctr"/>
+                      <a:r>
+                        <a:rPr lang="pt-PT" dirty="0"/>
+                        <a:t>0</a:t>
+                      </a:r>
+                    </a:p>
+                  </a:txBody>
+                  <a:tcPr>
+                    <a:lnL w="12700" cap="flat" cmpd="sng" algn="ctr">
+                      <a:noFill/>
+                      <a:prstDash val="solid"/>
+                      <a:round/>
+                      <a:headEnd type="none" w="med" len="med"/>
+                      <a:tailEnd type="none" w="med" len="med"/>
+                    </a:lnL>
+                    <a:lnR w="12700" cap="flat" cmpd="sng" algn="ctr">
+                      <a:solidFill>
+                        <a:schemeClr val="tx1"/>
+                      </a:solidFill>
+                      <a:prstDash val="solid"/>
+                      <a:round/>
+                      <a:headEnd type="none" w="med" len="med"/>
+                      <a:tailEnd type="none" w="med" len="med"/>
+                    </a:lnR>
+                    <a:lnT w="12700" cap="flat" cmpd="sng" algn="ctr">
+                      <a:solidFill>
+                        <a:schemeClr val="tx1"/>
+                      </a:solidFill>
+                      <a:prstDash val="solid"/>
+                      <a:round/>
+                      <a:headEnd type="none" w="med" len="med"/>
+                      <a:tailEnd type="none" w="med" len="med"/>
+                    </a:lnT>
+                    <a:lnB w="12700" cap="flat" cmpd="sng" algn="ctr">
+                      <a:solidFill>
+                        <a:schemeClr val="tx1"/>
+                      </a:solidFill>
+                      <a:prstDash val="solid"/>
+                      <a:round/>
+                      <a:headEnd type="none" w="med" len="med"/>
+                      <a:tailEnd type="none" w="med" len="med"/>
+                    </a:lnB>
+                  </a:tcPr>
+                </a:tc>
+                <a:tc>
+                  <a:txBody>
+                    <a:bodyPr/>
+                    <a:lstStyle/>
+                    <a:p>
+                      <a:pPr algn="ctr"/>
+                      <a:r>
+                        <a:rPr lang="pt-PT" dirty="0"/>
+                        <a:t>0</a:t>
+                      </a:r>
+                    </a:p>
+                  </a:txBody>
+                  <a:tcPr>
+                    <a:lnL w="12700" cap="flat" cmpd="sng" algn="ctr">
+                      <a:solidFill>
+                        <a:schemeClr val="tx1"/>
+                      </a:solidFill>
+                      <a:prstDash val="solid"/>
+                      <a:round/>
+                      <a:headEnd type="none" w="med" len="med"/>
+                      <a:tailEnd type="none" w="med" len="med"/>
+                    </a:lnL>
+                    <a:lnR w="12700" cap="flat" cmpd="sng" algn="ctr">
+                      <a:noFill/>
+                      <a:prstDash val="solid"/>
+                      <a:round/>
+                      <a:headEnd type="none" w="med" len="med"/>
+                      <a:tailEnd type="none" w="med" len="med"/>
+                    </a:lnR>
+                    <a:lnT w="12700" cap="flat" cmpd="sng" algn="ctr">
+                      <a:solidFill>
+                        <a:schemeClr val="tx1"/>
+                      </a:solidFill>
+                      <a:prstDash val="solid"/>
+                      <a:round/>
+                      <a:headEnd type="none" w="med" len="med"/>
+                      <a:tailEnd type="none" w="med" len="med"/>
+                    </a:lnT>
+                    <a:lnB w="12700" cap="flat" cmpd="sng" algn="ctr">
+                      <a:solidFill>
+                        <a:schemeClr val="tx1"/>
+                      </a:solidFill>
+                      <a:prstDash val="solid"/>
+                      <a:round/>
+                      <a:headEnd type="none" w="med" len="med"/>
+                      <a:tailEnd type="none" w="med" len="med"/>
+                    </a:lnB>
+                  </a:tcPr>
+                </a:tc>
+                <a:extLst>
+                  <a:ext uri="{0D108BD9-81ED-4DB2-BD59-A6C34878D82A}">
+                    <a16:rowId xmlns:a16="http://schemas.microsoft.com/office/drawing/2014/main" val="3489508813"/>
+                  </a:ext>
+                </a:extLst>
+              </a:tr>
+              <a:tr h="370840">
+                <a:tc>
+                  <a:txBody>
+                    <a:bodyPr/>
+                    <a:lstStyle/>
+                    <a:p>
+                      <a:pPr algn="ctr"/>
+                      <a:r>
+                        <a:rPr lang="pt-PT" dirty="0"/>
+                        <a:t>90</a:t>
+                      </a:r>
+                    </a:p>
+                  </a:txBody>
+                  <a:tcPr>
+                    <a:lnL w="12700" cap="flat" cmpd="sng" algn="ctr">
+                      <a:noFill/>
+                      <a:prstDash val="solid"/>
+                      <a:round/>
+                      <a:headEnd type="none" w="med" len="med"/>
+                      <a:tailEnd type="none" w="med" len="med"/>
+                    </a:lnL>
+                    <a:lnR w="12700" cap="flat" cmpd="sng" algn="ctr">
+                      <a:noFill/>
+                      <a:prstDash val="solid"/>
+                      <a:round/>
+                      <a:headEnd type="none" w="med" len="med"/>
+                      <a:tailEnd type="none" w="med" len="med"/>
+                    </a:lnR>
+                    <a:lnT w="12700" cap="flat" cmpd="sng" algn="ctr">
+                      <a:solidFill>
+                        <a:schemeClr val="tx1"/>
+                      </a:solidFill>
+                      <a:prstDash val="solid"/>
+                      <a:round/>
+                      <a:headEnd type="none" w="med" len="med"/>
+                      <a:tailEnd type="none" w="med" len="med"/>
+                    </a:lnT>
+                    <a:lnB w="12700" cap="flat" cmpd="sng" algn="ctr">
+                      <a:solidFill>
+                        <a:schemeClr val="tx1"/>
+                      </a:solidFill>
+                      <a:prstDash val="solid"/>
+                      <a:round/>
+                      <a:headEnd type="none" w="med" len="med"/>
+                      <a:tailEnd type="none" w="med" len="med"/>
+                    </a:lnB>
+                  </a:tcPr>
+                </a:tc>
+                <a:tc>
+                  <a:txBody>
+                    <a:bodyPr/>
+                    <a:lstStyle/>
+                    <a:p>
+                      <a:pPr algn="ctr"/>
+                      <a:endParaRPr lang="pt-PT"/>
+                    </a:p>
+                  </a:txBody>
+                  <a:tcPr>
+                    <a:lnL w="12700" cap="flat" cmpd="sng" algn="ctr">
+                      <a:noFill/>
+                      <a:prstDash val="solid"/>
+                      <a:round/>
+                      <a:headEnd type="none" w="med" len="med"/>
+                      <a:tailEnd type="none" w="med" len="med"/>
+                    </a:lnL>
+                    <a:lnR w="12700" cap="flat" cmpd="sng" algn="ctr">
+                      <a:noFill/>
+                      <a:prstDash val="solid"/>
+                      <a:round/>
+                      <a:headEnd type="none" w="med" len="med"/>
+                      <a:tailEnd type="none" w="med" len="med"/>
+                    </a:lnR>
+                    <a:lnT w="12700" cap="flat" cmpd="sng" algn="ctr">
+                      <a:solidFill>
+                        <a:schemeClr val="tx1"/>
+                      </a:solidFill>
+                      <a:prstDash val="solid"/>
+                      <a:round/>
+                      <a:headEnd type="none" w="med" len="med"/>
+                      <a:tailEnd type="none" w="med" len="med"/>
+                    </a:lnT>
+                    <a:lnB w="12700" cap="flat" cmpd="sng" algn="ctr">
+                      <a:solidFill>
+                        <a:schemeClr val="tx1"/>
+                      </a:solidFill>
+                      <a:prstDash val="solid"/>
+                      <a:round/>
+                      <a:headEnd type="none" w="med" len="med"/>
+                      <a:tailEnd type="none" w="med" len="med"/>
+                    </a:lnB>
+                  </a:tcPr>
+                </a:tc>
+                <a:tc>
+                  <a:txBody>
+                    <a:bodyPr/>
+                    <a:lstStyle/>
+                    <a:p>
+                      <a:pPr algn="ctr"/>
+                      <a:r>
+                        <a:rPr lang="pt-PT" dirty="0"/>
+                        <a:t>0</a:t>
+                      </a:r>
+                    </a:p>
+                  </a:txBody>
+                  <a:tcPr>
+                    <a:lnL w="12700" cap="flat" cmpd="sng" algn="ctr">
+                      <a:noFill/>
+                      <a:prstDash val="solid"/>
+                      <a:round/>
+                      <a:headEnd type="none" w="med" len="med"/>
+                      <a:tailEnd type="none" w="med" len="med"/>
+                    </a:lnL>
+                    <a:lnR w="12700" cap="flat" cmpd="sng" algn="ctr">
+                      <a:solidFill>
+                        <a:schemeClr val="tx1"/>
+                      </a:solidFill>
+                      <a:prstDash val="solid"/>
+                      <a:round/>
+                      <a:headEnd type="none" w="med" len="med"/>
+                      <a:tailEnd type="none" w="med" len="med"/>
+                    </a:lnR>
+                    <a:lnT w="12700" cap="flat" cmpd="sng" algn="ctr">
+                      <a:solidFill>
+                        <a:schemeClr val="tx1"/>
+                      </a:solidFill>
+                      <a:prstDash val="solid"/>
+                      <a:round/>
+                      <a:headEnd type="none" w="med" len="med"/>
+                      <a:tailEnd type="none" w="med" len="med"/>
+                    </a:lnT>
+                    <a:lnB w="12700" cap="flat" cmpd="sng" algn="ctr">
+                      <a:solidFill>
+                        <a:schemeClr val="tx1"/>
+                      </a:solidFill>
+                      <a:prstDash val="solid"/>
+                      <a:round/>
+                      <a:headEnd type="none" w="med" len="med"/>
+                      <a:tailEnd type="none" w="med" len="med"/>
+                    </a:lnB>
+                  </a:tcPr>
+                </a:tc>
+                <a:tc>
+                  <a:txBody>
+                    <a:bodyPr/>
+                    <a:lstStyle/>
+                    <a:p>
+                      <a:pPr algn="ctr"/>
+                      <a:r>
+                        <a:rPr lang="pt-PT" dirty="0"/>
+                        <a:t>1</a:t>
+                      </a:r>
+                    </a:p>
+                  </a:txBody>
+                  <a:tcPr>
+                    <a:lnL w="12700" cap="flat" cmpd="sng" algn="ctr">
+                      <a:solidFill>
+                        <a:schemeClr val="tx1"/>
+                      </a:solidFill>
+                      <a:prstDash val="solid"/>
+                      <a:round/>
+                      <a:headEnd type="none" w="med" len="med"/>
+                      <a:tailEnd type="none" w="med" len="med"/>
+                    </a:lnL>
+                    <a:lnR w="12700" cap="flat" cmpd="sng" algn="ctr">
+                      <a:noFill/>
+                      <a:prstDash val="solid"/>
+                      <a:round/>
+                      <a:headEnd type="none" w="med" len="med"/>
+                      <a:tailEnd type="none" w="med" len="med"/>
+                    </a:lnR>
+                    <a:lnT w="12700" cap="flat" cmpd="sng" algn="ctr">
+                      <a:solidFill>
+                        <a:schemeClr val="tx1"/>
+                      </a:solidFill>
+                      <a:prstDash val="solid"/>
+                      <a:round/>
+                      <a:headEnd type="none" w="med" len="med"/>
+                      <a:tailEnd type="none" w="med" len="med"/>
+                    </a:lnT>
+                    <a:lnB w="12700" cap="flat" cmpd="sng" algn="ctr">
+                      <a:solidFill>
+                        <a:schemeClr val="tx1"/>
+                      </a:solidFill>
+                      <a:prstDash val="solid"/>
+                      <a:round/>
+                      <a:headEnd type="none" w="med" len="med"/>
+                      <a:tailEnd type="none" w="med" len="med"/>
+                    </a:lnB>
+                  </a:tcPr>
+                </a:tc>
+                <a:extLst>
+                  <a:ext uri="{0D108BD9-81ED-4DB2-BD59-A6C34878D82A}">
+                    <a16:rowId xmlns:a16="http://schemas.microsoft.com/office/drawing/2014/main" val="1746678139"/>
+                  </a:ext>
+                </a:extLst>
+              </a:tr>
+              <a:tr h="370840">
+                <a:tc>
+                  <a:txBody>
+                    <a:bodyPr/>
+                    <a:lstStyle/>
+                    <a:p>
+                      <a:pPr algn="ctr"/>
+                      <a:r>
+                        <a:rPr lang="pt-PT" dirty="0"/>
+                        <a:t>85</a:t>
+                      </a:r>
+                    </a:p>
+                  </a:txBody>
+                  <a:tcPr>
+                    <a:lnL w="12700" cap="flat" cmpd="sng" algn="ctr">
+                      <a:noFill/>
+                      <a:prstDash val="solid"/>
+                      <a:round/>
+                      <a:headEnd type="none" w="med" len="med"/>
+                      <a:tailEnd type="none" w="med" len="med"/>
+                    </a:lnL>
+                    <a:lnR w="12700" cap="flat" cmpd="sng" algn="ctr">
+                      <a:noFill/>
+                      <a:prstDash val="solid"/>
+                      <a:round/>
+                      <a:headEnd type="none" w="med" len="med"/>
+                      <a:tailEnd type="none" w="med" len="med"/>
+                    </a:lnR>
+                    <a:lnT w="12700" cap="flat" cmpd="sng" algn="ctr">
+                      <a:solidFill>
+                        <a:schemeClr val="tx1"/>
+                      </a:solidFill>
+                      <a:prstDash val="solid"/>
+                      <a:round/>
+                      <a:headEnd type="none" w="med" len="med"/>
+                      <a:tailEnd type="none" w="med" len="med"/>
+                    </a:lnT>
+                    <a:lnB w="12700" cap="flat" cmpd="sng" algn="ctr">
+                      <a:noFill/>
+                      <a:prstDash val="solid"/>
+                      <a:round/>
+                      <a:headEnd type="none" w="med" len="med"/>
+                      <a:tailEnd type="none" w="med" len="med"/>
+                    </a:lnB>
+                  </a:tcPr>
+                </a:tc>
+                <a:tc>
+                  <a:txBody>
+                    <a:bodyPr/>
+                    <a:lstStyle/>
+                    <a:p>
+                      <a:pPr algn="ctr"/>
+                      <a:endParaRPr lang="pt-PT" dirty="0"/>
+                    </a:p>
+                  </a:txBody>
+                  <a:tcPr>
+                    <a:lnL w="12700" cap="flat" cmpd="sng" algn="ctr">
+                      <a:noFill/>
+                      <a:prstDash val="solid"/>
+                      <a:round/>
+                      <a:headEnd type="none" w="med" len="med"/>
+                      <a:tailEnd type="none" w="med" len="med"/>
+                    </a:lnL>
+                    <a:lnR w="12700" cap="flat" cmpd="sng" algn="ctr">
+                      <a:noFill/>
+                      <a:prstDash val="solid"/>
+                      <a:round/>
+                      <a:headEnd type="none" w="med" len="med"/>
+                      <a:tailEnd type="none" w="med" len="med"/>
+                    </a:lnR>
+                    <a:lnT w="12700" cap="flat" cmpd="sng" algn="ctr">
+                      <a:solidFill>
+                        <a:schemeClr val="tx1"/>
+                      </a:solidFill>
+                      <a:prstDash val="solid"/>
+                      <a:round/>
+                      <a:headEnd type="none" w="med" len="med"/>
+                      <a:tailEnd type="none" w="med" len="med"/>
+                    </a:lnT>
+                    <a:lnB w="12700" cap="flat" cmpd="sng" algn="ctr">
+                      <a:noFill/>
+                      <a:prstDash val="solid"/>
+                      <a:round/>
+                      <a:headEnd type="none" w="med" len="med"/>
+                      <a:tailEnd type="none" w="med" len="med"/>
+                    </a:lnB>
+                  </a:tcPr>
+                </a:tc>
+                <a:tc>
+                  <a:txBody>
+                    <a:bodyPr/>
+                    <a:lstStyle/>
+                    <a:p>
+                      <a:pPr algn="ctr"/>
+                      <a:r>
+                        <a:rPr lang="pt-PT" dirty="0"/>
+                        <a:t>0</a:t>
+                      </a:r>
+                    </a:p>
+                  </a:txBody>
+                  <a:tcPr>
+                    <a:lnL w="12700" cap="flat" cmpd="sng" algn="ctr">
+                      <a:noFill/>
+                      <a:prstDash val="solid"/>
+                      <a:round/>
+                      <a:headEnd type="none" w="med" len="med"/>
+                      <a:tailEnd type="none" w="med" len="med"/>
+                    </a:lnL>
+                    <a:lnR w="12700" cap="flat" cmpd="sng" algn="ctr">
+                      <a:solidFill>
+                        <a:schemeClr val="tx1"/>
+                      </a:solidFill>
+                      <a:prstDash val="solid"/>
+                      <a:round/>
+                      <a:headEnd type="none" w="med" len="med"/>
+                      <a:tailEnd type="none" w="med" len="med"/>
+                    </a:lnR>
+                    <a:lnT w="12700" cap="flat" cmpd="sng" algn="ctr">
+                      <a:solidFill>
+                        <a:schemeClr val="tx1"/>
+                      </a:solidFill>
+                      <a:prstDash val="solid"/>
+                      <a:round/>
+                      <a:headEnd type="none" w="med" len="med"/>
+                      <a:tailEnd type="none" w="med" len="med"/>
+                    </a:lnT>
+                    <a:lnB w="12700" cap="flat" cmpd="sng" algn="ctr">
+                      <a:noFill/>
+                      <a:prstDash val="solid"/>
+                      <a:round/>
+                      <a:headEnd type="none" w="med" len="med"/>
+                      <a:tailEnd type="none" w="med" len="med"/>
+                    </a:lnB>
+                  </a:tcPr>
+                </a:tc>
+                <a:tc>
+                  <a:txBody>
+                    <a:bodyPr/>
+                    <a:lstStyle/>
+                    <a:p>
+                      <a:pPr algn="ctr"/>
+                      <a:r>
+                        <a:rPr lang="pt-PT" dirty="0"/>
+                        <a:t>0</a:t>
+                      </a:r>
+                    </a:p>
+                  </a:txBody>
+                  <a:tcPr>
+                    <a:lnL w="12700" cap="flat" cmpd="sng" algn="ctr">
+                      <a:solidFill>
+                        <a:schemeClr val="tx1"/>
+                      </a:solidFill>
+                      <a:prstDash val="solid"/>
+                      <a:round/>
+                      <a:headEnd type="none" w="med" len="med"/>
+                      <a:tailEnd type="none" w="med" len="med"/>
+                    </a:lnL>
+                    <a:lnR w="12700" cap="flat" cmpd="sng" algn="ctr">
+                      <a:noFill/>
+                      <a:prstDash val="solid"/>
+                      <a:round/>
+                      <a:headEnd type="none" w="med" len="med"/>
+                      <a:tailEnd type="none" w="med" len="med"/>
+                    </a:lnR>
+                    <a:lnT w="12700" cap="flat" cmpd="sng" algn="ctr">
+                      <a:solidFill>
+                        <a:schemeClr val="tx1"/>
+                      </a:solidFill>
+                      <a:prstDash val="solid"/>
+                      <a:round/>
+                      <a:headEnd type="none" w="med" len="med"/>
+                      <a:tailEnd type="none" w="med" len="med"/>
+                    </a:lnT>
+                    <a:lnB w="12700" cap="flat" cmpd="sng" algn="ctr">
+                      <a:noFill/>
+                      <a:prstDash val="solid"/>
+                      <a:round/>
+                      <a:headEnd type="none" w="med" len="med"/>
+                      <a:tailEnd type="none" w="med" len="med"/>
+                    </a:lnB>
+                  </a:tcPr>
+                </a:tc>
+                <a:extLst>
+                  <a:ext uri="{0D108BD9-81ED-4DB2-BD59-A6C34878D82A}">
+                    <a16:rowId xmlns:a16="http://schemas.microsoft.com/office/drawing/2014/main" val="4159452347"/>
+                  </a:ext>
+                </a:extLst>
+              </a:tr>
+            </a:tbl>
+          </a:graphicData>
+        </a:graphic>
+      </p:graphicFrame>
+      <p:graphicFrame>
+        <p:nvGraphicFramePr>
+          <p:cNvPr id="7" name="Table 6">
+            <a:extLst>
+              <a:ext uri="{FF2B5EF4-FFF2-40B4-BE49-F238E27FC236}">
+                <a16:creationId xmlns:a16="http://schemas.microsoft.com/office/drawing/2014/main" id="{CEE6E7A4-F09F-8A42-96DE-5C8A836603FB}"/>
+              </a:ext>
+            </a:extLst>
+          </p:cNvPr>
+          <p:cNvGraphicFramePr>
+            <a:graphicFrameLocks noGrp="1"/>
+          </p:cNvGraphicFramePr>
+          <p:nvPr/>
+        </p:nvGraphicFramePr>
+        <p:xfrm>
+          <a:off x="4943158" y="2995454"/>
+          <a:ext cx="2305684" cy="2011680"/>
+        </p:xfrm>
+        <a:graphic>
+          <a:graphicData uri="http://schemas.openxmlformats.org/drawingml/2006/table">
+            <a:tbl>
+              <a:tblPr firstRow="1" firstCol="1" bandRow="1">
+                <a:tableStyleId>{5C22544A-7EE6-4342-B048-85BDC9FD1C3A}</a:tableStyleId>
+              </a:tblPr>
+              <a:tblGrid>
+                <a:gridCol w="442403">
+                  <a:extLst>
+                    <a:ext uri="{9D8B030D-6E8A-4147-A177-3AD203B41FA5}">
+                      <a16:colId xmlns:a16="http://schemas.microsoft.com/office/drawing/2014/main" val="547665864"/>
+                    </a:ext>
+                  </a:extLst>
+                </a:gridCol>
+                <a:gridCol w="420251">
+                  <a:extLst>
+                    <a:ext uri="{9D8B030D-6E8A-4147-A177-3AD203B41FA5}">
+                      <a16:colId xmlns:a16="http://schemas.microsoft.com/office/drawing/2014/main" val="1118457585"/>
+                    </a:ext>
+                  </a:extLst>
+                </a:gridCol>
+                <a:gridCol w="721515">
+                  <a:extLst>
+                    <a:ext uri="{9D8B030D-6E8A-4147-A177-3AD203B41FA5}">
+                      <a16:colId xmlns:a16="http://schemas.microsoft.com/office/drawing/2014/main" val="2073799182"/>
+                    </a:ext>
+                  </a:extLst>
+                </a:gridCol>
+                <a:gridCol w="721515">
+                  <a:extLst>
+                    <a:ext uri="{9D8B030D-6E8A-4147-A177-3AD203B41FA5}">
+                      <a16:colId xmlns:a16="http://schemas.microsoft.com/office/drawing/2014/main" val="1457264445"/>
+                    </a:ext>
+                  </a:extLst>
+                </a:gridCol>
+              </a:tblGrid>
+              <a:tr h="0">
+                <a:tc gridSpan="3">
+                  <a:txBody>
+                    <a:bodyPr/>
+                    <a:lstStyle/>
+                    <a:p>
+                      <a:pPr algn="ctr"/>
+                      <a:r>
+                        <a:rPr lang="pt-PT" sz="1200">
+                          <a:effectLst/>
+                        </a:rPr>
+                        <a:t>X</a:t>
+                      </a:r>
+                      <a:endParaRPr lang="en-GB" sz="1200">
+                        <a:effectLst/>
+                        <a:latin typeface="Times New Roman" panose="02020603050405020304" pitchFamily="18" charset="0"/>
+                        <a:ea typeface="Times New Roman" panose="02020603050405020304" pitchFamily="18" charset="0"/>
+                      </a:endParaRPr>
+                    </a:p>
+                  </a:txBody>
+                  <a:tcPr marL="68580" marR="68580" marT="0" marB="0"/>
+                </a:tc>
+                <a:tc hMerge="1">
+                  <a:txBody>
+                    <a:bodyPr/>
+                    <a:lstStyle/>
+                    <a:p>
+                      <a:endParaRPr lang="pt-PT"/>
+                    </a:p>
+                  </a:txBody>
+                  <a:tcPr/>
+                </a:tc>
+                <a:tc hMerge="1">
+                  <a:txBody>
+                    <a:bodyPr/>
+                    <a:lstStyle/>
+                    <a:p>
+                      <a:endParaRPr lang="pt-PT"/>
+                    </a:p>
+                  </a:txBody>
+                  <a:tcPr/>
+                </a:tc>
+                <a:tc>
+                  <a:txBody>
+                    <a:bodyPr/>
+                    <a:lstStyle/>
+                    <a:p>
+                      <a:pPr algn="ctr"/>
+                      <a:r>
+                        <a:rPr lang="pt-BR" sz="1200">
+                          <a:effectLst/>
+                        </a:rPr>
+                        <a:t>y</a:t>
+                      </a:r>
+                      <a:endParaRPr lang="en-GB" sz="1200">
+                        <a:effectLst/>
+                        <a:latin typeface="Times New Roman" panose="02020603050405020304" pitchFamily="18" charset="0"/>
+                        <a:ea typeface="Times New Roman" panose="02020603050405020304" pitchFamily="18" charset="0"/>
+                      </a:endParaRPr>
+                    </a:p>
+                  </a:txBody>
+                  <a:tcPr marL="68580" marR="68580" marT="0" marB="0"/>
+                </a:tc>
+                <a:extLst>
+                  <a:ext uri="{0D108BD9-81ED-4DB2-BD59-A6C34878D82A}">
+                    <a16:rowId xmlns:a16="http://schemas.microsoft.com/office/drawing/2014/main" val="528546886"/>
+                  </a:ext>
+                </a:extLst>
+              </a:tr>
+              <a:tr h="0">
+                <a:tc>
+                  <a:txBody>
+                    <a:bodyPr/>
+                    <a:lstStyle/>
+                    <a:p>
+                      <a:pPr algn="ctr"/>
+                      <a:r>
+                        <a:rPr lang="pt-PT" sz="1200">
+                          <a:effectLst/>
+                        </a:rPr>
+                        <a:t>Idade</a:t>
+                      </a:r>
+                      <a:endParaRPr lang="en-GB" sz="1200">
+                        <a:effectLst/>
+                        <a:latin typeface="Times New Roman" panose="02020603050405020304" pitchFamily="18" charset="0"/>
+                        <a:ea typeface="Times New Roman" panose="02020603050405020304" pitchFamily="18" charset="0"/>
+                      </a:endParaRPr>
+                    </a:p>
+                  </a:txBody>
+                  <a:tcPr marL="68580" marR="68580" marT="0" marB="0"/>
+                </a:tc>
+                <a:tc>
+                  <a:txBody>
+                    <a:bodyPr/>
+                    <a:lstStyle/>
+                    <a:p>
+                      <a:pPr algn="ctr"/>
+                      <a:r>
+                        <a:rPr lang="pt-PT" sz="1200">
+                          <a:effectLst/>
+                        </a:rPr>
+                        <a:t>...</a:t>
+                      </a:r>
+                      <a:endParaRPr lang="en-GB" sz="1200">
+                        <a:effectLst/>
+                        <a:latin typeface="Times New Roman" panose="02020603050405020304" pitchFamily="18" charset="0"/>
+                        <a:ea typeface="Times New Roman" panose="02020603050405020304" pitchFamily="18" charset="0"/>
+                      </a:endParaRPr>
+                    </a:p>
+                  </a:txBody>
+                  <a:tcPr marL="68580" marR="68580" marT="0" marB="0"/>
+                </a:tc>
+                <a:tc>
+                  <a:txBody>
+                    <a:bodyPr/>
+                    <a:lstStyle/>
+                    <a:p>
+                      <a:pPr algn="ctr"/>
+                      <a:r>
+                        <a:rPr lang="en-GB" sz="1200">
+                          <a:effectLst/>
+                        </a:rPr>
+                        <a:t>Alcoolico</a:t>
+                      </a:r>
+                      <a:endParaRPr lang="en-GB" sz="1200">
+                        <a:effectLst/>
+                        <a:latin typeface="Times New Roman" panose="02020603050405020304" pitchFamily="18" charset="0"/>
+                        <a:ea typeface="Times New Roman" panose="02020603050405020304" pitchFamily="18" charset="0"/>
+                      </a:endParaRPr>
+                    </a:p>
+                  </a:txBody>
+                  <a:tcPr marL="68580" marR="68580" marT="0" marB="0"/>
+                </a:tc>
+                <a:tc>
+                  <a:txBody>
+                    <a:bodyPr/>
+                    <a:lstStyle/>
+                    <a:p>
+                      <a:pPr algn="ctr"/>
+                      <a:r>
+                        <a:rPr lang="pt-PT" sz="1200">
+                          <a:effectLst/>
+                        </a:rPr>
+                        <a:t>Delirium</a:t>
+                      </a:r>
+                      <a:endParaRPr lang="en-GB" sz="1200">
+                        <a:effectLst/>
+                        <a:latin typeface="Times New Roman" panose="02020603050405020304" pitchFamily="18" charset="0"/>
+                        <a:ea typeface="Times New Roman" panose="02020603050405020304" pitchFamily="18" charset="0"/>
+                      </a:endParaRPr>
+                    </a:p>
+                  </a:txBody>
+                  <a:tcPr marL="68580" marR="68580" marT="0" marB="0"/>
+                </a:tc>
+                <a:extLst>
+                  <a:ext uri="{0D108BD9-81ED-4DB2-BD59-A6C34878D82A}">
+                    <a16:rowId xmlns:a16="http://schemas.microsoft.com/office/drawing/2014/main" val="2669033163"/>
+                  </a:ext>
+                </a:extLst>
+              </a:tr>
+              <a:tr h="0">
+                <a:tc>
+                  <a:txBody>
+                    <a:bodyPr/>
+                    <a:lstStyle/>
+                    <a:p>
+                      <a:pPr algn="ctr"/>
+                      <a:r>
+                        <a:rPr lang="pt-PT" sz="1200">
+                          <a:effectLst/>
+                        </a:rPr>
+                        <a:t>23</a:t>
+                      </a:r>
+                      <a:endParaRPr lang="en-GB" sz="1200">
+                        <a:effectLst/>
+                        <a:latin typeface="Times New Roman" panose="02020603050405020304" pitchFamily="18" charset="0"/>
+                        <a:ea typeface="Times New Roman" panose="02020603050405020304" pitchFamily="18" charset="0"/>
+                      </a:endParaRPr>
+                    </a:p>
+                  </a:txBody>
+                  <a:tcPr marL="68580" marR="68580" marT="0" marB="0"/>
+                </a:tc>
+                <a:tc>
+                  <a:txBody>
+                    <a:bodyPr/>
+                    <a:lstStyle/>
+                    <a:p>
+                      <a:pPr algn="ctr"/>
+                      <a:r>
+                        <a:rPr lang="pt-PT" sz="1200">
+                          <a:effectLst/>
+                        </a:rPr>
+                        <a:t>...</a:t>
+                      </a:r>
+                      <a:endParaRPr lang="en-GB" sz="1200">
+                        <a:effectLst/>
+                        <a:latin typeface="Times New Roman" panose="02020603050405020304" pitchFamily="18" charset="0"/>
+                        <a:ea typeface="Times New Roman" panose="02020603050405020304" pitchFamily="18" charset="0"/>
+                      </a:endParaRPr>
+                    </a:p>
+                  </a:txBody>
+                  <a:tcPr marL="68580" marR="68580" marT="0" marB="0"/>
+                </a:tc>
+                <a:tc>
+                  <a:txBody>
+                    <a:bodyPr/>
+                    <a:lstStyle/>
+                    <a:p>
+                      <a:pPr algn="ctr"/>
+                      <a:r>
+                        <a:rPr lang="pt-PT" sz="1200">
+                          <a:effectLst/>
+                        </a:rPr>
+                        <a:t>0</a:t>
+                      </a:r>
+                      <a:endParaRPr lang="en-GB" sz="1200">
+                        <a:effectLst/>
+                        <a:latin typeface="Times New Roman" panose="02020603050405020304" pitchFamily="18" charset="0"/>
+                        <a:ea typeface="Times New Roman" panose="02020603050405020304" pitchFamily="18" charset="0"/>
+                      </a:endParaRPr>
+                    </a:p>
+                  </a:txBody>
+                  <a:tcPr marL="68580" marR="68580" marT="0" marB="0"/>
+                </a:tc>
+                <a:tc>
+                  <a:txBody>
+                    <a:bodyPr/>
+                    <a:lstStyle/>
+                    <a:p>
+                      <a:pPr algn="ctr"/>
+                      <a:r>
+                        <a:rPr lang="pt-PT" sz="1200">
+                          <a:effectLst/>
+                        </a:rPr>
+                        <a:t>1</a:t>
+                      </a:r>
+                      <a:endParaRPr lang="en-GB" sz="1200">
+                        <a:effectLst/>
+                        <a:latin typeface="Times New Roman" panose="02020603050405020304" pitchFamily="18" charset="0"/>
+                        <a:ea typeface="Times New Roman" panose="02020603050405020304" pitchFamily="18" charset="0"/>
+                      </a:endParaRPr>
+                    </a:p>
+                  </a:txBody>
+                  <a:tcPr marL="68580" marR="68580" marT="0" marB="0"/>
+                </a:tc>
+                <a:extLst>
+                  <a:ext uri="{0D108BD9-81ED-4DB2-BD59-A6C34878D82A}">
+                    <a16:rowId xmlns:a16="http://schemas.microsoft.com/office/drawing/2014/main" val="1565526045"/>
+                  </a:ext>
+                </a:extLst>
+              </a:tr>
+              <a:tr h="0">
+                <a:tc>
+                  <a:txBody>
+                    <a:bodyPr/>
+                    <a:lstStyle/>
+                    <a:p>
+                      <a:pPr algn="ctr"/>
+                      <a:r>
+                        <a:rPr lang="pt-PT" sz="1200">
+                          <a:effectLst/>
+                        </a:rPr>
+                        <a:t>50</a:t>
+                      </a:r>
+                      <a:endParaRPr lang="en-GB" sz="1200">
+                        <a:effectLst/>
+                        <a:latin typeface="Times New Roman" panose="02020603050405020304" pitchFamily="18" charset="0"/>
+                        <a:ea typeface="Times New Roman" panose="02020603050405020304" pitchFamily="18" charset="0"/>
+                      </a:endParaRPr>
+                    </a:p>
+                  </a:txBody>
+                  <a:tcPr marL="68580" marR="68580" marT="0" marB="0"/>
+                </a:tc>
+                <a:tc>
+                  <a:txBody>
+                    <a:bodyPr/>
+                    <a:lstStyle/>
+                    <a:p>
+                      <a:pPr algn="ctr"/>
+                      <a:r>
+                        <a:rPr lang="pt-PT" sz="1200">
+                          <a:effectLst/>
+                        </a:rPr>
+                        <a:t>...</a:t>
+                      </a:r>
+                      <a:endParaRPr lang="en-GB" sz="1200">
+                        <a:effectLst/>
+                        <a:latin typeface="Times New Roman" panose="02020603050405020304" pitchFamily="18" charset="0"/>
+                        <a:ea typeface="Times New Roman" panose="02020603050405020304" pitchFamily="18" charset="0"/>
+                      </a:endParaRPr>
+                    </a:p>
+                  </a:txBody>
+                  <a:tcPr marL="68580" marR="68580" marT="0" marB="0"/>
+                </a:tc>
+                <a:tc>
+                  <a:txBody>
+                    <a:bodyPr/>
+                    <a:lstStyle/>
+                    <a:p>
+                      <a:pPr algn="ctr"/>
+                      <a:r>
+                        <a:rPr lang="pt-PT" sz="1200">
+                          <a:effectLst/>
+                        </a:rPr>
+                        <a:t>0</a:t>
+                      </a:r>
+                      <a:endParaRPr lang="en-GB" sz="1200">
+                        <a:effectLst/>
+                        <a:latin typeface="Times New Roman" panose="02020603050405020304" pitchFamily="18" charset="0"/>
+                        <a:ea typeface="Times New Roman" panose="02020603050405020304" pitchFamily="18" charset="0"/>
+                      </a:endParaRPr>
+                    </a:p>
+                  </a:txBody>
+                  <a:tcPr marL="68580" marR="68580" marT="0" marB="0"/>
+                </a:tc>
+                <a:tc>
+                  <a:txBody>
+                    <a:bodyPr/>
+                    <a:lstStyle/>
+                    <a:p>
+                      <a:pPr algn="ctr"/>
+                      <a:r>
+                        <a:rPr lang="pt-PT" sz="1200">
+                          <a:effectLst/>
+                        </a:rPr>
+                        <a:t>0</a:t>
+                      </a:r>
+                      <a:endParaRPr lang="en-GB" sz="1200">
+                        <a:effectLst/>
+                        <a:latin typeface="Times New Roman" panose="02020603050405020304" pitchFamily="18" charset="0"/>
+                        <a:ea typeface="Times New Roman" panose="02020603050405020304" pitchFamily="18" charset="0"/>
+                      </a:endParaRPr>
+                    </a:p>
+                  </a:txBody>
+                  <a:tcPr marL="68580" marR="68580" marT="0" marB="0"/>
+                </a:tc>
+                <a:extLst>
+                  <a:ext uri="{0D108BD9-81ED-4DB2-BD59-A6C34878D82A}">
+                    <a16:rowId xmlns:a16="http://schemas.microsoft.com/office/drawing/2014/main" val="235362978"/>
+                  </a:ext>
+                </a:extLst>
+              </a:tr>
+              <a:tr h="0">
+                <a:tc>
+                  <a:txBody>
+                    <a:bodyPr/>
+                    <a:lstStyle/>
+                    <a:p>
+                      <a:pPr algn="ctr"/>
+                      <a:r>
+                        <a:rPr lang="pt-PT" sz="1200">
+                          <a:effectLst/>
+                        </a:rPr>
+                        <a:t>35</a:t>
+                      </a:r>
+                      <a:endParaRPr lang="en-GB" sz="1200">
+                        <a:effectLst/>
+                        <a:latin typeface="Times New Roman" panose="02020603050405020304" pitchFamily="18" charset="0"/>
+                        <a:ea typeface="Times New Roman" panose="02020603050405020304" pitchFamily="18" charset="0"/>
+                      </a:endParaRPr>
+                    </a:p>
+                  </a:txBody>
+                  <a:tcPr marL="68580" marR="68580" marT="0" marB="0"/>
+                </a:tc>
+                <a:tc>
+                  <a:txBody>
+                    <a:bodyPr/>
+                    <a:lstStyle/>
+                    <a:p>
+                      <a:pPr algn="ctr"/>
+                      <a:r>
+                        <a:rPr lang="pt-PT" sz="1200">
+                          <a:effectLst/>
+                        </a:rPr>
+                        <a:t>...</a:t>
+                      </a:r>
+                      <a:endParaRPr lang="en-GB" sz="1200">
+                        <a:effectLst/>
+                        <a:latin typeface="Times New Roman" panose="02020603050405020304" pitchFamily="18" charset="0"/>
+                        <a:ea typeface="Times New Roman" panose="02020603050405020304" pitchFamily="18" charset="0"/>
+                      </a:endParaRPr>
+                    </a:p>
+                  </a:txBody>
+                  <a:tcPr marL="68580" marR="68580" marT="0" marB="0"/>
+                </a:tc>
+                <a:tc>
+                  <a:txBody>
+                    <a:bodyPr/>
+                    <a:lstStyle/>
+                    <a:p>
+                      <a:pPr algn="ctr"/>
+                      <a:r>
+                        <a:rPr lang="pt-PT" sz="1200">
+                          <a:effectLst/>
+                        </a:rPr>
+                        <a:t>0</a:t>
+                      </a:r>
+                      <a:endParaRPr lang="en-GB" sz="1200">
+                        <a:effectLst/>
+                        <a:latin typeface="Times New Roman" panose="02020603050405020304" pitchFamily="18" charset="0"/>
+                        <a:ea typeface="Times New Roman" panose="02020603050405020304" pitchFamily="18" charset="0"/>
+                      </a:endParaRPr>
+                    </a:p>
+                  </a:txBody>
+                  <a:tcPr marL="68580" marR="68580" marT="0" marB="0"/>
+                </a:tc>
+                <a:tc>
+                  <a:txBody>
+                    <a:bodyPr/>
+                    <a:lstStyle/>
+                    <a:p>
+                      <a:pPr algn="ctr"/>
+                      <a:r>
+                        <a:rPr lang="pt-PT" sz="1200">
+                          <a:effectLst/>
+                        </a:rPr>
+                        <a:t>1</a:t>
+                      </a:r>
+                      <a:endParaRPr lang="en-GB" sz="1200">
+                        <a:effectLst/>
+                        <a:latin typeface="Times New Roman" panose="02020603050405020304" pitchFamily="18" charset="0"/>
+                        <a:ea typeface="Times New Roman" panose="02020603050405020304" pitchFamily="18" charset="0"/>
+                      </a:endParaRPr>
+                    </a:p>
+                  </a:txBody>
+                  <a:tcPr marL="68580" marR="68580" marT="0" marB="0"/>
+                </a:tc>
+                <a:extLst>
+                  <a:ext uri="{0D108BD9-81ED-4DB2-BD59-A6C34878D82A}">
+                    <a16:rowId xmlns:a16="http://schemas.microsoft.com/office/drawing/2014/main" val="2349680625"/>
+                  </a:ext>
+                </a:extLst>
+              </a:tr>
+              <a:tr h="0">
+                <a:tc>
+                  <a:txBody>
+                    <a:bodyPr/>
+                    <a:lstStyle/>
+                    <a:p>
+                      <a:pPr algn="ctr"/>
+                      <a:r>
+                        <a:rPr lang="pt-PT" sz="1200">
+                          <a:effectLst/>
+                        </a:rPr>
+                        <a:t>60</a:t>
+                      </a:r>
+                      <a:endParaRPr lang="en-GB" sz="1200">
+                        <a:effectLst/>
+                        <a:latin typeface="Times New Roman" panose="02020603050405020304" pitchFamily="18" charset="0"/>
+                        <a:ea typeface="Times New Roman" panose="02020603050405020304" pitchFamily="18" charset="0"/>
+                      </a:endParaRPr>
+                    </a:p>
+                  </a:txBody>
+                  <a:tcPr marL="68580" marR="68580" marT="0" marB="0"/>
+                </a:tc>
+                <a:tc>
+                  <a:txBody>
+                    <a:bodyPr/>
+                    <a:lstStyle/>
+                    <a:p>
+                      <a:pPr algn="ctr"/>
+                      <a:r>
+                        <a:rPr lang="pt-PT" sz="1200">
+                          <a:effectLst/>
+                        </a:rPr>
+                        <a:t>...</a:t>
+                      </a:r>
+                      <a:endParaRPr lang="en-GB" sz="1200">
+                        <a:effectLst/>
+                        <a:latin typeface="Times New Roman" panose="02020603050405020304" pitchFamily="18" charset="0"/>
+                        <a:ea typeface="Times New Roman" panose="02020603050405020304" pitchFamily="18" charset="0"/>
+                      </a:endParaRPr>
+                    </a:p>
+                  </a:txBody>
+                  <a:tcPr marL="68580" marR="68580" marT="0" marB="0"/>
+                </a:tc>
+                <a:tc>
+                  <a:txBody>
+                    <a:bodyPr/>
+                    <a:lstStyle/>
+                    <a:p>
+                      <a:pPr algn="ctr"/>
+                      <a:r>
+                        <a:rPr lang="pt-PT" sz="1200">
+                          <a:effectLst/>
+                        </a:rPr>
+                        <a:t>0</a:t>
+                      </a:r>
+                      <a:endParaRPr lang="en-GB" sz="1200">
+                        <a:effectLst/>
+                        <a:latin typeface="Times New Roman" panose="02020603050405020304" pitchFamily="18" charset="0"/>
+                        <a:ea typeface="Times New Roman" panose="02020603050405020304" pitchFamily="18" charset="0"/>
+                      </a:endParaRPr>
+                    </a:p>
+                  </a:txBody>
+                  <a:tcPr marL="68580" marR="68580" marT="0" marB="0"/>
+                </a:tc>
+                <a:tc>
+                  <a:txBody>
+                    <a:bodyPr/>
+                    <a:lstStyle/>
+                    <a:p>
+                      <a:pPr algn="ctr"/>
+                      <a:r>
+                        <a:rPr lang="pt-PT" sz="1200">
+                          <a:effectLst/>
+                        </a:rPr>
+                        <a:t>0</a:t>
+                      </a:r>
+                      <a:endParaRPr lang="en-GB" sz="1200">
+                        <a:effectLst/>
+                        <a:latin typeface="Times New Roman" panose="02020603050405020304" pitchFamily="18" charset="0"/>
+                        <a:ea typeface="Times New Roman" panose="02020603050405020304" pitchFamily="18" charset="0"/>
+                      </a:endParaRPr>
+                    </a:p>
+                  </a:txBody>
+                  <a:tcPr marL="68580" marR="68580" marT="0" marB="0"/>
+                </a:tc>
+                <a:extLst>
+                  <a:ext uri="{0D108BD9-81ED-4DB2-BD59-A6C34878D82A}">
+                    <a16:rowId xmlns:a16="http://schemas.microsoft.com/office/drawing/2014/main" val="4162870373"/>
+                  </a:ext>
+                </a:extLst>
+              </a:tr>
+              <a:tr h="0">
+                <a:tc>
+                  <a:txBody>
+                    <a:bodyPr/>
+                    <a:lstStyle/>
+                    <a:p>
+                      <a:pPr algn="ctr"/>
+                      <a:r>
+                        <a:rPr lang="pt-PT" sz="1200">
+                          <a:effectLst/>
+                        </a:rPr>
+                        <a:t>77</a:t>
+                      </a:r>
+                      <a:endParaRPr lang="en-GB" sz="1200">
+                        <a:effectLst/>
+                        <a:latin typeface="Times New Roman" panose="02020603050405020304" pitchFamily="18" charset="0"/>
+                        <a:ea typeface="Times New Roman" panose="02020603050405020304" pitchFamily="18" charset="0"/>
+                      </a:endParaRPr>
+                    </a:p>
+                  </a:txBody>
+                  <a:tcPr marL="68580" marR="68580" marT="0" marB="0"/>
+                </a:tc>
+                <a:tc>
+                  <a:txBody>
+                    <a:bodyPr/>
+                    <a:lstStyle/>
+                    <a:p>
+                      <a:pPr algn="ctr"/>
+                      <a:r>
+                        <a:rPr lang="pt-PT" sz="1200">
+                          <a:effectLst/>
+                        </a:rPr>
+                        <a:t>...</a:t>
+                      </a:r>
+                      <a:endParaRPr lang="en-GB" sz="1200">
+                        <a:effectLst/>
+                        <a:latin typeface="Times New Roman" panose="02020603050405020304" pitchFamily="18" charset="0"/>
+                        <a:ea typeface="Times New Roman" panose="02020603050405020304" pitchFamily="18" charset="0"/>
+                      </a:endParaRPr>
+                    </a:p>
+                  </a:txBody>
+                  <a:tcPr marL="68580" marR="68580" marT="0" marB="0"/>
+                </a:tc>
+                <a:tc>
+                  <a:txBody>
+                    <a:bodyPr/>
+                    <a:lstStyle/>
+                    <a:p>
+                      <a:pPr algn="ctr"/>
+                      <a:r>
+                        <a:rPr lang="pt-PT" sz="1200">
+                          <a:effectLst/>
+                        </a:rPr>
+                        <a:t>1</a:t>
+                      </a:r>
+                      <a:endParaRPr lang="en-GB" sz="1200">
+                        <a:effectLst/>
+                        <a:latin typeface="Times New Roman" panose="02020603050405020304" pitchFamily="18" charset="0"/>
+                        <a:ea typeface="Times New Roman" panose="02020603050405020304" pitchFamily="18" charset="0"/>
+                      </a:endParaRPr>
+                    </a:p>
+                  </a:txBody>
+                  <a:tcPr marL="68580" marR="68580" marT="0" marB="0"/>
+                </a:tc>
+                <a:tc>
+                  <a:txBody>
+                    <a:bodyPr/>
+                    <a:lstStyle/>
+                    <a:p>
+                      <a:pPr algn="ctr"/>
+                      <a:r>
+                        <a:rPr lang="pt-PT" sz="1200">
+                          <a:effectLst/>
+                        </a:rPr>
+                        <a:t>1</a:t>
+                      </a:r>
+                      <a:endParaRPr lang="en-GB" sz="1200">
+                        <a:effectLst/>
+                        <a:latin typeface="Times New Roman" panose="02020603050405020304" pitchFamily="18" charset="0"/>
+                        <a:ea typeface="Times New Roman" panose="02020603050405020304" pitchFamily="18" charset="0"/>
+                      </a:endParaRPr>
+                    </a:p>
+                  </a:txBody>
+                  <a:tcPr marL="68580" marR="68580" marT="0" marB="0"/>
+                </a:tc>
+                <a:extLst>
+                  <a:ext uri="{0D108BD9-81ED-4DB2-BD59-A6C34878D82A}">
+                    <a16:rowId xmlns:a16="http://schemas.microsoft.com/office/drawing/2014/main" val="3724203678"/>
+                  </a:ext>
+                </a:extLst>
+              </a:tr>
+              <a:tr h="0">
+                <a:tc>
+                  <a:txBody>
+                    <a:bodyPr/>
+                    <a:lstStyle/>
+                    <a:p>
+                      <a:pPr algn="ctr"/>
+                      <a:r>
+                        <a:rPr lang="pt-PT" sz="1200">
+                          <a:effectLst/>
+                        </a:rPr>
+                        <a:t>55</a:t>
+                      </a:r>
+                      <a:endParaRPr lang="en-GB" sz="1200">
+                        <a:effectLst/>
+                        <a:latin typeface="Times New Roman" panose="02020603050405020304" pitchFamily="18" charset="0"/>
+                        <a:ea typeface="Times New Roman" panose="02020603050405020304" pitchFamily="18" charset="0"/>
+                      </a:endParaRPr>
+                    </a:p>
+                  </a:txBody>
+                  <a:tcPr marL="68580" marR="68580" marT="0" marB="0"/>
+                </a:tc>
+                <a:tc>
+                  <a:txBody>
+                    <a:bodyPr/>
+                    <a:lstStyle/>
+                    <a:p>
+                      <a:pPr algn="ctr"/>
+                      <a:r>
+                        <a:rPr lang="pt-PT" sz="1200">
+                          <a:effectLst/>
+                        </a:rPr>
+                        <a:t>...</a:t>
+                      </a:r>
+                      <a:endParaRPr lang="en-GB" sz="1200">
+                        <a:effectLst/>
+                        <a:latin typeface="Times New Roman" panose="02020603050405020304" pitchFamily="18" charset="0"/>
+                        <a:ea typeface="Times New Roman" panose="02020603050405020304" pitchFamily="18" charset="0"/>
+                      </a:endParaRPr>
+                    </a:p>
+                  </a:txBody>
+                  <a:tcPr marL="68580" marR="68580" marT="0" marB="0"/>
+                </a:tc>
+                <a:tc>
+                  <a:txBody>
+                    <a:bodyPr/>
+                    <a:lstStyle/>
+                    <a:p>
+                      <a:pPr algn="ctr"/>
+                      <a:r>
+                        <a:rPr lang="pt-PT" sz="1200">
+                          <a:effectLst/>
+                        </a:rPr>
+                        <a:t>0</a:t>
+                      </a:r>
+                      <a:endParaRPr lang="en-GB" sz="1200">
+                        <a:effectLst/>
+                        <a:latin typeface="Times New Roman" panose="02020603050405020304" pitchFamily="18" charset="0"/>
+                        <a:ea typeface="Times New Roman" panose="02020603050405020304" pitchFamily="18" charset="0"/>
+                      </a:endParaRPr>
+                    </a:p>
+                  </a:txBody>
+                  <a:tcPr marL="68580" marR="68580" marT="0" marB="0"/>
+                </a:tc>
+                <a:tc>
+                  <a:txBody>
+                    <a:bodyPr/>
+                    <a:lstStyle/>
+                    <a:p>
+                      <a:pPr algn="ctr"/>
+                      <a:r>
+                        <a:rPr lang="pt-PT" sz="1200">
+                          <a:effectLst/>
+                        </a:rPr>
+                        <a:t>0</a:t>
+                      </a:r>
+                      <a:endParaRPr lang="en-GB" sz="1200">
+                        <a:effectLst/>
+                        <a:latin typeface="Times New Roman" panose="02020603050405020304" pitchFamily="18" charset="0"/>
+                        <a:ea typeface="Times New Roman" panose="02020603050405020304" pitchFamily="18" charset="0"/>
+                      </a:endParaRPr>
+                    </a:p>
+                  </a:txBody>
+                  <a:tcPr marL="68580" marR="68580" marT="0" marB="0"/>
+                </a:tc>
+                <a:extLst>
+                  <a:ext uri="{0D108BD9-81ED-4DB2-BD59-A6C34878D82A}">
+                    <a16:rowId xmlns:a16="http://schemas.microsoft.com/office/drawing/2014/main" val="2695572363"/>
+                  </a:ext>
+                </a:extLst>
+              </a:tr>
+              <a:tr h="0">
+                <a:tc>
+                  <a:txBody>
+                    <a:bodyPr/>
+                    <a:lstStyle/>
+                    <a:p>
+                      <a:pPr algn="ctr"/>
+                      <a:r>
+                        <a:rPr lang="pt-PT" sz="1200">
+                          <a:effectLst/>
+                        </a:rPr>
+                        <a:t>90</a:t>
+                      </a:r>
+                      <a:endParaRPr lang="en-GB" sz="1200">
+                        <a:effectLst/>
+                        <a:latin typeface="Times New Roman" panose="02020603050405020304" pitchFamily="18" charset="0"/>
+                        <a:ea typeface="Times New Roman" panose="02020603050405020304" pitchFamily="18" charset="0"/>
+                      </a:endParaRPr>
+                    </a:p>
+                  </a:txBody>
+                  <a:tcPr marL="68580" marR="68580" marT="0" marB="0"/>
+                </a:tc>
+                <a:tc>
+                  <a:txBody>
+                    <a:bodyPr/>
+                    <a:lstStyle/>
+                    <a:p>
+                      <a:pPr algn="ctr"/>
+                      <a:r>
+                        <a:rPr lang="pt-PT" sz="1200">
+                          <a:effectLst/>
+                        </a:rPr>
+                        <a:t>...</a:t>
+                      </a:r>
+                      <a:endParaRPr lang="en-GB" sz="1200">
+                        <a:effectLst/>
+                        <a:latin typeface="Times New Roman" panose="02020603050405020304" pitchFamily="18" charset="0"/>
+                        <a:ea typeface="Times New Roman" panose="02020603050405020304" pitchFamily="18" charset="0"/>
+                      </a:endParaRPr>
+                    </a:p>
+                  </a:txBody>
+                  <a:tcPr marL="68580" marR="68580" marT="0" marB="0"/>
+                </a:tc>
+                <a:tc>
+                  <a:txBody>
+                    <a:bodyPr/>
+                    <a:lstStyle/>
+                    <a:p>
+                      <a:pPr algn="ctr"/>
+                      <a:r>
+                        <a:rPr lang="pt-PT" sz="1200">
+                          <a:effectLst/>
+                        </a:rPr>
+                        <a:t>0</a:t>
+                      </a:r>
+                      <a:endParaRPr lang="en-GB" sz="1200">
+                        <a:effectLst/>
+                        <a:latin typeface="Times New Roman" panose="02020603050405020304" pitchFamily="18" charset="0"/>
+                        <a:ea typeface="Times New Roman" panose="02020603050405020304" pitchFamily="18" charset="0"/>
+                      </a:endParaRPr>
+                    </a:p>
+                  </a:txBody>
+                  <a:tcPr marL="68580" marR="68580" marT="0" marB="0"/>
+                </a:tc>
+                <a:tc>
+                  <a:txBody>
+                    <a:bodyPr/>
+                    <a:lstStyle/>
+                    <a:p>
+                      <a:pPr algn="ctr"/>
+                      <a:r>
+                        <a:rPr lang="pt-PT" sz="1200">
+                          <a:effectLst/>
+                        </a:rPr>
+                        <a:t>1</a:t>
+                      </a:r>
+                      <a:endParaRPr lang="en-GB" sz="1200">
+                        <a:effectLst/>
+                        <a:latin typeface="Times New Roman" panose="02020603050405020304" pitchFamily="18" charset="0"/>
+                        <a:ea typeface="Times New Roman" panose="02020603050405020304" pitchFamily="18" charset="0"/>
+                      </a:endParaRPr>
+                    </a:p>
+                  </a:txBody>
+                  <a:tcPr marL="68580" marR="68580" marT="0" marB="0"/>
+                </a:tc>
+                <a:extLst>
+                  <a:ext uri="{0D108BD9-81ED-4DB2-BD59-A6C34878D82A}">
+                    <a16:rowId xmlns:a16="http://schemas.microsoft.com/office/drawing/2014/main" val="1925040842"/>
+                  </a:ext>
+                </a:extLst>
+              </a:tr>
+              <a:tr h="0">
+                <a:tc>
+                  <a:txBody>
+                    <a:bodyPr/>
+                    <a:lstStyle/>
+                    <a:p>
+                      <a:pPr algn="ctr"/>
+                      <a:r>
+                        <a:rPr lang="pt-PT" sz="1200">
+                          <a:effectLst/>
+                        </a:rPr>
+                        <a:t>85</a:t>
+                      </a:r>
+                      <a:endParaRPr lang="en-GB" sz="1200">
+                        <a:effectLst/>
+                        <a:latin typeface="Times New Roman" panose="02020603050405020304" pitchFamily="18" charset="0"/>
+                        <a:ea typeface="Times New Roman" panose="02020603050405020304" pitchFamily="18" charset="0"/>
+                      </a:endParaRPr>
+                    </a:p>
+                  </a:txBody>
+                  <a:tcPr marL="68580" marR="68580" marT="0" marB="0"/>
+                </a:tc>
+                <a:tc>
+                  <a:txBody>
+                    <a:bodyPr/>
+                    <a:lstStyle/>
+                    <a:p>
+                      <a:pPr algn="ctr"/>
+                      <a:r>
+                        <a:rPr lang="pt-PT" sz="1200">
+                          <a:effectLst/>
+                        </a:rPr>
+                        <a:t>...</a:t>
+                      </a:r>
+                      <a:endParaRPr lang="en-GB" sz="1200">
+                        <a:effectLst/>
+                        <a:latin typeface="Times New Roman" panose="02020603050405020304" pitchFamily="18" charset="0"/>
+                        <a:ea typeface="Times New Roman" panose="02020603050405020304" pitchFamily="18" charset="0"/>
+                      </a:endParaRPr>
+                    </a:p>
+                  </a:txBody>
+                  <a:tcPr marL="68580" marR="68580" marT="0" marB="0"/>
+                </a:tc>
+                <a:tc>
+                  <a:txBody>
+                    <a:bodyPr/>
+                    <a:lstStyle/>
+                    <a:p>
+                      <a:pPr algn="ctr"/>
+                      <a:r>
+                        <a:rPr lang="pt-PT" sz="1200">
+                          <a:effectLst/>
+                        </a:rPr>
+                        <a:t>0</a:t>
+                      </a:r>
+                      <a:endParaRPr lang="en-GB" sz="1200">
+                        <a:effectLst/>
+                        <a:latin typeface="Times New Roman" panose="02020603050405020304" pitchFamily="18" charset="0"/>
+                        <a:ea typeface="Times New Roman" panose="02020603050405020304" pitchFamily="18" charset="0"/>
+                      </a:endParaRPr>
+                    </a:p>
+                  </a:txBody>
+                  <a:tcPr marL="68580" marR="68580" marT="0" marB="0"/>
+                </a:tc>
+                <a:tc>
+                  <a:txBody>
+                    <a:bodyPr/>
+                    <a:lstStyle/>
+                    <a:p>
+                      <a:pPr algn="ctr"/>
+                      <a:r>
+                        <a:rPr lang="pt-PT" sz="1200" dirty="0">
+                          <a:effectLst/>
+                        </a:rPr>
+                        <a:t>0</a:t>
+                      </a:r>
+                      <a:endParaRPr lang="en-GB" sz="1200" dirty="0">
+                        <a:effectLst/>
+                        <a:latin typeface="Times New Roman" panose="02020603050405020304" pitchFamily="18" charset="0"/>
+                        <a:ea typeface="Times New Roman" panose="02020603050405020304" pitchFamily="18" charset="0"/>
+                      </a:endParaRPr>
+                    </a:p>
+                  </a:txBody>
+                  <a:tcPr marL="68580" marR="68580" marT="0" marB="0"/>
+                </a:tc>
+                <a:extLst>
+                  <a:ext uri="{0D108BD9-81ED-4DB2-BD59-A6C34878D82A}">
+                    <a16:rowId xmlns:a16="http://schemas.microsoft.com/office/drawing/2014/main" val="1693359787"/>
+                  </a:ext>
+                </a:extLst>
+              </a:tr>
+            </a:tbl>
+          </a:graphicData>
+        </a:graphic>
+      </p:graphicFrame>
+    </p:spTree>
+    <p:extLst>
+      <p:ext uri="{BB962C8B-B14F-4D97-AF65-F5344CB8AC3E}">
+        <p14:creationId xmlns:p14="http://schemas.microsoft.com/office/powerpoint/2010/main" val="3819477351"/>
+      </p:ext>
+    </p:extLst>
+  </p:cSld>
+  <p:clrMapOvr>
+    <a:masterClrMapping/>
+  </p:clrMapOvr>
+</p:sld>
+</file>
+
+<file path=ppt/slides/slide7.xml><?xml version="1.0" encoding="utf-8"?>
+<p:sld xmlns:a="http://schemas.openxmlformats.org/drawingml/2006/main" xmlns:r="http://schemas.openxmlformats.org/officeDocument/2006/relationships" xmlns:p="http://schemas.openxmlformats.org/presentationml/2006/main">
+  <p:cSld>
+    <p:spTree>
+      <p:nvGrpSpPr>
+        <p:cNvPr id="1" name=""/>
+        <p:cNvGrpSpPr/>
+        <p:nvPr/>
+      </p:nvGrpSpPr>
+      <p:grpSpPr>
+        <a:xfrm>
+          <a:off x="0" y="0"/>
+          <a:ext cx="0" cy="0"/>
+          <a:chOff x="0" y="0"/>
+          <a:chExt cx="0" cy="0"/>
+        </a:xfrm>
+      </p:grpSpPr>
+      <p:pic>
+        <p:nvPicPr>
+          <p:cNvPr id="6" name="Picture 5" descr="Table&#10;&#10;Description automatically generated">
+            <a:extLst>
+              <a:ext uri="{FF2B5EF4-FFF2-40B4-BE49-F238E27FC236}">
+                <a16:creationId xmlns:a16="http://schemas.microsoft.com/office/drawing/2014/main" id="{321D0172-58EE-334A-A2D1-C91EE219E028}"/>
+              </a:ext>
+            </a:extLst>
+          </p:cNvPr>
+          <p:cNvPicPr>
+            <a:picLocks noChangeAspect="1"/>
+          </p:cNvPicPr>
+          <p:nvPr/>
+        </p:nvPicPr>
+        <p:blipFill>
+          <a:blip r:embed="rId2"/>
+          <a:stretch>
+            <a:fillRect/>
+          </a:stretch>
+        </p:blipFill>
+        <p:spPr>
+          <a:xfrm>
+            <a:off x="3241040" y="1181100"/>
+            <a:ext cx="2235200" cy="1752600"/>
+          </a:xfrm>
+          <a:prstGeom prst="rect">
+            <a:avLst/>
+          </a:prstGeom>
+        </p:spPr>
+      </p:pic>
+      <p:pic>
+        <p:nvPicPr>
+          <p:cNvPr id="8" name="Picture 7" descr="Table&#10;&#10;Description automatically generated">
+            <a:extLst>
+              <a:ext uri="{FF2B5EF4-FFF2-40B4-BE49-F238E27FC236}">
+                <a16:creationId xmlns:a16="http://schemas.microsoft.com/office/drawing/2014/main" id="{3D447A13-165C-724C-B030-1A6F56DD2F79}"/>
+              </a:ext>
+            </a:extLst>
+          </p:cNvPr>
+          <p:cNvPicPr>
+            <a:picLocks noChangeAspect="1"/>
+          </p:cNvPicPr>
+          <p:nvPr/>
+        </p:nvPicPr>
+        <p:blipFill>
+          <a:blip r:embed="rId3"/>
+          <a:stretch>
+            <a:fillRect/>
+          </a:stretch>
+        </p:blipFill>
+        <p:spPr>
+          <a:xfrm>
+            <a:off x="842658" y="1181100"/>
+            <a:ext cx="2247900" cy="1714500"/>
+          </a:xfrm>
+          <a:prstGeom prst="rect">
+            <a:avLst/>
+          </a:prstGeom>
+        </p:spPr>
+      </p:pic>
+      <p:sp>
+        <p:nvSpPr>
+          <p:cNvPr id="9" name="TextBox 8">
+            <a:extLst>
+              <a:ext uri="{FF2B5EF4-FFF2-40B4-BE49-F238E27FC236}">
+                <a16:creationId xmlns:a16="http://schemas.microsoft.com/office/drawing/2014/main" id="{607DB24E-86BA-0B41-AA8A-5E2E50253585}"/>
+              </a:ext>
+            </a:extLst>
+          </p:cNvPr>
+          <p:cNvSpPr txBox="1"/>
+          <p:nvPr/>
+        </p:nvSpPr>
+        <p:spPr>
+          <a:xfrm rot="16200000">
+            <a:off x="5330034" y="2428748"/>
+            <a:ext cx="540000" cy="256413"/>
+          </a:xfrm>
+          <a:prstGeom prst="rect">
+            <a:avLst/>
+          </a:prstGeom>
+        </p:spPr>
+        <p:style>
+          <a:lnRef idx="2">
+            <a:schemeClr val="dk1"/>
+          </a:lnRef>
+          <a:fillRef idx="1">
+            <a:schemeClr val="lt1"/>
+          </a:fillRef>
+          <a:effectRef idx="0">
+            <a:schemeClr val="dk1"/>
+          </a:effectRef>
+          <a:fontRef idx="minor">
+            <a:schemeClr val="dk1"/>
+          </a:fontRef>
+        </p:style>
+        <p:txBody>
+          <a:bodyPr wrap="square" rtlCol="0">
+            <a:spAutoFit/>
+          </a:bodyPr>
+          <a:lstStyle/>
+          <a:p>
+            <a:r>
+              <a:rPr lang="pt-PT" sz="1000" dirty="0">
+                <a:latin typeface="News Gothic MT" panose="020B0503020103020203" pitchFamily="34" charset="0"/>
+              </a:rPr>
+              <a:t>Teste</a:t>
+            </a:r>
+            <a:r>
+              <a:rPr lang="pt-PT" sz="1050" dirty="0">
+                <a:latin typeface="News Gothic MT" panose="020B0503020103020203" pitchFamily="34" charset="0"/>
+              </a:rPr>
+              <a:t>    </a:t>
+            </a:r>
+          </a:p>
+        </p:txBody>
+      </p:sp>
+      <p:sp>
+        <p:nvSpPr>
+          <p:cNvPr id="10" name="TextBox 9">
+            <a:extLst>
+              <a:ext uri="{FF2B5EF4-FFF2-40B4-BE49-F238E27FC236}">
+                <a16:creationId xmlns:a16="http://schemas.microsoft.com/office/drawing/2014/main" id="{8A32D111-4F94-2840-B19C-51309C0D5045}"/>
+              </a:ext>
+            </a:extLst>
+          </p:cNvPr>
+          <p:cNvSpPr txBox="1"/>
+          <p:nvPr/>
+        </p:nvSpPr>
+        <p:spPr>
+          <a:xfrm rot="16200000">
+            <a:off x="5170240" y="1728955"/>
+            <a:ext cx="864000" cy="252000"/>
           </a:xfrm>
           <a:prstGeom prst="rect">
             <a:avLst/>
           </a:prstGeom>
           <a:solidFill>
-            <a:schemeClr val="bg1"/>
+            <a:srgbClr val="00B050"/>
           </a:solidFill>
-        </p:spPr>
+          <a:ln/>
+        </p:spPr>
+        <p:style>
+          <a:lnRef idx="2">
+            <a:schemeClr val="dk1"/>
+          </a:lnRef>
+          <a:fillRef idx="1">
+            <a:schemeClr val="lt1"/>
+          </a:fillRef>
+          <a:effectRef idx="0">
+            <a:schemeClr val="dk1"/>
+          </a:effectRef>
+          <a:fontRef idx="minor">
+            <a:schemeClr val="dk1"/>
+          </a:fontRef>
+        </p:style>
         <p:txBody>
           <a:bodyPr wrap="square" rtlCol="0">
             <a:spAutoFit/>
@@ -4221,50 +9853,13 @@
               <a:rPr lang="pt-PT" sz="1050" dirty="0">
                 <a:latin typeface="News Gothic MT" panose="020B0503020103020203" pitchFamily="34" charset="0"/>
               </a:rPr>
-              <a:t>Sim</a:t>
-            </a:r>
-          </a:p>
-        </p:txBody>
-      </p:sp>
-      <p:sp>
-        <p:nvSpPr>
-          <p:cNvPr id="11" name="TextBox 10">
-            <a:extLst>
-              <a:ext uri="{FF2B5EF4-FFF2-40B4-BE49-F238E27FC236}">
-                <a16:creationId xmlns:a16="http://schemas.microsoft.com/office/drawing/2014/main" id="{7973A47E-F772-F542-A223-5BCE54FA99CB}"/>
-              </a:ext>
-            </a:extLst>
-          </p:cNvPr>
-          <p:cNvSpPr txBox="1"/>
-          <p:nvPr/>
-        </p:nvSpPr>
-        <p:spPr>
-          <a:xfrm>
-            <a:off x="1079500" y="113268"/>
-            <a:ext cx="7423912" cy="369332"/>
-          </a:xfrm>
-          <a:prstGeom prst="rect">
-            <a:avLst/>
-          </a:prstGeom>
-          <a:noFill/>
-        </p:spPr>
-        <p:txBody>
-          <a:bodyPr wrap="square" rtlCol="0">
-            <a:spAutoFit/>
-          </a:bodyPr>
-          <a:lstStyle/>
-          <a:p>
-            <a:r>
-              <a:rPr lang="pt-PT" dirty="0"/>
-              <a:t>Gráfico de barras com a contagem de entradas relativas à variável ‘</a:t>
-            </a:r>
-            <a:r>
-              <a:rPr lang="pt-PT" i="1" dirty="0"/>
-              <a:t>Delirium</a:t>
-            </a:r>
-            <a:r>
-              <a:rPr lang="pt-PT" dirty="0"/>
-              <a:t>’ </a:t>
+              <a:t> </a:t>
+            </a:r>
+            <a:r>
+              <a:rPr lang="pt-PT" sz="1000" dirty="0">
+                <a:latin typeface="News Gothic MT" panose="020B0503020103020203" pitchFamily="34" charset="0"/>
+              </a:rPr>
+              <a:t>Treino</a:t>
             </a:r>
           </a:p>
         </p:txBody>
@@ -4272,7 +9867,7 @@
     </p:spTree>
     <p:extLst>
       <p:ext uri="{BB962C8B-B14F-4D97-AF65-F5344CB8AC3E}">
-        <p14:creationId xmlns:p14="http://schemas.microsoft.com/office/powerpoint/2010/main" val="4256741315"/>
+        <p14:creationId xmlns:p14="http://schemas.microsoft.com/office/powerpoint/2010/main" val="411533117"/>
       </p:ext>
     </p:extLst>
   </p:cSld>

--- a/ImagensDissertacao.pptx
+++ b/ImagensDissertacao.pptx
@@ -12,6 +12,10 @@
     <p:sldId id="261" r:id="rId6"/>
     <p:sldId id="258" r:id="rId7"/>
     <p:sldId id="259" r:id="rId8"/>
+    <p:sldId id="263" r:id="rId9"/>
+    <p:sldId id="264" r:id="rId10"/>
+    <p:sldId id="265" r:id="rId11"/>
+    <p:sldId id="266" r:id="rId12"/>
   </p:sldIdLst>
   <p:sldSz cx="12192000" cy="6858000"/>
   <p:notesSz cx="6858000" cy="9144000"/>
@@ -112,7 +116,18 @@
   </p:defaultTextStyle>
   <p:extLst>
     <p:ext uri="{EFAFB233-063F-42B5-8137-9DF3F51BA10A}">
-      <p15:sldGuideLst xmlns:p15="http://schemas.microsoft.com/office/powerpoint/2012/main"/>
+      <p15:sldGuideLst xmlns:p15="http://schemas.microsoft.com/office/powerpoint/2012/main">
+        <p15:guide id="1" orient="horz" pos="1003" userDrawn="1">
+          <p15:clr>
+            <a:srgbClr val="A4A3A4"/>
+          </p15:clr>
+        </p15:guide>
+        <p15:guide id="2" pos="3840" userDrawn="1">
+          <p15:clr>
+            <a:srgbClr val="A4A3A4"/>
+          </p15:clr>
+        </p15:guide>
+      </p15:sldGuideLst>
     </p:ext>
   </p:extLst>
 </p:presentation>
@@ -267,7 +282,7 @@
           <a:p>
             <a:fld id="{19E35882-C838-C948-BBA9-9D3816F7E8A7}" type="datetimeFigureOut">
               <a:rPr lang="pt-PT" smtClean="0"/>
-              <a:t>05/12/21</a:t>
+              <a:t>02/02/22</a:t>
             </a:fld>
             <a:endParaRPr lang="pt-PT"/>
           </a:p>
@@ -467,7 +482,7 @@
           <a:p>
             <a:fld id="{19E35882-C838-C948-BBA9-9D3816F7E8A7}" type="datetimeFigureOut">
               <a:rPr lang="pt-PT" smtClean="0"/>
-              <a:t>05/12/21</a:t>
+              <a:t>02/02/22</a:t>
             </a:fld>
             <a:endParaRPr lang="pt-PT"/>
           </a:p>
@@ -677,7 +692,7 @@
           <a:p>
             <a:fld id="{19E35882-C838-C948-BBA9-9D3816F7E8A7}" type="datetimeFigureOut">
               <a:rPr lang="pt-PT" smtClean="0"/>
-              <a:t>05/12/21</a:t>
+              <a:t>02/02/22</a:t>
             </a:fld>
             <a:endParaRPr lang="pt-PT"/>
           </a:p>
@@ -877,7 +892,7 @@
           <a:p>
             <a:fld id="{19E35882-C838-C948-BBA9-9D3816F7E8A7}" type="datetimeFigureOut">
               <a:rPr lang="pt-PT" smtClean="0"/>
-              <a:t>05/12/21</a:t>
+              <a:t>02/02/22</a:t>
             </a:fld>
             <a:endParaRPr lang="pt-PT"/>
           </a:p>
@@ -1153,7 +1168,7 @@
           <a:p>
             <a:fld id="{19E35882-C838-C948-BBA9-9D3816F7E8A7}" type="datetimeFigureOut">
               <a:rPr lang="pt-PT" smtClean="0"/>
-              <a:t>05/12/21</a:t>
+              <a:t>02/02/22</a:t>
             </a:fld>
             <a:endParaRPr lang="pt-PT"/>
           </a:p>
@@ -1421,7 +1436,7 @@
           <a:p>
             <a:fld id="{19E35882-C838-C948-BBA9-9D3816F7E8A7}" type="datetimeFigureOut">
               <a:rPr lang="pt-PT" smtClean="0"/>
-              <a:t>05/12/21</a:t>
+              <a:t>02/02/22</a:t>
             </a:fld>
             <a:endParaRPr lang="pt-PT"/>
           </a:p>
@@ -1836,7 +1851,7 @@
           <a:p>
             <a:fld id="{19E35882-C838-C948-BBA9-9D3816F7E8A7}" type="datetimeFigureOut">
               <a:rPr lang="pt-PT" smtClean="0"/>
-              <a:t>05/12/21</a:t>
+              <a:t>02/02/22</a:t>
             </a:fld>
             <a:endParaRPr lang="pt-PT"/>
           </a:p>
@@ -1978,7 +1993,7 @@
           <a:p>
             <a:fld id="{19E35882-C838-C948-BBA9-9D3816F7E8A7}" type="datetimeFigureOut">
               <a:rPr lang="pt-PT" smtClean="0"/>
-              <a:t>05/12/21</a:t>
+              <a:t>02/02/22</a:t>
             </a:fld>
             <a:endParaRPr lang="pt-PT"/>
           </a:p>
@@ -2091,7 +2106,7 @@
           <a:p>
             <a:fld id="{19E35882-C838-C948-BBA9-9D3816F7E8A7}" type="datetimeFigureOut">
               <a:rPr lang="pt-PT" smtClean="0"/>
-              <a:t>05/12/21</a:t>
+              <a:t>02/02/22</a:t>
             </a:fld>
             <a:endParaRPr lang="pt-PT"/>
           </a:p>
@@ -2404,7 +2419,7 @@
           <a:p>
             <a:fld id="{19E35882-C838-C948-BBA9-9D3816F7E8A7}" type="datetimeFigureOut">
               <a:rPr lang="pt-PT" smtClean="0"/>
-              <a:t>05/12/21</a:t>
+              <a:t>02/02/22</a:t>
             </a:fld>
             <a:endParaRPr lang="pt-PT"/>
           </a:p>
@@ -2693,7 +2708,7 @@
           <a:p>
             <a:fld id="{19E35882-C838-C948-BBA9-9D3816F7E8A7}" type="datetimeFigureOut">
               <a:rPr lang="pt-PT" smtClean="0"/>
-              <a:t>05/12/21</a:t>
+              <a:t>02/02/22</a:t>
             </a:fld>
             <a:endParaRPr lang="pt-PT"/>
           </a:p>
@@ -2936,7 +2951,7 @@
           <a:p>
             <a:fld id="{19E35882-C838-C948-BBA9-9D3816F7E8A7}" type="datetimeFigureOut">
               <a:rPr lang="pt-PT" smtClean="0"/>
-              <a:t>05/12/21</a:t>
+              <a:t>02/02/22</a:t>
             </a:fld>
             <a:endParaRPr lang="pt-PT"/>
           </a:p>
@@ -4027,6 +4042,1383 @@
     <p:extLst>
       <p:ext uri="{BB962C8B-B14F-4D97-AF65-F5344CB8AC3E}">
         <p14:creationId xmlns:p14="http://schemas.microsoft.com/office/powerpoint/2010/main" val="2376494630"/>
+      </p:ext>
+    </p:extLst>
+  </p:cSld>
+  <p:clrMapOvr>
+    <a:masterClrMapping/>
+  </p:clrMapOvr>
+</p:sld>
+</file>
+
+<file path=ppt/slides/slide10.xml><?xml version="1.0" encoding="utf-8"?>
+<p:sld xmlns:a="http://schemas.openxmlformats.org/drawingml/2006/main" xmlns:r="http://schemas.openxmlformats.org/officeDocument/2006/relationships" xmlns:p="http://schemas.openxmlformats.org/presentationml/2006/main">
+  <p:cSld>
+    <p:spTree>
+      <p:nvGrpSpPr>
+        <p:cNvPr id="1" name=""/>
+        <p:cNvGrpSpPr/>
+        <p:nvPr/>
+      </p:nvGrpSpPr>
+      <p:grpSpPr>
+        <a:xfrm>
+          <a:off x="0" y="0"/>
+          <a:ext cx="0" cy="0"/>
+          <a:chOff x="0" y="0"/>
+          <a:chExt cx="0" cy="0"/>
+        </a:xfrm>
+      </p:grpSpPr>
+      <p:sp>
+        <p:nvSpPr>
+          <p:cNvPr id="5" name="Rounded Rectangle 4">
+            <a:extLst>
+              <a:ext uri="{FF2B5EF4-FFF2-40B4-BE49-F238E27FC236}">
+                <a16:creationId xmlns:a16="http://schemas.microsoft.com/office/drawing/2014/main" id="{432A6097-4036-B444-8EC8-38BF2230C387}"/>
+              </a:ext>
+            </a:extLst>
+          </p:cNvPr>
+          <p:cNvSpPr/>
+          <p:nvPr/>
+        </p:nvSpPr>
+        <p:spPr>
+          <a:xfrm>
+            <a:off x="5016500" y="393699"/>
+            <a:ext cx="2058670" cy="507999"/>
+          </a:xfrm>
+          <a:prstGeom prst="roundRect">
+            <a:avLst/>
+          </a:prstGeom>
+          <a:ln w="28575">
+            <a:solidFill>
+              <a:schemeClr val="tx1"/>
+            </a:solidFill>
+          </a:ln>
+        </p:spPr>
+        <p:style>
+          <a:lnRef idx="2">
+            <a:schemeClr val="dk1"/>
+          </a:lnRef>
+          <a:fillRef idx="1">
+            <a:schemeClr val="lt1"/>
+          </a:fillRef>
+          <a:effectRef idx="0">
+            <a:schemeClr val="dk1"/>
+          </a:effectRef>
+          <a:fontRef idx="minor">
+            <a:schemeClr val="dk1"/>
+          </a:fontRef>
+        </p:style>
+        <p:txBody>
+          <a:bodyPr rtlCol="0" anchor="ctr"/>
+          <a:lstStyle/>
+          <a:p>
+            <a:pPr algn="ctr"/>
+            <a:r>
+              <a:rPr lang="pt-PT" dirty="0" err="1">
+                <a:ln>
+                  <a:solidFill>
+                    <a:sysClr val="windowText" lastClr="000000"/>
+                  </a:solidFill>
+                </a:ln>
+                <a:solidFill>
+                  <a:sysClr val="windowText" lastClr="000000"/>
+                </a:solidFill>
+                <a:latin typeface="NewsGotT" pitchFamily="2" charset="0"/>
+              </a:rPr>
+              <a:t>Raíz</a:t>
+            </a:r>
+            <a:endParaRPr lang="pt-PT" dirty="0">
+              <a:ln>
+                <a:solidFill>
+                  <a:sysClr val="windowText" lastClr="000000"/>
+                </a:solidFill>
+              </a:ln>
+              <a:solidFill>
+                <a:sysClr val="windowText" lastClr="000000"/>
+              </a:solidFill>
+              <a:latin typeface="NewsGotT" pitchFamily="2" charset="0"/>
+            </a:endParaRPr>
+          </a:p>
+        </p:txBody>
+      </p:sp>
+      <p:cxnSp>
+        <p:nvCxnSpPr>
+          <p:cNvPr id="8" name="Straight Connector 7">
+            <a:extLst>
+              <a:ext uri="{FF2B5EF4-FFF2-40B4-BE49-F238E27FC236}">
+                <a16:creationId xmlns:a16="http://schemas.microsoft.com/office/drawing/2014/main" id="{288AB237-E27D-3740-B5DC-8F9A1048F4D6}"/>
+              </a:ext>
+            </a:extLst>
+          </p:cNvPr>
+          <p:cNvCxnSpPr>
+            <a:cxnSpLocks/>
+            <a:stCxn id="5" idx="2"/>
+            <a:endCxn id="12" idx="7"/>
+          </p:cNvCxnSpPr>
+          <p:nvPr/>
+        </p:nvCxnSpPr>
+        <p:spPr>
+          <a:xfrm flipH="1">
+            <a:off x="4650433" y="901698"/>
+            <a:ext cx="1395402" cy="761426"/>
+          </a:xfrm>
+          <a:prstGeom prst="line">
+            <a:avLst/>
+          </a:prstGeom>
+          <a:ln w="28575">
+            <a:solidFill>
+              <a:schemeClr val="tx1"/>
+            </a:solidFill>
+          </a:ln>
+        </p:spPr>
+        <p:style>
+          <a:lnRef idx="1">
+            <a:schemeClr val="accent1"/>
+          </a:lnRef>
+          <a:fillRef idx="0">
+            <a:schemeClr val="accent1"/>
+          </a:fillRef>
+          <a:effectRef idx="0">
+            <a:schemeClr val="accent1"/>
+          </a:effectRef>
+          <a:fontRef idx="minor">
+            <a:schemeClr val="tx1"/>
+          </a:fontRef>
+        </p:style>
+      </p:cxnSp>
+      <p:cxnSp>
+        <p:nvCxnSpPr>
+          <p:cNvPr id="9" name="Straight Connector 8">
+            <a:extLst>
+              <a:ext uri="{FF2B5EF4-FFF2-40B4-BE49-F238E27FC236}">
+                <a16:creationId xmlns:a16="http://schemas.microsoft.com/office/drawing/2014/main" id="{66EE4AFC-493B-0949-AD86-1093FF92A0A5}"/>
+              </a:ext>
+            </a:extLst>
+          </p:cNvPr>
+          <p:cNvCxnSpPr>
+            <a:cxnSpLocks/>
+            <a:stCxn id="5" idx="2"/>
+            <a:endCxn id="67" idx="1"/>
+          </p:cNvCxnSpPr>
+          <p:nvPr/>
+        </p:nvCxnSpPr>
+        <p:spPr>
+          <a:xfrm>
+            <a:off x="6045835" y="901698"/>
+            <a:ext cx="1233500" cy="742341"/>
+          </a:xfrm>
+          <a:prstGeom prst="line">
+            <a:avLst/>
+          </a:prstGeom>
+          <a:ln w="28575">
+            <a:solidFill>
+              <a:schemeClr val="tx1"/>
+            </a:solidFill>
+          </a:ln>
+        </p:spPr>
+        <p:style>
+          <a:lnRef idx="1">
+            <a:schemeClr val="accent1"/>
+          </a:lnRef>
+          <a:fillRef idx="0">
+            <a:schemeClr val="accent1"/>
+          </a:fillRef>
+          <a:effectRef idx="0">
+            <a:schemeClr val="accent1"/>
+          </a:effectRef>
+          <a:fontRef idx="minor">
+            <a:schemeClr val="tx1"/>
+          </a:fontRef>
+        </p:style>
+      </p:cxnSp>
+      <p:sp>
+        <p:nvSpPr>
+          <p:cNvPr id="12" name="Oval 11">
+            <a:extLst>
+              <a:ext uri="{FF2B5EF4-FFF2-40B4-BE49-F238E27FC236}">
+                <a16:creationId xmlns:a16="http://schemas.microsoft.com/office/drawing/2014/main" id="{142FE0AB-4A6C-514E-954F-0E53E3FE0337}"/>
+              </a:ext>
+            </a:extLst>
+          </p:cNvPr>
+          <p:cNvSpPr/>
+          <p:nvPr/>
+        </p:nvSpPr>
+        <p:spPr>
+          <a:xfrm>
+            <a:off x="3308046" y="1555516"/>
+            <a:ext cx="1572704" cy="734795"/>
+          </a:xfrm>
+          <a:prstGeom prst="ellipse">
+            <a:avLst/>
+          </a:prstGeom>
+        </p:spPr>
+        <p:style>
+          <a:lnRef idx="2">
+            <a:schemeClr val="accent1">
+              <a:shade val="50000"/>
+            </a:schemeClr>
+          </a:lnRef>
+          <a:fillRef idx="1">
+            <a:schemeClr val="accent1"/>
+          </a:fillRef>
+          <a:effectRef idx="0">
+            <a:schemeClr val="accent1"/>
+          </a:effectRef>
+          <a:fontRef idx="minor">
+            <a:schemeClr val="lt1"/>
+          </a:fontRef>
+        </p:style>
+        <p:txBody>
+          <a:bodyPr rtlCol="0" anchor="ctr"/>
+          <a:lstStyle/>
+          <a:p>
+            <a:pPr algn="ctr"/>
+            <a:r>
+              <a:rPr lang="pt-PT" dirty="0">
+                <a:latin typeface="NewsGotT" pitchFamily="2" charset="0"/>
+              </a:rPr>
+              <a:t>Nó de decisão</a:t>
+            </a:r>
+          </a:p>
+        </p:txBody>
+      </p:sp>
+      <p:cxnSp>
+        <p:nvCxnSpPr>
+          <p:cNvPr id="21" name="Straight Connector 20">
+            <a:extLst>
+              <a:ext uri="{FF2B5EF4-FFF2-40B4-BE49-F238E27FC236}">
+                <a16:creationId xmlns:a16="http://schemas.microsoft.com/office/drawing/2014/main" id="{9B52829E-636D-554D-B5D4-EE238C123490}"/>
+              </a:ext>
+            </a:extLst>
+          </p:cNvPr>
+          <p:cNvCxnSpPr>
+            <a:cxnSpLocks/>
+            <a:stCxn id="12" idx="4"/>
+            <a:endCxn id="42" idx="0"/>
+          </p:cNvCxnSpPr>
+          <p:nvPr/>
+        </p:nvCxnSpPr>
+        <p:spPr>
+          <a:xfrm flipH="1">
+            <a:off x="2886884" y="2290311"/>
+            <a:ext cx="1207514" cy="705174"/>
+          </a:xfrm>
+          <a:prstGeom prst="line">
+            <a:avLst/>
+          </a:prstGeom>
+          <a:ln w="28575">
+            <a:solidFill>
+              <a:schemeClr val="tx1"/>
+            </a:solidFill>
+          </a:ln>
+        </p:spPr>
+        <p:style>
+          <a:lnRef idx="1">
+            <a:schemeClr val="accent1"/>
+          </a:lnRef>
+          <a:fillRef idx="0">
+            <a:schemeClr val="accent1"/>
+          </a:fillRef>
+          <a:effectRef idx="0">
+            <a:schemeClr val="accent1"/>
+          </a:effectRef>
+          <a:fontRef idx="minor">
+            <a:schemeClr val="tx1"/>
+          </a:fontRef>
+        </p:style>
+      </p:cxnSp>
+      <p:cxnSp>
+        <p:nvCxnSpPr>
+          <p:cNvPr id="23" name="Straight Connector 22">
+            <a:extLst>
+              <a:ext uri="{FF2B5EF4-FFF2-40B4-BE49-F238E27FC236}">
+                <a16:creationId xmlns:a16="http://schemas.microsoft.com/office/drawing/2014/main" id="{FEF1742D-AE28-7E4A-856D-2339B206E77B}"/>
+              </a:ext>
+            </a:extLst>
+          </p:cNvPr>
+          <p:cNvCxnSpPr>
+            <a:cxnSpLocks/>
+            <a:stCxn id="12" idx="4"/>
+            <a:endCxn id="78" idx="0"/>
+          </p:cNvCxnSpPr>
+          <p:nvPr/>
+        </p:nvCxnSpPr>
+        <p:spPr>
+          <a:xfrm>
+            <a:off x="4094398" y="2290311"/>
+            <a:ext cx="760200" cy="552271"/>
+          </a:xfrm>
+          <a:prstGeom prst="line">
+            <a:avLst/>
+          </a:prstGeom>
+          <a:ln w="28575">
+            <a:solidFill>
+              <a:schemeClr val="tx1"/>
+            </a:solidFill>
+          </a:ln>
+        </p:spPr>
+        <p:style>
+          <a:lnRef idx="1">
+            <a:schemeClr val="accent1"/>
+          </a:lnRef>
+          <a:fillRef idx="0">
+            <a:schemeClr val="accent1"/>
+          </a:fillRef>
+          <a:effectRef idx="0">
+            <a:schemeClr val="accent1"/>
+          </a:effectRef>
+          <a:fontRef idx="minor">
+            <a:schemeClr val="tx1"/>
+          </a:fontRef>
+        </p:style>
+      </p:cxnSp>
+      <p:cxnSp>
+        <p:nvCxnSpPr>
+          <p:cNvPr id="28" name="Straight Connector 27">
+            <a:extLst>
+              <a:ext uri="{FF2B5EF4-FFF2-40B4-BE49-F238E27FC236}">
+                <a16:creationId xmlns:a16="http://schemas.microsoft.com/office/drawing/2014/main" id="{8FAA30FA-230F-EF47-82F6-CED374FDEFBE}"/>
+              </a:ext>
+            </a:extLst>
+          </p:cNvPr>
+          <p:cNvCxnSpPr>
+            <a:cxnSpLocks/>
+            <a:stCxn id="67" idx="4"/>
+            <a:endCxn id="103" idx="0"/>
+          </p:cNvCxnSpPr>
+          <p:nvPr/>
+        </p:nvCxnSpPr>
+        <p:spPr>
+          <a:xfrm>
+            <a:off x="7835370" y="2271226"/>
+            <a:ext cx="786352" cy="669580"/>
+          </a:xfrm>
+          <a:prstGeom prst="line">
+            <a:avLst/>
+          </a:prstGeom>
+          <a:ln w="28575">
+            <a:solidFill>
+              <a:schemeClr val="tx1"/>
+            </a:solidFill>
+          </a:ln>
+        </p:spPr>
+        <p:style>
+          <a:lnRef idx="1">
+            <a:schemeClr val="accent1"/>
+          </a:lnRef>
+          <a:fillRef idx="0">
+            <a:schemeClr val="accent1"/>
+          </a:fillRef>
+          <a:effectRef idx="0">
+            <a:schemeClr val="accent1"/>
+          </a:effectRef>
+          <a:fontRef idx="minor">
+            <a:schemeClr val="tx1"/>
+          </a:fontRef>
+        </p:style>
+      </p:cxnSp>
+      <p:cxnSp>
+        <p:nvCxnSpPr>
+          <p:cNvPr id="29" name="Straight Connector 28">
+            <a:extLst>
+              <a:ext uri="{FF2B5EF4-FFF2-40B4-BE49-F238E27FC236}">
+                <a16:creationId xmlns:a16="http://schemas.microsoft.com/office/drawing/2014/main" id="{3F002ACB-AB5A-8B4D-A8D9-374C98290081}"/>
+              </a:ext>
+            </a:extLst>
+          </p:cNvPr>
+          <p:cNvCxnSpPr>
+            <a:cxnSpLocks/>
+            <a:stCxn id="67" idx="4"/>
+            <a:endCxn id="93" idx="0"/>
+          </p:cNvCxnSpPr>
+          <p:nvPr/>
+        </p:nvCxnSpPr>
+        <p:spPr>
+          <a:xfrm flipH="1">
+            <a:off x="7075170" y="2271226"/>
+            <a:ext cx="760200" cy="724259"/>
+          </a:xfrm>
+          <a:prstGeom prst="line">
+            <a:avLst/>
+          </a:prstGeom>
+          <a:ln w="28575">
+            <a:solidFill>
+              <a:schemeClr val="tx1"/>
+            </a:solidFill>
+          </a:ln>
+        </p:spPr>
+        <p:style>
+          <a:lnRef idx="1">
+            <a:schemeClr val="accent1"/>
+          </a:lnRef>
+          <a:fillRef idx="0">
+            <a:schemeClr val="accent1"/>
+          </a:fillRef>
+          <a:effectRef idx="0">
+            <a:schemeClr val="accent1"/>
+          </a:effectRef>
+          <a:fontRef idx="minor">
+            <a:schemeClr val="tx1"/>
+          </a:fontRef>
+        </p:style>
+      </p:cxnSp>
+      <p:sp>
+        <p:nvSpPr>
+          <p:cNvPr id="42" name="Oval 41">
+            <a:extLst>
+              <a:ext uri="{FF2B5EF4-FFF2-40B4-BE49-F238E27FC236}">
+                <a16:creationId xmlns:a16="http://schemas.microsoft.com/office/drawing/2014/main" id="{3C2A3673-24A2-0146-B975-41E2AAA4B11E}"/>
+              </a:ext>
+            </a:extLst>
+          </p:cNvPr>
+          <p:cNvSpPr/>
+          <p:nvPr/>
+        </p:nvSpPr>
+        <p:spPr>
+          <a:xfrm>
+            <a:off x="2491873" y="2995485"/>
+            <a:ext cx="790021" cy="508000"/>
+          </a:xfrm>
+          <a:prstGeom prst="ellipse">
+            <a:avLst/>
+          </a:prstGeom>
+          <a:solidFill>
+            <a:srgbClr val="C00000"/>
+          </a:solidFill>
+          <a:ln>
+            <a:noFill/>
+          </a:ln>
+        </p:spPr>
+        <p:style>
+          <a:lnRef idx="2">
+            <a:schemeClr val="accent1">
+              <a:shade val="50000"/>
+            </a:schemeClr>
+          </a:lnRef>
+          <a:fillRef idx="1">
+            <a:schemeClr val="accent1"/>
+          </a:fillRef>
+          <a:effectRef idx="0">
+            <a:schemeClr val="accent1"/>
+          </a:effectRef>
+          <a:fontRef idx="minor">
+            <a:schemeClr val="lt1"/>
+          </a:fontRef>
+        </p:style>
+        <p:txBody>
+          <a:bodyPr rtlCol="0" anchor="ctr"/>
+          <a:lstStyle/>
+          <a:p>
+            <a:pPr algn="ctr"/>
+            <a:r>
+              <a:rPr lang="pt-PT" sz="1200" dirty="0">
+                <a:latin typeface="NewsGotT" pitchFamily="2" charset="0"/>
+              </a:rPr>
+              <a:t>Folha</a:t>
+            </a:r>
+          </a:p>
+        </p:txBody>
+      </p:sp>
+      <p:sp>
+        <p:nvSpPr>
+          <p:cNvPr id="67" name="Oval 66">
+            <a:extLst>
+              <a:ext uri="{FF2B5EF4-FFF2-40B4-BE49-F238E27FC236}">
+                <a16:creationId xmlns:a16="http://schemas.microsoft.com/office/drawing/2014/main" id="{6D8D15E2-7965-7A4C-B8B7-AD36FEA16D6B}"/>
+              </a:ext>
+            </a:extLst>
+          </p:cNvPr>
+          <p:cNvSpPr/>
+          <p:nvPr/>
+        </p:nvSpPr>
+        <p:spPr>
+          <a:xfrm>
+            <a:off x="7049018" y="1536431"/>
+            <a:ext cx="1572704" cy="734795"/>
+          </a:xfrm>
+          <a:prstGeom prst="ellipse">
+            <a:avLst/>
+          </a:prstGeom>
+        </p:spPr>
+        <p:style>
+          <a:lnRef idx="2">
+            <a:schemeClr val="accent1">
+              <a:shade val="50000"/>
+            </a:schemeClr>
+          </a:lnRef>
+          <a:fillRef idx="1">
+            <a:schemeClr val="accent1"/>
+          </a:fillRef>
+          <a:effectRef idx="0">
+            <a:schemeClr val="accent1"/>
+          </a:effectRef>
+          <a:fontRef idx="minor">
+            <a:schemeClr val="lt1"/>
+          </a:fontRef>
+        </p:style>
+        <p:txBody>
+          <a:bodyPr rtlCol="0" anchor="ctr"/>
+          <a:lstStyle/>
+          <a:p>
+            <a:pPr algn="ctr"/>
+            <a:r>
+              <a:rPr lang="pt-PT" dirty="0">
+                <a:latin typeface="NewsGotT" pitchFamily="2" charset="0"/>
+              </a:rPr>
+              <a:t>Nó de decisão</a:t>
+            </a:r>
+          </a:p>
+        </p:txBody>
+      </p:sp>
+      <p:sp>
+        <p:nvSpPr>
+          <p:cNvPr id="78" name="Oval 77">
+            <a:extLst>
+              <a:ext uri="{FF2B5EF4-FFF2-40B4-BE49-F238E27FC236}">
+                <a16:creationId xmlns:a16="http://schemas.microsoft.com/office/drawing/2014/main" id="{96883E98-2379-B04A-AB41-044035FE83EA}"/>
+              </a:ext>
+            </a:extLst>
+          </p:cNvPr>
+          <p:cNvSpPr/>
+          <p:nvPr/>
+        </p:nvSpPr>
+        <p:spPr>
+          <a:xfrm>
+            <a:off x="4068246" y="2842582"/>
+            <a:ext cx="1572704" cy="734795"/>
+          </a:xfrm>
+          <a:prstGeom prst="ellipse">
+            <a:avLst/>
+          </a:prstGeom>
+        </p:spPr>
+        <p:style>
+          <a:lnRef idx="2">
+            <a:schemeClr val="accent1">
+              <a:shade val="50000"/>
+            </a:schemeClr>
+          </a:lnRef>
+          <a:fillRef idx="1">
+            <a:schemeClr val="accent1"/>
+          </a:fillRef>
+          <a:effectRef idx="0">
+            <a:schemeClr val="accent1"/>
+          </a:effectRef>
+          <a:fontRef idx="minor">
+            <a:schemeClr val="lt1"/>
+          </a:fontRef>
+        </p:style>
+        <p:txBody>
+          <a:bodyPr rtlCol="0" anchor="ctr"/>
+          <a:lstStyle/>
+          <a:p>
+            <a:pPr algn="ctr"/>
+            <a:r>
+              <a:rPr lang="pt-PT" dirty="0">
+                <a:latin typeface="NewsGotT" pitchFamily="2" charset="0"/>
+              </a:rPr>
+              <a:t>Nó de decisão</a:t>
+            </a:r>
+          </a:p>
+        </p:txBody>
+      </p:sp>
+      <p:sp>
+        <p:nvSpPr>
+          <p:cNvPr id="93" name="Oval 92">
+            <a:extLst>
+              <a:ext uri="{FF2B5EF4-FFF2-40B4-BE49-F238E27FC236}">
+                <a16:creationId xmlns:a16="http://schemas.microsoft.com/office/drawing/2014/main" id="{E3A24511-C095-9F47-BBC2-515FF4D812C9}"/>
+              </a:ext>
+            </a:extLst>
+          </p:cNvPr>
+          <p:cNvSpPr/>
+          <p:nvPr/>
+        </p:nvSpPr>
+        <p:spPr>
+          <a:xfrm>
+            <a:off x="6680159" y="2995485"/>
+            <a:ext cx="790021" cy="508000"/>
+          </a:xfrm>
+          <a:prstGeom prst="ellipse">
+            <a:avLst/>
+          </a:prstGeom>
+          <a:solidFill>
+            <a:srgbClr val="C00000"/>
+          </a:solidFill>
+          <a:ln>
+            <a:noFill/>
+          </a:ln>
+        </p:spPr>
+        <p:style>
+          <a:lnRef idx="2">
+            <a:schemeClr val="accent1">
+              <a:shade val="50000"/>
+            </a:schemeClr>
+          </a:lnRef>
+          <a:fillRef idx="1">
+            <a:schemeClr val="accent1"/>
+          </a:fillRef>
+          <a:effectRef idx="0">
+            <a:schemeClr val="accent1"/>
+          </a:effectRef>
+          <a:fontRef idx="minor">
+            <a:schemeClr val="lt1"/>
+          </a:fontRef>
+        </p:style>
+        <p:txBody>
+          <a:bodyPr rtlCol="0" anchor="ctr"/>
+          <a:lstStyle/>
+          <a:p>
+            <a:pPr algn="ctr"/>
+            <a:r>
+              <a:rPr lang="pt-PT" sz="1200" dirty="0">
+                <a:latin typeface="NewsGotT" pitchFamily="2" charset="0"/>
+              </a:rPr>
+              <a:t>Folha</a:t>
+            </a:r>
+          </a:p>
+        </p:txBody>
+      </p:sp>
+      <p:cxnSp>
+        <p:nvCxnSpPr>
+          <p:cNvPr id="96" name="Straight Connector 95">
+            <a:extLst>
+              <a:ext uri="{FF2B5EF4-FFF2-40B4-BE49-F238E27FC236}">
+                <a16:creationId xmlns:a16="http://schemas.microsoft.com/office/drawing/2014/main" id="{99D242E2-7A15-134F-93DB-1D79600BED78}"/>
+              </a:ext>
+            </a:extLst>
+          </p:cNvPr>
+          <p:cNvCxnSpPr>
+            <a:cxnSpLocks/>
+            <a:stCxn id="103" idx="4"/>
+            <a:endCxn id="109" idx="0"/>
+          </p:cNvCxnSpPr>
+          <p:nvPr/>
+        </p:nvCxnSpPr>
+        <p:spPr>
+          <a:xfrm flipH="1">
+            <a:off x="8059065" y="3675601"/>
+            <a:ext cx="562657" cy="662743"/>
+          </a:xfrm>
+          <a:prstGeom prst="line">
+            <a:avLst/>
+          </a:prstGeom>
+          <a:ln w="28575">
+            <a:solidFill>
+              <a:schemeClr val="tx1"/>
+            </a:solidFill>
+          </a:ln>
+        </p:spPr>
+        <p:style>
+          <a:lnRef idx="1">
+            <a:schemeClr val="accent1"/>
+          </a:lnRef>
+          <a:fillRef idx="0">
+            <a:schemeClr val="accent1"/>
+          </a:fillRef>
+          <a:effectRef idx="0">
+            <a:schemeClr val="accent1"/>
+          </a:effectRef>
+          <a:fontRef idx="minor">
+            <a:schemeClr val="tx1"/>
+          </a:fontRef>
+        </p:style>
+      </p:cxnSp>
+      <p:cxnSp>
+        <p:nvCxnSpPr>
+          <p:cNvPr id="97" name="Straight Connector 96">
+            <a:extLst>
+              <a:ext uri="{FF2B5EF4-FFF2-40B4-BE49-F238E27FC236}">
+                <a16:creationId xmlns:a16="http://schemas.microsoft.com/office/drawing/2014/main" id="{01677B96-31AE-814C-978E-FE8905A36F62}"/>
+              </a:ext>
+            </a:extLst>
+          </p:cNvPr>
+          <p:cNvCxnSpPr>
+            <a:cxnSpLocks/>
+            <a:stCxn id="78" idx="4"/>
+            <a:endCxn id="117" idx="0"/>
+          </p:cNvCxnSpPr>
+          <p:nvPr/>
+        </p:nvCxnSpPr>
+        <p:spPr>
+          <a:xfrm>
+            <a:off x="4854598" y="3577377"/>
+            <a:ext cx="644198" cy="643113"/>
+          </a:xfrm>
+          <a:prstGeom prst="line">
+            <a:avLst/>
+          </a:prstGeom>
+          <a:ln w="28575">
+            <a:solidFill>
+              <a:schemeClr val="tx1"/>
+            </a:solidFill>
+          </a:ln>
+        </p:spPr>
+        <p:style>
+          <a:lnRef idx="1">
+            <a:schemeClr val="accent1"/>
+          </a:lnRef>
+          <a:fillRef idx="0">
+            <a:schemeClr val="accent1"/>
+          </a:fillRef>
+          <a:effectRef idx="0">
+            <a:schemeClr val="accent1"/>
+          </a:effectRef>
+          <a:fontRef idx="minor">
+            <a:schemeClr val="tx1"/>
+          </a:fontRef>
+        </p:style>
+      </p:cxnSp>
+      <p:cxnSp>
+        <p:nvCxnSpPr>
+          <p:cNvPr id="98" name="Straight Connector 97">
+            <a:extLst>
+              <a:ext uri="{FF2B5EF4-FFF2-40B4-BE49-F238E27FC236}">
+                <a16:creationId xmlns:a16="http://schemas.microsoft.com/office/drawing/2014/main" id="{F0BD1CE1-B79C-FE42-9993-FEEE6A046A5C}"/>
+              </a:ext>
+            </a:extLst>
+          </p:cNvPr>
+          <p:cNvCxnSpPr>
+            <a:cxnSpLocks/>
+            <a:stCxn id="78" idx="4"/>
+            <a:endCxn id="110" idx="0"/>
+          </p:cNvCxnSpPr>
+          <p:nvPr/>
+        </p:nvCxnSpPr>
+        <p:spPr>
+          <a:xfrm flipH="1">
+            <a:off x="3964602" y="3577377"/>
+            <a:ext cx="889996" cy="756510"/>
+          </a:xfrm>
+          <a:prstGeom prst="line">
+            <a:avLst/>
+          </a:prstGeom>
+          <a:ln w="28575">
+            <a:solidFill>
+              <a:schemeClr val="tx1"/>
+            </a:solidFill>
+          </a:ln>
+        </p:spPr>
+        <p:style>
+          <a:lnRef idx="1">
+            <a:schemeClr val="accent1"/>
+          </a:lnRef>
+          <a:fillRef idx="0">
+            <a:schemeClr val="accent1"/>
+          </a:fillRef>
+          <a:effectRef idx="0">
+            <a:schemeClr val="accent1"/>
+          </a:effectRef>
+          <a:fontRef idx="minor">
+            <a:schemeClr val="tx1"/>
+          </a:fontRef>
+        </p:style>
+      </p:cxnSp>
+      <p:cxnSp>
+        <p:nvCxnSpPr>
+          <p:cNvPr id="102" name="Straight Connector 101">
+            <a:extLst>
+              <a:ext uri="{FF2B5EF4-FFF2-40B4-BE49-F238E27FC236}">
+                <a16:creationId xmlns:a16="http://schemas.microsoft.com/office/drawing/2014/main" id="{CBD2667A-3198-D140-99CE-A3DE2ED0B764}"/>
+              </a:ext>
+            </a:extLst>
+          </p:cNvPr>
+          <p:cNvCxnSpPr>
+            <a:cxnSpLocks/>
+            <a:stCxn id="117" idx="4"/>
+            <a:endCxn id="125" idx="0"/>
+          </p:cNvCxnSpPr>
+          <p:nvPr/>
+        </p:nvCxnSpPr>
+        <p:spPr>
+          <a:xfrm flipH="1">
+            <a:off x="4981382" y="4955285"/>
+            <a:ext cx="517414" cy="791383"/>
+          </a:xfrm>
+          <a:prstGeom prst="line">
+            <a:avLst/>
+          </a:prstGeom>
+          <a:ln w="28575">
+            <a:solidFill>
+              <a:schemeClr val="tx1"/>
+            </a:solidFill>
+          </a:ln>
+        </p:spPr>
+        <p:style>
+          <a:lnRef idx="1">
+            <a:schemeClr val="accent1"/>
+          </a:lnRef>
+          <a:fillRef idx="0">
+            <a:schemeClr val="accent1"/>
+          </a:fillRef>
+          <a:effectRef idx="0">
+            <a:schemeClr val="accent1"/>
+          </a:effectRef>
+          <a:fontRef idx="minor">
+            <a:schemeClr val="tx1"/>
+          </a:fontRef>
+        </p:style>
+      </p:cxnSp>
+      <p:sp>
+        <p:nvSpPr>
+          <p:cNvPr id="103" name="Oval 102">
+            <a:extLst>
+              <a:ext uri="{FF2B5EF4-FFF2-40B4-BE49-F238E27FC236}">
+                <a16:creationId xmlns:a16="http://schemas.microsoft.com/office/drawing/2014/main" id="{3E690B1F-208C-DF46-A41C-023428AB811C}"/>
+              </a:ext>
+            </a:extLst>
+          </p:cNvPr>
+          <p:cNvSpPr/>
+          <p:nvPr/>
+        </p:nvSpPr>
+        <p:spPr>
+          <a:xfrm>
+            <a:off x="7835370" y="2940806"/>
+            <a:ext cx="1572704" cy="734795"/>
+          </a:xfrm>
+          <a:prstGeom prst="ellipse">
+            <a:avLst/>
+          </a:prstGeom>
+        </p:spPr>
+        <p:style>
+          <a:lnRef idx="2">
+            <a:schemeClr val="accent1">
+              <a:shade val="50000"/>
+            </a:schemeClr>
+          </a:lnRef>
+          <a:fillRef idx="1">
+            <a:schemeClr val="accent1"/>
+          </a:fillRef>
+          <a:effectRef idx="0">
+            <a:schemeClr val="accent1"/>
+          </a:effectRef>
+          <a:fontRef idx="minor">
+            <a:schemeClr val="lt1"/>
+          </a:fontRef>
+        </p:style>
+        <p:txBody>
+          <a:bodyPr rtlCol="0" anchor="ctr"/>
+          <a:lstStyle/>
+          <a:p>
+            <a:pPr algn="ctr"/>
+            <a:r>
+              <a:rPr lang="pt-PT" dirty="0">
+                <a:latin typeface="NewsGotT" pitchFamily="2" charset="0"/>
+              </a:rPr>
+              <a:t>Nó de decisão</a:t>
+            </a:r>
+          </a:p>
+        </p:txBody>
+      </p:sp>
+      <p:cxnSp>
+        <p:nvCxnSpPr>
+          <p:cNvPr id="106" name="Straight Connector 105">
+            <a:extLst>
+              <a:ext uri="{FF2B5EF4-FFF2-40B4-BE49-F238E27FC236}">
+                <a16:creationId xmlns:a16="http://schemas.microsoft.com/office/drawing/2014/main" id="{0BE1B716-C809-6F4C-B5CD-8E199A90D798}"/>
+              </a:ext>
+            </a:extLst>
+          </p:cNvPr>
+          <p:cNvCxnSpPr>
+            <a:cxnSpLocks/>
+            <a:stCxn id="103" idx="4"/>
+            <a:endCxn id="114" idx="0"/>
+          </p:cNvCxnSpPr>
+          <p:nvPr/>
+        </p:nvCxnSpPr>
+        <p:spPr>
+          <a:xfrm>
+            <a:off x="8621722" y="3675601"/>
+            <a:ext cx="530596" cy="669580"/>
+          </a:xfrm>
+          <a:prstGeom prst="line">
+            <a:avLst/>
+          </a:prstGeom>
+          <a:ln w="28575">
+            <a:solidFill>
+              <a:schemeClr val="tx1"/>
+            </a:solidFill>
+          </a:ln>
+        </p:spPr>
+        <p:style>
+          <a:lnRef idx="1">
+            <a:schemeClr val="accent1"/>
+          </a:lnRef>
+          <a:fillRef idx="0">
+            <a:schemeClr val="accent1"/>
+          </a:fillRef>
+          <a:effectRef idx="0">
+            <a:schemeClr val="accent1"/>
+          </a:effectRef>
+          <a:fontRef idx="minor">
+            <a:schemeClr val="tx1"/>
+          </a:fontRef>
+        </p:style>
+      </p:cxnSp>
+      <p:sp>
+        <p:nvSpPr>
+          <p:cNvPr id="109" name="Oval 108">
+            <a:extLst>
+              <a:ext uri="{FF2B5EF4-FFF2-40B4-BE49-F238E27FC236}">
+                <a16:creationId xmlns:a16="http://schemas.microsoft.com/office/drawing/2014/main" id="{B38A8CD3-EC4D-A147-AD37-013E6BAE74EC}"/>
+              </a:ext>
+            </a:extLst>
+          </p:cNvPr>
+          <p:cNvSpPr/>
+          <p:nvPr/>
+        </p:nvSpPr>
+        <p:spPr>
+          <a:xfrm>
+            <a:off x="7664054" y="4338344"/>
+            <a:ext cx="790021" cy="508000"/>
+          </a:xfrm>
+          <a:prstGeom prst="ellipse">
+            <a:avLst/>
+          </a:prstGeom>
+          <a:solidFill>
+            <a:srgbClr val="C00000"/>
+          </a:solidFill>
+          <a:ln>
+            <a:noFill/>
+          </a:ln>
+        </p:spPr>
+        <p:style>
+          <a:lnRef idx="2">
+            <a:schemeClr val="accent1">
+              <a:shade val="50000"/>
+            </a:schemeClr>
+          </a:lnRef>
+          <a:fillRef idx="1">
+            <a:schemeClr val="accent1"/>
+          </a:fillRef>
+          <a:effectRef idx="0">
+            <a:schemeClr val="accent1"/>
+          </a:effectRef>
+          <a:fontRef idx="minor">
+            <a:schemeClr val="lt1"/>
+          </a:fontRef>
+        </p:style>
+        <p:txBody>
+          <a:bodyPr rtlCol="0" anchor="ctr"/>
+          <a:lstStyle/>
+          <a:p>
+            <a:pPr algn="ctr"/>
+            <a:r>
+              <a:rPr lang="pt-PT" sz="1200" dirty="0">
+                <a:latin typeface="NewsGotT" pitchFamily="2" charset="0"/>
+              </a:rPr>
+              <a:t>Folha</a:t>
+            </a:r>
+          </a:p>
+        </p:txBody>
+      </p:sp>
+      <p:sp>
+        <p:nvSpPr>
+          <p:cNvPr id="110" name="Oval 109">
+            <a:extLst>
+              <a:ext uri="{FF2B5EF4-FFF2-40B4-BE49-F238E27FC236}">
+                <a16:creationId xmlns:a16="http://schemas.microsoft.com/office/drawing/2014/main" id="{4980181D-F1B2-8245-A6BE-DB64185DB6E9}"/>
+              </a:ext>
+            </a:extLst>
+          </p:cNvPr>
+          <p:cNvSpPr/>
+          <p:nvPr/>
+        </p:nvSpPr>
+        <p:spPr>
+          <a:xfrm>
+            <a:off x="3569591" y="4333887"/>
+            <a:ext cx="790021" cy="508000"/>
+          </a:xfrm>
+          <a:prstGeom prst="ellipse">
+            <a:avLst/>
+          </a:prstGeom>
+          <a:solidFill>
+            <a:srgbClr val="C00000"/>
+          </a:solidFill>
+          <a:ln>
+            <a:noFill/>
+          </a:ln>
+        </p:spPr>
+        <p:style>
+          <a:lnRef idx="2">
+            <a:schemeClr val="accent1">
+              <a:shade val="50000"/>
+            </a:schemeClr>
+          </a:lnRef>
+          <a:fillRef idx="1">
+            <a:schemeClr val="accent1"/>
+          </a:fillRef>
+          <a:effectRef idx="0">
+            <a:schemeClr val="accent1"/>
+          </a:effectRef>
+          <a:fontRef idx="minor">
+            <a:schemeClr val="lt1"/>
+          </a:fontRef>
+        </p:style>
+        <p:txBody>
+          <a:bodyPr rtlCol="0" anchor="ctr"/>
+          <a:lstStyle/>
+          <a:p>
+            <a:pPr algn="ctr"/>
+            <a:r>
+              <a:rPr lang="pt-PT" sz="1200" dirty="0">
+                <a:latin typeface="NewsGotT" pitchFamily="2" charset="0"/>
+              </a:rPr>
+              <a:t>Folha</a:t>
+            </a:r>
+          </a:p>
+        </p:txBody>
+      </p:sp>
+      <p:sp>
+        <p:nvSpPr>
+          <p:cNvPr id="114" name="Oval 113">
+            <a:extLst>
+              <a:ext uri="{FF2B5EF4-FFF2-40B4-BE49-F238E27FC236}">
+                <a16:creationId xmlns:a16="http://schemas.microsoft.com/office/drawing/2014/main" id="{B7E378B4-A11B-E44E-8F22-9252022A86D4}"/>
+              </a:ext>
+            </a:extLst>
+          </p:cNvPr>
+          <p:cNvSpPr/>
+          <p:nvPr/>
+        </p:nvSpPr>
+        <p:spPr>
+          <a:xfrm>
+            <a:off x="8757307" y="4345181"/>
+            <a:ext cx="790021" cy="508000"/>
+          </a:xfrm>
+          <a:prstGeom prst="ellipse">
+            <a:avLst/>
+          </a:prstGeom>
+          <a:solidFill>
+            <a:srgbClr val="C00000"/>
+          </a:solidFill>
+          <a:ln>
+            <a:noFill/>
+          </a:ln>
+        </p:spPr>
+        <p:style>
+          <a:lnRef idx="2">
+            <a:schemeClr val="accent1">
+              <a:shade val="50000"/>
+            </a:schemeClr>
+          </a:lnRef>
+          <a:fillRef idx="1">
+            <a:schemeClr val="accent1"/>
+          </a:fillRef>
+          <a:effectRef idx="0">
+            <a:schemeClr val="accent1"/>
+          </a:effectRef>
+          <a:fontRef idx="minor">
+            <a:schemeClr val="lt1"/>
+          </a:fontRef>
+        </p:style>
+        <p:txBody>
+          <a:bodyPr rtlCol="0" anchor="ctr"/>
+          <a:lstStyle/>
+          <a:p>
+            <a:pPr algn="ctr"/>
+            <a:r>
+              <a:rPr lang="pt-PT" sz="1200" dirty="0">
+                <a:latin typeface="NewsGotT" pitchFamily="2" charset="0"/>
+              </a:rPr>
+              <a:t>Folha</a:t>
+            </a:r>
+          </a:p>
+        </p:txBody>
+      </p:sp>
+      <p:sp>
+        <p:nvSpPr>
+          <p:cNvPr id="117" name="Oval 116">
+            <a:extLst>
+              <a:ext uri="{FF2B5EF4-FFF2-40B4-BE49-F238E27FC236}">
+                <a16:creationId xmlns:a16="http://schemas.microsoft.com/office/drawing/2014/main" id="{69A0A83A-CCDD-AD4E-A87F-AE8C11FC8E97}"/>
+              </a:ext>
+            </a:extLst>
+          </p:cNvPr>
+          <p:cNvSpPr/>
+          <p:nvPr/>
+        </p:nvSpPr>
+        <p:spPr>
+          <a:xfrm>
+            <a:off x="4712444" y="4220490"/>
+            <a:ext cx="1572704" cy="734795"/>
+          </a:xfrm>
+          <a:prstGeom prst="ellipse">
+            <a:avLst/>
+          </a:prstGeom>
+        </p:spPr>
+        <p:style>
+          <a:lnRef idx="2">
+            <a:schemeClr val="accent1">
+              <a:shade val="50000"/>
+            </a:schemeClr>
+          </a:lnRef>
+          <a:fillRef idx="1">
+            <a:schemeClr val="accent1"/>
+          </a:fillRef>
+          <a:effectRef idx="0">
+            <a:schemeClr val="accent1"/>
+          </a:effectRef>
+          <a:fontRef idx="minor">
+            <a:schemeClr val="lt1"/>
+          </a:fontRef>
+        </p:style>
+        <p:txBody>
+          <a:bodyPr rtlCol="0" anchor="ctr"/>
+          <a:lstStyle/>
+          <a:p>
+            <a:pPr algn="ctr"/>
+            <a:r>
+              <a:rPr lang="pt-PT" dirty="0">
+                <a:latin typeface="NewsGotT" pitchFamily="2" charset="0"/>
+              </a:rPr>
+              <a:t>Nó de decisão</a:t>
+            </a:r>
+          </a:p>
+        </p:txBody>
+      </p:sp>
+      <p:cxnSp>
+        <p:nvCxnSpPr>
+          <p:cNvPr id="121" name="Straight Connector 120">
+            <a:extLst>
+              <a:ext uri="{FF2B5EF4-FFF2-40B4-BE49-F238E27FC236}">
+                <a16:creationId xmlns:a16="http://schemas.microsoft.com/office/drawing/2014/main" id="{509F42B6-7464-C94C-94F5-3DCDA756399E}"/>
+              </a:ext>
+            </a:extLst>
+          </p:cNvPr>
+          <p:cNvCxnSpPr>
+            <a:cxnSpLocks/>
+            <a:stCxn id="117" idx="4"/>
+            <a:endCxn id="124" idx="0"/>
+          </p:cNvCxnSpPr>
+          <p:nvPr/>
+        </p:nvCxnSpPr>
+        <p:spPr>
+          <a:xfrm>
+            <a:off x="5498796" y="4955285"/>
+            <a:ext cx="639818" cy="791383"/>
+          </a:xfrm>
+          <a:prstGeom prst="line">
+            <a:avLst/>
+          </a:prstGeom>
+          <a:ln w="28575">
+            <a:solidFill>
+              <a:schemeClr val="tx1"/>
+            </a:solidFill>
+          </a:ln>
+        </p:spPr>
+        <p:style>
+          <a:lnRef idx="1">
+            <a:schemeClr val="accent1"/>
+          </a:lnRef>
+          <a:fillRef idx="0">
+            <a:schemeClr val="accent1"/>
+          </a:fillRef>
+          <a:effectRef idx="0">
+            <a:schemeClr val="accent1"/>
+          </a:effectRef>
+          <a:fontRef idx="minor">
+            <a:schemeClr val="tx1"/>
+          </a:fontRef>
+        </p:style>
+      </p:cxnSp>
+      <p:sp>
+        <p:nvSpPr>
+          <p:cNvPr id="124" name="Oval 123">
+            <a:extLst>
+              <a:ext uri="{FF2B5EF4-FFF2-40B4-BE49-F238E27FC236}">
+                <a16:creationId xmlns:a16="http://schemas.microsoft.com/office/drawing/2014/main" id="{04416EA2-FEAC-674E-9344-BB4D5A3BA902}"/>
+              </a:ext>
+            </a:extLst>
+          </p:cNvPr>
+          <p:cNvSpPr/>
+          <p:nvPr/>
+        </p:nvSpPr>
+        <p:spPr>
+          <a:xfrm>
+            <a:off x="5743603" y="5746668"/>
+            <a:ext cx="790021" cy="508000"/>
+          </a:xfrm>
+          <a:prstGeom prst="ellipse">
+            <a:avLst/>
+          </a:prstGeom>
+          <a:solidFill>
+            <a:srgbClr val="C00000"/>
+          </a:solidFill>
+          <a:ln>
+            <a:noFill/>
+          </a:ln>
+        </p:spPr>
+        <p:style>
+          <a:lnRef idx="2">
+            <a:schemeClr val="accent1">
+              <a:shade val="50000"/>
+            </a:schemeClr>
+          </a:lnRef>
+          <a:fillRef idx="1">
+            <a:schemeClr val="accent1"/>
+          </a:fillRef>
+          <a:effectRef idx="0">
+            <a:schemeClr val="accent1"/>
+          </a:effectRef>
+          <a:fontRef idx="minor">
+            <a:schemeClr val="lt1"/>
+          </a:fontRef>
+        </p:style>
+        <p:txBody>
+          <a:bodyPr rtlCol="0" anchor="ctr"/>
+          <a:lstStyle/>
+          <a:p>
+            <a:pPr algn="ctr"/>
+            <a:r>
+              <a:rPr lang="pt-PT" sz="1200" dirty="0">
+                <a:latin typeface="NewsGotT" pitchFamily="2" charset="0"/>
+              </a:rPr>
+              <a:t>Folha</a:t>
+            </a:r>
+          </a:p>
+        </p:txBody>
+      </p:sp>
+      <p:sp>
+        <p:nvSpPr>
+          <p:cNvPr id="125" name="Oval 124">
+            <a:extLst>
+              <a:ext uri="{FF2B5EF4-FFF2-40B4-BE49-F238E27FC236}">
+                <a16:creationId xmlns:a16="http://schemas.microsoft.com/office/drawing/2014/main" id="{514308B5-CF7A-804A-9F56-49278D4903D6}"/>
+              </a:ext>
+            </a:extLst>
+          </p:cNvPr>
+          <p:cNvSpPr/>
+          <p:nvPr/>
+        </p:nvSpPr>
+        <p:spPr>
+          <a:xfrm>
+            <a:off x="4586371" y="5746668"/>
+            <a:ext cx="790021" cy="508000"/>
+          </a:xfrm>
+          <a:prstGeom prst="ellipse">
+            <a:avLst/>
+          </a:prstGeom>
+          <a:solidFill>
+            <a:srgbClr val="C00000"/>
+          </a:solidFill>
+          <a:ln>
+            <a:noFill/>
+          </a:ln>
+        </p:spPr>
+        <p:style>
+          <a:lnRef idx="2">
+            <a:schemeClr val="accent1">
+              <a:shade val="50000"/>
+            </a:schemeClr>
+          </a:lnRef>
+          <a:fillRef idx="1">
+            <a:schemeClr val="accent1"/>
+          </a:fillRef>
+          <a:effectRef idx="0">
+            <a:schemeClr val="accent1"/>
+          </a:effectRef>
+          <a:fontRef idx="minor">
+            <a:schemeClr val="lt1"/>
+          </a:fontRef>
+        </p:style>
+        <p:txBody>
+          <a:bodyPr rtlCol="0" anchor="ctr"/>
+          <a:lstStyle/>
+          <a:p>
+            <a:pPr algn="ctr"/>
+            <a:r>
+              <a:rPr lang="pt-PT" sz="1200" dirty="0">
+                <a:latin typeface="NewsGotT" pitchFamily="2" charset="0"/>
+              </a:rPr>
+              <a:t>Folha</a:t>
+            </a:r>
+          </a:p>
+        </p:txBody>
+      </p:sp>
+    </p:spTree>
+    <p:extLst>
+      <p:ext uri="{BB962C8B-B14F-4D97-AF65-F5344CB8AC3E}">
+        <p14:creationId xmlns:p14="http://schemas.microsoft.com/office/powerpoint/2010/main" val="1072421173"/>
+      </p:ext>
+    </p:extLst>
+  </p:cSld>
+  <p:clrMapOvr>
+    <a:masterClrMapping/>
+  </p:clrMapOvr>
+</p:sld>
+</file>
+
+<file path=ppt/slides/slide11.xml><?xml version="1.0" encoding="utf-8"?>
+<p:sld xmlns:a="http://schemas.openxmlformats.org/drawingml/2006/main" xmlns:r="http://schemas.openxmlformats.org/officeDocument/2006/relationships" xmlns:p="http://schemas.openxmlformats.org/presentationml/2006/main">
+  <p:cSld>
+    <p:spTree>
+      <p:nvGrpSpPr>
+        <p:cNvPr id="1" name=""/>
+        <p:cNvGrpSpPr/>
+        <p:nvPr/>
+      </p:nvGrpSpPr>
+      <p:grpSpPr>
+        <a:xfrm>
+          <a:off x="0" y="0"/>
+          <a:ext cx="0" cy="0"/>
+          <a:chOff x="0" y="0"/>
+          <a:chExt cx="0" cy="0"/>
+        </a:xfrm>
+      </p:grpSpPr>
+      <p:sp>
+        <p:nvSpPr>
+          <p:cNvPr id="2" name="Title 1">
+            <a:extLst>
+              <a:ext uri="{FF2B5EF4-FFF2-40B4-BE49-F238E27FC236}">
+                <a16:creationId xmlns:a16="http://schemas.microsoft.com/office/drawing/2014/main" id="{870027A7-E320-2C4A-AA98-A794C9C83307}"/>
+              </a:ext>
+            </a:extLst>
+          </p:cNvPr>
+          <p:cNvSpPr>
+            <a:spLocks noGrp="1"/>
+          </p:cNvSpPr>
+          <p:nvPr>
+            <p:ph type="title"/>
+          </p:nvPr>
+        </p:nvSpPr>
+        <p:spPr/>
+        <p:txBody>
+          <a:bodyPr/>
+          <a:lstStyle/>
+          <a:p>
+            <a:endParaRPr lang="pt-PT"/>
+          </a:p>
+        </p:txBody>
+      </p:sp>
+      <p:sp>
+        <p:nvSpPr>
+          <p:cNvPr id="3" name="Content Placeholder 2">
+            <a:extLst>
+              <a:ext uri="{FF2B5EF4-FFF2-40B4-BE49-F238E27FC236}">
+                <a16:creationId xmlns:a16="http://schemas.microsoft.com/office/drawing/2014/main" id="{C2F1AE2E-84BE-7549-B882-BD01CA58E48B}"/>
+              </a:ext>
+            </a:extLst>
+          </p:cNvPr>
+          <p:cNvSpPr>
+            <a:spLocks noGrp="1"/>
+          </p:cNvSpPr>
+          <p:nvPr>
+            <p:ph idx="1"/>
+          </p:nvPr>
+        </p:nvSpPr>
+        <p:spPr/>
+        <p:txBody>
+          <a:bodyPr/>
+          <a:lstStyle/>
+          <a:p>
+            <a:endParaRPr lang="pt-PT"/>
+          </a:p>
+        </p:txBody>
+      </p:sp>
+    </p:spTree>
+    <p:extLst>
+      <p:ext uri="{BB962C8B-B14F-4D97-AF65-F5344CB8AC3E}">
+        <p14:creationId xmlns:p14="http://schemas.microsoft.com/office/powerpoint/2010/main" val="649044236"/>
       </p:ext>
     </p:extLst>
   </p:cSld>
@@ -9877,6 +11269,1363 @@
 </p:sld>
 </file>
 
+<file path=ppt/slides/slide8.xml><?xml version="1.0" encoding="utf-8"?>
+<p:sld xmlns:a="http://schemas.openxmlformats.org/drawingml/2006/main" xmlns:r="http://schemas.openxmlformats.org/officeDocument/2006/relationships" xmlns:p="http://schemas.openxmlformats.org/presentationml/2006/main">
+  <p:cSld>
+    <p:spTree>
+      <p:nvGrpSpPr>
+        <p:cNvPr id="1" name=""/>
+        <p:cNvGrpSpPr/>
+        <p:nvPr/>
+      </p:nvGrpSpPr>
+      <p:grpSpPr>
+        <a:xfrm>
+          <a:off x="0" y="0"/>
+          <a:ext cx="0" cy="0"/>
+          <a:chOff x="0" y="0"/>
+          <a:chExt cx="0" cy="0"/>
+        </a:xfrm>
+      </p:grpSpPr>
+      <p:pic>
+        <p:nvPicPr>
+          <p:cNvPr id="5" name="Picture 4" descr="Chart&#10;&#10;Description automatically generated">
+            <a:extLst>
+              <a:ext uri="{FF2B5EF4-FFF2-40B4-BE49-F238E27FC236}">
+                <a16:creationId xmlns:a16="http://schemas.microsoft.com/office/drawing/2014/main" id="{D3AC99CF-847D-F845-8AE9-40689ACF397C}"/>
+              </a:ext>
+            </a:extLst>
+          </p:cNvPr>
+          <p:cNvPicPr>
+            <a:picLocks noChangeAspect="1"/>
+          </p:cNvPicPr>
+          <p:nvPr/>
+        </p:nvPicPr>
+        <p:blipFill>
+          <a:blip r:embed="rId2"/>
+          <a:stretch>
+            <a:fillRect/>
+          </a:stretch>
+        </p:blipFill>
+        <p:spPr>
+          <a:xfrm>
+            <a:off x="0" y="0"/>
+            <a:ext cx="6227860" cy="5342382"/>
+          </a:xfrm>
+          <a:prstGeom prst="rect">
+            <a:avLst/>
+          </a:prstGeom>
+        </p:spPr>
+      </p:pic>
+    </p:spTree>
+    <p:extLst>
+      <p:ext uri="{BB962C8B-B14F-4D97-AF65-F5344CB8AC3E}">
+        <p14:creationId xmlns:p14="http://schemas.microsoft.com/office/powerpoint/2010/main" val="4096227498"/>
+      </p:ext>
+    </p:extLst>
+  </p:cSld>
+  <p:clrMapOvr>
+    <a:masterClrMapping/>
+  </p:clrMapOvr>
+</p:sld>
+</file>
+
+<file path=ppt/slides/slide9.xml><?xml version="1.0" encoding="utf-8"?>
+<p:sld xmlns:a="http://schemas.openxmlformats.org/drawingml/2006/main" xmlns:r="http://schemas.openxmlformats.org/officeDocument/2006/relationships" xmlns:p="http://schemas.openxmlformats.org/presentationml/2006/main">
+  <p:cSld>
+    <p:spTree>
+      <p:nvGrpSpPr>
+        <p:cNvPr id="1" name=""/>
+        <p:cNvGrpSpPr/>
+        <p:nvPr/>
+      </p:nvGrpSpPr>
+      <p:grpSpPr>
+        <a:xfrm>
+          <a:off x="0" y="0"/>
+          <a:ext cx="0" cy="0"/>
+          <a:chOff x="0" y="0"/>
+          <a:chExt cx="0" cy="0"/>
+        </a:xfrm>
+      </p:grpSpPr>
+      <p:sp>
+        <p:nvSpPr>
+          <p:cNvPr id="5" name="Rounded Rectangle 4">
+            <a:extLst>
+              <a:ext uri="{FF2B5EF4-FFF2-40B4-BE49-F238E27FC236}">
+                <a16:creationId xmlns:a16="http://schemas.microsoft.com/office/drawing/2014/main" id="{432A6097-4036-B444-8EC8-38BF2230C387}"/>
+              </a:ext>
+            </a:extLst>
+          </p:cNvPr>
+          <p:cNvSpPr/>
+          <p:nvPr/>
+        </p:nvSpPr>
+        <p:spPr>
+          <a:xfrm>
+            <a:off x="5016500" y="393699"/>
+            <a:ext cx="2058670" cy="507999"/>
+          </a:xfrm>
+          <a:prstGeom prst="roundRect">
+            <a:avLst/>
+          </a:prstGeom>
+          <a:ln w="28575">
+            <a:solidFill>
+              <a:schemeClr val="tx1"/>
+            </a:solidFill>
+          </a:ln>
+        </p:spPr>
+        <p:style>
+          <a:lnRef idx="2">
+            <a:schemeClr val="dk1"/>
+          </a:lnRef>
+          <a:fillRef idx="1">
+            <a:schemeClr val="lt1"/>
+          </a:fillRef>
+          <a:effectRef idx="0">
+            <a:schemeClr val="dk1"/>
+          </a:effectRef>
+          <a:fontRef idx="minor">
+            <a:schemeClr val="dk1"/>
+          </a:fontRef>
+        </p:style>
+        <p:txBody>
+          <a:bodyPr rtlCol="0" anchor="ctr"/>
+          <a:lstStyle/>
+          <a:p>
+            <a:pPr algn="ctr"/>
+            <a:r>
+              <a:rPr lang="pt-PT" dirty="0" err="1">
+                <a:ln>
+                  <a:solidFill>
+                    <a:sysClr val="windowText" lastClr="000000"/>
+                  </a:solidFill>
+                </a:ln>
+                <a:solidFill>
+                  <a:sysClr val="windowText" lastClr="000000"/>
+                </a:solidFill>
+                <a:latin typeface="NewsGotT" pitchFamily="2" charset="0"/>
+              </a:rPr>
+              <a:t>Raíz</a:t>
+            </a:r>
+            <a:endParaRPr lang="pt-PT" dirty="0">
+              <a:ln>
+                <a:solidFill>
+                  <a:sysClr val="windowText" lastClr="000000"/>
+                </a:solidFill>
+              </a:ln>
+              <a:solidFill>
+                <a:sysClr val="windowText" lastClr="000000"/>
+              </a:solidFill>
+              <a:latin typeface="NewsGotT" pitchFamily="2" charset="0"/>
+            </a:endParaRPr>
+          </a:p>
+        </p:txBody>
+      </p:sp>
+      <p:cxnSp>
+        <p:nvCxnSpPr>
+          <p:cNvPr id="8" name="Straight Connector 7">
+            <a:extLst>
+              <a:ext uri="{FF2B5EF4-FFF2-40B4-BE49-F238E27FC236}">
+                <a16:creationId xmlns:a16="http://schemas.microsoft.com/office/drawing/2014/main" id="{288AB237-E27D-3740-B5DC-8F9A1048F4D6}"/>
+              </a:ext>
+            </a:extLst>
+          </p:cNvPr>
+          <p:cNvCxnSpPr>
+            <a:cxnSpLocks/>
+            <a:stCxn id="5" idx="2"/>
+            <a:endCxn id="12" idx="7"/>
+          </p:cNvCxnSpPr>
+          <p:nvPr/>
+        </p:nvCxnSpPr>
+        <p:spPr>
+          <a:xfrm flipH="1">
+            <a:off x="4357918" y="901698"/>
+            <a:ext cx="1687917" cy="736393"/>
+          </a:xfrm>
+          <a:prstGeom prst="line">
+            <a:avLst/>
+          </a:prstGeom>
+          <a:ln w="28575">
+            <a:solidFill>
+              <a:schemeClr val="tx1"/>
+            </a:solidFill>
+          </a:ln>
+        </p:spPr>
+        <p:style>
+          <a:lnRef idx="1">
+            <a:schemeClr val="accent1"/>
+          </a:lnRef>
+          <a:fillRef idx="0">
+            <a:schemeClr val="accent1"/>
+          </a:fillRef>
+          <a:effectRef idx="0">
+            <a:schemeClr val="accent1"/>
+          </a:effectRef>
+          <a:fontRef idx="minor">
+            <a:schemeClr val="tx1"/>
+          </a:fontRef>
+        </p:style>
+      </p:cxnSp>
+      <p:cxnSp>
+        <p:nvCxnSpPr>
+          <p:cNvPr id="9" name="Straight Connector 8">
+            <a:extLst>
+              <a:ext uri="{FF2B5EF4-FFF2-40B4-BE49-F238E27FC236}">
+                <a16:creationId xmlns:a16="http://schemas.microsoft.com/office/drawing/2014/main" id="{66EE4AFC-493B-0949-AD86-1093FF92A0A5}"/>
+              </a:ext>
+            </a:extLst>
+          </p:cNvPr>
+          <p:cNvCxnSpPr>
+            <a:cxnSpLocks/>
+            <a:stCxn id="5" idx="2"/>
+            <a:endCxn id="67" idx="1"/>
+          </p:cNvCxnSpPr>
+          <p:nvPr/>
+        </p:nvCxnSpPr>
+        <p:spPr>
+          <a:xfrm>
+            <a:off x="6045835" y="901698"/>
+            <a:ext cx="1737763" cy="726677"/>
+          </a:xfrm>
+          <a:prstGeom prst="line">
+            <a:avLst/>
+          </a:prstGeom>
+          <a:ln w="28575">
+            <a:solidFill>
+              <a:schemeClr val="tx1"/>
+            </a:solidFill>
+          </a:ln>
+        </p:spPr>
+        <p:style>
+          <a:lnRef idx="1">
+            <a:schemeClr val="accent1"/>
+          </a:lnRef>
+          <a:fillRef idx="0">
+            <a:schemeClr val="accent1"/>
+          </a:fillRef>
+          <a:effectRef idx="0">
+            <a:schemeClr val="accent1"/>
+          </a:effectRef>
+          <a:fontRef idx="minor">
+            <a:schemeClr val="tx1"/>
+          </a:fontRef>
+        </p:style>
+      </p:cxnSp>
+      <p:sp>
+        <p:nvSpPr>
+          <p:cNvPr id="12" name="Oval 11">
+            <a:extLst>
+              <a:ext uri="{FF2B5EF4-FFF2-40B4-BE49-F238E27FC236}">
+                <a16:creationId xmlns:a16="http://schemas.microsoft.com/office/drawing/2014/main" id="{142FE0AB-4A6C-514E-954F-0E53E3FE0337}"/>
+              </a:ext>
+            </a:extLst>
+          </p:cNvPr>
+          <p:cNvSpPr/>
+          <p:nvPr/>
+        </p:nvSpPr>
+        <p:spPr>
+          <a:xfrm>
+            <a:off x="3015531" y="1530483"/>
+            <a:ext cx="1572704" cy="734795"/>
+          </a:xfrm>
+          <a:prstGeom prst="ellipse">
+            <a:avLst/>
+          </a:prstGeom>
+        </p:spPr>
+        <p:style>
+          <a:lnRef idx="2">
+            <a:schemeClr val="accent1">
+              <a:shade val="50000"/>
+            </a:schemeClr>
+          </a:lnRef>
+          <a:fillRef idx="1">
+            <a:schemeClr val="accent1"/>
+          </a:fillRef>
+          <a:effectRef idx="0">
+            <a:schemeClr val="accent1"/>
+          </a:effectRef>
+          <a:fontRef idx="minor">
+            <a:schemeClr val="lt1"/>
+          </a:fontRef>
+        </p:style>
+        <p:txBody>
+          <a:bodyPr rtlCol="0" anchor="ctr"/>
+          <a:lstStyle/>
+          <a:p>
+            <a:pPr algn="ctr"/>
+            <a:r>
+              <a:rPr lang="pt-PT" dirty="0">
+                <a:latin typeface="NewsGotT" pitchFamily="2" charset="0"/>
+              </a:rPr>
+              <a:t>Nó de decisão</a:t>
+            </a:r>
+          </a:p>
+        </p:txBody>
+      </p:sp>
+      <p:cxnSp>
+        <p:nvCxnSpPr>
+          <p:cNvPr id="21" name="Straight Connector 20">
+            <a:extLst>
+              <a:ext uri="{FF2B5EF4-FFF2-40B4-BE49-F238E27FC236}">
+                <a16:creationId xmlns:a16="http://schemas.microsoft.com/office/drawing/2014/main" id="{9B52829E-636D-554D-B5D4-EE238C123490}"/>
+              </a:ext>
+            </a:extLst>
+          </p:cNvPr>
+          <p:cNvCxnSpPr>
+            <a:cxnSpLocks/>
+            <a:stCxn id="12" idx="4"/>
+            <a:endCxn id="42" idx="0"/>
+          </p:cNvCxnSpPr>
+          <p:nvPr/>
+        </p:nvCxnSpPr>
+        <p:spPr>
+          <a:xfrm flipH="1">
+            <a:off x="2620521" y="2265278"/>
+            <a:ext cx="1181362" cy="655722"/>
+          </a:xfrm>
+          <a:prstGeom prst="line">
+            <a:avLst/>
+          </a:prstGeom>
+          <a:ln w="28575">
+            <a:solidFill>
+              <a:schemeClr val="tx1"/>
+            </a:solidFill>
+          </a:ln>
+        </p:spPr>
+        <p:style>
+          <a:lnRef idx="1">
+            <a:schemeClr val="accent1"/>
+          </a:lnRef>
+          <a:fillRef idx="0">
+            <a:schemeClr val="accent1"/>
+          </a:fillRef>
+          <a:effectRef idx="0">
+            <a:schemeClr val="accent1"/>
+          </a:effectRef>
+          <a:fontRef idx="minor">
+            <a:schemeClr val="tx1"/>
+          </a:fontRef>
+        </p:style>
+      </p:cxnSp>
+      <p:cxnSp>
+        <p:nvCxnSpPr>
+          <p:cNvPr id="23" name="Straight Connector 22">
+            <a:extLst>
+              <a:ext uri="{FF2B5EF4-FFF2-40B4-BE49-F238E27FC236}">
+                <a16:creationId xmlns:a16="http://schemas.microsoft.com/office/drawing/2014/main" id="{FEF1742D-AE28-7E4A-856D-2339B206E77B}"/>
+              </a:ext>
+            </a:extLst>
+          </p:cNvPr>
+          <p:cNvCxnSpPr>
+            <a:cxnSpLocks/>
+            <a:stCxn id="12" idx="4"/>
+            <a:endCxn id="78" idx="0"/>
+          </p:cNvCxnSpPr>
+          <p:nvPr/>
+        </p:nvCxnSpPr>
+        <p:spPr>
+          <a:xfrm>
+            <a:off x="3801883" y="2265278"/>
+            <a:ext cx="761110" cy="577304"/>
+          </a:xfrm>
+          <a:prstGeom prst="line">
+            <a:avLst/>
+          </a:prstGeom>
+          <a:ln w="28575">
+            <a:solidFill>
+              <a:schemeClr val="tx1"/>
+            </a:solidFill>
+          </a:ln>
+        </p:spPr>
+        <p:style>
+          <a:lnRef idx="1">
+            <a:schemeClr val="accent1"/>
+          </a:lnRef>
+          <a:fillRef idx="0">
+            <a:schemeClr val="accent1"/>
+          </a:fillRef>
+          <a:effectRef idx="0">
+            <a:schemeClr val="accent1"/>
+          </a:effectRef>
+          <a:fontRef idx="minor">
+            <a:schemeClr val="tx1"/>
+          </a:fontRef>
+        </p:style>
+      </p:cxnSp>
+      <p:cxnSp>
+        <p:nvCxnSpPr>
+          <p:cNvPr id="28" name="Straight Connector 27">
+            <a:extLst>
+              <a:ext uri="{FF2B5EF4-FFF2-40B4-BE49-F238E27FC236}">
+                <a16:creationId xmlns:a16="http://schemas.microsoft.com/office/drawing/2014/main" id="{8FAA30FA-230F-EF47-82F6-CED374FDEFBE}"/>
+              </a:ext>
+            </a:extLst>
+          </p:cNvPr>
+          <p:cNvCxnSpPr>
+            <a:cxnSpLocks/>
+            <a:stCxn id="67" idx="4"/>
+            <a:endCxn id="103" idx="0"/>
+          </p:cNvCxnSpPr>
+          <p:nvPr/>
+        </p:nvCxnSpPr>
+        <p:spPr>
+          <a:xfrm>
+            <a:off x="8339633" y="2255225"/>
+            <a:ext cx="1381986" cy="587356"/>
+          </a:xfrm>
+          <a:prstGeom prst="line">
+            <a:avLst/>
+          </a:prstGeom>
+          <a:ln w="28575">
+            <a:solidFill>
+              <a:schemeClr val="tx1"/>
+            </a:solidFill>
+          </a:ln>
+        </p:spPr>
+        <p:style>
+          <a:lnRef idx="1">
+            <a:schemeClr val="accent1"/>
+          </a:lnRef>
+          <a:fillRef idx="0">
+            <a:schemeClr val="accent1"/>
+          </a:fillRef>
+          <a:effectRef idx="0">
+            <a:schemeClr val="accent1"/>
+          </a:effectRef>
+          <a:fontRef idx="minor">
+            <a:schemeClr val="tx1"/>
+          </a:fontRef>
+        </p:style>
+      </p:cxnSp>
+      <p:cxnSp>
+        <p:nvCxnSpPr>
+          <p:cNvPr id="29" name="Straight Connector 28">
+            <a:extLst>
+              <a:ext uri="{FF2B5EF4-FFF2-40B4-BE49-F238E27FC236}">
+                <a16:creationId xmlns:a16="http://schemas.microsoft.com/office/drawing/2014/main" id="{3F002ACB-AB5A-8B4D-A8D9-374C98290081}"/>
+              </a:ext>
+            </a:extLst>
+          </p:cNvPr>
+          <p:cNvCxnSpPr>
+            <a:cxnSpLocks/>
+            <a:stCxn id="67" idx="4"/>
+            <a:endCxn id="93" idx="0"/>
+          </p:cNvCxnSpPr>
+          <p:nvPr/>
+        </p:nvCxnSpPr>
+        <p:spPr>
+          <a:xfrm flipH="1">
+            <a:off x="7553281" y="2255225"/>
+            <a:ext cx="786352" cy="659377"/>
+          </a:xfrm>
+          <a:prstGeom prst="line">
+            <a:avLst/>
+          </a:prstGeom>
+          <a:ln w="28575">
+            <a:solidFill>
+              <a:schemeClr val="tx1"/>
+            </a:solidFill>
+          </a:ln>
+        </p:spPr>
+        <p:style>
+          <a:lnRef idx="1">
+            <a:schemeClr val="accent1"/>
+          </a:lnRef>
+          <a:fillRef idx="0">
+            <a:schemeClr val="accent1"/>
+          </a:fillRef>
+          <a:effectRef idx="0">
+            <a:schemeClr val="accent1"/>
+          </a:effectRef>
+          <a:fontRef idx="minor">
+            <a:schemeClr val="tx1"/>
+          </a:fontRef>
+        </p:style>
+      </p:cxnSp>
+      <p:sp>
+        <p:nvSpPr>
+          <p:cNvPr id="42" name="Oval 41">
+            <a:extLst>
+              <a:ext uri="{FF2B5EF4-FFF2-40B4-BE49-F238E27FC236}">
+                <a16:creationId xmlns:a16="http://schemas.microsoft.com/office/drawing/2014/main" id="{3C2A3673-24A2-0146-B975-41E2AAA4B11E}"/>
+              </a:ext>
+            </a:extLst>
+          </p:cNvPr>
+          <p:cNvSpPr/>
+          <p:nvPr/>
+        </p:nvSpPr>
+        <p:spPr>
+          <a:xfrm>
+            <a:off x="2225510" y="2921000"/>
+            <a:ext cx="790021" cy="508000"/>
+          </a:xfrm>
+          <a:prstGeom prst="ellipse">
+            <a:avLst/>
+          </a:prstGeom>
+          <a:solidFill>
+            <a:srgbClr val="C00000"/>
+          </a:solidFill>
+          <a:ln>
+            <a:noFill/>
+          </a:ln>
+        </p:spPr>
+        <p:style>
+          <a:lnRef idx="2">
+            <a:schemeClr val="accent1">
+              <a:shade val="50000"/>
+            </a:schemeClr>
+          </a:lnRef>
+          <a:fillRef idx="1">
+            <a:schemeClr val="accent1"/>
+          </a:fillRef>
+          <a:effectRef idx="0">
+            <a:schemeClr val="accent1"/>
+          </a:effectRef>
+          <a:fontRef idx="minor">
+            <a:schemeClr val="lt1"/>
+          </a:fontRef>
+        </p:style>
+        <p:txBody>
+          <a:bodyPr rtlCol="0" anchor="ctr"/>
+          <a:lstStyle/>
+          <a:p>
+            <a:pPr algn="ctr"/>
+            <a:r>
+              <a:rPr lang="pt-PT" sz="1200" dirty="0">
+                <a:latin typeface="NewsGotT" pitchFamily="2" charset="0"/>
+              </a:rPr>
+              <a:t>Folha</a:t>
+            </a:r>
+          </a:p>
+        </p:txBody>
+      </p:sp>
+      <p:sp>
+        <p:nvSpPr>
+          <p:cNvPr id="67" name="Oval 66">
+            <a:extLst>
+              <a:ext uri="{FF2B5EF4-FFF2-40B4-BE49-F238E27FC236}">
+                <a16:creationId xmlns:a16="http://schemas.microsoft.com/office/drawing/2014/main" id="{6D8D15E2-7965-7A4C-B8B7-AD36FEA16D6B}"/>
+              </a:ext>
+            </a:extLst>
+          </p:cNvPr>
+          <p:cNvSpPr/>
+          <p:nvPr/>
+        </p:nvSpPr>
+        <p:spPr>
+          <a:xfrm>
+            <a:off x="7553281" y="1520825"/>
+            <a:ext cx="1572704" cy="734400"/>
+          </a:xfrm>
+          <a:prstGeom prst="ellipse">
+            <a:avLst/>
+          </a:prstGeom>
+        </p:spPr>
+        <p:style>
+          <a:lnRef idx="2">
+            <a:schemeClr val="accent1">
+              <a:shade val="50000"/>
+            </a:schemeClr>
+          </a:lnRef>
+          <a:fillRef idx="1">
+            <a:schemeClr val="accent1"/>
+          </a:fillRef>
+          <a:effectRef idx="0">
+            <a:schemeClr val="accent1"/>
+          </a:effectRef>
+          <a:fontRef idx="minor">
+            <a:schemeClr val="lt1"/>
+          </a:fontRef>
+        </p:style>
+        <p:txBody>
+          <a:bodyPr rtlCol="0" anchor="ctr"/>
+          <a:lstStyle/>
+          <a:p>
+            <a:pPr algn="ctr"/>
+            <a:r>
+              <a:rPr lang="pt-PT" dirty="0">
+                <a:latin typeface="NewsGotT" pitchFamily="2" charset="0"/>
+              </a:rPr>
+              <a:t>Nó de decisão</a:t>
+            </a:r>
+          </a:p>
+        </p:txBody>
+      </p:sp>
+      <p:sp>
+        <p:nvSpPr>
+          <p:cNvPr id="78" name="Oval 77">
+            <a:extLst>
+              <a:ext uri="{FF2B5EF4-FFF2-40B4-BE49-F238E27FC236}">
+                <a16:creationId xmlns:a16="http://schemas.microsoft.com/office/drawing/2014/main" id="{96883E98-2379-B04A-AB41-044035FE83EA}"/>
+              </a:ext>
+            </a:extLst>
+          </p:cNvPr>
+          <p:cNvSpPr/>
+          <p:nvPr/>
+        </p:nvSpPr>
+        <p:spPr>
+          <a:xfrm>
+            <a:off x="3776641" y="2842582"/>
+            <a:ext cx="1572704" cy="734795"/>
+          </a:xfrm>
+          <a:prstGeom prst="ellipse">
+            <a:avLst/>
+          </a:prstGeom>
+        </p:spPr>
+        <p:style>
+          <a:lnRef idx="2">
+            <a:schemeClr val="accent1">
+              <a:shade val="50000"/>
+            </a:schemeClr>
+          </a:lnRef>
+          <a:fillRef idx="1">
+            <a:schemeClr val="accent1"/>
+          </a:fillRef>
+          <a:effectRef idx="0">
+            <a:schemeClr val="accent1"/>
+          </a:effectRef>
+          <a:fontRef idx="minor">
+            <a:schemeClr val="lt1"/>
+          </a:fontRef>
+        </p:style>
+        <p:txBody>
+          <a:bodyPr rtlCol="0" anchor="ctr"/>
+          <a:lstStyle/>
+          <a:p>
+            <a:pPr algn="ctr"/>
+            <a:r>
+              <a:rPr lang="pt-PT" dirty="0">
+                <a:latin typeface="NewsGotT" pitchFamily="2" charset="0"/>
+              </a:rPr>
+              <a:t>Nó de decisão</a:t>
+            </a:r>
+          </a:p>
+        </p:txBody>
+      </p:sp>
+      <p:sp>
+        <p:nvSpPr>
+          <p:cNvPr id="93" name="Oval 92">
+            <a:extLst>
+              <a:ext uri="{FF2B5EF4-FFF2-40B4-BE49-F238E27FC236}">
+                <a16:creationId xmlns:a16="http://schemas.microsoft.com/office/drawing/2014/main" id="{E3A24511-C095-9F47-BBC2-515FF4D812C9}"/>
+              </a:ext>
+            </a:extLst>
+          </p:cNvPr>
+          <p:cNvSpPr/>
+          <p:nvPr/>
+        </p:nvSpPr>
+        <p:spPr>
+          <a:xfrm>
+            <a:off x="7158270" y="2914602"/>
+            <a:ext cx="790021" cy="508000"/>
+          </a:xfrm>
+          <a:prstGeom prst="ellipse">
+            <a:avLst/>
+          </a:prstGeom>
+          <a:solidFill>
+            <a:srgbClr val="C00000"/>
+          </a:solidFill>
+          <a:ln>
+            <a:noFill/>
+          </a:ln>
+        </p:spPr>
+        <p:style>
+          <a:lnRef idx="2">
+            <a:schemeClr val="accent1">
+              <a:shade val="50000"/>
+            </a:schemeClr>
+          </a:lnRef>
+          <a:fillRef idx="1">
+            <a:schemeClr val="accent1"/>
+          </a:fillRef>
+          <a:effectRef idx="0">
+            <a:schemeClr val="accent1"/>
+          </a:effectRef>
+          <a:fontRef idx="minor">
+            <a:schemeClr val="lt1"/>
+          </a:fontRef>
+        </p:style>
+        <p:txBody>
+          <a:bodyPr rtlCol="0" anchor="ctr"/>
+          <a:lstStyle/>
+          <a:p>
+            <a:pPr algn="ctr"/>
+            <a:r>
+              <a:rPr lang="pt-PT" sz="1200" dirty="0">
+                <a:latin typeface="NewsGotT" pitchFamily="2" charset="0"/>
+              </a:rPr>
+              <a:t>Folha</a:t>
+            </a:r>
+          </a:p>
+        </p:txBody>
+      </p:sp>
+      <p:cxnSp>
+        <p:nvCxnSpPr>
+          <p:cNvPr id="96" name="Straight Connector 95">
+            <a:extLst>
+              <a:ext uri="{FF2B5EF4-FFF2-40B4-BE49-F238E27FC236}">
+                <a16:creationId xmlns:a16="http://schemas.microsoft.com/office/drawing/2014/main" id="{99D242E2-7A15-134F-93DB-1D79600BED78}"/>
+              </a:ext>
+            </a:extLst>
+          </p:cNvPr>
+          <p:cNvCxnSpPr>
+            <a:cxnSpLocks/>
+            <a:stCxn id="103" idx="4"/>
+            <a:endCxn id="109" idx="0"/>
+          </p:cNvCxnSpPr>
+          <p:nvPr/>
+        </p:nvCxnSpPr>
+        <p:spPr>
+          <a:xfrm flipH="1">
+            <a:off x="9030626" y="3577376"/>
+            <a:ext cx="690993" cy="742710"/>
+          </a:xfrm>
+          <a:prstGeom prst="line">
+            <a:avLst/>
+          </a:prstGeom>
+          <a:ln w="28575">
+            <a:solidFill>
+              <a:schemeClr val="tx1"/>
+            </a:solidFill>
+          </a:ln>
+        </p:spPr>
+        <p:style>
+          <a:lnRef idx="1">
+            <a:schemeClr val="accent1"/>
+          </a:lnRef>
+          <a:fillRef idx="0">
+            <a:schemeClr val="accent1"/>
+          </a:fillRef>
+          <a:effectRef idx="0">
+            <a:schemeClr val="accent1"/>
+          </a:effectRef>
+          <a:fontRef idx="minor">
+            <a:schemeClr val="tx1"/>
+          </a:fontRef>
+        </p:style>
+      </p:cxnSp>
+      <p:cxnSp>
+        <p:nvCxnSpPr>
+          <p:cNvPr id="97" name="Straight Connector 96">
+            <a:extLst>
+              <a:ext uri="{FF2B5EF4-FFF2-40B4-BE49-F238E27FC236}">
+                <a16:creationId xmlns:a16="http://schemas.microsoft.com/office/drawing/2014/main" id="{01677B96-31AE-814C-978E-FE8905A36F62}"/>
+              </a:ext>
+            </a:extLst>
+          </p:cNvPr>
+          <p:cNvCxnSpPr>
+            <a:cxnSpLocks/>
+            <a:stCxn id="78" idx="4"/>
+            <a:endCxn id="117" idx="0"/>
+          </p:cNvCxnSpPr>
+          <p:nvPr/>
+        </p:nvCxnSpPr>
+        <p:spPr>
+          <a:xfrm>
+            <a:off x="4562993" y="3577377"/>
+            <a:ext cx="690993" cy="669949"/>
+          </a:xfrm>
+          <a:prstGeom prst="line">
+            <a:avLst/>
+          </a:prstGeom>
+          <a:ln w="28575">
+            <a:solidFill>
+              <a:schemeClr val="tx1"/>
+            </a:solidFill>
+          </a:ln>
+        </p:spPr>
+        <p:style>
+          <a:lnRef idx="1">
+            <a:schemeClr val="accent1"/>
+          </a:lnRef>
+          <a:fillRef idx="0">
+            <a:schemeClr val="accent1"/>
+          </a:fillRef>
+          <a:effectRef idx="0">
+            <a:schemeClr val="accent1"/>
+          </a:effectRef>
+          <a:fontRef idx="minor">
+            <a:schemeClr val="tx1"/>
+          </a:fontRef>
+        </p:style>
+      </p:cxnSp>
+      <p:cxnSp>
+        <p:nvCxnSpPr>
+          <p:cNvPr id="98" name="Straight Connector 97">
+            <a:extLst>
+              <a:ext uri="{FF2B5EF4-FFF2-40B4-BE49-F238E27FC236}">
+                <a16:creationId xmlns:a16="http://schemas.microsoft.com/office/drawing/2014/main" id="{F0BD1CE1-B79C-FE42-9993-FEEE6A046A5C}"/>
+              </a:ext>
+            </a:extLst>
+          </p:cNvPr>
+          <p:cNvCxnSpPr>
+            <a:cxnSpLocks/>
+            <a:stCxn id="78" idx="4"/>
+            <a:endCxn id="110" idx="0"/>
+          </p:cNvCxnSpPr>
+          <p:nvPr/>
+        </p:nvCxnSpPr>
+        <p:spPr>
+          <a:xfrm flipH="1">
+            <a:off x="3481138" y="3577377"/>
+            <a:ext cx="1081855" cy="742709"/>
+          </a:xfrm>
+          <a:prstGeom prst="line">
+            <a:avLst/>
+          </a:prstGeom>
+          <a:ln w="28575">
+            <a:solidFill>
+              <a:schemeClr val="tx1"/>
+            </a:solidFill>
+          </a:ln>
+        </p:spPr>
+        <p:style>
+          <a:lnRef idx="1">
+            <a:schemeClr val="accent1"/>
+          </a:lnRef>
+          <a:fillRef idx="0">
+            <a:schemeClr val="accent1"/>
+          </a:fillRef>
+          <a:effectRef idx="0">
+            <a:schemeClr val="accent1"/>
+          </a:effectRef>
+          <a:fontRef idx="minor">
+            <a:schemeClr val="tx1"/>
+          </a:fontRef>
+        </p:style>
+      </p:cxnSp>
+      <p:cxnSp>
+        <p:nvCxnSpPr>
+          <p:cNvPr id="102" name="Straight Connector 101">
+            <a:extLst>
+              <a:ext uri="{FF2B5EF4-FFF2-40B4-BE49-F238E27FC236}">
+                <a16:creationId xmlns:a16="http://schemas.microsoft.com/office/drawing/2014/main" id="{CBD2667A-3198-D140-99CE-A3DE2ED0B764}"/>
+              </a:ext>
+            </a:extLst>
+          </p:cNvPr>
+          <p:cNvCxnSpPr>
+            <a:cxnSpLocks/>
+            <a:stCxn id="117" idx="4"/>
+            <a:endCxn id="125" idx="0"/>
+          </p:cNvCxnSpPr>
+          <p:nvPr/>
+        </p:nvCxnSpPr>
+        <p:spPr>
+          <a:xfrm flipH="1">
+            <a:off x="4621490" y="4982121"/>
+            <a:ext cx="632496" cy="715417"/>
+          </a:xfrm>
+          <a:prstGeom prst="line">
+            <a:avLst/>
+          </a:prstGeom>
+          <a:ln w="28575">
+            <a:solidFill>
+              <a:schemeClr val="tx1"/>
+            </a:solidFill>
+          </a:ln>
+        </p:spPr>
+        <p:style>
+          <a:lnRef idx="1">
+            <a:schemeClr val="accent1"/>
+          </a:lnRef>
+          <a:fillRef idx="0">
+            <a:schemeClr val="accent1"/>
+          </a:fillRef>
+          <a:effectRef idx="0">
+            <a:schemeClr val="accent1"/>
+          </a:effectRef>
+          <a:fontRef idx="minor">
+            <a:schemeClr val="tx1"/>
+          </a:fontRef>
+        </p:style>
+      </p:cxnSp>
+      <p:sp>
+        <p:nvSpPr>
+          <p:cNvPr id="103" name="Oval 102">
+            <a:extLst>
+              <a:ext uri="{FF2B5EF4-FFF2-40B4-BE49-F238E27FC236}">
+                <a16:creationId xmlns:a16="http://schemas.microsoft.com/office/drawing/2014/main" id="{3E690B1F-208C-DF46-A41C-023428AB811C}"/>
+              </a:ext>
+            </a:extLst>
+          </p:cNvPr>
+          <p:cNvSpPr/>
+          <p:nvPr/>
+        </p:nvSpPr>
+        <p:spPr>
+          <a:xfrm>
+            <a:off x="8935267" y="2842581"/>
+            <a:ext cx="1572704" cy="734795"/>
+          </a:xfrm>
+          <a:prstGeom prst="ellipse">
+            <a:avLst/>
+          </a:prstGeom>
+        </p:spPr>
+        <p:style>
+          <a:lnRef idx="2">
+            <a:schemeClr val="accent1">
+              <a:shade val="50000"/>
+            </a:schemeClr>
+          </a:lnRef>
+          <a:fillRef idx="1">
+            <a:schemeClr val="accent1"/>
+          </a:fillRef>
+          <a:effectRef idx="0">
+            <a:schemeClr val="accent1"/>
+          </a:effectRef>
+          <a:fontRef idx="minor">
+            <a:schemeClr val="lt1"/>
+          </a:fontRef>
+        </p:style>
+        <p:txBody>
+          <a:bodyPr rtlCol="0" anchor="ctr"/>
+          <a:lstStyle/>
+          <a:p>
+            <a:pPr algn="ctr"/>
+            <a:r>
+              <a:rPr lang="pt-PT" dirty="0">
+                <a:latin typeface="NewsGotT" pitchFamily="2" charset="0"/>
+              </a:rPr>
+              <a:t>Nó de decisão</a:t>
+            </a:r>
+          </a:p>
+        </p:txBody>
+      </p:sp>
+      <p:cxnSp>
+        <p:nvCxnSpPr>
+          <p:cNvPr id="106" name="Straight Connector 105">
+            <a:extLst>
+              <a:ext uri="{FF2B5EF4-FFF2-40B4-BE49-F238E27FC236}">
+                <a16:creationId xmlns:a16="http://schemas.microsoft.com/office/drawing/2014/main" id="{0BE1B716-C809-6F4C-B5CD-8E199A90D798}"/>
+              </a:ext>
+            </a:extLst>
+          </p:cNvPr>
+          <p:cNvCxnSpPr>
+            <a:cxnSpLocks/>
+            <a:stCxn id="103" idx="4"/>
+            <a:endCxn id="114" idx="0"/>
+          </p:cNvCxnSpPr>
+          <p:nvPr/>
+        </p:nvCxnSpPr>
+        <p:spPr>
+          <a:xfrm>
+            <a:off x="9721619" y="3577376"/>
+            <a:ext cx="944389" cy="759307"/>
+          </a:xfrm>
+          <a:prstGeom prst="line">
+            <a:avLst/>
+          </a:prstGeom>
+          <a:ln w="28575">
+            <a:solidFill>
+              <a:schemeClr val="tx1"/>
+            </a:solidFill>
+          </a:ln>
+        </p:spPr>
+        <p:style>
+          <a:lnRef idx="1">
+            <a:schemeClr val="accent1"/>
+          </a:lnRef>
+          <a:fillRef idx="0">
+            <a:schemeClr val="accent1"/>
+          </a:fillRef>
+          <a:effectRef idx="0">
+            <a:schemeClr val="accent1"/>
+          </a:effectRef>
+          <a:fontRef idx="minor">
+            <a:schemeClr val="tx1"/>
+          </a:fontRef>
+        </p:style>
+      </p:cxnSp>
+      <p:sp>
+        <p:nvSpPr>
+          <p:cNvPr id="109" name="Oval 108">
+            <a:extLst>
+              <a:ext uri="{FF2B5EF4-FFF2-40B4-BE49-F238E27FC236}">
+                <a16:creationId xmlns:a16="http://schemas.microsoft.com/office/drawing/2014/main" id="{B38A8CD3-EC4D-A147-AD37-013E6BAE74EC}"/>
+              </a:ext>
+            </a:extLst>
+          </p:cNvPr>
+          <p:cNvSpPr/>
+          <p:nvPr/>
+        </p:nvSpPr>
+        <p:spPr>
+          <a:xfrm>
+            <a:off x="8635615" y="4320086"/>
+            <a:ext cx="790021" cy="508000"/>
+          </a:xfrm>
+          <a:prstGeom prst="ellipse">
+            <a:avLst/>
+          </a:prstGeom>
+          <a:solidFill>
+            <a:srgbClr val="C00000"/>
+          </a:solidFill>
+          <a:ln>
+            <a:noFill/>
+          </a:ln>
+        </p:spPr>
+        <p:style>
+          <a:lnRef idx="2">
+            <a:schemeClr val="accent1">
+              <a:shade val="50000"/>
+            </a:schemeClr>
+          </a:lnRef>
+          <a:fillRef idx="1">
+            <a:schemeClr val="accent1"/>
+          </a:fillRef>
+          <a:effectRef idx="0">
+            <a:schemeClr val="accent1"/>
+          </a:effectRef>
+          <a:fontRef idx="minor">
+            <a:schemeClr val="lt1"/>
+          </a:fontRef>
+        </p:style>
+        <p:txBody>
+          <a:bodyPr rtlCol="0" anchor="ctr"/>
+          <a:lstStyle/>
+          <a:p>
+            <a:pPr algn="ctr"/>
+            <a:r>
+              <a:rPr lang="pt-PT" sz="1200" dirty="0">
+                <a:latin typeface="NewsGotT" pitchFamily="2" charset="0"/>
+              </a:rPr>
+              <a:t>Folha</a:t>
+            </a:r>
+          </a:p>
+        </p:txBody>
+      </p:sp>
+      <p:sp>
+        <p:nvSpPr>
+          <p:cNvPr id="110" name="Oval 109">
+            <a:extLst>
+              <a:ext uri="{FF2B5EF4-FFF2-40B4-BE49-F238E27FC236}">
+                <a16:creationId xmlns:a16="http://schemas.microsoft.com/office/drawing/2014/main" id="{4980181D-F1B2-8245-A6BE-DB64185DB6E9}"/>
+              </a:ext>
+            </a:extLst>
+          </p:cNvPr>
+          <p:cNvSpPr/>
+          <p:nvPr/>
+        </p:nvSpPr>
+        <p:spPr>
+          <a:xfrm>
+            <a:off x="3086127" y="4320086"/>
+            <a:ext cx="790021" cy="508000"/>
+          </a:xfrm>
+          <a:prstGeom prst="ellipse">
+            <a:avLst/>
+          </a:prstGeom>
+          <a:solidFill>
+            <a:srgbClr val="C00000"/>
+          </a:solidFill>
+          <a:ln>
+            <a:noFill/>
+          </a:ln>
+        </p:spPr>
+        <p:style>
+          <a:lnRef idx="2">
+            <a:schemeClr val="accent1">
+              <a:shade val="50000"/>
+            </a:schemeClr>
+          </a:lnRef>
+          <a:fillRef idx="1">
+            <a:schemeClr val="accent1"/>
+          </a:fillRef>
+          <a:effectRef idx="0">
+            <a:schemeClr val="accent1"/>
+          </a:effectRef>
+          <a:fontRef idx="minor">
+            <a:schemeClr val="lt1"/>
+          </a:fontRef>
+        </p:style>
+        <p:txBody>
+          <a:bodyPr rtlCol="0" anchor="ctr"/>
+          <a:lstStyle/>
+          <a:p>
+            <a:pPr algn="ctr"/>
+            <a:r>
+              <a:rPr lang="pt-PT" sz="1200" dirty="0">
+                <a:latin typeface="NewsGotT" pitchFamily="2" charset="0"/>
+              </a:rPr>
+              <a:t>Folha</a:t>
+            </a:r>
+          </a:p>
+        </p:txBody>
+      </p:sp>
+      <p:sp>
+        <p:nvSpPr>
+          <p:cNvPr id="114" name="Oval 113">
+            <a:extLst>
+              <a:ext uri="{FF2B5EF4-FFF2-40B4-BE49-F238E27FC236}">
+                <a16:creationId xmlns:a16="http://schemas.microsoft.com/office/drawing/2014/main" id="{B7E378B4-A11B-E44E-8F22-9252022A86D4}"/>
+              </a:ext>
+            </a:extLst>
+          </p:cNvPr>
+          <p:cNvSpPr/>
+          <p:nvPr/>
+        </p:nvSpPr>
+        <p:spPr>
+          <a:xfrm>
+            <a:off x="10270997" y="4336683"/>
+            <a:ext cx="790021" cy="508000"/>
+          </a:xfrm>
+          <a:prstGeom prst="ellipse">
+            <a:avLst/>
+          </a:prstGeom>
+          <a:solidFill>
+            <a:srgbClr val="C00000"/>
+          </a:solidFill>
+          <a:ln>
+            <a:noFill/>
+          </a:ln>
+        </p:spPr>
+        <p:style>
+          <a:lnRef idx="2">
+            <a:schemeClr val="accent1">
+              <a:shade val="50000"/>
+            </a:schemeClr>
+          </a:lnRef>
+          <a:fillRef idx="1">
+            <a:schemeClr val="accent1"/>
+          </a:fillRef>
+          <a:effectRef idx="0">
+            <a:schemeClr val="accent1"/>
+          </a:effectRef>
+          <a:fontRef idx="minor">
+            <a:schemeClr val="lt1"/>
+          </a:fontRef>
+        </p:style>
+        <p:txBody>
+          <a:bodyPr rtlCol="0" anchor="ctr"/>
+          <a:lstStyle/>
+          <a:p>
+            <a:pPr algn="ctr"/>
+            <a:r>
+              <a:rPr lang="pt-PT" sz="1200" dirty="0">
+                <a:latin typeface="NewsGotT" pitchFamily="2" charset="0"/>
+              </a:rPr>
+              <a:t>Folha</a:t>
+            </a:r>
+          </a:p>
+        </p:txBody>
+      </p:sp>
+      <p:sp>
+        <p:nvSpPr>
+          <p:cNvPr id="117" name="Oval 116">
+            <a:extLst>
+              <a:ext uri="{FF2B5EF4-FFF2-40B4-BE49-F238E27FC236}">
+                <a16:creationId xmlns:a16="http://schemas.microsoft.com/office/drawing/2014/main" id="{69A0A83A-CCDD-AD4E-A87F-AE8C11FC8E97}"/>
+              </a:ext>
+            </a:extLst>
+          </p:cNvPr>
+          <p:cNvSpPr/>
+          <p:nvPr/>
+        </p:nvSpPr>
+        <p:spPr>
+          <a:xfrm>
+            <a:off x="4467634" y="4247326"/>
+            <a:ext cx="1572704" cy="734795"/>
+          </a:xfrm>
+          <a:prstGeom prst="ellipse">
+            <a:avLst/>
+          </a:prstGeom>
+        </p:spPr>
+        <p:style>
+          <a:lnRef idx="2">
+            <a:schemeClr val="accent1">
+              <a:shade val="50000"/>
+            </a:schemeClr>
+          </a:lnRef>
+          <a:fillRef idx="1">
+            <a:schemeClr val="accent1"/>
+          </a:fillRef>
+          <a:effectRef idx="0">
+            <a:schemeClr val="accent1"/>
+          </a:effectRef>
+          <a:fontRef idx="minor">
+            <a:schemeClr val="lt1"/>
+          </a:fontRef>
+        </p:style>
+        <p:txBody>
+          <a:bodyPr rtlCol="0" anchor="ctr"/>
+          <a:lstStyle/>
+          <a:p>
+            <a:pPr algn="ctr"/>
+            <a:r>
+              <a:rPr lang="pt-PT" dirty="0">
+                <a:latin typeface="NewsGotT" pitchFamily="2" charset="0"/>
+              </a:rPr>
+              <a:t>Nó de decisão</a:t>
+            </a:r>
+          </a:p>
+        </p:txBody>
+      </p:sp>
+      <p:cxnSp>
+        <p:nvCxnSpPr>
+          <p:cNvPr id="121" name="Straight Connector 120">
+            <a:extLst>
+              <a:ext uri="{FF2B5EF4-FFF2-40B4-BE49-F238E27FC236}">
+                <a16:creationId xmlns:a16="http://schemas.microsoft.com/office/drawing/2014/main" id="{509F42B6-7464-C94C-94F5-3DCDA756399E}"/>
+              </a:ext>
+            </a:extLst>
+          </p:cNvPr>
+          <p:cNvCxnSpPr>
+            <a:cxnSpLocks/>
+            <a:stCxn id="117" idx="4"/>
+            <a:endCxn id="124" idx="0"/>
+          </p:cNvCxnSpPr>
+          <p:nvPr/>
+        </p:nvCxnSpPr>
+        <p:spPr>
+          <a:xfrm>
+            <a:off x="5253986" y="4982121"/>
+            <a:ext cx="606416" cy="720562"/>
+          </a:xfrm>
+          <a:prstGeom prst="line">
+            <a:avLst/>
+          </a:prstGeom>
+          <a:ln w="28575">
+            <a:solidFill>
+              <a:schemeClr val="tx1"/>
+            </a:solidFill>
+          </a:ln>
+        </p:spPr>
+        <p:style>
+          <a:lnRef idx="1">
+            <a:schemeClr val="accent1"/>
+          </a:lnRef>
+          <a:fillRef idx="0">
+            <a:schemeClr val="accent1"/>
+          </a:fillRef>
+          <a:effectRef idx="0">
+            <a:schemeClr val="accent1"/>
+          </a:effectRef>
+          <a:fontRef idx="minor">
+            <a:schemeClr val="tx1"/>
+          </a:fontRef>
+        </p:style>
+      </p:cxnSp>
+      <p:sp>
+        <p:nvSpPr>
+          <p:cNvPr id="124" name="Oval 123">
+            <a:extLst>
+              <a:ext uri="{FF2B5EF4-FFF2-40B4-BE49-F238E27FC236}">
+                <a16:creationId xmlns:a16="http://schemas.microsoft.com/office/drawing/2014/main" id="{04416EA2-FEAC-674E-9344-BB4D5A3BA902}"/>
+              </a:ext>
+            </a:extLst>
+          </p:cNvPr>
+          <p:cNvSpPr/>
+          <p:nvPr/>
+        </p:nvSpPr>
+        <p:spPr>
+          <a:xfrm>
+            <a:off x="5465391" y="5702683"/>
+            <a:ext cx="790021" cy="508000"/>
+          </a:xfrm>
+          <a:prstGeom prst="ellipse">
+            <a:avLst/>
+          </a:prstGeom>
+          <a:solidFill>
+            <a:srgbClr val="C00000"/>
+          </a:solidFill>
+          <a:ln>
+            <a:noFill/>
+          </a:ln>
+        </p:spPr>
+        <p:style>
+          <a:lnRef idx="2">
+            <a:schemeClr val="accent1">
+              <a:shade val="50000"/>
+            </a:schemeClr>
+          </a:lnRef>
+          <a:fillRef idx="1">
+            <a:schemeClr val="accent1"/>
+          </a:fillRef>
+          <a:effectRef idx="0">
+            <a:schemeClr val="accent1"/>
+          </a:effectRef>
+          <a:fontRef idx="minor">
+            <a:schemeClr val="lt1"/>
+          </a:fontRef>
+        </p:style>
+        <p:txBody>
+          <a:bodyPr rtlCol="0" anchor="ctr"/>
+          <a:lstStyle/>
+          <a:p>
+            <a:pPr algn="ctr"/>
+            <a:r>
+              <a:rPr lang="pt-PT" sz="1200" dirty="0">
+                <a:latin typeface="NewsGotT" pitchFamily="2" charset="0"/>
+              </a:rPr>
+              <a:t>Folha</a:t>
+            </a:r>
+          </a:p>
+        </p:txBody>
+      </p:sp>
+      <p:sp>
+        <p:nvSpPr>
+          <p:cNvPr id="125" name="Oval 124">
+            <a:extLst>
+              <a:ext uri="{FF2B5EF4-FFF2-40B4-BE49-F238E27FC236}">
+                <a16:creationId xmlns:a16="http://schemas.microsoft.com/office/drawing/2014/main" id="{514308B5-CF7A-804A-9F56-49278D4903D6}"/>
+              </a:ext>
+            </a:extLst>
+          </p:cNvPr>
+          <p:cNvSpPr/>
+          <p:nvPr/>
+        </p:nvSpPr>
+        <p:spPr>
+          <a:xfrm>
+            <a:off x="4226479" y="5697538"/>
+            <a:ext cx="790021" cy="508000"/>
+          </a:xfrm>
+          <a:prstGeom prst="ellipse">
+            <a:avLst/>
+          </a:prstGeom>
+          <a:solidFill>
+            <a:srgbClr val="C00000"/>
+          </a:solidFill>
+          <a:ln>
+            <a:noFill/>
+          </a:ln>
+        </p:spPr>
+        <p:style>
+          <a:lnRef idx="2">
+            <a:schemeClr val="accent1">
+              <a:shade val="50000"/>
+            </a:schemeClr>
+          </a:lnRef>
+          <a:fillRef idx="1">
+            <a:schemeClr val="accent1"/>
+          </a:fillRef>
+          <a:effectRef idx="0">
+            <a:schemeClr val="accent1"/>
+          </a:effectRef>
+          <a:fontRef idx="minor">
+            <a:schemeClr val="lt1"/>
+          </a:fontRef>
+        </p:style>
+        <p:txBody>
+          <a:bodyPr rtlCol="0" anchor="ctr"/>
+          <a:lstStyle/>
+          <a:p>
+            <a:pPr algn="ctr"/>
+            <a:r>
+              <a:rPr lang="pt-PT" sz="1200" dirty="0">
+                <a:latin typeface="NewsGotT" pitchFamily="2" charset="0"/>
+              </a:rPr>
+              <a:t>Folha</a:t>
+            </a:r>
+          </a:p>
+        </p:txBody>
+      </p:sp>
+    </p:spTree>
+    <p:extLst>
+      <p:ext uri="{BB962C8B-B14F-4D97-AF65-F5344CB8AC3E}">
+        <p14:creationId xmlns:p14="http://schemas.microsoft.com/office/powerpoint/2010/main" val="2263923099"/>
+      </p:ext>
+    </p:extLst>
+  </p:cSld>
+  <p:clrMapOvr>
+    <a:masterClrMapping/>
+  </p:clrMapOvr>
+</p:sld>
+</file>
+
 <file path=ppt/theme/theme1.xml><?xml version="1.0" encoding="utf-8"?>
 <a:theme xmlns:a="http://schemas.openxmlformats.org/drawingml/2006/main" name="Office Theme">
   <a:themeElements>

--- a/ImagensDissertacao.pptx
+++ b/ImagensDissertacao.pptx
@@ -12,10 +12,11 @@
     <p:sldId id="261" r:id="rId6"/>
     <p:sldId id="258" r:id="rId7"/>
     <p:sldId id="259" r:id="rId8"/>
-    <p:sldId id="263" r:id="rId9"/>
-    <p:sldId id="264" r:id="rId10"/>
-    <p:sldId id="265" r:id="rId11"/>
-    <p:sldId id="266" r:id="rId12"/>
+    <p:sldId id="264" r:id="rId9"/>
+    <p:sldId id="265" r:id="rId10"/>
+    <p:sldId id="266" r:id="rId11"/>
+    <p:sldId id="267" r:id="rId12"/>
+    <p:sldId id="268" r:id="rId13"/>
   </p:sldIdLst>
   <p:sldSz cx="12192000" cy="6858000"/>
   <p:notesSz cx="6858000" cy="9144000"/>
@@ -282,7 +283,7 @@
           <a:p>
             <a:fld id="{19E35882-C838-C948-BBA9-9D3816F7E8A7}" type="datetimeFigureOut">
               <a:rPr lang="pt-PT" smtClean="0"/>
-              <a:t>02/02/22</a:t>
+              <a:t>28/04/22</a:t>
             </a:fld>
             <a:endParaRPr lang="pt-PT"/>
           </a:p>
@@ -482,7 +483,7 @@
           <a:p>
             <a:fld id="{19E35882-C838-C948-BBA9-9D3816F7E8A7}" type="datetimeFigureOut">
               <a:rPr lang="pt-PT" smtClean="0"/>
-              <a:t>02/02/22</a:t>
+              <a:t>28/04/22</a:t>
             </a:fld>
             <a:endParaRPr lang="pt-PT"/>
           </a:p>
@@ -692,7 +693,7 @@
           <a:p>
             <a:fld id="{19E35882-C838-C948-BBA9-9D3816F7E8A7}" type="datetimeFigureOut">
               <a:rPr lang="pt-PT" smtClean="0"/>
-              <a:t>02/02/22</a:t>
+              <a:t>28/04/22</a:t>
             </a:fld>
             <a:endParaRPr lang="pt-PT"/>
           </a:p>
@@ -892,7 +893,7 @@
           <a:p>
             <a:fld id="{19E35882-C838-C948-BBA9-9D3816F7E8A7}" type="datetimeFigureOut">
               <a:rPr lang="pt-PT" smtClean="0"/>
-              <a:t>02/02/22</a:t>
+              <a:t>28/04/22</a:t>
             </a:fld>
             <a:endParaRPr lang="pt-PT"/>
           </a:p>
@@ -1168,7 +1169,7 @@
           <a:p>
             <a:fld id="{19E35882-C838-C948-BBA9-9D3816F7E8A7}" type="datetimeFigureOut">
               <a:rPr lang="pt-PT" smtClean="0"/>
-              <a:t>02/02/22</a:t>
+              <a:t>28/04/22</a:t>
             </a:fld>
             <a:endParaRPr lang="pt-PT"/>
           </a:p>
@@ -1436,7 +1437,7 @@
           <a:p>
             <a:fld id="{19E35882-C838-C948-BBA9-9D3816F7E8A7}" type="datetimeFigureOut">
               <a:rPr lang="pt-PT" smtClean="0"/>
-              <a:t>02/02/22</a:t>
+              <a:t>28/04/22</a:t>
             </a:fld>
             <a:endParaRPr lang="pt-PT"/>
           </a:p>
@@ -1851,7 +1852,7 @@
           <a:p>
             <a:fld id="{19E35882-C838-C948-BBA9-9D3816F7E8A7}" type="datetimeFigureOut">
               <a:rPr lang="pt-PT" smtClean="0"/>
-              <a:t>02/02/22</a:t>
+              <a:t>28/04/22</a:t>
             </a:fld>
             <a:endParaRPr lang="pt-PT"/>
           </a:p>
@@ -1993,7 +1994,7 @@
           <a:p>
             <a:fld id="{19E35882-C838-C948-BBA9-9D3816F7E8A7}" type="datetimeFigureOut">
               <a:rPr lang="pt-PT" smtClean="0"/>
-              <a:t>02/02/22</a:t>
+              <a:t>28/04/22</a:t>
             </a:fld>
             <a:endParaRPr lang="pt-PT"/>
           </a:p>
@@ -2106,7 +2107,7 @@
           <a:p>
             <a:fld id="{19E35882-C838-C948-BBA9-9D3816F7E8A7}" type="datetimeFigureOut">
               <a:rPr lang="pt-PT" smtClean="0"/>
-              <a:t>02/02/22</a:t>
+              <a:t>28/04/22</a:t>
             </a:fld>
             <a:endParaRPr lang="pt-PT"/>
           </a:p>
@@ -2419,7 +2420,7 @@
           <a:p>
             <a:fld id="{19E35882-C838-C948-BBA9-9D3816F7E8A7}" type="datetimeFigureOut">
               <a:rPr lang="pt-PT" smtClean="0"/>
-              <a:t>02/02/22</a:t>
+              <a:t>28/04/22</a:t>
             </a:fld>
             <a:endParaRPr lang="pt-PT"/>
           </a:p>
@@ -2708,7 +2709,7 @@
           <a:p>
             <a:fld id="{19E35882-C838-C948-BBA9-9D3816F7E8A7}" type="datetimeFigureOut">
               <a:rPr lang="pt-PT" smtClean="0"/>
-              <a:t>02/02/22</a:t>
+              <a:t>28/04/22</a:t>
             </a:fld>
             <a:endParaRPr lang="pt-PT"/>
           </a:p>
@@ -2951,7 +2952,7 @@
           <a:p>
             <a:fld id="{19E35882-C838-C948-BBA9-9D3816F7E8A7}" type="datetimeFigureOut">
               <a:rPr lang="pt-PT" smtClean="0"/>
-              <a:t>02/02/22</a:t>
+              <a:t>28/04/22</a:t>
             </a:fld>
             <a:endParaRPr lang="pt-PT"/>
           </a:p>
@@ -4070,42 +4071,151 @@
       </p:grpSpPr>
       <p:sp>
         <p:nvSpPr>
-          <p:cNvPr id="5" name="Rounded Rectangle 4">
-            <a:extLst>
-              <a:ext uri="{FF2B5EF4-FFF2-40B4-BE49-F238E27FC236}">
-                <a16:creationId xmlns:a16="http://schemas.microsoft.com/office/drawing/2014/main" id="{432A6097-4036-B444-8EC8-38BF2230C387}"/>
-              </a:ext>
-            </a:extLst>
-          </p:cNvPr>
-          <p:cNvSpPr/>
-          <p:nvPr/>
-        </p:nvSpPr>
-        <p:spPr>
-          <a:xfrm>
-            <a:off x="5016500" y="393699"/>
-            <a:ext cx="2058670" cy="507999"/>
-          </a:xfrm>
-          <a:prstGeom prst="roundRect">
-            <a:avLst/>
-          </a:prstGeom>
-          <a:ln w="28575">
+          <p:cNvPr id="2" name="Title 1">
+            <a:extLst>
+              <a:ext uri="{FF2B5EF4-FFF2-40B4-BE49-F238E27FC236}">
+                <a16:creationId xmlns:a16="http://schemas.microsoft.com/office/drawing/2014/main" id="{870027A7-E320-2C4A-AA98-A794C9C83307}"/>
+              </a:ext>
+            </a:extLst>
+          </p:cNvPr>
+          <p:cNvSpPr>
+            <a:spLocks noGrp="1"/>
+          </p:cNvSpPr>
+          <p:nvPr>
+            <p:ph type="title"/>
+          </p:nvPr>
+        </p:nvSpPr>
+        <p:spPr/>
+        <p:txBody>
+          <a:bodyPr/>
+          <a:lstStyle/>
+          <a:p>
+            <a:endParaRPr lang="pt-PT"/>
+          </a:p>
+        </p:txBody>
+      </p:sp>
+      <p:pic>
+        <p:nvPicPr>
+          <p:cNvPr id="8" name="Graphic 7" descr="Badge Tick1 with solid fill">
+            <a:extLst>
+              <a:ext uri="{FF2B5EF4-FFF2-40B4-BE49-F238E27FC236}">
+                <a16:creationId xmlns:a16="http://schemas.microsoft.com/office/drawing/2014/main" id="{D13BEE9B-BC59-68F9-3F15-EE0D514C61A9}"/>
+              </a:ext>
+            </a:extLst>
+          </p:cNvPr>
+          <p:cNvPicPr>
+            <a:picLocks noChangeAspect="1"/>
+          </p:cNvPicPr>
+          <p:nvPr/>
+        </p:nvPicPr>
+        <p:blipFill>
+          <a:blip r:embed="rId2">
+            <a:extLst>
+              <a:ext uri="{96DAC541-7B7A-43D3-8B79-37D633B846F1}">
+                <asvg:svgBlip xmlns:asvg="http://schemas.microsoft.com/office/drawing/2016/SVG/main" r:embed="rId3"/>
+              </a:ext>
+            </a:extLst>
+          </a:blip>
+          <a:stretch>
+            <a:fillRect/>
+          </a:stretch>
+        </p:blipFill>
+        <p:spPr>
+          <a:xfrm>
+            <a:off x="762000" y="2233613"/>
+            <a:ext cx="914400" cy="914400"/>
+          </a:xfrm>
+          <a:prstGeom prst="rect">
+            <a:avLst/>
+          </a:prstGeom>
+        </p:spPr>
+      </p:pic>
+      <p:cxnSp>
+        <p:nvCxnSpPr>
+          <p:cNvPr id="11" name="Straight Connector 10">
+            <a:extLst>
+              <a:ext uri="{FF2B5EF4-FFF2-40B4-BE49-F238E27FC236}">
+                <a16:creationId xmlns:a16="http://schemas.microsoft.com/office/drawing/2014/main" id="{843347C9-9986-0988-B1BE-62F2FFE40502}"/>
+              </a:ext>
+            </a:extLst>
+          </p:cNvPr>
+          <p:cNvCxnSpPr>
+            <a:stCxn id="8" idx="3"/>
+          </p:cNvCxnSpPr>
+          <p:nvPr/>
+        </p:nvCxnSpPr>
+        <p:spPr>
+          <a:xfrm>
+            <a:off x="1676400" y="2690813"/>
+            <a:ext cx="1692000" cy="0"/>
+          </a:xfrm>
+          <a:prstGeom prst="line">
+            <a:avLst/>
+          </a:prstGeom>
+          <a:ln w="266700">
             <a:solidFill>
               <a:schemeClr val="tx1"/>
             </a:solidFill>
           </a:ln>
         </p:spPr>
         <p:style>
+          <a:lnRef idx="1">
+            <a:schemeClr val="accent1"/>
+          </a:lnRef>
+          <a:fillRef idx="0">
+            <a:schemeClr val="accent1"/>
+          </a:fillRef>
+          <a:effectRef idx="0">
+            <a:schemeClr val="accent1"/>
+          </a:effectRef>
+          <a:fontRef idx="minor">
+            <a:schemeClr val="tx1"/>
+          </a:fontRef>
+        </p:style>
+      </p:cxnSp>
+      <p:sp>
+        <p:nvSpPr>
+          <p:cNvPr id="12" name="Doughnut 11">
+            <a:extLst>
+              <a:ext uri="{FF2B5EF4-FFF2-40B4-BE49-F238E27FC236}">
+                <a16:creationId xmlns:a16="http://schemas.microsoft.com/office/drawing/2014/main" id="{FDFC213B-AF9C-993D-0D0D-8E996CF35E28}"/>
+              </a:ext>
+            </a:extLst>
+          </p:cNvPr>
+          <p:cNvSpPr/>
+          <p:nvPr/>
+        </p:nvSpPr>
+        <p:spPr>
+          <a:xfrm>
+            <a:off x="838200" y="3198018"/>
+            <a:ext cx="741600" cy="738187"/>
+          </a:xfrm>
+          <a:prstGeom prst="donut">
+            <a:avLst/>
+          </a:prstGeom>
+          <a:solidFill>
+            <a:schemeClr val="tx1"/>
+          </a:solidFill>
+          <a:ln>
+            <a:solidFill>
+              <a:schemeClr val="tx1"/>
+            </a:solidFill>
+          </a:ln>
+        </p:spPr>
+        <p:style>
           <a:lnRef idx="2">
-            <a:schemeClr val="dk1"/>
+            <a:schemeClr val="accent1">
+              <a:shade val="50000"/>
+            </a:schemeClr>
           </a:lnRef>
           <a:fillRef idx="1">
-            <a:schemeClr val="lt1"/>
+            <a:schemeClr val="accent1"/>
           </a:fillRef>
           <a:effectRef idx="0">
-            <a:schemeClr val="dk1"/>
+            <a:schemeClr val="accent1"/>
           </a:effectRef>
           <a:fontRef idx="minor">
-            <a:schemeClr val="dk1"/>
+            <a:schemeClr val="lt1"/>
           </a:fontRef>
         </p:style>
         <p:txBody>
@@ -4113,59 +4223,103 @@
           <a:lstStyle/>
           <a:p>
             <a:pPr algn="ctr"/>
-            <a:r>
-              <a:rPr lang="pt-PT" dirty="0" err="1">
-                <a:ln>
-                  <a:solidFill>
-                    <a:sysClr val="windowText" lastClr="000000"/>
-                  </a:solidFill>
-                </a:ln>
-                <a:solidFill>
-                  <a:sysClr val="windowText" lastClr="000000"/>
-                </a:solidFill>
-                <a:latin typeface="NewsGotT" pitchFamily="2" charset="0"/>
-              </a:rPr>
-              <a:t>Raíz</a:t>
-            </a:r>
-            <a:endParaRPr lang="pt-PT" dirty="0">
+            <a:endParaRPr lang="en-US">
               <a:ln>
                 <a:solidFill>
                   <a:sysClr val="windowText" lastClr="000000"/>
                 </a:solidFill>
               </a:ln>
               <a:solidFill>
-                <a:sysClr val="windowText" lastClr="000000"/>
+                <a:schemeClr val="tx1"/>
               </a:solidFill>
-              <a:latin typeface="NewsGotT" pitchFamily="2" charset="0"/>
+            </a:endParaRPr>
+          </a:p>
+        </p:txBody>
+      </p:sp>
+      <p:sp>
+        <p:nvSpPr>
+          <p:cNvPr id="13" name="Doughnut 12">
+            <a:extLst>
+              <a:ext uri="{FF2B5EF4-FFF2-40B4-BE49-F238E27FC236}">
+                <a16:creationId xmlns:a16="http://schemas.microsoft.com/office/drawing/2014/main" id="{A00E84A0-4B41-05E4-8E65-62C525B6877D}"/>
+              </a:ext>
+            </a:extLst>
+          </p:cNvPr>
+          <p:cNvSpPr/>
+          <p:nvPr/>
+        </p:nvSpPr>
+        <p:spPr>
+          <a:xfrm>
+            <a:off x="838200" y="4011213"/>
+            <a:ext cx="741600" cy="738187"/>
+          </a:xfrm>
+          <a:prstGeom prst="donut">
+            <a:avLst/>
+          </a:prstGeom>
+          <a:solidFill>
+            <a:schemeClr val="tx1"/>
+          </a:solidFill>
+          <a:ln>
+            <a:solidFill>
+              <a:schemeClr val="tx1"/>
+            </a:solidFill>
+          </a:ln>
+        </p:spPr>
+        <p:style>
+          <a:lnRef idx="2">
+            <a:schemeClr val="accent1">
+              <a:shade val="50000"/>
+            </a:schemeClr>
+          </a:lnRef>
+          <a:fillRef idx="1">
+            <a:schemeClr val="accent1"/>
+          </a:fillRef>
+          <a:effectRef idx="0">
+            <a:schemeClr val="accent1"/>
+          </a:effectRef>
+          <a:fontRef idx="minor">
+            <a:schemeClr val="lt1"/>
+          </a:fontRef>
+        </p:style>
+        <p:txBody>
+          <a:bodyPr rtlCol="0" anchor="ctr"/>
+          <a:lstStyle/>
+          <a:p>
+            <a:pPr algn="ctr"/>
+            <a:endParaRPr lang="en-US">
+              <a:ln>
+                <a:solidFill>
+                  <a:sysClr val="windowText" lastClr="000000"/>
+                </a:solidFill>
+              </a:ln>
+              <a:solidFill>
+                <a:schemeClr val="tx1"/>
+              </a:solidFill>
             </a:endParaRPr>
           </a:p>
         </p:txBody>
       </p:sp>
       <p:cxnSp>
         <p:nvCxnSpPr>
-          <p:cNvPr id="8" name="Straight Connector 7">
-            <a:extLst>
-              <a:ext uri="{FF2B5EF4-FFF2-40B4-BE49-F238E27FC236}">
-                <a16:creationId xmlns:a16="http://schemas.microsoft.com/office/drawing/2014/main" id="{288AB237-E27D-3740-B5DC-8F9A1048F4D6}"/>
-              </a:ext>
-            </a:extLst>
-          </p:cNvPr>
-          <p:cNvCxnSpPr>
-            <a:cxnSpLocks/>
-            <a:stCxn id="5" idx="2"/>
-            <a:endCxn id="12" idx="7"/>
-          </p:cNvCxnSpPr>
+          <p:cNvPr id="14" name="Straight Connector 13">
+            <a:extLst>
+              <a:ext uri="{FF2B5EF4-FFF2-40B4-BE49-F238E27FC236}">
+                <a16:creationId xmlns:a16="http://schemas.microsoft.com/office/drawing/2014/main" id="{2781B07C-3A82-3F6B-DE20-E632A8046746}"/>
+              </a:ext>
+            </a:extLst>
+          </p:cNvPr>
+          <p:cNvCxnSpPr/>
           <p:nvPr/>
         </p:nvCxnSpPr>
         <p:spPr>
-          <a:xfrm flipH="1">
-            <a:off x="4650433" y="901698"/>
-            <a:ext cx="1395402" cy="761426"/>
+          <a:xfrm>
+            <a:off x="1676400" y="3517106"/>
+            <a:ext cx="1692000" cy="0"/>
           </a:xfrm>
           <a:prstGeom prst="line">
             <a:avLst/>
           </a:prstGeom>
-          <a:ln w="28575">
+          <a:ln w="266700">
             <a:solidFill>
               <a:schemeClr val="tx1"/>
             </a:solidFill>
@@ -4188,125 +4342,25 @@
       </p:cxnSp>
       <p:cxnSp>
         <p:nvCxnSpPr>
-          <p:cNvPr id="9" name="Straight Connector 8">
-            <a:extLst>
-              <a:ext uri="{FF2B5EF4-FFF2-40B4-BE49-F238E27FC236}">
-                <a16:creationId xmlns:a16="http://schemas.microsoft.com/office/drawing/2014/main" id="{66EE4AFC-493B-0949-AD86-1093FF92A0A5}"/>
-              </a:ext>
-            </a:extLst>
-          </p:cNvPr>
-          <p:cNvCxnSpPr>
-            <a:cxnSpLocks/>
-            <a:stCxn id="5" idx="2"/>
-            <a:endCxn id="67" idx="1"/>
-          </p:cNvCxnSpPr>
+          <p:cNvPr id="15" name="Straight Connector 14">
+            <a:extLst>
+              <a:ext uri="{FF2B5EF4-FFF2-40B4-BE49-F238E27FC236}">
+                <a16:creationId xmlns:a16="http://schemas.microsoft.com/office/drawing/2014/main" id="{478F2954-B441-4B82-D834-C70DB2948532}"/>
+              </a:ext>
+            </a:extLst>
+          </p:cNvPr>
+          <p:cNvCxnSpPr/>
           <p:nvPr/>
         </p:nvCxnSpPr>
         <p:spPr>
           <a:xfrm>
-            <a:off x="6045835" y="901698"/>
-            <a:ext cx="1233500" cy="742341"/>
+            <a:off x="1676400" y="4341017"/>
+            <a:ext cx="1692000" cy="0"/>
           </a:xfrm>
           <a:prstGeom prst="line">
             <a:avLst/>
           </a:prstGeom>
-          <a:ln w="28575">
-            <a:solidFill>
-              <a:schemeClr val="tx1"/>
-            </a:solidFill>
-          </a:ln>
-        </p:spPr>
-        <p:style>
-          <a:lnRef idx="1">
-            <a:schemeClr val="accent1"/>
-          </a:lnRef>
-          <a:fillRef idx="0">
-            <a:schemeClr val="accent1"/>
-          </a:fillRef>
-          <a:effectRef idx="0">
-            <a:schemeClr val="accent1"/>
-          </a:effectRef>
-          <a:fontRef idx="minor">
-            <a:schemeClr val="tx1"/>
-          </a:fontRef>
-        </p:style>
-      </p:cxnSp>
-      <p:sp>
-        <p:nvSpPr>
-          <p:cNvPr id="12" name="Oval 11">
-            <a:extLst>
-              <a:ext uri="{FF2B5EF4-FFF2-40B4-BE49-F238E27FC236}">
-                <a16:creationId xmlns:a16="http://schemas.microsoft.com/office/drawing/2014/main" id="{142FE0AB-4A6C-514E-954F-0E53E3FE0337}"/>
-              </a:ext>
-            </a:extLst>
-          </p:cNvPr>
-          <p:cNvSpPr/>
-          <p:nvPr/>
-        </p:nvSpPr>
-        <p:spPr>
-          <a:xfrm>
-            <a:off x="3308046" y="1555516"/>
-            <a:ext cx="1572704" cy="734795"/>
-          </a:xfrm>
-          <a:prstGeom prst="ellipse">
-            <a:avLst/>
-          </a:prstGeom>
-        </p:spPr>
-        <p:style>
-          <a:lnRef idx="2">
-            <a:schemeClr val="accent1">
-              <a:shade val="50000"/>
-            </a:schemeClr>
-          </a:lnRef>
-          <a:fillRef idx="1">
-            <a:schemeClr val="accent1"/>
-          </a:fillRef>
-          <a:effectRef idx="0">
-            <a:schemeClr val="accent1"/>
-          </a:effectRef>
-          <a:fontRef idx="minor">
-            <a:schemeClr val="lt1"/>
-          </a:fontRef>
-        </p:style>
-        <p:txBody>
-          <a:bodyPr rtlCol="0" anchor="ctr"/>
-          <a:lstStyle/>
-          <a:p>
-            <a:pPr algn="ctr"/>
-            <a:r>
-              <a:rPr lang="pt-PT" dirty="0">
-                <a:latin typeface="NewsGotT" pitchFamily="2" charset="0"/>
-              </a:rPr>
-              <a:t>Nó de decisão</a:t>
-            </a:r>
-          </a:p>
-        </p:txBody>
-      </p:sp>
-      <p:cxnSp>
-        <p:nvCxnSpPr>
-          <p:cNvPr id="21" name="Straight Connector 20">
-            <a:extLst>
-              <a:ext uri="{FF2B5EF4-FFF2-40B4-BE49-F238E27FC236}">
-                <a16:creationId xmlns:a16="http://schemas.microsoft.com/office/drawing/2014/main" id="{9B52829E-636D-554D-B5D4-EE238C123490}"/>
-              </a:ext>
-            </a:extLst>
-          </p:cNvPr>
-          <p:cNvCxnSpPr>
-            <a:cxnSpLocks/>
-            <a:stCxn id="12" idx="4"/>
-            <a:endCxn id="42" idx="0"/>
-          </p:cNvCxnSpPr>
-          <p:nvPr/>
-        </p:nvCxnSpPr>
-        <p:spPr>
-          <a:xfrm flipH="1">
-            <a:off x="2886884" y="2290311"/>
-            <a:ext cx="1207514" cy="705174"/>
-          </a:xfrm>
-          <a:prstGeom prst="line">
-            <a:avLst/>
-          </a:prstGeom>
-          <a:ln w="28575">
+          <a:ln w="266700">
             <a:solidFill>
               <a:schemeClr val="tx1"/>
             </a:solidFill>
@@ -4329,29 +4383,194 @@
       </p:cxnSp>
       <p:cxnSp>
         <p:nvCxnSpPr>
-          <p:cNvPr id="23" name="Straight Connector 22">
-            <a:extLst>
-              <a:ext uri="{FF2B5EF4-FFF2-40B4-BE49-F238E27FC236}">
-                <a16:creationId xmlns:a16="http://schemas.microsoft.com/office/drawing/2014/main" id="{FEF1742D-AE28-7E4A-856D-2339B206E77B}"/>
+          <p:cNvPr id="17" name="Straight Connector 16">
+            <a:extLst>
+              <a:ext uri="{FF2B5EF4-FFF2-40B4-BE49-F238E27FC236}">
+                <a16:creationId xmlns:a16="http://schemas.microsoft.com/office/drawing/2014/main" id="{80F964D2-8D2F-C364-2E71-775DC4A8918A}"/>
               </a:ext>
             </a:extLst>
           </p:cNvPr>
           <p:cNvCxnSpPr>
             <a:cxnSpLocks/>
-            <a:stCxn id="12" idx="4"/>
-            <a:endCxn id="78" idx="0"/>
           </p:cNvCxnSpPr>
           <p:nvPr/>
         </p:nvCxnSpPr>
         <p:spPr>
           <a:xfrm>
-            <a:off x="4094398" y="2290311"/>
-            <a:ext cx="760200" cy="552271"/>
+            <a:off x="6925350" y="2793205"/>
+            <a:ext cx="1692000" cy="0"/>
           </a:xfrm>
           <a:prstGeom prst="line">
             <a:avLst/>
           </a:prstGeom>
-          <a:ln w="28575">
+          <a:ln w="266700">
+            <a:solidFill>
+              <a:schemeClr val="tx1"/>
+            </a:solidFill>
+          </a:ln>
+        </p:spPr>
+        <p:style>
+          <a:lnRef idx="1">
+            <a:schemeClr val="accent1"/>
+          </a:lnRef>
+          <a:fillRef idx="0">
+            <a:schemeClr val="accent1"/>
+          </a:fillRef>
+          <a:effectRef idx="0">
+            <a:schemeClr val="accent1"/>
+          </a:effectRef>
+          <a:fontRef idx="minor">
+            <a:schemeClr val="tx1"/>
+          </a:fontRef>
+        </p:style>
+      </p:cxnSp>
+      <p:sp>
+        <p:nvSpPr>
+          <p:cNvPr id="18" name="Doughnut 17">
+            <a:extLst>
+              <a:ext uri="{FF2B5EF4-FFF2-40B4-BE49-F238E27FC236}">
+                <a16:creationId xmlns:a16="http://schemas.microsoft.com/office/drawing/2014/main" id="{9F4E7F63-893E-A5F1-61F0-14FFBA3E49BF}"/>
+              </a:ext>
+            </a:extLst>
+          </p:cNvPr>
+          <p:cNvSpPr/>
+          <p:nvPr/>
+        </p:nvSpPr>
+        <p:spPr>
+          <a:xfrm>
+            <a:off x="6096000" y="3248024"/>
+            <a:ext cx="741600" cy="738187"/>
+          </a:xfrm>
+          <a:prstGeom prst="donut">
+            <a:avLst/>
+          </a:prstGeom>
+          <a:solidFill>
+            <a:schemeClr val="tx1"/>
+          </a:solidFill>
+          <a:ln>
+            <a:solidFill>
+              <a:schemeClr val="tx1"/>
+            </a:solidFill>
+          </a:ln>
+        </p:spPr>
+        <p:style>
+          <a:lnRef idx="2">
+            <a:schemeClr val="accent1">
+              <a:shade val="50000"/>
+            </a:schemeClr>
+          </a:lnRef>
+          <a:fillRef idx="1">
+            <a:schemeClr val="accent1"/>
+          </a:fillRef>
+          <a:effectRef idx="0">
+            <a:schemeClr val="accent1"/>
+          </a:effectRef>
+          <a:fontRef idx="minor">
+            <a:schemeClr val="lt1"/>
+          </a:fontRef>
+        </p:style>
+        <p:txBody>
+          <a:bodyPr rtlCol="0" anchor="ctr"/>
+          <a:lstStyle/>
+          <a:p>
+            <a:pPr algn="ctr"/>
+            <a:endParaRPr lang="en-US">
+              <a:ln>
+                <a:solidFill>
+                  <a:sysClr val="windowText" lastClr="000000"/>
+                </a:solidFill>
+              </a:ln>
+              <a:solidFill>
+                <a:schemeClr val="tx1"/>
+              </a:solidFill>
+            </a:endParaRPr>
+          </a:p>
+        </p:txBody>
+      </p:sp>
+      <p:sp>
+        <p:nvSpPr>
+          <p:cNvPr id="19" name="Doughnut 18">
+            <a:extLst>
+              <a:ext uri="{FF2B5EF4-FFF2-40B4-BE49-F238E27FC236}">
+                <a16:creationId xmlns:a16="http://schemas.microsoft.com/office/drawing/2014/main" id="{E858B2EB-79AB-938F-7127-14A7D835D608}"/>
+              </a:ext>
+            </a:extLst>
+          </p:cNvPr>
+          <p:cNvSpPr/>
+          <p:nvPr/>
+        </p:nvSpPr>
+        <p:spPr>
+          <a:xfrm>
+            <a:off x="6096000" y="4014786"/>
+            <a:ext cx="741600" cy="738187"/>
+          </a:xfrm>
+          <a:prstGeom prst="donut">
+            <a:avLst/>
+          </a:prstGeom>
+          <a:solidFill>
+            <a:schemeClr val="tx1"/>
+          </a:solidFill>
+          <a:ln>
+            <a:solidFill>
+              <a:schemeClr val="tx1"/>
+            </a:solidFill>
+          </a:ln>
+        </p:spPr>
+        <p:style>
+          <a:lnRef idx="2">
+            <a:schemeClr val="accent1">
+              <a:shade val="50000"/>
+            </a:schemeClr>
+          </a:lnRef>
+          <a:fillRef idx="1">
+            <a:schemeClr val="accent1"/>
+          </a:fillRef>
+          <a:effectRef idx="0">
+            <a:schemeClr val="accent1"/>
+          </a:effectRef>
+          <a:fontRef idx="minor">
+            <a:schemeClr val="lt1"/>
+          </a:fontRef>
+        </p:style>
+        <p:txBody>
+          <a:bodyPr rtlCol="0" anchor="ctr"/>
+          <a:lstStyle/>
+          <a:p>
+            <a:pPr algn="ctr"/>
+            <a:endParaRPr lang="en-US">
+              <a:ln>
+                <a:solidFill>
+                  <a:sysClr val="windowText" lastClr="000000"/>
+                </a:solidFill>
+              </a:ln>
+              <a:solidFill>
+                <a:schemeClr val="tx1"/>
+              </a:solidFill>
+            </a:endParaRPr>
+          </a:p>
+        </p:txBody>
+      </p:sp>
+      <p:cxnSp>
+        <p:nvCxnSpPr>
+          <p:cNvPr id="20" name="Straight Connector 19">
+            <a:extLst>
+              <a:ext uri="{FF2B5EF4-FFF2-40B4-BE49-F238E27FC236}">
+                <a16:creationId xmlns:a16="http://schemas.microsoft.com/office/drawing/2014/main" id="{DA55C967-C1D3-5672-50E6-72B29B39D1B3}"/>
+              </a:ext>
+            </a:extLst>
+          </p:cNvPr>
+          <p:cNvCxnSpPr/>
+          <p:nvPr/>
+        </p:nvCxnSpPr>
+        <p:spPr>
+          <a:xfrm>
+            <a:off x="6925350" y="3617117"/>
+            <a:ext cx="1692000" cy="0"/>
+          </a:xfrm>
+          <a:prstGeom prst="line">
+            <a:avLst/>
+          </a:prstGeom>
+          <a:ln w="266700">
             <a:solidFill>
               <a:schemeClr val="tx1"/>
             </a:solidFill>
@@ -4374,29 +4593,25 @@
       </p:cxnSp>
       <p:cxnSp>
         <p:nvCxnSpPr>
-          <p:cNvPr id="28" name="Straight Connector 27">
-            <a:extLst>
-              <a:ext uri="{FF2B5EF4-FFF2-40B4-BE49-F238E27FC236}">
-                <a16:creationId xmlns:a16="http://schemas.microsoft.com/office/drawing/2014/main" id="{8FAA30FA-230F-EF47-82F6-CED374FDEFBE}"/>
-              </a:ext>
-            </a:extLst>
-          </p:cNvPr>
-          <p:cNvCxnSpPr>
-            <a:cxnSpLocks/>
-            <a:stCxn id="67" idx="4"/>
-            <a:endCxn id="103" idx="0"/>
-          </p:cNvCxnSpPr>
+          <p:cNvPr id="21" name="Straight Connector 20">
+            <a:extLst>
+              <a:ext uri="{FF2B5EF4-FFF2-40B4-BE49-F238E27FC236}">
+                <a16:creationId xmlns:a16="http://schemas.microsoft.com/office/drawing/2014/main" id="{9CB21EAD-7A23-A4A7-66C0-562AEE238444}"/>
+              </a:ext>
+            </a:extLst>
+          </p:cNvPr>
+          <p:cNvCxnSpPr/>
           <p:nvPr/>
         </p:nvCxnSpPr>
         <p:spPr>
           <a:xfrm>
-            <a:off x="7835370" y="2271226"/>
-            <a:ext cx="786352" cy="669580"/>
+            <a:off x="6925350" y="4405309"/>
+            <a:ext cx="1692000" cy="0"/>
           </a:xfrm>
           <a:prstGeom prst="line">
             <a:avLst/>
           </a:prstGeom>
-          <a:ln w="28575">
+          <a:ln w="266700">
             <a:solidFill>
               <a:schemeClr val="tx1"/>
             </a:solidFill>
@@ -4417,76 +4632,33 @@
           </a:fontRef>
         </p:style>
       </p:cxnSp>
-      <p:cxnSp>
-        <p:nvCxnSpPr>
-          <p:cNvPr id="29" name="Straight Connector 28">
-            <a:extLst>
-              <a:ext uri="{FF2B5EF4-FFF2-40B4-BE49-F238E27FC236}">
-                <a16:creationId xmlns:a16="http://schemas.microsoft.com/office/drawing/2014/main" id="{3F002ACB-AB5A-8B4D-A8D9-374C98290081}"/>
-              </a:ext>
-            </a:extLst>
-          </p:cNvPr>
-          <p:cNvCxnSpPr>
-            <a:cxnSpLocks/>
-            <a:stCxn id="67" idx="4"/>
-            <a:endCxn id="93" idx="0"/>
-          </p:cNvCxnSpPr>
-          <p:nvPr/>
-        </p:nvCxnSpPr>
-        <p:spPr>
-          <a:xfrm flipH="1">
-            <a:off x="7075170" y="2271226"/>
-            <a:ext cx="760200" cy="724259"/>
-          </a:xfrm>
-          <a:prstGeom prst="line">
-            <a:avLst/>
-          </a:prstGeom>
-          <a:ln w="28575">
+      <p:sp>
+        <p:nvSpPr>
+          <p:cNvPr id="22" name="Doughnut 21">
+            <a:extLst>
+              <a:ext uri="{FF2B5EF4-FFF2-40B4-BE49-F238E27FC236}">
+                <a16:creationId xmlns:a16="http://schemas.microsoft.com/office/drawing/2014/main" id="{FE1677F0-1BA6-DBC5-0020-DF1B5FF41BF3}"/>
+              </a:ext>
+            </a:extLst>
+          </p:cNvPr>
+          <p:cNvSpPr/>
+          <p:nvPr/>
+        </p:nvSpPr>
+        <p:spPr>
+          <a:xfrm>
+            <a:off x="6096000" y="2424112"/>
+            <a:ext cx="741600" cy="738187"/>
+          </a:xfrm>
+          <a:prstGeom prst="donut">
+            <a:avLst/>
+          </a:prstGeom>
+          <a:solidFill>
+            <a:schemeClr val="tx1"/>
+          </a:solidFill>
+          <a:ln>
             <a:solidFill>
               <a:schemeClr val="tx1"/>
             </a:solidFill>
-          </a:ln>
-        </p:spPr>
-        <p:style>
-          <a:lnRef idx="1">
-            <a:schemeClr val="accent1"/>
-          </a:lnRef>
-          <a:fillRef idx="0">
-            <a:schemeClr val="accent1"/>
-          </a:fillRef>
-          <a:effectRef idx="0">
-            <a:schemeClr val="accent1"/>
-          </a:effectRef>
-          <a:fontRef idx="minor">
-            <a:schemeClr val="tx1"/>
-          </a:fontRef>
-        </p:style>
-      </p:cxnSp>
-      <p:sp>
-        <p:nvSpPr>
-          <p:cNvPr id="42" name="Oval 41">
-            <a:extLst>
-              <a:ext uri="{FF2B5EF4-FFF2-40B4-BE49-F238E27FC236}">
-                <a16:creationId xmlns:a16="http://schemas.microsoft.com/office/drawing/2014/main" id="{3C2A3673-24A2-0146-B975-41E2AAA4B11E}"/>
-              </a:ext>
-            </a:extLst>
-          </p:cNvPr>
-          <p:cNvSpPr/>
-          <p:nvPr/>
-        </p:nvSpPr>
-        <p:spPr>
-          <a:xfrm>
-            <a:off x="2491873" y="2995485"/>
-            <a:ext cx="790021" cy="508000"/>
-          </a:xfrm>
-          <a:prstGeom prst="ellipse">
-            <a:avLst/>
-          </a:prstGeom>
-          <a:solidFill>
-            <a:srgbClr val="C00000"/>
-          </a:solidFill>
-          <a:ln>
-            <a:noFill/>
           </a:ln>
         </p:spPr>
         <p:style>
@@ -4510,21 +4682,25 @@
           <a:lstStyle/>
           <a:p>
             <a:pPr algn="ctr"/>
-            <a:r>
-              <a:rPr lang="pt-PT" sz="1200" dirty="0">
-                <a:latin typeface="NewsGotT" pitchFamily="2" charset="0"/>
-              </a:rPr>
-              <a:t>Folha</a:t>
-            </a:r>
-          </a:p>
-        </p:txBody>
-      </p:sp>
-      <p:sp>
-        <p:nvSpPr>
-          <p:cNvPr id="67" name="Oval 66">
-            <a:extLst>
-              <a:ext uri="{FF2B5EF4-FFF2-40B4-BE49-F238E27FC236}">
-                <a16:creationId xmlns:a16="http://schemas.microsoft.com/office/drawing/2014/main" id="{6D8D15E2-7965-7A4C-B8B7-AD36FEA16D6B}"/>
+            <a:endParaRPr lang="en-US">
+              <a:ln>
+                <a:solidFill>
+                  <a:sysClr val="windowText" lastClr="000000"/>
+                </a:solidFill>
+              </a:ln>
+              <a:solidFill>
+                <a:schemeClr val="tx1"/>
+              </a:solidFill>
+            </a:endParaRPr>
+          </a:p>
+        </p:txBody>
+      </p:sp>
+      <p:sp>
+        <p:nvSpPr>
+          <p:cNvPr id="23" name="Doughnut 22">
+            <a:extLst>
+              <a:ext uri="{FF2B5EF4-FFF2-40B4-BE49-F238E27FC236}">
+                <a16:creationId xmlns:a16="http://schemas.microsoft.com/office/drawing/2014/main" id="{559564E6-6CE3-6FC6-0A5B-40AD15FDE477}"/>
               </a:ext>
             </a:extLst>
           </p:cNvPr>
@@ -4533,12 +4709,20 @@
         </p:nvSpPr>
         <p:spPr>
           <a:xfrm>
-            <a:off x="7049018" y="1536431"/>
-            <a:ext cx="1572704" cy="734795"/>
-          </a:xfrm>
-          <a:prstGeom prst="ellipse">
-            <a:avLst/>
-          </a:prstGeom>
+            <a:off x="6096000" y="4781548"/>
+            <a:ext cx="741600" cy="738187"/>
+          </a:xfrm>
+          <a:prstGeom prst="donut">
+            <a:avLst/>
+          </a:prstGeom>
+          <a:solidFill>
+            <a:schemeClr val="tx1"/>
+          </a:solidFill>
+          <a:ln>
+            <a:solidFill>
+              <a:schemeClr val="tx1"/>
+            </a:solidFill>
+          </a:ln>
         </p:spPr>
         <p:style>
           <a:lnRef idx="2">
@@ -4561,148 +4745,40 @@
           <a:lstStyle/>
           <a:p>
             <a:pPr algn="ctr"/>
-            <a:r>
-              <a:rPr lang="pt-PT" dirty="0">
-                <a:latin typeface="NewsGotT" pitchFamily="2" charset="0"/>
-              </a:rPr>
-              <a:t>Nó de decisão</a:t>
-            </a:r>
-          </a:p>
-        </p:txBody>
-      </p:sp>
-      <p:sp>
-        <p:nvSpPr>
-          <p:cNvPr id="78" name="Oval 77">
-            <a:extLst>
-              <a:ext uri="{FF2B5EF4-FFF2-40B4-BE49-F238E27FC236}">
-                <a16:creationId xmlns:a16="http://schemas.microsoft.com/office/drawing/2014/main" id="{96883E98-2379-B04A-AB41-044035FE83EA}"/>
-              </a:ext>
-            </a:extLst>
-          </p:cNvPr>
-          <p:cNvSpPr/>
-          <p:nvPr/>
-        </p:nvSpPr>
-        <p:spPr>
-          <a:xfrm>
-            <a:off x="4068246" y="2842582"/>
-            <a:ext cx="1572704" cy="734795"/>
-          </a:xfrm>
-          <a:prstGeom prst="ellipse">
-            <a:avLst/>
-          </a:prstGeom>
-        </p:spPr>
-        <p:style>
-          <a:lnRef idx="2">
-            <a:schemeClr val="accent1">
-              <a:shade val="50000"/>
-            </a:schemeClr>
-          </a:lnRef>
-          <a:fillRef idx="1">
-            <a:schemeClr val="accent1"/>
-          </a:fillRef>
-          <a:effectRef idx="0">
-            <a:schemeClr val="accent1"/>
-          </a:effectRef>
-          <a:fontRef idx="minor">
-            <a:schemeClr val="lt1"/>
-          </a:fontRef>
-        </p:style>
-        <p:txBody>
-          <a:bodyPr rtlCol="0" anchor="ctr"/>
-          <a:lstStyle/>
-          <a:p>
-            <a:pPr algn="ctr"/>
-            <a:r>
-              <a:rPr lang="pt-PT" dirty="0">
-                <a:latin typeface="NewsGotT" pitchFamily="2" charset="0"/>
-              </a:rPr>
-              <a:t>Nó de decisão</a:t>
-            </a:r>
-          </a:p>
-        </p:txBody>
-      </p:sp>
-      <p:sp>
-        <p:nvSpPr>
-          <p:cNvPr id="93" name="Oval 92">
-            <a:extLst>
-              <a:ext uri="{FF2B5EF4-FFF2-40B4-BE49-F238E27FC236}">
-                <a16:creationId xmlns:a16="http://schemas.microsoft.com/office/drawing/2014/main" id="{E3A24511-C095-9F47-BBC2-515FF4D812C9}"/>
-              </a:ext>
-            </a:extLst>
-          </p:cNvPr>
-          <p:cNvSpPr/>
-          <p:nvPr/>
-        </p:nvSpPr>
-        <p:spPr>
-          <a:xfrm>
-            <a:off x="6680159" y="2995485"/>
-            <a:ext cx="790021" cy="508000"/>
-          </a:xfrm>
-          <a:prstGeom prst="ellipse">
-            <a:avLst/>
-          </a:prstGeom>
-          <a:solidFill>
-            <a:srgbClr val="C00000"/>
-          </a:solidFill>
-          <a:ln>
-            <a:noFill/>
-          </a:ln>
-        </p:spPr>
-        <p:style>
-          <a:lnRef idx="2">
-            <a:schemeClr val="accent1">
-              <a:shade val="50000"/>
-            </a:schemeClr>
-          </a:lnRef>
-          <a:fillRef idx="1">
-            <a:schemeClr val="accent1"/>
-          </a:fillRef>
-          <a:effectRef idx="0">
-            <a:schemeClr val="accent1"/>
-          </a:effectRef>
-          <a:fontRef idx="minor">
-            <a:schemeClr val="lt1"/>
-          </a:fontRef>
-        </p:style>
-        <p:txBody>
-          <a:bodyPr rtlCol="0" anchor="ctr"/>
-          <a:lstStyle/>
-          <a:p>
-            <a:pPr algn="ctr"/>
-            <a:r>
-              <a:rPr lang="pt-PT" sz="1200" dirty="0">
-                <a:latin typeface="NewsGotT" pitchFamily="2" charset="0"/>
-              </a:rPr>
-              <a:t>Folha</a:t>
-            </a:r>
+            <a:endParaRPr lang="en-US">
+              <a:ln>
+                <a:solidFill>
+                  <a:sysClr val="windowText" lastClr="000000"/>
+                </a:solidFill>
+              </a:ln>
+              <a:solidFill>
+                <a:schemeClr val="tx1"/>
+              </a:solidFill>
+            </a:endParaRPr>
           </a:p>
         </p:txBody>
       </p:sp>
       <p:cxnSp>
         <p:nvCxnSpPr>
-          <p:cNvPr id="96" name="Straight Connector 95">
-            <a:extLst>
-              <a:ext uri="{FF2B5EF4-FFF2-40B4-BE49-F238E27FC236}">
-                <a16:creationId xmlns:a16="http://schemas.microsoft.com/office/drawing/2014/main" id="{99D242E2-7A15-134F-93DB-1D79600BED78}"/>
-              </a:ext>
-            </a:extLst>
-          </p:cNvPr>
-          <p:cNvCxnSpPr>
-            <a:cxnSpLocks/>
-            <a:stCxn id="103" idx="4"/>
-            <a:endCxn id="109" idx="0"/>
-          </p:cNvCxnSpPr>
+          <p:cNvPr id="24" name="Straight Connector 23">
+            <a:extLst>
+              <a:ext uri="{FF2B5EF4-FFF2-40B4-BE49-F238E27FC236}">
+                <a16:creationId xmlns:a16="http://schemas.microsoft.com/office/drawing/2014/main" id="{996F954E-4DAB-83CC-49B6-A2A7C36446BA}"/>
+              </a:ext>
+            </a:extLst>
+          </p:cNvPr>
+          <p:cNvCxnSpPr/>
           <p:nvPr/>
         </p:nvCxnSpPr>
         <p:spPr>
-          <a:xfrm flipH="1">
-            <a:off x="8059065" y="3675601"/>
-            <a:ext cx="562657" cy="662743"/>
+          <a:xfrm>
+            <a:off x="6925350" y="5150641"/>
+            <a:ext cx="1692000" cy="0"/>
           </a:xfrm>
           <a:prstGeom prst="line">
             <a:avLst/>
           </a:prstGeom>
-          <a:ln w="28575">
+          <a:ln w="266700">
             <a:solidFill>
               <a:schemeClr val="tx1"/>
             </a:solidFill>
@@ -4723,31 +4799,63 @@
           </a:fontRef>
         </p:style>
       </p:cxnSp>
+      <p:pic>
+        <p:nvPicPr>
+          <p:cNvPr id="25" name="Graphic 24" descr="Badge Tick1 with solid fill">
+            <a:extLst>
+              <a:ext uri="{FF2B5EF4-FFF2-40B4-BE49-F238E27FC236}">
+                <a16:creationId xmlns:a16="http://schemas.microsoft.com/office/drawing/2014/main" id="{6FE2E91F-C166-D713-8FFF-B5B9DACE3347}"/>
+              </a:ext>
+            </a:extLst>
+          </p:cNvPr>
+          <p:cNvPicPr>
+            <a:picLocks noChangeAspect="1"/>
+          </p:cNvPicPr>
+          <p:nvPr/>
+        </p:nvPicPr>
+        <p:blipFill>
+          <a:blip r:embed="rId2">
+            <a:extLst>
+              <a:ext uri="{96DAC541-7B7A-43D3-8B79-37D633B846F1}">
+                <asvg:svgBlip xmlns:asvg="http://schemas.microsoft.com/office/drawing/2016/SVG/main" r:embed="rId3"/>
+              </a:ext>
+            </a:extLst>
+          </a:blip>
+          <a:stretch>
+            <a:fillRect/>
+          </a:stretch>
+        </p:blipFill>
+        <p:spPr>
+          <a:xfrm>
+            <a:off x="762000" y="4707728"/>
+            <a:ext cx="914400" cy="914400"/>
+          </a:xfrm>
+          <a:prstGeom prst="rect">
+            <a:avLst/>
+          </a:prstGeom>
+        </p:spPr>
+      </p:pic>
       <p:cxnSp>
         <p:nvCxnSpPr>
-          <p:cNvPr id="97" name="Straight Connector 96">
-            <a:extLst>
-              <a:ext uri="{FF2B5EF4-FFF2-40B4-BE49-F238E27FC236}">
-                <a16:creationId xmlns:a16="http://schemas.microsoft.com/office/drawing/2014/main" id="{01677B96-31AE-814C-978E-FE8905A36F62}"/>
-              </a:ext>
-            </a:extLst>
-          </p:cNvPr>
-          <p:cNvCxnSpPr>
-            <a:cxnSpLocks/>
-            <a:stCxn id="78" idx="4"/>
-            <a:endCxn id="117" idx="0"/>
-          </p:cNvCxnSpPr>
+          <p:cNvPr id="28" name="Straight Connector 27">
+            <a:extLst>
+              <a:ext uri="{FF2B5EF4-FFF2-40B4-BE49-F238E27FC236}">
+                <a16:creationId xmlns:a16="http://schemas.microsoft.com/office/drawing/2014/main" id="{CE0F2E42-FD07-0998-1702-ADA83C6FB4F4}"/>
+              </a:ext>
+            </a:extLst>
+          </p:cNvPr>
+          <p:cNvCxnSpPr/>
           <p:nvPr/>
         </p:nvCxnSpPr>
         <p:spPr>
           <a:xfrm>
-            <a:off x="4854598" y="3577377"/>
-            <a:ext cx="644198" cy="643113"/>
+            <a:off x="1676400" y="5150641"/>
+            <a:ext cx="1692000" cy="0"/>
           </a:xfrm>
           <a:prstGeom prst="line">
             <a:avLst/>
           </a:prstGeom>
-          <a:ln w="28575">
+          <a:ln w="266700">
             <a:solidFill>
               <a:schemeClr val="tx1"/>
             </a:solidFill>
@@ -4768,577 +4876,10 @@
           </a:fontRef>
         </p:style>
       </p:cxnSp>
-      <p:cxnSp>
-        <p:nvCxnSpPr>
-          <p:cNvPr id="98" name="Straight Connector 97">
-            <a:extLst>
-              <a:ext uri="{FF2B5EF4-FFF2-40B4-BE49-F238E27FC236}">
-                <a16:creationId xmlns:a16="http://schemas.microsoft.com/office/drawing/2014/main" id="{F0BD1CE1-B79C-FE42-9993-FEEE6A046A5C}"/>
-              </a:ext>
-            </a:extLst>
-          </p:cNvPr>
-          <p:cNvCxnSpPr>
-            <a:cxnSpLocks/>
-            <a:stCxn id="78" idx="4"/>
-            <a:endCxn id="110" idx="0"/>
-          </p:cNvCxnSpPr>
-          <p:nvPr/>
-        </p:nvCxnSpPr>
-        <p:spPr>
-          <a:xfrm flipH="1">
-            <a:off x="3964602" y="3577377"/>
-            <a:ext cx="889996" cy="756510"/>
-          </a:xfrm>
-          <a:prstGeom prst="line">
-            <a:avLst/>
-          </a:prstGeom>
-          <a:ln w="28575">
-            <a:solidFill>
-              <a:schemeClr val="tx1"/>
-            </a:solidFill>
-          </a:ln>
-        </p:spPr>
-        <p:style>
-          <a:lnRef idx="1">
-            <a:schemeClr val="accent1"/>
-          </a:lnRef>
-          <a:fillRef idx="0">
-            <a:schemeClr val="accent1"/>
-          </a:fillRef>
-          <a:effectRef idx="0">
-            <a:schemeClr val="accent1"/>
-          </a:effectRef>
-          <a:fontRef idx="minor">
-            <a:schemeClr val="tx1"/>
-          </a:fontRef>
-        </p:style>
-      </p:cxnSp>
-      <p:cxnSp>
-        <p:nvCxnSpPr>
-          <p:cNvPr id="102" name="Straight Connector 101">
-            <a:extLst>
-              <a:ext uri="{FF2B5EF4-FFF2-40B4-BE49-F238E27FC236}">
-                <a16:creationId xmlns:a16="http://schemas.microsoft.com/office/drawing/2014/main" id="{CBD2667A-3198-D140-99CE-A3DE2ED0B764}"/>
-              </a:ext>
-            </a:extLst>
-          </p:cNvPr>
-          <p:cNvCxnSpPr>
-            <a:cxnSpLocks/>
-            <a:stCxn id="117" idx="4"/>
-            <a:endCxn id="125" idx="0"/>
-          </p:cNvCxnSpPr>
-          <p:nvPr/>
-        </p:nvCxnSpPr>
-        <p:spPr>
-          <a:xfrm flipH="1">
-            <a:off x="4981382" y="4955285"/>
-            <a:ext cx="517414" cy="791383"/>
-          </a:xfrm>
-          <a:prstGeom prst="line">
-            <a:avLst/>
-          </a:prstGeom>
-          <a:ln w="28575">
-            <a:solidFill>
-              <a:schemeClr val="tx1"/>
-            </a:solidFill>
-          </a:ln>
-        </p:spPr>
-        <p:style>
-          <a:lnRef idx="1">
-            <a:schemeClr val="accent1"/>
-          </a:lnRef>
-          <a:fillRef idx="0">
-            <a:schemeClr val="accent1"/>
-          </a:fillRef>
-          <a:effectRef idx="0">
-            <a:schemeClr val="accent1"/>
-          </a:effectRef>
-          <a:fontRef idx="minor">
-            <a:schemeClr val="tx1"/>
-          </a:fontRef>
-        </p:style>
-      </p:cxnSp>
-      <p:sp>
-        <p:nvSpPr>
-          <p:cNvPr id="103" name="Oval 102">
-            <a:extLst>
-              <a:ext uri="{FF2B5EF4-FFF2-40B4-BE49-F238E27FC236}">
-                <a16:creationId xmlns:a16="http://schemas.microsoft.com/office/drawing/2014/main" id="{3E690B1F-208C-DF46-A41C-023428AB811C}"/>
-              </a:ext>
-            </a:extLst>
-          </p:cNvPr>
-          <p:cNvSpPr/>
-          <p:nvPr/>
-        </p:nvSpPr>
-        <p:spPr>
-          <a:xfrm>
-            <a:off x="7835370" y="2940806"/>
-            <a:ext cx="1572704" cy="734795"/>
-          </a:xfrm>
-          <a:prstGeom prst="ellipse">
-            <a:avLst/>
-          </a:prstGeom>
-        </p:spPr>
-        <p:style>
-          <a:lnRef idx="2">
-            <a:schemeClr val="accent1">
-              <a:shade val="50000"/>
-            </a:schemeClr>
-          </a:lnRef>
-          <a:fillRef idx="1">
-            <a:schemeClr val="accent1"/>
-          </a:fillRef>
-          <a:effectRef idx="0">
-            <a:schemeClr val="accent1"/>
-          </a:effectRef>
-          <a:fontRef idx="minor">
-            <a:schemeClr val="lt1"/>
-          </a:fontRef>
-        </p:style>
-        <p:txBody>
-          <a:bodyPr rtlCol="0" anchor="ctr"/>
-          <a:lstStyle/>
-          <a:p>
-            <a:pPr algn="ctr"/>
-            <a:r>
-              <a:rPr lang="pt-PT" dirty="0">
-                <a:latin typeface="NewsGotT" pitchFamily="2" charset="0"/>
-              </a:rPr>
-              <a:t>Nó de decisão</a:t>
-            </a:r>
-          </a:p>
-        </p:txBody>
-      </p:sp>
-      <p:cxnSp>
-        <p:nvCxnSpPr>
-          <p:cNvPr id="106" name="Straight Connector 105">
-            <a:extLst>
-              <a:ext uri="{FF2B5EF4-FFF2-40B4-BE49-F238E27FC236}">
-                <a16:creationId xmlns:a16="http://schemas.microsoft.com/office/drawing/2014/main" id="{0BE1B716-C809-6F4C-B5CD-8E199A90D798}"/>
-              </a:ext>
-            </a:extLst>
-          </p:cNvPr>
-          <p:cNvCxnSpPr>
-            <a:cxnSpLocks/>
-            <a:stCxn id="103" idx="4"/>
-            <a:endCxn id="114" idx="0"/>
-          </p:cNvCxnSpPr>
-          <p:nvPr/>
-        </p:nvCxnSpPr>
-        <p:spPr>
-          <a:xfrm>
-            <a:off x="8621722" y="3675601"/>
-            <a:ext cx="530596" cy="669580"/>
-          </a:xfrm>
-          <a:prstGeom prst="line">
-            <a:avLst/>
-          </a:prstGeom>
-          <a:ln w="28575">
-            <a:solidFill>
-              <a:schemeClr val="tx1"/>
-            </a:solidFill>
-          </a:ln>
-        </p:spPr>
-        <p:style>
-          <a:lnRef idx="1">
-            <a:schemeClr val="accent1"/>
-          </a:lnRef>
-          <a:fillRef idx="0">
-            <a:schemeClr val="accent1"/>
-          </a:fillRef>
-          <a:effectRef idx="0">
-            <a:schemeClr val="accent1"/>
-          </a:effectRef>
-          <a:fontRef idx="minor">
-            <a:schemeClr val="tx1"/>
-          </a:fontRef>
-        </p:style>
-      </p:cxnSp>
-      <p:sp>
-        <p:nvSpPr>
-          <p:cNvPr id="109" name="Oval 108">
-            <a:extLst>
-              <a:ext uri="{FF2B5EF4-FFF2-40B4-BE49-F238E27FC236}">
-                <a16:creationId xmlns:a16="http://schemas.microsoft.com/office/drawing/2014/main" id="{B38A8CD3-EC4D-A147-AD37-013E6BAE74EC}"/>
-              </a:ext>
-            </a:extLst>
-          </p:cNvPr>
-          <p:cNvSpPr/>
-          <p:nvPr/>
-        </p:nvSpPr>
-        <p:spPr>
-          <a:xfrm>
-            <a:off x="7664054" y="4338344"/>
-            <a:ext cx="790021" cy="508000"/>
-          </a:xfrm>
-          <a:prstGeom prst="ellipse">
-            <a:avLst/>
-          </a:prstGeom>
-          <a:solidFill>
-            <a:srgbClr val="C00000"/>
-          </a:solidFill>
-          <a:ln>
-            <a:noFill/>
-          </a:ln>
-        </p:spPr>
-        <p:style>
-          <a:lnRef idx="2">
-            <a:schemeClr val="accent1">
-              <a:shade val="50000"/>
-            </a:schemeClr>
-          </a:lnRef>
-          <a:fillRef idx="1">
-            <a:schemeClr val="accent1"/>
-          </a:fillRef>
-          <a:effectRef idx="0">
-            <a:schemeClr val="accent1"/>
-          </a:effectRef>
-          <a:fontRef idx="minor">
-            <a:schemeClr val="lt1"/>
-          </a:fontRef>
-        </p:style>
-        <p:txBody>
-          <a:bodyPr rtlCol="0" anchor="ctr"/>
-          <a:lstStyle/>
-          <a:p>
-            <a:pPr algn="ctr"/>
-            <a:r>
-              <a:rPr lang="pt-PT" sz="1200" dirty="0">
-                <a:latin typeface="NewsGotT" pitchFamily="2" charset="0"/>
-              </a:rPr>
-              <a:t>Folha</a:t>
-            </a:r>
-          </a:p>
-        </p:txBody>
-      </p:sp>
-      <p:sp>
-        <p:nvSpPr>
-          <p:cNvPr id="110" name="Oval 109">
-            <a:extLst>
-              <a:ext uri="{FF2B5EF4-FFF2-40B4-BE49-F238E27FC236}">
-                <a16:creationId xmlns:a16="http://schemas.microsoft.com/office/drawing/2014/main" id="{4980181D-F1B2-8245-A6BE-DB64185DB6E9}"/>
-              </a:ext>
-            </a:extLst>
-          </p:cNvPr>
-          <p:cNvSpPr/>
-          <p:nvPr/>
-        </p:nvSpPr>
-        <p:spPr>
-          <a:xfrm>
-            <a:off x="3569591" y="4333887"/>
-            <a:ext cx="790021" cy="508000"/>
-          </a:xfrm>
-          <a:prstGeom prst="ellipse">
-            <a:avLst/>
-          </a:prstGeom>
-          <a:solidFill>
-            <a:srgbClr val="C00000"/>
-          </a:solidFill>
-          <a:ln>
-            <a:noFill/>
-          </a:ln>
-        </p:spPr>
-        <p:style>
-          <a:lnRef idx="2">
-            <a:schemeClr val="accent1">
-              <a:shade val="50000"/>
-            </a:schemeClr>
-          </a:lnRef>
-          <a:fillRef idx="1">
-            <a:schemeClr val="accent1"/>
-          </a:fillRef>
-          <a:effectRef idx="0">
-            <a:schemeClr val="accent1"/>
-          </a:effectRef>
-          <a:fontRef idx="minor">
-            <a:schemeClr val="lt1"/>
-          </a:fontRef>
-        </p:style>
-        <p:txBody>
-          <a:bodyPr rtlCol="0" anchor="ctr"/>
-          <a:lstStyle/>
-          <a:p>
-            <a:pPr algn="ctr"/>
-            <a:r>
-              <a:rPr lang="pt-PT" sz="1200" dirty="0">
-                <a:latin typeface="NewsGotT" pitchFamily="2" charset="0"/>
-              </a:rPr>
-              <a:t>Folha</a:t>
-            </a:r>
-          </a:p>
-        </p:txBody>
-      </p:sp>
-      <p:sp>
-        <p:nvSpPr>
-          <p:cNvPr id="114" name="Oval 113">
-            <a:extLst>
-              <a:ext uri="{FF2B5EF4-FFF2-40B4-BE49-F238E27FC236}">
-                <a16:creationId xmlns:a16="http://schemas.microsoft.com/office/drawing/2014/main" id="{B7E378B4-A11B-E44E-8F22-9252022A86D4}"/>
-              </a:ext>
-            </a:extLst>
-          </p:cNvPr>
-          <p:cNvSpPr/>
-          <p:nvPr/>
-        </p:nvSpPr>
-        <p:spPr>
-          <a:xfrm>
-            <a:off x="8757307" y="4345181"/>
-            <a:ext cx="790021" cy="508000"/>
-          </a:xfrm>
-          <a:prstGeom prst="ellipse">
-            <a:avLst/>
-          </a:prstGeom>
-          <a:solidFill>
-            <a:srgbClr val="C00000"/>
-          </a:solidFill>
-          <a:ln>
-            <a:noFill/>
-          </a:ln>
-        </p:spPr>
-        <p:style>
-          <a:lnRef idx="2">
-            <a:schemeClr val="accent1">
-              <a:shade val="50000"/>
-            </a:schemeClr>
-          </a:lnRef>
-          <a:fillRef idx="1">
-            <a:schemeClr val="accent1"/>
-          </a:fillRef>
-          <a:effectRef idx="0">
-            <a:schemeClr val="accent1"/>
-          </a:effectRef>
-          <a:fontRef idx="minor">
-            <a:schemeClr val="lt1"/>
-          </a:fontRef>
-        </p:style>
-        <p:txBody>
-          <a:bodyPr rtlCol="0" anchor="ctr"/>
-          <a:lstStyle/>
-          <a:p>
-            <a:pPr algn="ctr"/>
-            <a:r>
-              <a:rPr lang="pt-PT" sz="1200" dirty="0">
-                <a:latin typeface="NewsGotT" pitchFamily="2" charset="0"/>
-              </a:rPr>
-              <a:t>Folha</a:t>
-            </a:r>
-          </a:p>
-        </p:txBody>
-      </p:sp>
-      <p:sp>
-        <p:nvSpPr>
-          <p:cNvPr id="117" name="Oval 116">
-            <a:extLst>
-              <a:ext uri="{FF2B5EF4-FFF2-40B4-BE49-F238E27FC236}">
-                <a16:creationId xmlns:a16="http://schemas.microsoft.com/office/drawing/2014/main" id="{69A0A83A-CCDD-AD4E-A87F-AE8C11FC8E97}"/>
-              </a:ext>
-            </a:extLst>
-          </p:cNvPr>
-          <p:cNvSpPr/>
-          <p:nvPr/>
-        </p:nvSpPr>
-        <p:spPr>
-          <a:xfrm>
-            <a:off x="4712444" y="4220490"/>
-            <a:ext cx="1572704" cy="734795"/>
-          </a:xfrm>
-          <a:prstGeom prst="ellipse">
-            <a:avLst/>
-          </a:prstGeom>
-        </p:spPr>
-        <p:style>
-          <a:lnRef idx="2">
-            <a:schemeClr val="accent1">
-              <a:shade val="50000"/>
-            </a:schemeClr>
-          </a:lnRef>
-          <a:fillRef idx="1">
-            <a:schemeClr val="accent1"/>
-          </a:fillRef>
-          <a:effectRef idx="0">
-            <a:schemeClr val="accent1"/>
-          </a:effectRef>
-          <a:fontRef idx="minor">
-            <a:schemeClr val="lt1"/>
-          </a:fontRef>
-        </p:style>
-        <p:txBody>
-          <a:bodyPr rtlCol="0" anchor="ctr"/>
-          <a:lstStyle/>
-          <a:p>
-            <a:pPr algn="ctr"/>
-            <a:r>
-              <a:rPr lang="pt-PT" dirty="0">
-                <a:latin typeface="NewsGotT" pitchFamily="2" charset="0"/>
-              </a:rPr>
-              <a:t>Nó de decisão</a:t>
-            </a:r>
-          </a:p>
-        </p:txBody>
-      </p:sp>
-      <p:cxnSp>
-        <p:nvCxnSpPr>
-          <p:cNvPr id="121" name="Straight Connector 120">
-            <a:extLst>
-              <a:ext uri="{FF2B5EF4-FFF2-40B4-BE49-F238E27FC236}">
-                <a16:creationId xmlns:a16="http://schemas.microsoft.com/office/drawing/2014/main" id="{509F42B6-7464-C94C-94F5-3DCDA756399E}"/>
-              </a:ext>
-            </a:extLst>
-          </p:cNvPr>
-          <p:cNvCxnSpPr>
-            <a:cxnSpLocks/>
-            <a:stCxn id="117" idx="4"/>
-            <a:endCxn id="124" idx="0"/>
-          </p:cNvCxnSpPr>
-          <p:nvPr/>
-        </p:nvCxnSpPr>
-        <p:spPr>
-          <a:xfrm>
-            <a:off x="5498796" y="4955285"/>
-            <a:ext cx="639818" cy="791383"/>
-          </a:xfrm>
-          <a:prstGeom prst="line">
-            <a:avLst/>
-          </a:prstGeom>
-          <a:ln w="28575">
-            <a:solidFill>
-              <a:schemeClr val="tx1"/>
-            </a:solidFill>
-          </a:ln>
-        </p:spPr>
-        <p:style>
-          <a:lnRef idx="1">
-            <a:schemeClr val="accent1"/>
-          </a:lnRef>
-          <a:fillRef idx="0">
-            <a:schemeClr val="accent1"/>
-          </a:fillRef>
-          <a:effectRef idx="0">
-            <a:schemeClr val="accent1"/>
-          </a:effectRef>
-          <a:fontRef idx="minor">
-            <a:schemeClr val="tx1"/>
-          </a:fontRef>
-        </p:style>
-      </p:cxnSp>
-      <p:sp>
-        <p:nvSpPr>
-          <p:cNvPr id="124" name="Oval 123">
-            <a:extLst>
-              <a:ext uri="{FF2B5EF4-FFF2-40B4-BE49-F238E27FC236}">
-                <a16:creationId xmlns:a16="http://schemas.microsoft.com/office/drawing/2014/main" id="{04416EA2-FEAC-674E-9344-BB4D5A3BA902}"/>
-              </a:ext>
-            </a:extLst>
-          </p:cNvPr>
-          <p:cNvSpPr/>
-          <p:nvPr/>
-        </p:nvSpPr>
-        <p:spPr>
-          <a:xfrm>
-            <a:off x="5743603" y="5746668"/>
-            <a:ext cx="790021" cy="508000"/>
-          </a:xfrm>
-          <a:prstGeom prst="ellipse">
-            <a:avLst/>
-          </a:prstGeom>
-          <a:solidFill>
-            <a:srgbClr val="C00000"/>
-          </a:solidFill>
-          <a:ln>
-            <a:noFill/>
-          </a:ln>
-        </p:spPr>
-        <p:style>
-          <a:lnRef idx="2">
-            <a:schemeClr val="accent1">
-              <a:shade val="50000"/>
-            </a:schemeClr>
-          </a:lnRef>
-          <a:fillRef idx="1">
-            <a:schemeClr val="accent1"/>
-          </a:fillRef>
-          <a:effectRef idx="0">
-            <a:schemeClr val="accent1"/>
-          </a:effectRef>
-          <a:fontRef idx="minor">
-            <a:schemeClr val="lt1"/>
-          </a:fontRef>
-        </p:style>
-        <p:txBody>
-          <a:bodyPr rtlCol="0" anchor="ctr"/>
-          <a:lstStyle/>
-          <a:p>
-            <a:pPr algn="ctr"/>
-            <a:r>
-              <a:rPr lang="pt-PT" sz="1200" dirty="0">
-                <a:latin typeface="NewsGotT" pitchFamily="2" charset="0"/>
-              </a:rPr>
-              <a:t>Folha</a:t>
-            </a:r>
-          </a:p>
-        </p:txBody>
-      </p:sp>
-      <p:sp>
-        <p:nvSpPr>
-          <p:cNvPr id="125" name="Oval 124">
-            <a:extLst>
-              <a:ext uri="{FF2B5EF4-FFF2-40B4-BE49-F238E27FC236}">
-                <a16:creationId xmlns:a16="http://schemas.microsoft.com/office/drawing/2014/main" id="{514308B5-CF7A-804A-9F56-49278D4903D6}"/>
-              </a:ext>
-            </a:extLst>
-          </p:cNvPr>
-          <p:cNvSpPr/>
-          <p:nvPr/>
-        </p:nvSpPr>
-        <p:spPr>
-          <a:xfrm>
-            <a:off x="4586371" y="5746668"/>
-            <a:ext cx="790021" cy="508000"/>
-          </a:xfrm>
-          <a:prstGeom prst="ellipse">
-            <a:avLst/>
-          </a:prstGeom>
-          <a:solidFill>
-            <a:srgbClr val="C00000"/>
-          </a:solidFill>
-          <a:ln>
-            <a:noFill/>
-          </a:ln>
-        </p:spPr>
-        <p:style>
-          <a:lnRef idx="2">
-            <a:schemeClr val="accent1">
-              <a:shade val="50000"/>
-            </a:schemeClr>
-          </a:lnRef>
-          <a:fillRef idx="1">
-            <a:schemeClr val="accent1"/>
-          </a:fillRef>
-          <a:effectRef idx="0">
-            <a:schemeClr val="accent1"/>
-          </a:effectRef>
-          <a:fontRef idx="minor">
-            <a:schemeClr val="lt1"/>
-          </a:fontRef>
-        </p:style>
-        <p:txBody>
-          <a:bodyPr rtlCol="0" anchor="ctr"/>
-          <a:lstStyle/>
-          <a:p>
-            <a:pPr algn="ctr"/>
-            <a:r>
-              <a:rPr lang="pt-PT" sz="1200" dirty="0">
-                <a:latin typeface="NewsGotT" pitchFamily="2" charset="0"/>
-              </a:rPr>
-              <a:t>Folha</a:t>
-            </a:r>
-          </a:p>
-        </p:txBody>
-      </p:sp>
     </p:spTree>
     <p:extLst>
       <p:ext uri="{BB962C8B-B14F-4D97-AF65-F5344CB8AC3E}">
-        <p14:creationId xmlns:p14="http://schemas.microsoft.com/office/powerpoint/2010/main" val="1072421173"/>
+        <p14:creationId xmlns:p14="http://schemas.microsoft.com/office/powerpoint/2010/main" val="649044236"/>
       </p:ext>
     </p:extLst>
   </p:cSld>
@@ -5365,60 +4906,333 @@
           <a:chExt cx="0" cy="0"/>
         </a:xfrm>
       </p:grpSpPr>
-      <p:sp>
-        <p:nvSpPr>
-          <p:cNvPr id="2" name="Title 1">
-            <a:extLst>
-              <a:ext uri="{FF2B5EF4-FFF2-40B4-BE49-F238E27FC236}">
-                <a16:creationId xmlns:a16="http://schemas.microsoft.com/office/drawing/2014/main" id="{870027A7-E320-2C4A-AA98-A794C9C83307}"/>
-              </a:ext>
-            </a:extLst>
-          </p:cNvPr>
-          <p:cNvSpPr>
-            <a:spLocks noGrp="1"/>
-          </p:cNvSpPr>
-          <p:nvPr>
-            <p:ph type="title"/>
-          </p:nvPr>
-        </p:nvSpPr>
-        <p:spPr/>
-        <p:txBody>
-          <a:bodyPr/>
-          <a:lstStyle/>
-          <a:p>
-            <a:endParaRPr lang="pt-PT"/>
-          </a:p>
-        </p:txBody>
-      </p:sp>
-      <p:sp>
-        <p:nvSpPr>
-          <p:cNvPr id="3" name="Content Placeholder 2">
-            <a:extLst>
-              <a:ext uri="{FF2B5EF4-FFF2-40B4-BE49-F238E27FC236}">
-                <a16:creationId xmlns:a16="http://schemas.microsoft.com/office/drawing/2014/main" id="{C2F1AE2E-84BE-7549-B882-BD01CA58E48B}"/>
-              </a:ext>
-            </a:extLst>
-          </p:cNvPr>
-          <p:cNvSpPr>
-            <a:spLocks noGrp="1"/>
-          </p:cNvSpPr>
+      <p:pic>
+        <p:nvPicPr>
+          <p:cNvPr id="5" name="Content Placeholder 4" descr="High voltage with solid fill">
+            <a:extLst>
+              <a:ext uri="{FF2B5EF4-FFF2-40B4-BE49-F238E27FC236}">
+                <a16:creationId xmlns:a16="http://schemas.microsoft.com/office/drawing/2014/main" id="{E83E3E9B-C993-3338-3746-DDBFA10F4EF5}"/>
+              </a:ext>
+            </a:extLst>
+          </p:cNvPr>
+          <p:cNvPicPr>
+            <a:picLocks noGrp="1" noChangeAspect="1"/>
+          </p:cNvPicPr>
           <p:nvPr>
             <p:ph idx="1"/>
           </p:nvPr>
-        </p:nvSpPr>
-        <p:spPr/>
-        <p:txBody>
-          <a:bodyPr/>
+        </p:nvPicPr>
+        <p:blipFill>
+          <a:blip r:embed="rId2">
+            <a:extLst>
+              <a:ext uri="{96DAC541-7B7A-43D3-8B79-37D633B846F1}">
+                <asvg:svgBlip xmlns:asvg="http://schemas.microsoft.com/office/drawing/2016/SVG/main" r:embed="rId3"/>
+              </a:ext>
+            </a:extLst>
+          </a:blip>
+          <a:stretch>
+            <a:fillRect/>
+          </a:stretch>
+        </p:blipFill>
+        <p:spPr>
+          <a:xfrm>
+            <a:off x="960120" y="1806734"/>
+            <a:ext cx="4495800" cy="4495800"/>
+          </a:xfrm>
+        </p:spPr>
+      </p:pic>
+      <p:sp>
+        <p:nvSpPr>
+          <p:cNvPr id="11" name="Rectangle 10">
+            <a:extLst>
+              <a:ext uri="{FF2B5EF4-FFF2-40B4-BE49-F238E27FC236}">
+                <a16:creationId xmlns:a16="http://schemas.microsoft.com/office/drawing/2014/main" id="{7AC370BF-58F7-3E1C-E31A-7CB1E2D53345}"/>
+              </a:ext>
+            </a:extLst>
+          </p:cNvPr>
+          <p:cNvSpPr/>
+          <p:nvPr/>
+        </p:nvSpPr>
+        <p:spPr>
+          <a:xfrm>
+            <a:off x="2737485" y="2971800"/>
+            <a:ext cx="941070" cy="2606040"/>
+          </a:xfrm>
+          <a:prstGeom prst="rect">
+            <a:avLst/>
+          </a:prstGeom>
+          <a:solidFill>
+            <a:schemeClr val="tx1"/>
+          </a:solidFill>
+          <a:ln>
+            <a:solidFill>
+              <a:schemeClr val="tx1"/>
+            </a:solidFill>
+          </a:ln>
+        </p:spPr>
+        <p:style>
+          <a:lnRef idx="2">
+            <a:schemeClr val="accent1">
+              <a:shade val="50000"/>
+            </a:schemeClr>
+          </a:lnRef>
+          <a:fillRef idx="1">
+            <a:schemeClr val="accent1"/>
+          </a:fillRef>
+          <a:effectRef idx="0">
+            <a:schemeClr val="accent1"/>
+          </a:effectRef>
+          <a:fontRef idx="minor">
+            <a:schemeClr val="lt1"/>
+          </a:fontRef>
+        </p:style>
+        <p:txBody>
+          <a:bodyPr rtlCol="0" anchor="ctr"/>
           <a:lstStyle/>
           <a:p>
-            <a:endParaRPr lang="pt-PT"/>
-          </a:p>
-        </p:txBody>
-      </p:sp>
+            <a:pPr algn="ctr"/>
+            <a:endParaRPr lang="en-US"/>
+          </a:p>
+        </p:txBody>
+      </p:sp>
+      <p:pic>
+        <p:nvPicPr>
+          <p:cNvPr id="9" name="Graphic 8" descr="Exclamation mark with solid fill">
+            <a:extLst>
+              <a:ext uri="{FF2B5EF4-FFF2-40B4-BE49-F238E27FC236}">
+                <a16:creationId xmlns:a16="http://schemas.microsoft.com/office/drawing/2014/main" id="{226A6ED4-FDFC-E3B6-1752-435E1B196CBC}"/>
+              </a:ext>
+            </a:extLst>
+          </p:cNvPr>
+          <p:cNvPicPr>
+            <a:picLocks noChangeAspect="1"/>
+          </p:cNvPicPr>
+          <p:nvPr/>
+        </p:nvPicPr>
+        <p:blipFill>
+          <a:blip r:embed="rId4">
+            <a:extLst>
+              <a:ext uri="{96DAC541-7B7A-43D3-8B79-37D633B846F1}">
+                <asvg:svgBlip xmlns:asvg="http://schemas.microsoft.com/office/drawing/2016/SVG/main" r:embed="rId5"/>
+              </a:ext>
+            </a:extLst>
+          </a:blip>
+          <a:stretch>
+            <a:fillRect/>
+          </a:stretch>
+        </p:blipFill>
+        <p:spPr>
+          <a:xfrm>
+            <a:off x="1882140" y="2979420"/>
+            <a:ext cx="2598420" cy="2598420"/>
+          </a:xfrm>
+          <a:prstGeom prst="rect">
+            <a:avLst/>
+          </a:prstGeom>
+        </p:spPr>
+      </p:pic>
+      <p:pic>
+        <p:nvPicPr>
+          <p:cNvPr id="13" name="Picture 12" descr="Icon&#10;&#10;Description automatically generated">
+            <a:extLst>
+              <a:ext uri="{FF2B5EF4-FFF2-40B4-BE49-F238E27FC236}">
+                <a16:creationId xmlns:a16="http://schemas.microsoft.com/office/drawing/2014/main" id="{B11ED923-3ABD-7DC7-9D52-0F4B147BEF47}"/>
+              </a:ext>
+            </a:extLst>
+          </p:cNvPr>
+          <p:cNvPicPr>
+            <a:picLocks noChangeAspect="1"/>
+          </p:cNvPicPr>
+          <p:nvPr/>
+        </p:nvPicPr>
+        <p:blipFill>
+          <a:blip r:embed="rId6"/>
+          <a:stretch>
+            <a:fillRect/>
+          </a:stretch>
+        </p:blipFill>
+        <p:spPr>
+          <a:xfrm>
+            <a:off x="3670935" y="274027"/>
+            <a:ext cx="2950218" cy="2697773"/>
+          </a:xfrm>
+          <a:prstGeom prst="ellipse">
+            <a:avLst/>
+          </a:prstGeom>
+          <a:ln w="63500" cap="rnd">
+            <a:solidFill>
+              <a:srgbClr val="333333"/>
+            </a:solidFill>
+          </a:ln>
+          <a:effectLst>
+            <a:outerShdw blurRad="381000" dist="292100" dir="5400000" sx="-80000" sy="-18000" rotWithShape="0">
+              <a:srgbClr val="000000">
+                <a:alpha val="22000"/>
+              </a:srgbClr>
+            </a:outerShdw>
+          </a:effectLst>
+          <a:scene3d>
+            <a:camera prst="orthographicFront"/>
+            <a:lightRig rig="contrasting" dir="t">
+              <a:rot lat="0" lon="0" rev="3000000"/>
+            </a:lightRig>
+          </a:scene3d>
+          <a:sp3d contourW="7620">
+            <a:bevelT w="95250" h="31750"/>
+            <a:contourClr>
+              <a:srgbClr val="333333"/>
+            </a:contourClr>
+          </a:sp3d>
+        </p:spPr>
+      </p:pic>
     </p:spTree>
     <p:extLst>
       <p:ext uri="{BB962C8B-B14F-4D97-AF65-F5344CB8AC3E}">
-        <p14:creationId xmlns:p14="http://schemas.microsoft.com/office/powerpoint/2010/main" val="649044236"/>
+        <p14:creationId xmlns:p14="http://schemas.microsoft.com/office/powerpoint/2010/main" val="2559425339"/>
+      </p:ext>
+    </p:extLst>
+  </p:cSld>
+  <p:clrMapOvr>
+    <a:masterClrMapping/>
+  </p:clrMapOvr>
+</p:sld>
+</file>
+
+<file path=ppt/slides/slide12.xml><?xml version="1.0" encoding="utf-8"?>
+<p:sld xmlns:a="http://schemas.openxmlformats.org/drawingml/2006/main" xmlns:r="http://schemas.openxmlformats.org/officeDocument/2006/relationships" xmlns:p="http://schemas.openxmlformats.org/presentationml/2006/main">
+  <p:cSld>
+    <p:spTree>
+      <p:nvGrpSpPr>
+        <p:cNvPr id="1" name=""/>
+        <p:cNvGrpSpPr/>
+        <p:nvPr/>
+      </p:nvGrpSpPr>
+      <p:grpSpPr>
+        <a:xfrm>
+          <a:off x="0" y="0"/>
+          <a:ext cx="0" cy="0"/>
+          <a:chOff x="0" y="0"/>
+          <a:chExt cx="0" cy="0"/>
+        </a:xfrm>
+      </p:grpSpPr>
+      <p:pic>
+        <p:nvPicPr>
+          <p:cNvPr id="4" name="Graphic 3">
+            <a:extLst>
+              <a:ext uri="{FF2B5EF4-FFF2-40B4-BE49-F238E27FC236}">
+                <a16:creationId xmlns:a16="http://schemas.microsoft.com/office/drawing/2014/main" id="{AB922777-7365-E6F0-6BEC-29B313E2A46D}"/>
+              </a:ext>
+            </a:extLst>
+          </p:cNvPr>
+          <p:cNvPicPr>
+            <a:picLocks noChangeAspect="1"/>
+          </p:cNvPicPr>
+          <p:nvPr/>
+        </p:nvPicPr>
+        <p:blipFill>
+          <a:blip r:embed="rId2">
+            <a:extLst>
+              <a:ext uri="{96DAC541-7B7A-43D3-8B79-37D633B846F1}">
+                <asvg:svgBlip xmlns:asvg="http://schemas.microsoft.com/office/drawing/2016/SVG/main" r:embed="rId3"/>
+              </a:ext>
+            </a:extLst>
+          </a:blip>
+          <a:srcRect/>
+          <a:stretch/>
+        </p:blipFill>
+        <p:spPr>
+          <a:xfrm>
+            <a:off x="1363202" y="1062601"/>
+            <a:ext cx="6142498" cy="6142498"/>
+          </a:xfrm>
+          <a:prstGeom prst="rect">
+            <a:avLst/>
+          </a:prstGeom>
+        </p:spPr>
+      </p:pic>
+      <p:pic>
+        <p:nvPicPr>
+          <p:cNvPr id="6" name="Graphic 5" descr="Badge Question Mark with solid fill">
+            <a:extLst>
+              <a:ext uri="{FF2B5EF4-FFF2-40B4-BE49-F238E27FC236}">
+                <a16:creationId xmlns:a16="http://schemas.microsoft.com/office/drawing/2014/main" id="{978BD009-3A33-F170-4F43-343B9422A8AD}"/>
+              </a:ext>
+            </a:extLst>
+          </p:cNvPr>
+          <p:cNvPicPr>
+            <a:picLocks noChangeAspect="1"/>
+          </p:cNvPicPr>
+          <p:nvPr/>
+        </p:nvPicPr>
+        <p:blipFill>
+          <a:blip r:embed="rId4">
+            <a:extLst>
+              <a:ext uri="{96DAC541-7B7A-43D3-8B79-37D633B846F1}">
+                <asvg:svgBlip xmlns:asvg="http://schemas.microsoft.com/office/drawing/2016/SVG/main" r:embed="rId5"/>
+              </a:ext>
+            </a:extLst>
+          </a:blip>
+          <a:stretch>
+            <a:fillRect/>
+          </a:stretch>
+        </p:blipFill>
+        <p:spPr>
+          <a:xfrm>
+            <a:off x="3352800" y="647700"/>
+            <a:ext cx="1714500" cy="1714500"/>
+          </a:xfrm>
+          <a:prstGeom prst="rect">
+            <a:avLst/>
+          </a:prstGeom>
+        </p:spPr>
+      </p:pic>
+      <p:cxnSp>
+        <p:nvCxnSpPr>
+          <p:cNvPr id="8" name="Straight Connector 7">
+            <a:extLst>
+              <a:ext uri="{FF2B5EF4-FFF2-40B4-BE49-F238E27FC236}">
+                <a16:creationId xmlns:a16="http://schemas.microsoft.com/office/drawing/2014/main" id="{63B55883-5D3E-DB49-6DD4-7E53F31FFE1A}"/>
+              </a:ext>
+            </a:extLst>
+          </p:cNvPr>
+          <p:cNvCxnSpPr>
+            <a:cxnSpLocks/>
+          </p:cNvCxnSpPr>
+          <p:nvPr/>
+        </p:nvCxnSpPr>
+        <p:spPr>
+          <a:xfrm>
+            <a:off x="4210050" y="2019300"/>
+            <a:ext cx="0" cy="952500"/>
+          </a:xfrm>
+          <a:prstGeom prst="line">
+            <a:avLst/>
+          </a:prstGeom>
+          <a:ln w="76200">
+            <a:solidFill>
+              <a:schemeClr val="tx1"/>
+            </a:solidFill>
+          </a:ln>
+        </p:spPr>
+        <p:style>
+          <a:lnRef idx="1">
+            <a:schemeClr val="accent1"/>
+          </a:lnRef>
+          <a:fillRef idx="0">
+            <a:schemeClr val="accent1"/>
+          </a:fillRef>
+          <a:effectRef idx="0">
+            <a:schemeClr val="accent1"/>
+          </a:effectRef>
+          <a:fontRef idx="minor">
+            <a:schemeClr val="tx1"/>
+          </a:fontRef>
+        </p:style>
+      </p:cxnSp>
+    </p:spTree>
+    <p:extLst>
+      <p:ext uri="{BB962C8B-B14F-4D97-AF65-F5344CB8AC3E}">
+        <p14:creationId xmlns:p14="http://schemas.microsoft.com/office/powerpoint/2010/main" val="1590654378"/>
       </p:ext>
     </p:extLst>
   </p:cSld>
@@ -11286,40 +11100,1277 @@
           <a:chExt cx="0" cy="0"/>
         </a:xfrm>
       </p:grpSpPr>
-      <p:pic>
-        <p:nvPicPr>
-          <p:cNvPr id="5" name="Picture 4" descr="Chart&#10;&#10;Description automatically generated">
-            <a:extLst>
-              <a:ext uri="{FF2B5EF4-FFF2-40B4-BE49-F238E27FC236}">
-                <a16:creationId xmlns:a16="http://schemas.microsoft.com/office/drawing/2014/main" id="{D3AC99CF-847D-F845-8AE9-40689ACF397C}"/>
-              </a:ext>
-            </a:extLst>
-          </p:cNvPr>
-          <p:cNvPicPr>
-            <a:picLocks noChangeAspect="1"/>
-          </p:cNvPicPr>
-          <p:nvPr/>
-        </p:nvPicPr>
-        <p:blipFill>
-          <a:blip r:embed="rId2"/>
-          <a:stretch>
-            <a:fillRect/>
-          </a:stretch>
-        </p:blipFill>
-        <p:spPr>
-          <a:xfrm>
-            <a:off x="0" y="0"/>
-            <a:ext cx="6227860" cy="5342382"/>
-          </a:xfrm>
-          <a:prstGeom prst="rect">
-            <a:avLst/>
-          </a:prstGeom>
-        </p:spPr>
-      </p:pic>
+      <p:sp>
+        <p:nvSpPr>
+          <p:cNvPr id="5" name="Rounded Rectangle 4">
+            <a:extLst>
+              <a:ext uri="{FF2B5EF4-FFF2-40B4-BE49-F238E27FC236}">
+                <a16:creationId xmlns:a16="http://schemas.microsoft.com/office/drawing/2014/main" id="{432A6097-4036-B444-8EC8-38BF2230C387}"/>
+              </a:ext>
+            </a:extLst>
+          </p:cNvPr>
+          <p:cNvSpPr/>
+          <p:nvPr/>
+        </p:nvSpPr>
+        <p:spPr>
+          <a:xfrm>
+            <a:off x="5016500" y="393699"/>
+            <a:ext cx="2058670" cy="507999"/>
+          </a:xfrm>
+          <a:prstGeom prst="roundRect">
+            <a:avLst/>
+          </a:prstGeom>
+          <a:ln w="28575">
+            <a:solidFill>
+              <a:schemeClr val="tx1"/>
+            </a:solidFill>
+          </a:ln>
+        </p:spPr>
+        <p:style>
+          <a:lnRef idx="2">
+            <a:schemeClr val="dk1"/>
+          </a:lnRef>
+          <a:fillRef idx="1">
+            <a:schemeClr val="lt1"/>
+          </a:fillRef>
+          <a:effectRef idx="0">
+            <a:schemeClr val="dk1"/>
+          </a:effectRef>
+          <a:fontRef idx="minor">
+            <a:schemeClr val="dk1"/>
+          </a:fontRef>
+        </p:style>
+        <p:txBody>
+          <a:bodyPr rtlCol="0" anchor="ctr"/>
+          <a:lstStyle/>
+          <a:p>
+            <a:pPr algn="ctr"/>
+            <a:r>
+              <a:rPr lang="pt-PT" dirty="0" err="1">
+                <a:ln>
+                  <a:solidFill>
+                    <a:sysClr val="windowText" lastClr="000000"/>
+                  </a:solidFill>
+                </a:ln>
+                <a:solidFill>
+                  <a:sysClr val="windowText" lastClr="000000"/>
+                </a:solidFill>
+                <a:latin typeface="NewsGotT" pitchFamily="2" charset="0"/>
+              </a:rPr>
+              <a:t>Raíz</a:t>
+            </a:r>
+            <a:endParaRPr lang="pt-PT" dirty="0">
+              <a:ln>
+                <a:solidFill>
+                  <a:sysClr val="windowText" lastClr="000000"/>
+                </a:solidFill>
+              </a:ln>
+              <a:solidFill>
+                <a:sysClr val="windowText" lastClr="000000"/>
+              </a:solidFill>
+              <a:latin typeface="NewsGotT" pitchFamily="2" charset="0"/>
+            </a:endParaRPr>
+          </a:p>
+        </p:txBody>
+      </p:sp>
+      <p:cxnSp>
+        <p:nvCxnSpPr>
+          <p:cNvPr id="8" name="Straight Connector 7">
+            <a:extLst>
+              <a:ext uri="{FF2B5EF4-FFF2-40B4-BE49-F238E27FC236}">
+                <a16:creationId xmlns:a16="http://schemas.microsoft.com/office/drawing/2014/main" id="{288AB237-E27D-3740-B5DC-8F9A1048F4D6}"/>
+              </a:ext>
+            </a:extLst>
+          </p:cNvPr>
+          <p:cNvCxnSpPr>
+            <a:cxnSpLocks/>
+            <a:stCxn id="5" idx="2"/>
+            <a:endCxn id="12" idx="7"/>
+          </p:cNvCxnSpPr>
+          <p:nvPr/>
+        </p:nvCxnSpPr>
+        <p:spPr>
+          <a:xfrm flipH="1">
+            <a:off x="4357918" y="901698"/>
+            <a:ext cx="1687917" cy="736393"/>
+          </a:xfrm>
+          <a:prstGeom prst="line">
+            <a:avLst/>
+          </a:prstGeom>
+          <a:ln w="28575">
+            <a:solidFill>
+              <a:schemeClr val="tx1"/>
+            </a:solidFill>
+          </a:ln>
+        </p:spPr>
+        <p:style>
+          <a:lnRef idx="1">
+            <a:schemeClr val="accent1"/>
+          </a:lnRef>
+          <a:fillRef idx="0">
+            <a:schemeClr val="accent1"/>
+          </a:fillRef>
+          <a:effectRef idx="0">
+            <a:schemeClr val="accent1"/>
+          </a:effectRef>
+          <a:fontRef idx="minor">
+            <a:schemeClr val="tx1"/>
+          </a:fontRef>
+        </p:style>
+      </p:cxnSp>
+      <p:cxnSp>
+        <p:nvCxnSpPr>
+          <p:cNvPr id="9" name="Straight Connector 8">
+            <a:extLst>
+              <a:ext uri="{FF2B5EF4-FFF2-40B4-BE49-F238E27FC236}">
+                <a16:creationId xmlns:a16="http://schemas.microsoft.com/office/drawing/2014/main" id="{66EE4AFC-493B-0949-AD86-1093FF92A0A5}"/>
+              </a:ext>
+            </a:extLst>
+          </p:cNvPr>
+          <p:cNvCxnSpPr>
+            <a:cxnSpLocks/>
+            <a:stCxn id="5" idx="2"/>
+            <a:endCxn id="67" idx="1"/>
+          </p:cNvCxnSpPr>
+          <p:nvPr/>
+        </p:nvCxnSpPr>
+        <p:spPr>
+          <a:xfrm>
+            <a:off x="6045835" y="901698"/>
+            <a:ext cx="1737763" cy="726677"/>
+          </a:xfrm>
+          <a:prstGeom prst="line">
+            <a:avLst/>
+          </a:prstGeom>
+          <a:ln w="28575">
+            <a:solidFill>
+              <a:schemeClr val="tx1"/>
+            </a:solidFill>
+          </a:ln>
+        </p:spPr>
+        <p:style>
+          <a:lnRef idx="1">
+            <a:schemeClr val="accent1"/>
+          </a:lnRef>
+          <a:fillRef idx="0">
+            <a:schemeClr val="accent1"/>
+          </a:fillRef>
+          <a:effectRef idx="0">
+            <a:schemeClr val="accent1"/>
+          </a:effectRef>
+          <a:fontRef idx="minor">
+            <a:schemeClr val="tx1"/>
+          </a:fontRef>
+        </p:style>
+      </p:cxnSp>
+      <p:sp>
+        <p:nvSpPr>
+          <p:cNvPr id="12" name="Oval 11">
+            <a:extLst>
+              <a:ext uri="{FF2B5EF4-FFF2-40B4-BE49-F238E27FC236}">
+                <a16:creationId xmlns:a16="http://schemas.microsoft.com/office/drawing/2014/main" id="{142FE0AB-4A6C-514E-954F-0E53E3FE0337}"/>
+              </a:ext>
+            </a:extLst>
+          </p:cNvPr>
+          <p:cNvSpPr/>
+          <p:nvPr/>
+        </p:nvSpPr>
+        <p:spPr>
+          <a:xfrm>
+            <a:off x="3015531" y="1530483"/>
+            <a:ext cx="1572704" cy="734795"/>
+          </a:xfrm>
+          <a:prstGeom prst="ellipse">
+            <a:avLst/>
+          </a:prstGeom>
+        </p:spPr>
+        <p:style>
+          <a:lnRef idx="2">
+            <a:schemeClr val="accent1">
+              <a:shade val="50000"/>
+            </a:schemeClr>
+          </a:lnRef>
+          <a:fillRef idx="1">
+            <a:schemeClr val="accent1"/>
+          </a:fillRef>
+          <a:effectRef idx="0">
+            <a:schemeClr val="accent1"/>
+          </a:effectRef>
+          <a:fontRef idx="minor">
+            <a:schemeClr val="lt1"/>
+          </a:fontRef>
+        </p:style>
+        <p:txBody>
+          <a:bodyPr rtlCol="0" anchor="ctr"/>
+          <a:lstStyle/>
+          <a:p>
+            <a:pPr algn="ctr"/>
+            <a:r>
+              <a:rPr lang="pt-PT" dirty="0">
+                <a:latin typeface="NewsGotT" pitchFamily="2" charset="0"/>
+              </a:rPr>
+              <a:t>Nó de decisão</a:t>
+            </a:r>
+          </a:p>
+        </p:txBody>
+      </p:sp>
+      <p:cxnSp>
+        <p:nvCxnSpPr>
+          <p:cNvPr id="21" name="Straight Connector 20">
+            <a:extLst>
+              <a:ext uri="{FF2B5EF4-FFF2-40B4-BE49-F238E27FC236}">
+                <a16:creationId xmlns:a16="http://schemas.microsoft.com/office/drawing/2014/main" id="{9B52829E-636D-554D-B5D4-EE238C123490}"/>
+              </a:ext>
+            </a:extLst>
+          </p:cNvPr>
+          <p:cNvCxnSpPr>
+            <a:cxnSpLocks/>
+            <a:stCxn id="12" idx="4"/>
+            <a:endCxn id="42" idx="0"/>
+          </p:cNvCxnSpPr>
+          <p:nvPr/>
+        </p:nvCxnSpPr>
+        <p:spPr>
+          <a:xfrm flipH="1">
+            <a:off x="2620521" y="2265278"/>
+            <a:ext cx="1181362" cy="655722"/>
+          </a:xfrm>
+          <a:prstGeom prst="line">
+            <a:avLst/>
+          </a:prstGeom>
+          <a:ln w="28575">
+            <a:solidFill>
+              <a:schemeClr val="tx1"/>
+            </a:solidFill>
+          </a:ln>
+        </p:spPr>
+        <p:style>
+          <a:lnRef idx="1">
+            <a:schemeClr val="accent1"/>
+          </a:lnRef>
+          <a:fillRef idx="0">
+            <a:schemeClr val="accent1"/>
+          </a:fillRef>
+          <a:effectRef idx="0">
+            <a:schemeClr val="accent1"/>
+          </a:effectRef>
+          <a:fontRef idx="minor">
+            <a:schemeClr val="tx1"/>
+          </a:fontRef>
+        </p:style>
+      </p:cxnSp>
+      <p:cxnSp>
+        <p:nvCxnSpPr>
+          <p:cNvPr id="23" name="Straight Connector 22">
+            <a:extLst>
+              <a:ext uri="{FF2B5EF4-FFF2-40B4-BE49-F238E27FC236}">
+                <a16:creationId xmlns:a16="http://schemas.microsoft.com/office/drawing/2014/main" id="{FEF1742D-AE28-7E4A-856D-2339B206E77B}"/>
+              </a:ext>
+            </a:extLst>
+          </p:cNvPr>
+          <p:cNvCxnSpPr>
+            <a:cxnSpLocks/>
+            <a:stCxn id="12" idx="4"/>
+            <a:endCxn id="78" idx="0"/>
+          </p:cNvCxnSpPr>
+          <p:nvPr/>
+        </p:nvCxnSpPr>
+        <p:spPr>
+          <a:xfrm>
+            <a:off x="3801883" y="2265278"/>
+            <a:ext cx="761110" cy="577304"/>
+          </a:xfrm>
+          <a:prstGeom prst="line">
+            <a:avLst/>
+          </a:prstGeom>
+          <a:ln w="28575">
+            <a:solidFill>
+              <a:schemeClr val="tx1"/>
+            </a:solidFill>
+          </a:ln>
+        </p:spPr>
+        <p:style>
+          <a:lnRef idx="1">
+            <a:schemeClr val="accent1"/>
+          </a:lnRef>
+          <a:fillRef idx="0">
+            <a:schemeClr val="accent1"/>
+          </a:fillRef>
+          <a:effectRef idx="0">
+            <a:schemeClr val="accent1"/>
+          </a:effectRef>
+          <a:fontRef idx="minor">
+            <a:schemeClr val="tx1"/>
+          </a:fontRef>
+        </p:style>
+      </p:cxnSp>
+      <p:cxnSp>
+        <p:nvCxnSpPr>
+          <p:cNvPr id="28" name="Straight Connector 27">
+            <a:extLst>
+              <a:ext uri="{FF2B5EF4-FFF2-40B4-BE49-F238E27FC236}">
+                <a16:creationId xmlns:a16="http://schemas.microsoft.com/office/drawing/2014/main" id="{8FAA30FA-230F-EF47-82F6-CED374FDEFBE}"/>
+              </a:ext>
+            </a:extLst>
+          </p:cNvPr>
+          <p:cNvCxnSpPr>
+            <a:cxnSpLocks/>
+            <a:stCxn id="67" idx="4"/>
+            <a:endCxn id="103" idx="0"/>
+          </p:cNvCxnSpPr>
+          <p:nvPr/>
+        </p:nvCxnSpPr>
+        <p:spPr>
+          <a:xfrm>
+            <a:off x="8339633" y="2255225"/>
+            <a:ext cx="1381986" cy="587356"/>
+          </a:xfrm>
+          <a:prstGeom prst="line">
+            <a:avLst/>
+          </a:prstGeom>
+          <a:ln w="28575">
+            <a:solidFill>
+              <a:schemeClr val="tx1"/>
+            </a:solidFill>
+          </a:ln>
+        </p:spPr>
+        <p:style>
+          <a:lnRef idx="1">
+            <a:schemeClr val="accent1"/>
+          </a:lnRef>
+          <a:fillRef idx="0">
+            <a:schemeClr val="accent1"/>
+          </a:fillRef>
+          <a:effectRef idx="0">
+            <a:schemeClr val="accent1"/>
+          </a:effectRef>
+          <a:fontRef idx="minor">
+            <a:schemeClr val="tx1"/>
+          </a:fontRef>
+        </p:style>
+      </p:cxnSp>
+      <p:cxnSp>
+        <p:nvCxnSpPr>
+          <p:cNvPr id="29" name="Straight Connector 28">
+            <a:extLst>
+              <a:ext uri="{FF2B5EF4-FFF2-40B4-BE49-F238E27FC236}">
+                <a16:creationId xmlns:a16="http://schemas.microsoft.com/office/drawing/2014/main" id="{3F002ACB-AB5A-8B4D-A8D9-374C98290081}"/>
+              </a:ext>
+            </a:extLst>
+          </p:cNvPr>
+          <p:cNvCxnSpPr>
+            <a:cxnSpLocks/>
+            <a:stCxn id="67" idx="4"/>
+            <a:endCxn id="93" idx="0"/>
+          </p:cNvCxnSpPr>
+          <p:nvPr/>
+        </p:nvCxnSpPr>
+        <p:spPr>
+          <a:xfrm flipH="1">
+            <a:off x="7553281" y="2255225"/>
+            <a:ext cx="786352" cy="659377"/>
+          </a:xfrm>
+          <a:prstGeom prst="line">
+            <a:avLst/>
+          </a:prstGeom>
+          <a:ln w="28575">
+            <a:solidFill>
+              <a:schemeClr val="tx1"/>
+            </a:solidFill>
+          </a:ln>
+        </p:spPr>
+        <p:style>
+          <a:lnRef idx="1">
+            <a:schemeClr val="accent1"/>
+          </a:lnRef>
+          <a:fillRef idx="0">
+            <a:schemeClr val="accent1"/>
+          </a:fillRef>
+          <a:effectRef idx="0">
+            <a:schemeClr val="accent1"/>
+          </a:effectRef>
+          <a:fontRef idx="minor">
+            <a:schemeClr val="tx1"/>
+          </a:fontRef>
+        </p:style>
+      </p:cxnSp>
+      <p:sp>
+        <p:nvSpPr>
+          <p:cNvPr id="42" name="Oval 41">
+            <a:extLst>
+              <a:ext uri="{FF2B5EF4-FFF2-40B4-BE49-F238E27FC236}">
+                <a16:creationId xmlns:a16="http://schemas.microsoft.com/office/drawing/2014/main" id="{3C2A3673-24A2-0146-B975-41E2AAA4B11E}"/>
+              </a:ext>
+            </a:extLst>
+          </p:cNvPr>
+          <p:cNvSpPr/>
+          <p:nvPr/>
+        </p:nvSpPr>
+        <p:spPr>
+          <a:xfrm>
+            <a:off x="2225510" y="2921000"/>
+            <a:ext cx="790021" cy="508000"/>
+          </a:xfrm>
+          <a:prstGeom prst="ellipse">
+            <a:avLst/>
+          </a:prstGeom>
+          <a:solidFill>
+            <a:srgbClr val="C00000"/>
+          </a:solidFill>
+          <a:ln>
+            <a:noFill/>
+          </a:ln>
+        </p:spPr>
+        <p:style>
+          <a:lnRef idx="2">
+            <a:schemeClr val="accent1">
+              <a:shade val="50000"/>
+            </a:schemeClr>
+          </a:lnRef>
+          <a:fillRef idx="1">
+            <a:schemeClr val="accent1"/>
+          </a:fillRef>
+          <a:effectRef idx="0">
+            <a:schemeClr val="accent1"/>
+          </a:effectRef>
+          <a:fontRef idx="minor">
+            <a:schemeClr val="lt1"/>
+          </a:fontRef>
+        </p:style>
+        <p:txBody>
+          <a:bodyPr rtlCol="0" anchor="ctr"/>
+          <a:lstStyle/>
+          <a:p>
+            <a:pPr algn="ctr"/>
+            <a:r>
+              <a:rPr lang="pt-PT" sz="1200" dirty="0">
+                <a:latin typeface="NewsGotT" pitchFamily="2" charset="0"/>
+              </a:rPr>
+              <a:t>Folha</a:t>
+            </a:r>
+          </a:p>
+        </p:txBody>
+      </p:sp>
+      <p:sp>
+        <p:nvSpPr>
+          <p:cNvPr id="67" name="Oval 66">
+            <a:extLst>
+              <a:ext uri="{FF2B5EF4-FFF2-40B4-BE49-F238E27FC236}">
+                <a16:creationId xmlns:a16="http://schemas.microsoft.com/office/drawing/2014/main" id="{6D8D15E2-7965-7A4C-B8B7-AD36FEA16D6B}"/>
+              </a:ext>
+            </a:extLst>
+          </p:cNvPr>
+          <p:cNvSpPr/>
+          <p:nvPr/>
+        </p:nvSpPr>
+        <p:spPr>
+          <a:xfrm>
+            <a:off x="7553281" y="1520825"/>
+            <a:ext cx="1572704" cy="734400"/>
+          </a:xfrm>
+          <a:prstGeom prst="ellipse">
+            <a:avLst/>
+          </a:prstGeom>
+        </p:spPr>
+        <p:style>
+          <a:lnRef idx="2">
+            <a:schemeClr val="accent1">
+              <a:shade val="50000"/>
+            </a:schemeClr>
+          </a:lnRef>
+          <a:fillRef idx="1">
+            <a:schemeClr val="accent1"/>
+          </a:fillRef>
+          <a:effectRef idx="0">
+            <a:schemeClr val="accent1"/>
+          </a:effectRef>
+          <a:fontRef idx="minor">
+            <a:schemeClr val="lt1"/>
+          </a:fontRef>
+        </p:style>
+        <p:txBody>
+          <a:bodyPr rtlCol="0" anchor="ctr"/>
+          <a:lstStyle/>
+          <a:p>
+            <a:pPr algn="ctr"/>
+            <a:r>
+              <a:rPr lang="pt-PT" dirty="0">
+                <a:latin typeface="NewsGotT" pitchFamily="2" charset="0"/>
+              </a:rPr>
+              <a:t>Nó de decisão</a:t>
+            </a:r>
+          </a:p>
+        </p:txBody>
+      </p:sp>
+      <p:sp>
+        <p:nvSpPr>
+          <p:cNvPr id="78" name="Oval 77">
+            <a:extLst>
+              <a:ext uri="{FF2B5EF4-FFF2-40B4-BE49-F238E27FC236}">
+                <a16:creationId xmlns:a16="http://schemas.microsoft.com/office/drawing/2014/main" id="{96883E98-2379-B04A-AB41-044035FE83EA}"/>
+              </a:ext>
+            </a:extLst>
+          </p:cNvPr>
+          <p:cNvSpPr/>
+          <p:nvPr/>
+        </p:nvSpPr>
+        <p:spPr>
+          <a:xfrm>
+            <a:off x="3776641" y="2842582"/>
+            <a:ext cx="1572704" cy="734795"/>
+          </a:xfrm>
+          <a:prstGeom prst="ellipse">
+            <a:avLst/>
+          </a:prstGeom>
+        </p:spPr>
+        <p:style>
+          <a:lnRef idx="2">
+            <a:schemeClr val="accent1">
+              <a:shade val="50000"/>
+            </a:schemeClr>
+          </a:lnRef>
+          <a:fillRef idx="1">
+            <a:schemeClr val="accent1"/>
+          </a:fillRef>
+          <a:effectRef idx="0">
+            <a:schemeClr val="accent1"/>
+          </a:effectRef>
+          <a:fontRef idx="minor">
+            <a:schemeClr val="lt1"/>
+          </a:fontRef>
+        </p:style>
+        <p:txBody>
+          <a:bodyPr rtlCol="0" anchor="ctr"/>
+          <a:lstStyle/>
+          <a:p>
+            <a:pPr algn="ctr"/>
+            <a:r>
+              <a:rPr lang="pt-PT" dirty="0">
+                <a:latin typeface="NewsGotT" pitchFamily="2" charset="0"/>
+              </a:rPr>
+              <a:t>Nó de decisão</a:t>
+            </a:r>
+          </a:p>
+        </p:txBody>
+      </p:sp>
+      <p:sp>
+        <p:nvSpPr>
+          <p:cNvPr id="93" name="Oval 92">
+            <a:extLst>
+              <a:ext uri="{FF2B5EF4-FFF2-40B4-BE49-F238E27FC236}">
+                <a16:creationId xmlns:a16="http://schemas.microsoft.com/office/drawing/2014/main" id="{E3A24511-C095-9F47-BBC2-515FF4D812C9}"/>
+              </a:ext>
+            </a:extLst>
+          </p:cNvPr>
+          <p:cNvSpPr/>
+          <p:nvPr/>
+        </p:nvSpPr>
+        <p:spPr>
+          <a:xfrm>
+            <a:off x="7158270" y="2914602"/>
+            <a:ext cx="790021" cy="508000"/>
+          </a:xfrm>
+          <a:prstGeom prst="ellipse">
+            <a:avLst/>
+          </a:prstGeom>
+          <a:solidFill>
+            <a:srgbClr val="C00000"/>
+          </a:solidFill>
+          <a:ln>
+            <a:noFill/>
+          </a:ln>
+        </p:spPr>
+        <p:style>
+          <a:lnRef idx="2">
+            <a:schemeClr val="accent1">
+              <a:shade val="50000"/>
+            </a:schemeClr>
+          </a:lnRef>
+          <a:fillRef idx="1">
+            <a:schemeClr val="accent1"/>
+          </a:fillRef>
+          <a:effectRef idx="0">
+            <a:schemeClr val="accent1"/>
+          </a:effectRef>
+          <a:fontRef idx="minor">
+            <a:schemeClr val="lt1"/>
+          </a:fontRef>
+        </p:style>
+        <p:txBody>
+          <a:bodyPr rtlCol="0" anchor="ctr"/>
+          <a:lstStyle/>
+          <a:p>
+            <a:pPr algn="ctr"/>
+            <a:r>
+              <a:rPr lang="pt-PT" sz="1200" dirty="0">
+                <a:latin typeface="NewsGotT" pitchFamily="2" charset="0"/>
+              </a:rPr>
+              <a:t>Folha</a:t>
+            </a:r>
+          </a:p>
+        </p:txBody>
+      </p:sp>
+      <p:cxnSp>
+        <p:nvCxnSpPr>
+          <p:cNvPr id="96" name="Straight Connector 95">
+            <a:extLst>
+              <a:ext uri="{FF2B5EF4-FFF2-40B4-BE49-F238E27FC236}">
+                <a16:creationId xmlns:a16="http://schemas.microsoft.com/office/drawing/2014/main" id="{99D242E2-7A15-134F-93DB-1D79600BED78}"/>
+              </a:ext>
+            </a:extLst>
+          </p:cNvPr>
+          <p:cNvCxnSpPr>
+            <a:cxnSpLocks/>
+            <a:stCxn id="103" idx="4"/>
+            <a:endCxn id="109" idx="0"/>
+          </p:cNvCxnSpPr>
+          <p:nvPr/>
+        </p:nvCxnSpPr>
+        <p:spPr>
+          <a:xfrm flipH="1">
+            <a:off x="9030626" y="3577376"/>
+            <a:ext cx="690993" cy="742710"/>
+          </a:xfrm>
+          <a:prstGeom prst="line">
+            <a:avLst/>
+          </a:prstGeom>
+          <a:ln w="28575">
+            <a:solidFill>
+              <a:schemeClr val="tx1"/>
+            </a:solidFill>
+          </a:ln>
+        </p:spPr>
+        <p:style>
+          <a:lnRef idx="1">
+            <a:schemeClr val="accent1"/>
+          </a:lnRef>
+          <a:fillRef idx="0">
+            <a:schemeClr val="accent1"/>
+          </a:fillRef>
+          <a:effectRef idx="0">
+            <a:schemeClr val="accent1"/>
+          </a:effectRef>
+          <a:fontRef idx="minor">
+            <a:schemeClr val="tx1"/>
+          </a:fontRef>
+        </p:style>
+      </p:cxnSp>
+      <p:cxnSp>
+        <p:nvCxnSpPr>
+          <p:cNvPr id="97" name="Straight Connector 96">
+            <a:extLst>
+              <a:ext uri="{FF2B5EF4-FFF2-40B4-BE49-F238E27FC236}">
+                <a16:creationId xmlns:a16="http://schemas.microsoft.com/office/drawing/2014/main" id="{01677B96-31AE-814C-978E-FE8905A36F62}"/>
+              </a:ext>
+            </a:extLst>
+          </p:cNvPr>
+          <p:cNvCxnSpPr>
+            <a:cxnSpLocks/>
+            <a:stCxn id="78" idx="4"/>
+            <a:endCxn id="117" idx="0"/>
+          </p:cNvCxnSpPr>
+          <p:nvPr/>
+        </p:nvCxnSpPr>
+        <p:spPr>
+          <a:xfrm>
+            <a:off x="4562993" y="3577377"/>
+            <a:ext cx="690993" cy="669949"/>
+          </a:xfrm>
+          <a:prstGeom prst="line">
+            <a:avLst/>
+          </a:prstGeom>
+          <a:ln w="28575">
+            <a:solidFill>
+              <a:schemeClr val="tx1"/>
+            </a:solidFill>
+          </a:ln>
+        </p:spPr>
+        <p:style>
+          <a:lnRef idx="1">
+            <a:schemeClr val="accent1"/>
+          </a:lnRef>
+          <a:fillRef idx="0">
+            <a:schemeClr val="accent1"/>
+          </a:fillRef>
+          <a:effectRef idx="0">
+            <a:schemeClr val="accent1"/>
+          </a:effectRef>
+          <a:fontRef idx="minor">
+            <a:schemeClr val="tx1"/>
+          </a:fontRef>
+        </p:style>
+      </p:cxnSp>
+      <p:cxnSp>
+        <p:nvCxnSpPr>
+          <p:cNvPr id="98" name="Straight Connector 97">
+            <a:extLst>
+              <a:ext uri="{FF2B5EF4-FFF2-40B4-BE49-F238E27FC236}">
+                <a16:creationId xmlns:a16="http://schemas.microsoft.com/office/drawing/2014/main" id="{F0BD1CE1-B79C-FE42-9993-FEEE6A046A5C}"/>
+              </a:ext>
+            </a:extLst>
+          </p:cNvPr>
+          <p:cNvCxnSpPr>
+            <a:cxnSpLocks/>
+            <a:stCxn id="78" idx="4"/>
+            <a:endCxn id="110" idx="0"/>
+          </p:cNvCxnSpPr>
+          <p:nvPr/>
+        </p:nvCxnSpPr>
+        <p:spPr>
+          <a:xfrm flipH="1">
+            <a:off x="3481138" y="3577377"/>
+            <a:ext cx="1081855" cy="742709"/>
+          </a:xfrm>
+          <a:prstGeom prst="line">
+            <a:avLst/>
+          </a:prstGeom>
+          <a:ln w="28575">
+            <a:solidFill>
+              <a:schemeClr val="tx1"/>
+            </a:solidFill>
+          </a:ln>
+        </p:spPr>
+        <p:style>
+          <a:lnRef idx="1">
+            <a:schemeClr val="accent1"/>
+          </a:lnRef>
+          <a:fillRef idx="0">
+            <a:schemeClr val="accent1"/>
+          </a:fillRef>
+          <a:effectRef idx="0">
+            <a:schemeClr val="accent1"/>
+          </a:effectRef>
+          <a:fontRef idx="minor">
+            <a:schemeClr val="tx1"/>
+          </a:fontRef>
+        </p:style>
+      </p:cxnSp>
+      <p:cxnSp>
+        <p:nvCxnSpPr>
+          <p:cNvPr id="102" name="Straight Connector 101">
+            <a:extLst>
+              <a:ext uri="{FF2B5EF4-FFF2-40B4-BE49-F238E27FC236}">
+                <a16:creationId xmlns:a16="http://schemas.microsoft.com/office/drawing/2014/main" id="{CBD2667A-3198-D140-99CE-A3DE2ED0B764}"/>
+              </a:ext>
+            </a:extLst>
+          </p:cNvPr>
+          <p:cNvCxnSpPr>
+            <a:cxnSpLocks/>
+            <a:stCxn id="117" idx="4"/>
+            <a:endCxn id="125" idx="0"/>
+          </p:cNvCxnSpPr>
+          <p:nvPr/>
+        </p:nvCxnSpPr>
+        <p:spPr>
+          <a:xfrm flipH="1">
+            <a:off x="4621490" y="4982121"/>
+            <a:ext cx="632496" cy="715417"/>
+          </a:xfrm>
+          <a:prstGeom prst="line">
+            <a:avLst/>
+          </a:prstGeom>
+          <a:ln w="28575">
+            <a:solidFill>
+              <a:schemeClr val="tx1"/>
+            </a:solidFill>
+          </a:ln>
+        </p:spPr>
+        <p:style>
+          <a:lnRef idx="1">
+            <a:schemeClr val="accent1"/>
+          </a:lnRef>
+          <a:fillRef idx="0">
+            <a:schemeClr val="accent1"/>
+          </a:fillRef>
+          <a:effectRef idx="0">
+            <a:schemeClr val="accent1"/>
+          </a:effectRef>
+          <a:fontRef idx="minor">
+            <a:schemeClr val="tx1"/>
+          </a:fontRef>
+        </p:style>
+      </p:cxnSp>
+      <p:sp>
+        <p:nvSpPr>
+          <p:cNvPr id="103" name="Oval 102">
+            <a:extLst>
+              <a:ext uri="{FF2B5EF4-FFF2-40B4-BE49-F238E27FC236}">
+                <a16:creationId xmlns:a16="http://schemas.microsoft.com/office/drawing/2014/main" id="{3E690B1F-208C-DF46-A41C-023428AB811C}"/>
+              </a:ext>
+            </a:extLst>
+          </p:cNvPr>
+          <p:cNvSpPr/>
+          <p:nvPr/>
+        </p:nvSpPr>
+        <p:spPr>
+          <a:xfrm>
+            <a:off x="8935267" y="2842581"/>
+            <a:ext cx="1572704" cy="734795"/>
+          </a:xfrm>
+          <a:prstGeom prst="ellipse">
+            <a:avLst/>
+          </a:prstGeom>
+        </p:spPr>
+        <p:style>
+          <a:lnRef idx="2">
+            <a:schemeClr val="accent1">
+              <a:shade val="50000"/>
+            </a:schemeClr>
+          </a:lnRef>
+          <a:fillRef idx="1">
+            <a:schemeClr val="accent1"/>
+          </a:fillRef>
+          <a:effectRef idx="0">
+            <a:schemeClr val="accent1"/>
+          </a:effectRef>
+          <a:fontRef idx="minor">
+            <a:schemeClr val="lt1"/>
+          </a:fontRef>
+        </p:style>
+        <p:txBody>
+          <a:bodyPr rtlCol="0" anchor="ctr"/>
+          <a:lstStyle/>
+          <a:p>
+            <a:pPr algn="ctr"/>
+            <a:r>
+              <a:rPr lang="pt-PT" dirty="0">
+                <a:latin typeface="NewsGotT" pitchFamily="2" charset="0"/>
+              </a:rPr>
+              <a:t>Nó de decisão</a:t>
+            </a:r>
+          </a:p>
+        </p:txBody>
+      </p:sp>
+      <p:cxnSp>
+        <p:nvCxnSpPr>
+          <p:cNvPr id="106" name="Straight Connector 105">
+            <a:extLst>
+              <a:ext uri="{FF2B5EF4-FFF2-40B4-BE49-F238E27FC236}">
+                <a16:creationId xmlns:a16="http://schemas.microsoft.com/office/drawing/2014/main" id="{0BE1B716-C809-6F4C-B5CD-8E199A90D798}"/>
+              </a:ext>
+            </a:extLst>
+          </p:cNvPr>
+          <p:cNvCxnSpPr>
+            <a:cxnSpLocks/>
+            <a:stCxn id="103" idx="4"/>
+            <a:endCxn id="114" idx="0"/>
+          </p:cNvCxnSpPr>
+          <p:nvPr/>
+        </p:nvCxnSpPr>
+        <p:spPr>
+          <a:xfrm>
+            <a:off x="9721619" y="3577376"/>
+            <a:ext cx="944389" cy="759307"/>
+          </a:xfrm>
+          <a:prstGeom prst="line">
+            <a:avLst/>
+          </a:prstGeom>
+          <a:ln w="28575">
+            <a:solidFill>
+              <a:schemeClr val="tx1"/>
+            </a:solidFill>
+          </a:ln>
+        </p:spPr>
+        <p:style>
+          <a:lnRef idx="1">
+            <a:schemeClr val="accent1"/>
+          </a:lnRef>
+          <a:fillRef idx="0">
+            <a:schemeClr val="accent1"/>
+          </a:fillRef>
+          <a:effectRef idx="0">
+            <a:schemeClr val="accent1"/>
+          </a:effectRef>
+          <a:fontRef idx="minor">
+            <a:schemeClr val="tx1"/>
+          </a:fontRef>
+        </p:style>
+      </p:cxnSp>
+      <p:sp>
+        <p:nvSpPr>
+          <p:cNvPr id="109" name="Oval 108">
+            <a:extLst>
+              <a:ext uri="{FF2B5EF4-FFF2-40B4-BE49-F238E27FC236}">
+                <a16:creationId xmlns:a16="http://schemas.microsoft.com/office/drawing/2014/main" id="{B38A8CD3-EC4D-A147-AD37-013E6BAE74EC}"/>
+              </a:ext>
+            </a:extLst>
+          </p:cNvPr>
+          <p:cNvSpPr/>
+          <p:nvPr/>
+        </p:nvSpPr>
+        <p:spPr>
+          <a:xfrm>
+            <a:off x="8635615" y="4320086"/>
+            <a:ext cx="790021" cy="508000"/>
+          </a:xfrm>
+          <a:prstGeom prst="ellipse">
+            <a:avLst/>
+          </a:prstGeom>
+          <a:solidFill>
+            <a:srgbClr val="C00000"/>
+          </a:solidFill>
+          <a:ln>
+            <a:noFill/>
+          </a:ln>
+        </p:spPr>
+        <p:style>
+          <a:lnRef idx="2">
+            <a:schemeClr val="accent1">
+              <a:shade val="50000"/>
+            </a:schemeClr>
+          </a:lnRef>
+          <a:fillRef idx="1">
+            <a:schemeClr val="accent1"/>
+          </a:fillRef>
+          <a:effectRef idx="0">
+            <a:schemeClr val="accent1"/>
+          </a:effectRef>
+          <a:fontRef idx="minor">
+            <a:schemeClr val="lt1"/>
+          </a:fontRef>
+        </p:style>
+        <p:txBody>
+          <a:bodyPr rtlCol="0" anchor="ctr"/>
+          <a:lstStyle/>
+          <a:p>
+            <a:pPr algn="ctr"/>
+            <a:r>
+              <a:rPr lang="pt-PT" sz="1200" dirty="0">
+                <a:latin typeface="NewsGotT" pitchFamily="2" charset="0"/>
+              </a:rPr>
+              <a:t>Folha</a:t>
+            </a:r>
+          </a:p>
+        </p:txBody>
+      </p:sp>
+      <p:sp>
+        <p:nvSpPr>
+          <p:cNvPr id="110" name="Oval 109">
+            <a:extLst>
+              <a:ext uri="{FF2B5EF4-FFF2-40B4-BE49-F238E27FC236}">
+                <a16:creationId xmlns:a16="http://schemas.microsoft.com/office/drawing/2014/main" id="{4980181D-F1B2-8245-A6BE-DB64185DB6E9}"/>
+              </a:ext>
+            </a:extLst>
+          </p:cNvPr>
+          <p:cNvSpPr/>
+          <p:nvPr/>
+        </p:nvSpPr>
+        <p:spPr>
+          <a:xfrm>
+            <a:off x="3086127" y="4320086"/>
+            <a:ext cx="790021" cy="508000"/>
+          </a:xfrm>
+          <a:prstGeom prst="ellipse">
+            <a:avLst/>
+          </a:prstGeom>
+          <a:solidFill>
+            <a:srgbClr val="C00000"/>
+          </a:solidFill>
+          <a:ln>
+            <a:noFill/>
+          </a:ln>
+        </p:spPr>
+        <p:style>
+          <a:lnRef idx="2">
+            <a:schemeClr val="accent1">
+              <a:shade val="50000"/>
+            </a:schemeClr>
+          </a:lnRef>
+          <a:fillRef idx="1">
+            <a:schemeClr val="accent1"/>
+          </a:fillRef>
+          <a:effectRef idx="0">
+            <a:schemeClr val="accent1"/>
+          </a:effectRef>
+          <a:fontRef idx="minor">
+            <a:schemeClr val="lt1"/>
+          </a:fontRef>
+        </p:style>
+        <p:txBody>
+          <a:bodyPr rtlCol="0" anchor="ctr"/>
+          <a:lstStyle/>
+          <a:p>
+            <a:pPr algn="ctr"/>
+            <a:r>
+              <a:rPr lang="pt-PT" sz="1200" dirty="0">
+                <a:latin typeface="NewsGotT" pitchFamily="2" charset="0"/>
+              </a:rPr>
+              <a:t>Folha</a:t>
+            </a:r>
+          </a:p>
+        </p:txBody>
+      </p:sp>
+      <p:sp>
+        <p:nvSpPr>
+          <p:cNvPr id="114" name="Oval 113">
+            <a:extLst>
+              <a:ext uri="{FF2B5EF4-FFF2-40B4-BE49-F238E27FC236}">
+                <a16:creationId xmlns:a16="http://schemas.microsoft.com/office/drawing/2014/main" id="{B7E378B4-A11B-E44E-8F22-9252022A86D4}"/>
+              </a:ext>
+            </a:extLst>
+          </p:cNvPr>
+          <p:cNvSpPr/>
+          <p:nvPr/>
+        </p:nvSpPr>
+        <p:spPr>
+          <a:xfrm>
+            <a:off x="10270997" y="4336683"/>
+            <a:ext cx="790021" cy="508000"/>
+          </a:xfrm>
+          <a:prstGeom prst="ellipse">
+            <a:avLst/>
+          </a:prstGeom>
+          <a:solidFill>
+            <a:srgbClr val="C00000"/>
+          </a:solidFill>
+          <a:ln>
+            <a:noFill/>
+          </a:ln>
+        </p:spPr>
+        <p:style>
+          <a:lnRef idx="2">
+            <a:schemeClr val="accent1">
+              <a:shade val="50000"/>
+            </a:schemeClr>
+          </a:lnRef>
+          <a:fillRef idx="1">
+            <a:schemeClr val="accent1"/>
+          </a:fillRef>
+          <a:effectRef idx="0">
+            <a:schemeClr val="accent1"/>
+          </a:effectRef>
+          <a:fontRef idx="minor">
+            <a:schemeClr val="lt1"/>
+          </a:fontRef>
+        </p:style>
+        <p:txBody>
+          <a:bodyPr rtlCol="0" anchor="ctr"/>
+          <a:lstStyle/>
+          <a:p>
+            <a:pPr algn="ctr"/>
+            <a:r>
+              <a:rPr lang="pt-PT" sz="1200" dirty="0">
+                <a:latin typeface="NewsGotT" pitchFamily="2" charset="0"/>
+              </a:rPr>
+              <a:t>Folha</a:t>
+            </a:r>
+          </a:p>
+        </p:txBody>
+      </p:sp>
+      <p:sp>
+        <p:nvSpPr>
+          <p:cNvPr id="117" name="Oval 116">
+            <a:extLst>
+              <a:ext uri="{FF2B5EF4-FFF2-40B4-BE49-F238E27FC236}">
+                <a16:creationId xmlns:a16="http://schemas.microsoft.com/office/drawing/2014/main" id="{69A0A83A-CCDD-AD4E-A87F-AE8C11FC8E97}"/>
+              </a:ext>
+            </a:extLst>
+          </p:cNvPr>
+          <p:cNvSpPr/>
+          <p:nvPr/>
+        </p:nvSpPr>
+        <p:spPr>
+          <a:xfrm>
+            <a:off x="4467634" y="4247326"/>
+            <a:ext cx="1572704" cy="734795"/>
+          </a:xfrm>
+          <a:prstGeom prst="ellipse">
+            <a:avLst/>
+          </a:prstGeom>
+        </p:spPr>
+        <p:style>
+          <a:lnRef idx="2">
+            <a:schemeClr val="accent1">
+              <a:shade val="50000"/>
+            </a:schemeClr>
+          </a:lnRef>
+          <a:fillRef idx="1">
+            <a:schemeClr val="accent1"/>
+          </a:fillRef>
+          <a:effectRef idx="0">
+            <a:schemeClr val="accent1"/>
+          </a:effectRef>
+          <a:fontRef idx="minor">
+            <a:schemeClr val="lt1"/>
+          </a:fontRef>
+        </p:style>
+        <p:txBody>
+          <a:bodyPr rtlCol="0" anchor="ctr"/>
+          <a:lstStyle/>
+          <a:p>
+            <a:pPr algn="ctr"/>
+            <a:r>
+              <a:rPr lang="pt-PT" dirty="0">
+                <a:latin typeface="NewsGotT" pitchFamily="2" charset="0"/>
+              </a:rPr>
+              <a:t>Nó de decisão</a:t>
+            </a:r>
+          </a:p>
+        </p:txBody>
+      </p:sp>
+      <p:cxnSp>
+        <p:nvCxnSpPr>
+          <p:cNvPr id="121" name="Straight Connector 120">
+            <a:extLst>
+              <a:ext uri="{FF2B5EF4-FFF2-40B4-BE49-F238E27FC236}">
+                <a16:creationId xmlns:a16="http://schemas.microsoft.com/office/drawing/2014/main" id="{509F42B6-7464-C94C-94F5-3DCDA756399E}"/>
+              </a:ext>
+            </a:extLst>
+          </p:cNvPr>
+          <p:cNvCxnSpPr>
+            <a:cxnSpLocks/>
+            <a:stCxn id="117" idx="4"/>
+            <a:endCxn id="124" idx="0"/>
+          </p:cNvCxnSpPr>
+          <p:nvPr/>
+        </p:nvCxnSpPr>
+        <p:spPr>
+          <a:xfrm>
+            <a:off x="5253986" y="4982121"/>
+            <a:ext cx="606416" cy="720562"/>
+          </a:xfrm>
+          <a:prstGeom prst="line">
+            <a:avLst/>
+          </a:prstGeom>
+          <a:ln w="28575">
+            <a:solidFill>
+              <a:schemeClr val="tx1"/>
+            </a:solidFill>
+          </a:ln>
+        </p:spPr>
+        <p:style>
+          <a:lnRef idx="1">
+            <a:schemeClr val="accent1"/>
+          </a:lnRef>
+          <a:fillRef idx="0">
+            <a:schemeClr val="accent1"/>
+          </a:fillRef>
+          <a:effectRef idx="0">
+            <a:schemeClr val="accent1"/>
+          </a:effectRef>
+          <a:fontRef idx="minor">
+            <a:schemeClr val="tx1"/>
+          </a:fontRef>
+        </p:style>
+      </p:cxnSp>
+      <p:sp>
+        <p:nvSpPr>
+          <p:cNvPr id="124" name="Oval 123">
+            <a:extLst>
+              <a:ext uri="{FF2B5EF4-FFF2-40B4-BE49-F238E27FC236}">
+                <a16:creationId xmlns:a16="http://schemas.microsoft.com/office/drawing/2014/main" id="{04416EA2-FEAC-674E-9344-BB4D5A3BA902}"/>
+              </a:ext>
+            </a:extLst>
+          </p:cNvPr>
+          <p:cNvSpPr/>
+          <p:nvPr/>
+        </p:nvSpPr>
+        <p:spPr>
+          <a:xfrm>
+            <a:off x="5465391" y="5702683"/>
+            <a:ext cx="790021" cy="508000"/>
+          </a:xfrm>
+          <a:prstGeom prst="ellipse">
+            <a:avLst/>
+          </a:prstGeom>
+          <a:solidFill>
+            <a:srgbClr val="C00000"/>
+          </a:solidFill>
+          <a:ln>
+            <a:noFill/>
+          </a:ln>
+        </p:spPr>
+        <p:style>
+          <a:lnRef idx="2">
+            <a:schemeClr val="accent1">
+              <a:shade val="50000"/>
+            </a:schemeClr>
+          </a:lnRef>
+          <a:fillRef idx="1">
+            <a:schemeClr val="accent1"/>
+          </a:fillRef>
+          <a:effectRef idx="0">
+            <a:schemeClr val="accent1"/>
+          </a:effectRef>
+          <a:fontRef idx="minor">
+            <a:schemeClr val="lt1"/>
+          </a:fontRef>
+        </p:style>
+        <p:txBody>
+          <a:bodyPr rtlCol="0" anchor="ctr"/>
+          <a:lstStyle/>
+          <a:p>
+            <a:pPr algn="ctr"/>
+            <a:r>
+              <a:rPr lang="pt-PT" sz="1200" dirty="0">
+                <a:latin typeface="NewsGotT" pitchFamily="2" charset="0"/>
+              </a:rPr>
+              <a:t>Folha</a:t>
+            </a:r>
+          </a:p>
+        </p:txBody>
+      </p:sp>
+      <p:sp>
+        <p:nvSpPr>
+          <p:cNvPr id="125" name="Oval 124">
+            <a:extLst>
+              <a:ext uri="{FF2B5EF4-FFF2-40B4-BE49-F238E27FC236}">
+                <a16:creationId xmlns:a16="http://schemas.microsoft.com/office/drawing/2014/main" id="{514308B5-CF7A-804A-9F56-49278D4903D6}"/>
+              </a:ext>
+            </a:extLst>
+          </p:cNvPr>
+          <p:cNvSpPr/>
+          <p:nvPr/>
+        </p:nvSpPr>
+        <p:spPr>
+          <a:xfrm>
+            <a:off x="4226479" y="5697538"/>
+            <a:ext cx="790021" cy="508000"/>
+          </a:xfrm>
+          <a:prstGeom prst="ellipse">
+            <a:avLst/>
+          </a:prstGeom>
+          <a:solidFill>
+            <a:srgbClr val="C00000"/>
+          </a:solidFill>
+          <a:ln>
+            <a:noFill/>
+          </a:ln>
+        </p:spPr>
+        <p:style>
+          <a:lnRef idx="2">
+            <a:schemeClr val="accent1">
+              <a:shade val="50000"/>
+            </a:schemeClr>
+          </a:lnRef>
+          <a:fillRef idx="1">
+            <a:schemeClr val="accent1"/>
+          </a:fillRef>
+          <a:effectRef idx="0">
+            <a:schemeClr val="accent1"/>
+          </a:effectRef>
+          <a:fontRef idx="minor">
+            <a:schemeClr val="lt1"/>
+          </a:fontRef>
+        </p:style>
+        <p:txBody>
+          <a:bodyPr rtlCol="0" anchor="ctr"/>
+          <a:lstStyle/>
+          <a:p>
+            <a:pPr algn="ctr"/>
+            <a:r>
+              <a:rPr lang="pt-PT" sz="1200" dirty="0">
+                <a:latin typeface="NewsGotT" pitchFamily="2" charset="0"/>
+              </a:rPr>
+              <a:t>Folha</a:t>
+            </a:r>
+          </a:p>
+        </p:txBody>
+      </p:sp>
     </p:spTree>
     <p:extLst>
       <p:ext uri="{BB962C8B-B14F-4D97-AF65-F5344CB8AC3E}">
-        <p14:creationId xmlns:p14="http://schemas.microsoft.com/office/powerpoint/2010/main" val="4096227498"/>
+        <p14:creationId xmlns:p14="http://schemas.microsoft.com/office/powerpoint/2010/main" val="2263923099"/>
       </p:ext>
     </p:extLst>
   </p:cSld>
@@ -11437,8 +12488,8 @@
         </p:nvCxnSpPr>
         <p:spPr>
           <a:xfrm flipH="1">
-            <a:off x="4357918" y="901698"/>
-            <a:ext cx="1687917" cy="736393"/>
+            <a:off x="4650433" y="901698"/>
+            <a:ext cx="1395402" cy="761426"/>
           </a:xfrm>
           <a:prstGeom prst="line">
             <a:avLst/>
@@ -11483,7 +12534,7 @@
         <p:spPr>
           <a:xfrm>
             <a:off x="6045835" y="901698"/>
-            <a:ext cx="1737763" cy="726677"/>
+            <a:ext cx="1233500" cy="742341"/>
           </a:xfrm>
           <a:prstGeom prst="line">
             <a:avLst/>
@@ -11523,7 +12574,7 @@
         </p:nvSpPr>
         <p:spPr>
           <a:xfrm>
-            <a:off x="3015531" y="1530483"/>
+            <a:off x="3308046" y="1555516"/>
             <a:ext cx="1572704" cy="734795"/>
           </a:xfrm>
           <a:prstGeom prst="ellipse">
@@ -11578,8 +12629,8 @@
         </p:nvCxnSpPr>
         <p:spPr>
           <a:xfrm flipH="1">
-            <a:off x="2620521" y="2265278"/>
-            <a:ext cx="1181362" cy="655722"/>
+            <a:off x="2886884" y="2290311"/>
+            <a:ext cx="1207514" cy="705174"/>
           </a:xfrm>
           <a:prstGeom prst="line">
             <a:avLst/>
@@ -11623,8 +12674,8 @@
         </p:nvCxnSpPr>
         <p:spPr>
           <a:xfrm>
-            <a:off x="3801883" y="2265278"/>
-            <a:ext cx="761110" cy="577304"/>
+            <a:off x="4094398" y="2290311"/>
+            <a:ext cx="760200" cy="552271"/>
           </a:xfrm>
           <a:prstGeom prst="line">
             <a:avLst/>
@@ -11668,8 +12719,8 @@
         </p:nvCxnSpPr>
         <p:spPr>
           <a:xfrm>
-            <a:off x="8339633" y="2255225"/>
-            <a:ext cx="1381986" cy="587356"/>
+            <a:off x="7835370" y="2271226"/>
+            <a:ext cx="786352" cy="669580"/>
           </a:xfrm>
           <a:prstGeom prst="line">
             <a:avLst/>
@@ -11713,8 +12764,8 @@
         </p:nvCxnSpPr>
         <p:spPr>
           <a:xfrm flipH="1">
-            <a:off x="7553281" y="2255225"/>
-            <a:ext cx="786352" cy="659377"/>
+            <a:off x="7075170" y="2271226"/>
+            <a:ext cx="760200" cy="724259"/>
           </a:xfrm>
           <a:prstGeom prst="line">
             <a:avLst/>
@@ -11754,7 +12805,7 @@
         </p:nvSpPr>
         <p:spPr>
           <a:xfrm>
-            <a:off x="2225510" y="2921000"/>
+            <a:off x="2491873" y="2995485"/>
             <a:ext cx="790021" cy="508000"/>
           </a:xfrm>
           <a:prstGeom prst="ellipse">
@@ -11811,8 +12862,8 @@
         </p:nvSpPr>
         <p:spPr>
           <a:xfrm>
-            <a:off x="7553281" y="1520825"/>
-            <a:ext cx="1572704" cy="734400"/>
+            <a:off x="7049018" y="1536431"/>
+            <a:ext cx="1572704" cy="734795"/>
           </a:xfrm>
           <a:prstGeom prst="ellipse">
             <a:avLst/>
@@ -11862,7 +12913,7 @@
         </p:nvSpPr>
         <p:spPr>
           <a:xfrm>
-            <a:off x="3776641" y="2842582"/>
+            <a:off x="4068246" y="2842582"/>
             <a:ext cx="1572704" cy="734795"/>
           </a:xfrm>
           <a:prstGeom prst="ellipse">
@@ -11913,7 +12964,7 @@
         </p:nvSpPr>
         <p:spPr>
           <a:xfrm>
-            <a:off x="7158270" y="2914602"/>
+            <a:off x="6680159" y="2995485"/>
             <a:ext cx="790021" cy="508000"/>
           </a:xfrm>
           <a:prstGeom prst="ellipse">
@@ -11974,8 +13025,8 @@
         </p:nvCxnSpPr>
         <p:spPr>
           <a:xfrm flipH="1">
-            <a:off x="9030626" y="3577376"/>
-            <a:ext cx="690993" cy="742710"/>
+            <a:off x="8059065" y="3675601"/>
+            <a:ext cx="562657" cy="662743"/>
           </a:xfrm>
           <a:prstGeom prst="line">
             <a:avLst/>
@@ -12019,8 +13070,8 @@
         </p:nvCxnSpPr>
         <p:spPr>
           <a:xfrm>
-            <a:off x="4562993" y="3577377"/>
-            <a:ext cx="690993" cy="669949"/>
+            <a:off x="4854598" y="3577377"/>
+            <a:ext cx="644198" cy="643113"/>
           </a:xfrm>
           <a:prstGeom prst="line">
             <a:avLst/>
@@ -12064,8 +13115,8 @@
         </p:nvCxnSpPr>
         <p:spPr>
           <a:xfrm flipH="1">
-            <a:off x="3481138" y="3577377"/>
-            <a:ext cx="1081855" cy="742709"/>
+            <a:off x="3964602" y="3577377"/>
+            <a:ext cx="889996" cy="756510"/>
           </a:xfrm>
           <a:prstGeom prst="line">
             <a:avLst/>
@@ -12109,8 +13160,8 @@
         </p:nvCxnSpPr>
         <p:spPr>
           <a:xfrm flipH="1">
-            <a:off x="4621490" y="4982121"/>
-            <a:ext cx="632496" cy="715417"/>
+            <a:off x="4981382" y="4955285"/>
+            <a:ext cx="517414" cy="791383"/>
           </a:xfrm>
           <a:prstGeom prst="line">
             <a:avLst/>
@@ -12150,7 +13201,7 @@
         </p:nvSpPr>
         <p:spPr>
           <a:xfrm>
-            <a:off x="8935267" y="2842581"/>
+            <a:off x="7835370" y="2940806"/>
             <a:ext cx="1572704" cy="734795"/>
           </a:xfrm>
           <a:prstGeom prst="ellipse">
@@ -12205,8 +13256,8 @@
         </p:nvCxnSpPr>
         <p:spPr>
           <a:xfrm>
-            <a:off x="9721619" y="3577376"/>
-            <a:ext cx="944389" cy="759307"/>
+            <a:off x="8621722" y="3675601"/>
+            <a:ext cx="530596" cy="669580"/>
           </a:xfrm>
           <a:prstGeom prst="line">
             <a:avLst/>
@@ -12246,7 +13297,7 @@
         </p:nvSpPr>
         <p:spPr>
           <a:xfrm>
-            <a:off x="8635615" y="4320086"/>
+            <a:off x="7664054" y="4338344"/>
             <a:ext cx="790021" cy="508000"/>
           </a:xfrm>
           <a:prstGeom prst="ellipse">
@@ -12303,7 +13354,7 @@
         </p:nvSpPr>
         <p:spPr>
           <a:xfrm>
-            <a:off x="3086127" y="4320086"/>
+            <a:off x="3569591" y="4333887"/>
             <a:ext cx="790021" cy="508000"/>
           </a:xfrm>
           <a:prstGeom prst="ellipse">
@@ -12360,7 +13411,7 @@
         </p:nvSpPr>
         <p:spPr>
           <a:xfrm>
-            <a:off x="10270997" y="4336683"/>
+            <a:off x="8757307" y="4345181"/>
             <a:ext cx="790021" cy="508000"/>
           </a:xfrm>
           <a:prstGeom prst="ellipse">
@@ -12417,7 +13468,7 @@
         </p:nvSpPr>
         <p:spPr>
           <a:xfrm>
-            <a:off x="4467634" y="4247326"/>
+            <a:off x="4712444" y="4220490"/>
             <a:ext cx="1572704" cy="734795"/>
           </a:xfrm>
           <a:prstGeom prst="ellipse">
@@ -12472,8 +13523,8 @@
         </p:nvCxnSpPr>
         <p:spPr>
           <a:xfrm>
-            <a:off x="5253986" y="4982121"/>
-            <a:ext cx="606416" cy="720562"/>
+            <a:off x="5498796" y="4955285"/>
+            <a:ext cx="639818" cy="791383"/>
           </a:xfrm>
           <a:prstGeom prst="line">
             <a:avLst/>
@@ -12513,7 +13564,7 @@
         </p:nvSpPr>
         <p:spPr>
           <a:xfrm>
-            <a:off x="5465391" y="5702683"/>
+            <a:off x="5743603" y="5746668"/>
             <a:ext cx="790021" cy="508000"/>
           </a:xfrm>
           <a:prstGeom prst="ellipse">
@@ -12570,7 +13621,7 @@
         </p:nvSpPr>
         <p:spPr>
           <a:xfrm>
-            <a:off x="4226479" y="5697538"/>
+            <a:off x="4586371" y="5746668"/>
             <a:ext cx="790021" cy="508000"/>
           </a:xfrm>
           <a:prstGeom prst="ellipse">
@@ -12616,7 +13667,7 @@
     </p:spTree>
     <p:extLst>
       <p:ext uri="{BB962C8B-B14F-4D97-AF65-F5344CB8AC3E}">
-        <p14:creationId xmlns:p14="http://schemas.microsoft.com/office/powerpoint/2010/main" val="2263923099"/>
+        <p14:creationId xmlns:p14="http://schemas.microsoft.com/office/powerpoint/2010/main" val="1072421173"/>
       </p:ext>
     </p:extLst>
   </p:cSld>
